--- a/Tutorial/Distribution Tutorial.pptx
+++ b/Tutorial/Distribution Tutorial.pptx
@@ -3,7 +3,6 @@
 <p:presentation xmlns:a="http://schemas.openxmlformats.org/drawingml/2006/main" xmlns:r="http://schemas.openxmlformats.org/officeDocument/2006/relationships" xmlns:p="http://schemas.openxmlformats.org/presentationml/2006/main" saveSubsetFonts="1">
   <p:sldMasterIdLst>
     <p:sldMasterId id="2147483648" r:id="rId1"/>
-    <p:sldMasterId id="2147483764" r:id="rId2"/>
   </p:sldMasterIdLst>
   <p:notesMasterIdLst>
     <p:notesMasterId r:id="rId16"/>
@@ -12,18 +11,19 @@
     <p:handoutMasterId r:id="rId17"/>
   </p:handoutMasterIdLst>
   <p:sldIdLst>
-    <p:sldId id="256" r:id="rId3"/>
-    <p:sldId id="293" r:id="rId4"/>
-    <p:sldId id="294" r:id="rId5"/>
-    <p:sldId id="295" r:id="rId6"/>
-    <p:sldId id="296" r:id="rId7"/>
-    <p:sldId id="297" r:id="rId8"/>
-    <p:sldId id="298" r:id="rId9"/>
-    <p:sldId id="299" r:id="rId10"/>
-    <p:sldId id="300" r:id="rId11"/>
-    <p:sldId id="303" r:id="rId12"/>
-    <p:sldId id="302" r:id="rId13"/>
-    <p:sldId id="301" r:id="rId14"/>
+    <p:sldId id="256" r:id="rId2"/>
+    <p:sldId id="293" r:id="rId3"/>
+    <p:sldId id="294" r:id="rId4"/>
+    <p:sldId id="295" r:id="rId5"/>
+    <p:sldId id="296" r:id="rId6"/>
+    <p:sldId id="297" r:id="rId7"/>
+    <p:sldId id="298" r:id="rId8"/>
+    <p:sldId id="299" r:id="rId9"/>
+    <p:sldId id="300" r:id="rId10"/>
+    <p:sldId id="303" r:id="rId11"/>
+    <p:sldId id="302" r:id="rId12"/>
+    <p:sldId id="301" r:id="rId13"/>
+    <p:sldId id="304" r:id="rId14"/>
     <p:sldId id="292" r:id="rId15"/>
   </p:sldIdLst>
   <p:sldSz cx="12192000" cy="6858000"/>
@@ -4139,2768 +4139,8 @@
 </file>
 
 <file path=ppt/slideLayouts/slideLayout20.xml><?xml version="1.0" encoding="utf-8"?>
-<p:sldLayout xmlns:a="http://schemas.openxmlformats.org/drawingml/2006/main" xmlns:r="http://schemas.openxmlformats.org/officeDocument/2006/relationships" xmlns:p="http://schemas.openxmlformats.org/presentationml/2006/main" type="title" preserve="1">
-  <p:cSld name="Rubrikbild">
-    <p:spTree>
-      <p:nvGrpSpPr>
-        <p:cNvPr id="1" name=""/>
-        <p:cNvGrpSpPr/>
-        <p:nvPr/>
-      </p:nvGrpSpPr>
-      <p:grpSpPr>
-        <a:xfrm>
-          <a:off x="0" y="0"/>
-          <a:ext cx="0" cy="0"/>
-          <a:chOff x="0" y="0"/>
-          <a:chExt cx="0" cy="0"/>
-        </a:xfrm>
-      </p:grpSpPr>
-      <p:sp>
-        <p:nvSpPr>
-          <p:cNvPr id="2" name="Rubrik 1">
-            <a:extLst>
-              <a:ext uri="{FF2B5EF4-FFF2-40B4-BE49-F238E27FC236}">
-                <a16:creationId xmlns:a16="http://schemas.microsoft.com/office/drawing/2014/main" id="{6EF4089C-22C5-4EE2-A56C-C5099C0A8A49}"/>
-              </a:ext>
-            </a:extLst>
-          </p:cNvPr>
-          <p:cNvSpPr>
-            <a:spLocks noGrp="1"/>
-          </p:cNvSpPr>
-          <p:nvPr>
-            <p:ph type="ctrTitle"/>
-          </p:nvPr>
-        </p:nvSpPr>
-        <p:spPr>
-          <a:xfrm>
-            <a:off x="1524000" y="1122363"/>
-            <a:ext cx="9144000" cy="2387600"/>
-          </a:xfrm>
-        </p:spPr>
-        <p:txBody>
-          <a:bodyPr anchor="b"/>
-          <a:lstStyle>
-            <a:lvl1pPr algn="ctr">
-              <a:defRPr sz="6000"/>
-            </a:lvl1pPr>
-          </a:lstStyle>
-          <a:p>
-            <a:r>
-              <a:rPr lang="sv-SE"/>
-              <a:t>Klicka här för att ändra mall för rubrikformat</a:t>
-            </a:r>
-            <a:endParaRPr lang="en-US"/>
-          </a:p>
-        </p:txBody>
-      </p:sp>
-      <p:sp>
-        <p:nvSpPr>
-          <p:cNvPr id="3" name="Underrubrik 2">
-            <a:extLst>
-              <a:ext uri="{FF2B5EF4-FFF2-40B4-BE49-F238E27FC236}">
-                <a16:creationId xmlns:a16="http://schemas.microsoft.com/office/drawing/2014/main" id="{0A8FFAAC-997A-40C5-A377-628FDD192C5E}"/>
-              </a:ext>
-            </a:extLst>
-          </p:cNvPr>
-          <p:cNvSpPr>
-            <a:spLocks noGrp="1"/>
-          </p:cNvSpPr>
-          <p:nvPr>
-            <p:ph type="subTitle" idx="1"/>
-          </p:nvPr>
-        </p:nvSpPr>
-        <p:spPr>
-          <a:xfrm>
-            <a:off x="1524000" y="3602038"/>
-            <a:ext cx="9144000" cy="1655762"/>
-          </a:xfrm>
-        </p:spPr>
-        <p:txBody>
-          <a:bodyPr/>
-          <a:lstStyle>
-            <a:lvl1pPr marL="0" indent="0" algn="ctr">
-              <a:buNone/>
-              <a:defRPr sz="2400"/>
-            </a:lvl1pPr>
-            <a:lvl2pPr marL="457200" indent="0" algn="ctr">
-              <a:buNone/>
-              <a:defRPr sz="2000"/>
-            </a:lvl2pPr>
-            <a:lvl3pPr marL="914400" indent="0" algn="ctr">
-              <a:buNone/>
-              <a:defRPr sz="1800"/>
-            </a:lvl3pPr>
-            <a:lvl4pPr marL="1371600" indent="0" algn="ctr">
-              <a:buNone/>
-              <a:defRPr sz="1600"/>
-            </a:lvl4pPr>
-            <a:lvl5pPr marL="1828800" indent="0" algn="ctr">
-              <a:buNone/>
-              <a:defRPr sz="1600"/>
-            </a:lvl5pPr>
-            <a:lvl6pPr marL="2286000" indent="0" algn="ctr">
-              <a:buNone/>
-              <a:defRPr sz="1600"/>
-            </a:lvl6pPr>
-            <a:lvl7pPr marL="2743200" indent="0" algn="ctr">
-              <a:buNone/>
-              <a:defRPr sz="1600"/>
-            </a:lvl7pPr>
-            <a:lvl8pPr marL="3200400" indent="0" algn="ctr">
-              <a:buNone/>
-              <a:defRPr sz="1600"/>
-            </a:lvl8pPr>
-            <a:lvl9pPr marL="3657600" indent="0" algn="ctr">
-              <a:buNone/>
-              <a:defRPr sz="1600"/>
-            </a:lvl9pPr>
-          </a:lstStyle>
-          <a:p>
-            <a:r>
-              <a:rPr lang="sv-SE"/>
-              <a:t>Klicka här för att ändra mall för underrubrikformat</a:t>
-            </a:r>
-            <a:endParaRPr lang="en-US"/>
-          </a:p>
-        </p:txBody>
-      </p:sp>
-      <p:sp>
-        <p:nvSpPr>
-          <p:cNvPr id="4" name="Platshållare för datum 3">
-            <a:extLst>
-              <a:ext uri="{FF2B5EF4-FFF2-40B4-BE49-F238E27FC236}">
-                <a16:creationId xmlns:a16="http://schemas.microsoft.com/office/drawing/2014/main" id="{0CF4293C-6D6E-4F0D-9B12-87FD25F19E6E}"/>
-              </a:ext>
-            </a:extLst>
-          </p:cNvPr>
-          <p:cNvSpPr>
-            <a:spLocks noGrp="1"/>
-          </p:cNvSpPr>
-          <p:nvPr>
-            <p:ph type="dt" sz="half" idx="10"/>
-          </p:nvPr>
-        </p:nvSpPr>
-        <p:spPr/>
-        <p:txBody>
-          <a:bodyPr/>
-          <a:lstStyle/>
-          <a:p>
-            <a:fld id="{F52870D8-7FF1-47EB-81BF-1C400A79EF46}" type="datetimeFigureOut">
-              <a:rPr lang="en-US" smtClean="0"/>
-              <a:t>9/23/2019</a:t>
-            </a:fld>
-            <a:endParaRPr lang="en-US"/>
-          </a:p>
-        </p:txBody>
-      </p:sp>
-      <p:sp>
-        <p:nvSpPr>
-          <p:cNvPr id="5" name="Platshållare för sidfot 4">
-            <a:extLst>
-              <a:ext uri="{FF2B5EF4-FFF2-40B4-BE49-F238E27FC236}">
-                <a16:creationId xmlns:a16="http://schemas.microsoft.com/office/drawing/2014/main" id="{2FE546AD-CA9D-47C8-A47C-F3AEC104D08C}"/>
-              </a:ext>
-            </a:extLst>
-          </p:cNvPr>
-          <p:cNvSpPr>
-            <a:spLocks noGrp="1"/>
-          </p:cNvSpPr>
-          <p:nvPr>
-            <p:ph type="ftr" sz="quarter" idx="11"/>
-          </p:nvPr>
-        </p:nvSpPr>
-        <p:spPr/>
-        <p:txBody>
-          <a:bodyPr/>
-          <a:lstStyle/>
-          <a:p>
-            <a:endParaRPr lang="en-US"/>
-          </a:p>
-        </p:txBody>
-      </p:sp>
-      <p:sp>
-        <p:nvSpPr>
-          <p:cNvPr id="6" name="Platshållare för bildnummer 5">
-            <a:extLst>
-              <a:ext uri="{FF2B5EF4-FFF2-40B4-BE49-F238E27FC236}">
-                <a16:creationId xmlns:a16="http://schemas.microsoft.com/office/drawing/2014/main" id="{568B75D1-5F5F-4C34-886A-B2A18F62CF31}"/>
-              </a:ext>
-            </a:extLst>
-          </p:cNvPr>
-          <p:cNvSpPr>
-            <a:spLocks noGrp="1"/>
-          </p:cNvSpPr>
-          <p:nvPr>
-            <p:ph type="sldNum" sz="quarter" idx="12"/>
-          </p:nvPr>
-        </p:nvSpPr>
-        <p:spPr/>
-        <p:txBody>
-          <a:bodyPr/>
-          <a:lstStyle/>
-          <a:p>
-            <a:fld id="{6B2BFFBF-6438-4229-83EF-E60CC97FFC50}" type="slidenum">
-              <a:rPr lang="en-US" smtClean="0"/>
-              <a:t>‹#›</a:t>
-            </a:fld>
-            <a:endParaRPr lang="en-US"/>
-          </a:p>
-        </p:txBody>
-      </p:sp>
-    </p:spTree>
-    <p:extLst>
-      <p:ext uri="{BB962C8B-B14F-4D97-AF65-F5344CB8AC3E}">
-        <p14:creationId xmlns:p14="http://schemas.microsoft.com/office/powerpoint/2010/main" val="1924355831"/>
-      </p:ext>
-    </p:extLst>
-  </p:cSld>
-  <p:clrMapOvr>
-    <a:masterClrMapping/>
-  </p:clrMapOvr>
-  <p:hf hdr="0" ftr="0" dt="0"/>
-</p:sldLayout>
-</file>
-
-<file path=ppt/slideLayouts/slideLayout21.xml><?xml version="1.0" encoding="utf-8"?>
-<p:sldLayout xmlns:a="http://schemas.openxmlformats.org/drawingml/2006/main" xmlns:r="http://schemas.openxmlformats.org/officeDocument/2006/relationships" xmlns:p="http://schemas.openxmlformats.org/presentationml/2006/main" type="obj" preserve="1">
-  <p:cSld name="Rubrik och innehåll">
-    <p:spTree>
-      <p:nvGrpSpPr>
-        <p:cNvPr id="1" name=""/>
-        <p:cNvGrpSpPr/>
-        <p:nvPr/>
-      </p:nvGrpSpPr>
-      <p:grpSpPr>
-        <a:xfrm>
-          <a:off x="0" y="0"/>
-          <a:ext cx="0" cy="0"/>
-          <a:chOff x="0" y="0"/>
-          <a:chExt cx="0" cy="0"/>
-        </a:xfrm>
-      </p:grpSpPr>
-      <p:sp>
-        <p:nvSpPr>
-          <p:cNvPr id="2" name="Rubrik 1">
-            <a:extLst>
-              <a:ext uri="{FF2B5EF4-FFF2-40B4-BE49-F238E27FC236}">
-                <a16:creationId xmlns:a16="http://schemas.microsoft.com/office/drawing/2014/main" id="{997D9CDB-000D-462F-AB65-C87C7DFDCBD7}"/>
-              </a:ext>
-            </a:extLst>
-          </p:cNvPr>
-          <p:cNvSpPr>
-            <a:spLocks noGrp="1"/>
-          </p:cNvSpPr>
-          <p:nvPr>
-            <p:ph type="title"/>
-          </p:nvPr>
-        </p:nvSpPr>
-        <p:spPr/>
-        <p:txBody>
-          <a:bodyPr/>
-          <a:lstStyle/>
-          <a:p>
-            <a:r>
-              <a:rPr lang="sv-SE"/>
-              <a:t>Klicka här för att ändra mall för rubrikformat</a:t>
-            </a:r>
-            <a:endParaRPr lang="en-US"/>
-          </a:p>
-        </p:txBody>
-      </p:sp>
-      <p:sp>
-        <p:nvSpPr>
-          <p:cNvPr id="3" name="Platshållare för innehåll 2">
-            <a:extLst>
-              <a:ext uri="{FF2B5EF4-FFF2-40B4-BE49-F238E27FC236}">
-                <a16:creationId xmlns:a16="http://schemas.microsoft.com/office/drawing/2014/main" id="{79A78A15-0C69-413B-8C42-2E41DF6CF800}"/>
-              </a:ext>
-            </a:extLst>
-          </p:cNvPr>
-          <p:cNvSpPr>
-            <a:spLocks noGrp="1"/>
-          </p:cNvSpPr>
-          <p:nvPr>
-            <p:ph idx="1"/>
-          </p:nvPr>
-        </p:nvSpPr>
-        <p:spPr/>
-        <p:txBody>
-          <a:bodyPr/>
-          <a:lstStyle/>
-          <a:p>
-            <a:pPr lvl="0"/>
-            <a:r>
-              <a:rPr lang="sv-SE"/>
-              <a:t>Klicka här för att ändra format på bakgrundstexten</a:t>
-            </a:r>
-          </a:p>
-          <a:p>
-            <a:pPr lvl="1"/>
-            <a:r>
-              <a:rPr lang="sv-SE"/>
-              <a:t>Nivå två</a:t>
-            </a:r>
-          </a:p>
-          <a:p>
-            <a:pPr lvl="2"/>
-            <a:r>
-              <a:rPr lang="sv-SE"/>
-              <a:t>Nivå tre</a:t>
-            </a:r>
-          </a:p>
-          <a:p>
-            <a:pPr lvl="3"/>
-            <a:r>
-              <a:rPr lang="sv-SE"/>
-              <a:t>Nivå fyra</a:t>
-            </a:r>
-          </a:p>
-          <a:p>
-            <a:pPr lvl="4"/>
-            <a:r>
-              <a:rPr lang="sv-SE"/>
-              <a:t>Nivå fem</a:t>
-            </a:r>
-            <a:endParaRPr lang="en-US"/>
-          </a:p>
-        </p:txBody>
-      </p:sp>
-      <p:sp>
-        <p:nvSpPr>
-          <p:cNvPr id="4" name="Platshållare för datum 3">
-            <a:extLst>
-              <a:ext uri="{FF2B5EF4-FFF2-40B4-BE49-F238E27FC236}">
-                <a16:creationId xmlns:a16="http://schemas.microsoft.com/office/drawing/2014/main" id="{F54745F5-516A-41F7-8974-F305F8AA8D4C}"/>
-              </a:ext>
-            </a:extLst>
-          </p:cNvPr>
-          <p:cNvSpPr>
-            <a:spLocks noGrp="1"/>
-          </p:cNvSpPr>
-          <p:nvPr>
-            <p:ph type="dt" sz="half" idx="10"/>
-          </p:nvPr>
-        </p:nvSpPr>
-        <p:spPr/>
-        <p:txBody>
-          <a:bodyPr/>
-          <a:lstStyle/>
-          <a:p>
-            <a:fld id="{F52870D8-7FF1-47EB-81BF-1C400A79EF46}" type="datetimeFigureOut">
-              <a:rPr lang="en-US" smtClean="0"/>
-              <a:t>9/23/2019</a:t>
-            </a:fld>
-            <a:endParaRPr lang="en-US"/>
-          </a:p>
-        </p:txBody>
-      </p:sp>
-      <p:sp>
-        <p:nvSpPr>
-          <p:cNvPr id="5" name="Platshållare för sidfot 4">
-            <a:extLst>
-              <a:ext uri="{FF2B5EF4-FFF2-40B4-BE49-F238E27FC236}">
-                <a16:creationId xmlns:a16="http://schemas.microsoft.com/office/drawing/2014/main" id="{BB443EC6-711B-4C8B-BEE3-423DB430D708}"/>
-              </a:ext>
-            </a:extLst>
-          </p:cNvPr>
-          <p:cNvSpPr>
-            <a:spLocks noGrp="1"/>
-          </p:cNvSpPr>
-          <p:nvPr>
-            <p:ph type="ftr" sz="quarter" idx="11"/>
-          </p:nvPr>
-        </p:nvSpPr>
-        <p:spPr/>
-        <p:txBody>
-          <a:bodyPr/>
-          <a:lstStyle/>
-          <a:p>
-            <a:endParaRPr lang="en-US"/>
-          </a:p>
-        </p:txBody>
-      </p:sp>
-      <p:sp>
-        <p:nvSpPr>
-          <p:cNvPr id="6" name="Platshållare för bildnummer 5">
-            <a:extLst>
-              <a:ext uri="{FF2B5EF4-FFF2-40B4-BE49-F238E27FC236}">
-                <a16:creationId xmlns:a16="http://schemas.microsoft.com/office/drawing/2014/main" id="{787C92C0-3095-4956-837B-8C97DB51C29F}"/>
-              </a:ext>
-            </a:extLst>
-          </p:cNvPr>
-          <p:cNvSpPr>
-            <a:spLocks noGrp="1"/>
-          </p:cNvSpPr>
-          <p:nvPr>
-            <p:ph type="sldNum" sz="quarter" idx="12"/>
-          </p:nvPr>
-        </p:nvSpPr>
-        <p:spPr/>
-        <p:txBody>
-          <a:bodyPr/>
-          <a:lstStyle/>
-          <a:p>
-            <a:fld id="{6B2BFFBF-6438-4229-83EF-E60CC97FFC50}" type="slidenum">
-              <a:rPr lang="en-US" smtClean="0"/>
-              <a:t>‹#›</a:t>
-            </a:fld>
-            <a:endParaRPr lang="en-US"/>
-          </a:p>
-        </p:txBody>
-      </p:sp>
-    </p:spTree>
-    <p:extLst>
-      <p:ext uri="{BB962C8B-B14F-4D97-AF65-F5344CB8AC3E}">
-        <p14:creationId xmlns:p14="http://schemas.microsoft.com/office/powerpoint/2010/main" val="519617695"/>
-      </p:ext>
-    </p:extLst>
-  </p:cSld>
-  <p:clrMapOvr>
-    <a:masterClrMapping/>
-  </p:clrMapOvr>
-  <p:hf hdr="0" ftr="0" dt="0"/>
-</p:sldLayout>
-</file>
-
-<file path=ppt/slideLayouts/slideLayout22.xml><?xml version="1.0" encoding="utf-8"?>
-<p:sldLayout xmlns:a="http://schemas.openxmlformats.org/drawingml/2006/main" xmlns:r="http://schemas.openxmlformats.org/officeDocument/2006/relationships" xmlns:p="http://schemas.openxmlformats.org/presentationml/2006/main" type="secHead" preserve="1">
-  <p:cSld name="Avsnittsrubrik">
-    <p:spTree>
-      <p:nvGrpSpPr>
-        <p:cNvPr id="1" name=""/>
-        <p:cNvGrpSpPr/>
-        <p:nvPr/>
-      </p:nvGrpSpPr>
-      <p:grpSpPr>
-        <a:xfrm>
-          <a:off x="0" y="0"/>
-          <a:ext cx="0" cy="0"/>
-          <a:chOff x="0" y="0"/>
-          <a:chExt cx="0" cy="0"/>
-        </a:xfrm>
-      </p:grpSpPr>
-      <p:sp>
-        <p:nvSpPr>
-          <p:cNvPr id="2" name="Rubrik 1">
-            <a:extLst>
-              <a:ext uri="{FF2B5EF4-FFF2-40B4-BE49-F238E27FC236}">
-                <a16:creationId xmlns:a16="http://schemas.microsoft.com/office/drawing/2014/main" id="{D3BFE7AE-C09E-4F39-80E8-E1927F8E358A}"/>
-              </a:ext>
-            </a:extLst>
-          </p:cNvPr>
-          <p:cNvSpPr>
-            <a:spLocks noGrp="1"/>
-          </p:cNvSpPr>
-          <p:nvPr>
-            <p:ph type="title"/>
-          </p:nvPr>
-        </p:nvSpPr>
-        <p:spPr>
-          <a:xfrm>
-            <a:off x="831850" y="1709738"/>
-            <a:ext cx="10515600" cy="2852737"/>
-          </a:xfrm>
-        </p:spPr>
-        <p:txBody>
-          <a:bodyPr anchor="b"/>
-          <a:lstStyle>
-            <a:lvl1pPr>
-              <a:defRPr sz="6000"/>
-            </a:lvl1pPr>
-          </a:lstStyle>
-          <a:p>
-            <a:r>
-              <a:rPr lang="sv-SE"/>
-              <a:t>Klicka här för att ändra mall för rubrikformat</a:t>
-            </a:r>
-            <a:endParaRPr lang="en-US"/>
-          </a:p>
-        </p:txBody>
-      </p:sp>
-      <p:sp>
-        <p:nvSpPr>
-          <p:cNvPr id="3" name="Platshållare för text 2">
-            <a:extLst>
-              <a:ext uri="{FF2B5EF4-FFF2-40B4-BE49-F238E27FC236}">
-                <a16:creationId xmlns:a16="http://schemas.microsoft.com/office/drawing/2014/main" id="{39CEA0B9-2E59-4B44-A66D-CFFDD2008493}"/>
-              </a:ext>
-            </a:extLst>
-          </p:cNvPr>
-          <p:cNvSpPr>
-            <a:spLocks noGrp="1"/>
-          </p:cNvSpPr>
-          <p:nvPr>
-            <p:ph type="body" idx="1"/>
-          </p:nvPr>
-        </p:nvSpPr>
-        <p:spPr>
-          <a:xfrm>
-            <a:off x="831850" y="4589463"/>
-            <a:ext cx="10515600" cy="1500187"/>
-          </a:xfrm>
-        </p:spPr>
-        <p:txBody>
-          <a:bodyPr/>
-          <a:lstStyle>
-            <a:lvl1pPr marL="0" indent="0">
-              <a:buNone/>
-              <a:defRPr sz="2400">
-                <a:solidFill>
-                  <a:schemeClr val="tx1">
-                    <a:tint val="75000"/>
-                  </a:schemeClr>
-                </a:solidFill>
-              </a:defRPr>
-            </a:lvl1pPr>
-            <a:lvl2pPr marL="457200" indent="0">
-              <a:buNone/>
-              <a:defRPr sz="2000">
-                <a:solidFill>
-                  <a:schemeClr val="tx1">
-                    <a:tint val="75000"/>
-                  </a:schemeClr>
-                </a:solidFill>
-              </a:defRPr>
-            </a:lvl2pPr>
-            <a:lvl3pPr marL="914400" indent="0">
-              <a:buNone/>
-              <a:defRPr sz="1800">
-                <a:solidFill>
-                  <a:schemeClr val="tx1">
-                    <a:tint val="75000"/>
-                  </a:schemeClr>
-                </a:solidFill>
-              </a:defRPr>
-            </a:lvl3pPr>
-            <a:lvl4pPr marL="1371600" indent="0">
-              <a:buNone/>
-              <a:defRPr sz="1600">
-                <a:solidFill>
-                  <a:schemeClr val="tx1">
-                    <a:tint val="75000"/>
-                  </a:schemeClr>
-                </a:solidFill>
-              </a:defRPr>
-            </a:lvl4pPr>
-            <a:lvl5pPr marL="1828800" indent="0">
-              <a:buNone/>
-              <a:defRPr sz="1600">
-                <a:solidFill>
-                  <a:schemeClr val="tx1">
-                    <a:tint val="75000"/>
-                  </a:schemeClr>
-                </a:solidFill>
-              </a:defRPr>
-            </a:lvl5pPr>
-            <a:lvl6pPr marL="2286000" indent="0">
-              <a:buNone/>
-              <a:defRPr sz="1600">
-                <a:solidFill>
-                  <a:schemeClr val="tx1">
-                    <a:tint val="75000"/>
-                  </a:schemeClr>
-                </a:solidFill>
-              </a:defRPr>
-            </a:lvl6pPr>
-            <a:lvl7pPr marL="2743200" indent="0">
-              <a:buNone/>
-              <a:defRPr sz="1600">
-                <a:solidFill>
-                  <a:schemeClr val="tx1">
-                    <a:tint val="75000"/>
-                  </a:schemeClr>
-                </a:solidFill>
-              </a:defRPr>
-            </a:lvl7pPr>
-            <a:lvl8pPr marL="3200400" indent="0">
-              <a:buNone/>
-              <a:defRPr sz="1600">
-                <a:solidFill>
-                  <a:schemeClr val="tx1">
-                    <a:tint val="75000"/>
-                  </a:schemeClr>
-                </a:solidFill>
-              </a:defRPr>
-            </a:lvl8pPr>
-            <a:lvl9pPr marL="3657600" indent="0">
-              <a:buNone/>
-              <a:defRPr sz="1600">
-                <a:solidFill>
-                  <a:schemeClr val="tx1">
-                    <a:tint val="75000"/>
-                  </a:schemeClr>
-                </a:solidFill>
-              </a:defRPr>
-            </a:lvl9pPr>
-          </a:lstStyle>
-          <a:p>
-            <a:pPr lvl="0"/>
-            <a:r>
-              <a:rPr lang="sv-SE"/>
-              <a:t>Klicka här för att ändra format på bakgrundstexten</a:t>
-            </a:r>
-          </a:p>
-        </p:txBody>
-      </p:sp>
-      <p:sp>
-        <p:nvSpPr>
-          <p:cNvPr id="4" name="Platshållare för datum 3">
-            <a:extLst>
-              <a:ext uri="{FF2B5EF4-FFF2-40B4-BE49-F238E27FC236}">
-                <a16:creationId xmlns:a16="http://schemas.microsoft.com/office/drawing/2014/main" id="{179DB1F6-633A-4A22-B8CB-1BF1BAED026D}"/>
-              </a:ext>
-            </a:extLst>
-          </p:cNvPr>
-          <p:cNvSpPr>
-            <a:spLocks noGrp="1"/>
-          </p:cNvSpPr>
-          <p:nvPr>
-            <p:ph type="dt" sz="half" idx="10"/>
-          </p:nvPr>
-        </p:nvSpPr>
-        <p:spPr/>
-        <p:txBody>
-          <a:bodyPr/>
-          <a:lstStyle/>
-          <a:p>
-            <a:fld id="{F52870D8-7FF1-47EB-81BF-1C400A79EF46}" type="datetimeFigureOut">
-              <a:rPr lang="en-US" smtClean="0"/>
-              <a:t>9/23/2019</a:t>
-            </a:fld>
-            <a:endParaRPr lang="en-US"/>
-          </a:p>
-        </p:txBody>
-      </p:sp>
-      <p:sp>
-        <p:nvSpPr>
-          <p:cNvPr id="5" name="Platshållare för sidfot 4">
-            <a:extLst>
-              <a:ext uri="{FF2B5EF4-FFF2-40B4-BE49-F238E27FC236}">
-                <a16:creationId xmlns:a16="http://schemas.microsoft.com/office/drawing/2014/main" id="{75A82C1D-B022-403A-9253-0465B2E557BF}"/>
-              </a:ext>
-            </a:extLst>
-          </p:cNvPr>
-          <p:cNvSpPr>
-            <a:spLocks noGrp="1"/>
-          </p:cNvSpPr>
-          <p:nvPr>
-            <p:ph type="ftr" sz="quarter" idx="11"/>
-          </p:nvPr>
-        </p:nvSpPr>
-        <p:spPr/>
-        <p:txBody>
-          <a:bodyPr/>
-          <a:lstStyle/>
-          <a:p>
-            <a:endParaRPr lang="en-US"/>
-          </a:p>
-        </p:txBody>
-      </p:sp>
-      <p:sp>
-        <p:nvSpPr>
-          <p:cNvPr id="6" name="Platshållare för bildnummer 5">
-            <a:extLst>
-              <a:ext uri="{FF2B5EF4-FFF2-40B4-BE49-F238E27FC236}">
-                <a16:creationId xmlns:a16="http://schemas.microsoft.com/office/drawing/2014/main" id="{C631BD30-6EE1-4471-97A1-C94D6F91CB26}"/>
-              </a:ext>
-            </a:extLst>
-          </p:cNvPr>
-          <p:cNvSpPr>
-            <a:spLocks noGrp="1"/>
-          </p:cNvSpPr>
-          <p:nvPr>
-            <p:ph type="sldNum" sz="quarter" idx="12"/>
-          </p:nvPr>
-        </p:nvSpPr>
-        <p:spPr/>
-        <p:txBody>
-          <a:bodyPr/>
-          <a:lstStyle/>
-          <a:p>
-            <a:fld id="{6B2BFFBF-6438-4229-83EF-E60CC97FFC50}" type="slidenum">
-              <a:rPr lang="en-US" smtClean="0"/>
-              <a:t>‹#›</a:t>
-            </a:fld>
-            <a:endParaRPr lang="en-US"/>
-          </a:p>
-        </p:txBody>
-      </p:sp>
-    </p:spTree>
-    <p:extLst>
-      <p:ext uri="{BB962C8B-B14F-4D97-AF65-F5344CB8AC3E}">
-        <p14:creationId xmlns:p14="http://schemas.microsoft.com/office/powerpoint/2010/main" val="3254148705"/>
-      </p:ext>
-    </p:extLst>
-  </p:cSld>
-  <p:clrMapOvr>
-    <a:masterClrMapping/>
-  </p:clrMapOvr>
-  <p:hf hdr="0" ftr="0" dt="0"/>
-</p:sldLayout>
-</file>
-
-<file path=ppt/slideLayouts/slideLayout23.xml><?xml version="1.0" encoding="utf-8"?>
-<p:sldLayout xmlns:a="http://schemas.openxmlformats.org/drawingml/2006/main" xmlns:r="http://schemas.openxmlformats.org/officeDocument/2006/relationships" xmlns:p="http://schemas.openxmlformats.org/presentationml/2006/main" type="twoObj" preserve="1">
-  <p:cSld name="Två delar">
-    <p:spTree>
-      <p:nvGrpSpPr>
-        <p:cNvPr id="1" name=""/>
-        <p:cNvGrpSpPr/>
-        <p:nvPr/>
-      </p:nvGrpSpPr>
-      <p:grpSpPr>
-        <a:xfrm>
-          <a:off x="0" y="0"/>
-          <a:ext cx="0" cy="0"/>
-          <a:chOff x="0" y="0"/>
-          <a:chExt cx="0" cy="0"/>
-        </a:xfrm>
-      </p:grpSpPr>
-      <p:sp>
-        <p:nvSpPr>
-          <p:cNvPr id="2" name="Rubrik 1">
-            <a:extLst>
-              <a:ext uri="{FF2B5EF4-FFF2-40B4-BE49-F238E27FC236}">
-                <a16:creationId xmlns:a16="http://schemas.microsoft.com/office/drawing/2014/main" id="{A3135304-AFA5-498E-9B8F-DCBFC63F8E95}"/>
-              </a:ext>
-            </a:extLst>
-          </p:cNvPr>
-          <p:cNvSpPr>
-            <a:spLocks noGrp="1"/>
-          </p:cNvSpPr>
-          <p:nvPr>
-            <p:ph type="title"/>
-          </p:nvPr>
-        </p:nvSpPr>
-        <p:spPr/>
-        <p:txBody>
-          <a:bodyPr/>
-          <a:lstStyle/>
-          <a:p>
-            <a:r>
-              <a:rPr lang="sv-SE"/>
-              <a:t>Klicka här för att ändra mall för rubrikformat</a:t>
-            </a:r>
-            <a:endParaRPr lang="en-US"/>
-          </a:p>
-        </p:txBody>
-      </p:sp>
-      <p:sp>
-        <p:nvSpPr>
-          <p:cNvPr id="3" name="Platshållare för innehåll 2">
-            <a:extLst>
-              <a:ext uri="{FF2B5EF4-FFF2-40B4-BE49-F238E27FC236}">
-                <a16:creationId xmlns:a16="http://schemas.microsoft.com/office/drawing/2014/main" id="{9AEA5FCB-EB0B-4A3A-AE06-929247694C9B}"/>
-              </a:ext>
-            </a:extLst>
-          </p:cNvPr>
-          <p:cNvSpPr>
-            <a:spLocks noGrp="1"/>
-          </p:cNvSpPr>
-          <p:nvPr>
-            <p:ph sz="half" idx="1"/>
-          </p:nvPr>
-        </p:nvSpPr>
-        <p:spPr>
-          <a:xfrm>
-            <a:off x="838200" y="1825625"/>
-            <a:ext cx="5181600" cy="4351338"/>
-          </a:xfrm>
-        </p:spPr>
-        <p:txBody>
-          <a:bodyPr/>
-          <a:lstStyle/>
-          <a:p>
-            <a:pPr lvl="0"/>
-            <a:r>
-              <a:rPr lang="sv-SE"/>
-              <a:t>Klicka här för att ändra format på bakgrundstexten</a:t>
-            </a:r>
-          </a:p>
-          <a:p>
-            <a:pPr lvl="1"/>
-            <a:r>
-              <a:rPr lang="sv-SE"/>
-              <a:t>Nivå två</a:t>
-            </a:r>
-          </a:p>
-          <a:p>
-            <a:pPr lvl="2"/>
-            <a:r>
-              <a:rPr lang="sv-SE"/>
-              <a:t>Nivå tre</a:t>
-            </a:r>
-          </a:p>
-          <a:p>
-            <a:pPr lvl="3"/>
-            <a:r>
-              <a:rPr lang="sv-SE"/>
-              <a:t>Nivå fyra</a:t>
-            </a:r>
-          </a:p>
-          <a:p>
-            <a:pPr lvl="4"/>
-            <a:r>
-              <a:rPr lang="sv-SE"/>
-              <a:t>Nivå fem</a:t>
-            </a:r>
-            <a:endParaRPr lang="en-US"/>
-          </a:p>
-        </p:txBody>
-      </p:sp>
-      <p:sp>
-        <p:nvSpPr>
-          <p:cNvPr id="4" name="Platshållare för innehåll 3">
-            <a:extLst>
-              <a:ext uri="{FF2B5EF4-FFF2-40B4-BE49-F238E27FC236}">
-                <a16:creationId xmlns:a16="http://schemas.microsoft.com/office/drawing/2014/main" id="{F3AB8A94-A6D6-41A1-9222-BC2C697FC111}"/>
-              </a:ext>
-            </a:extLst>
-          </p:cNvPr>
-          <p:cNvSpPr>
-            <a:spLocks noGrp="1"/>
-          </p:cNvSpPr>
-          <p:nvPr>
-            <p:ph sz="half" idx="2"/>
-          </p:nvPr>
-        </p:nvSpPr>
-        <p:spPr>
-          <a:xfrm>
-            <a:off x="6172200" y="1825625"/>
-            <a:ext cx="5181600" cy="4351338"/>
-          </a:xfrm>
-        </p:spPr>
-        <p:txBody>
-          <a:bodyPr/>
-          <a:lstStyle/>
-          <a:p>
-            <a:pPr lvl="0"/>
-            <a:r>
-              <a:rPr lang="sv-SE"/>
-              <a:t>Klicka här för att ändra format på bakgrundstexten</a:t>
-            </a:r>
-          </a:p>
-          <a:p>
-            <a:pPr lvl="1"/>
-            <a:r>
-              <a:rPr lang="sv-SE"/>
-              <a:t>Nivå två</a:t>
-            </a:r>
-          </a:p>
-          <a:p>
-            <a:pPr lvl="2"/>
-            <a:r>
-              <a:rPr lang="sv-SE"/>
-              <a:t>Nivå tre</a:t>
-            </a:r>
-          </a:p>
-          <a:p>
-            <a:pPr lvl="3"/>
-            <a:r>
-              <a:rPr lang="sv-SE"/>
-              <a:t>Nivå fyra</a:t>
-            </a:r>
-          </a:p>
-          <a:p>
-            <a:pPr lvl="4"/>
-            <a:r>
-              <a:rPr lang="sv-SE"/>
-              <a:t>Nivå fem</a:t>
-            </a:r>
-            <a:endParaRPr lang="en-US"/>
-          </a:p>
-        </p:txBody>
-      </p:sp>
-      <p:sp>
-        <p:nvSpPr>
-          <p:cNvPr id="5" name="Platshållare för datum 4">
-            <a:extLst>
-              <a:ext uri="{FF2B5EF4-FFF2-40B4-BE49-F238E27FC236}">
-                <a16:creationId xmlns:a16="http://schemas.microsoft.com/office/drawing/2014/main" id="{3F784F3E-A2F9-4629-9C8D-D71EB6338811}"/>
-              </a:ext>
-            </a:extLst>
-          </p:cNvPr>
-          <p:cNvSpPr>
-            <a:spLocks noGrp="1"/>
-          </p:cNvSpPr>
-          <p:nvPr>
-            <p:ph type="dt" sz="half" idx="10"/>
-          </p:nvPr>
-        </p:nvSpPr>
-        <p:spPr/>
-        <p:txBody>
-          <a:bodyPr/>
-          <a:lstStyle/>
-          <a:p>
-            <a:fld id="{F52870D8-7FF1-47EB-81BF-1C400A79EF46}" type="datetimeFigureOut">
-              <a:rPr lang="en-US" smtClean="0"/>
-              <a:t>9/23/2019</a:t>
-            </a:fld>
-            <a:endParaRPr lang="en-US"/>
-          </a:p>
-        </p:txBody>
-      </p:sp>
-      <p:sp>
-        <p:nvSpPr>
-          <p:cNvPr id="6" name="Platshållare för sidfot 5">
-            <a:extLst>
-              <a:ext uri="{FF2B5EF4-FFF2-40B4-BE49-F238E27FC236}">
-                <a16:creationId xmlns:a16="http://schemas.microsoft.com/office/drawing/2014/main" id="{DD1F6C10-9501-4D71-8B36-7ACE39F807AA}"/>
-              </a:ext>
-            </a:extLst>
-          </p:cNvPr>
-          <p:cNvSpPr>
-            <a:spLocks noGrp="1"/>
-          </p:cNvSpPr>
-          <p:nvPr>
-            <p:ph type="ftr" sz="quarter" idx="11"/>
-          </p:nvPr>
-        </p:nvSpPr>
-        <p:spPr/>
-        <p:txBody>
-          <a:bodyPr/>
-          <a:lstStyle/>
-          <a:p>
-            <a:endParaRPr lang="en-US"/>
-          </a:p>
-        </p:txBody>
-      </p:sp>
-      <p:sp>
-        <p:nvSpPr>
-          <p:cNvPr id="7" name="Platshållare för bildnummer 6">
-            <a:extLst>
-              <a:ext uri="{FF2B5EF4-FFF2-40B4-BE49-F238E27FC236}">
-                <a16:creationId xmlns:a16="http://schemas.microsoft.com/office/drawing/2014/main" id="{15FB4587-6542-4F6E-BB3C-9DDAEA41DC22}"/>
-              </a:ext>
-            </a:extLst>
-          </p:cNvPr>
-          <p:cNvSpPr>
-            <a:spLocks noGrp="1"/>
-          </p:cNvSpPr>
-          <p:nvPr>
-            <p:ph type="sldNum" sz="quarter" idx="12"/>
-          </p:nvPr>
-        </p:nvSpPr>
-        <p:spPr/>
-        <p:txBody>
-          <a:bodyPr/>
-          <a:lstStyle/>
-          <a:p>
-            <a:fld id="{6B2BFFBF-6438-4229-83EF-E60CC97FFC50}" type="slidenum">
-              <a:rPr lang="en-US" smtClean="0"/>
-              <a:t>‹#›</a:t>
-            </a:fld>
-            <a:endParaRPr lang="en-US"/>
-          </a:p>
-        </p:txBody>
-      </p:sp>
-    </p:spTree>
-    <p:extLst>
-      <p:ext uri="{BB962C8B-B14F-4D97-AF65-F5344CB8AC3E}">
-        <p14:creationId xmlns:p14="http://schemas.microsoft.com/office/powerpoint/2010/main" val="3436182578"/>
-      </p:ext>
-    </p:extLst>
-  </p:cSld>
-  <p:clrMapOvr>
-    <a:masterClrMapping/>
-  </p:clrMapOvr>
-  <p:hf hdr="0" ftr="0" dt="0"/>
-</p:sldLayout>
-</file>
-
-<file path=ppt/slideLayouts/slideLayout24.xml><?xml version="1.0" encoding="utf-8"?>
-<p:sldLayout xmlns:a="http://schemas.openxmlformats.org/drawingml/2006/main" xmlns:r="http://schemas.openxmlformats.org/officeDocument/2006/relationships" xmlns:p="http://schemas.openxmlformats.org/presentationml/2006/main" type="twoTxTwoObj" preserve="1">
-  <p:cSld name="Jämförelse">
-    <p:spTree>
-      <p:nvGrpSpPr>
-        <p:cNvPr id="1" name=""/>
-        <p:cNvGrpSpPr/>
-        <p:nvPr/>
-      </p:nvGrpSpPr>
-      <p:grpSpPr>
-        <a:xfrm>
-          <a:off x="0" y="0"/>
-          <a:ext cx="0" cy="0"/>
-          <a:chOff x="0" y="0"/>
-          <a:chExt cx="0" cy="0"/>
-        </a:xfrm>
-      </p:grpSpPr>
-      <p:sp>
-        <p:nvSpPr>
-          <p:cNvPr id="2" name="Rubrik 1">
-            <a:extLst>
-              <a:ext uri="{FF2B5EF4-FFF2-40B4-BE49-F238E27FC236}">
-                <a16:creationId xmlns:a16="http://schemas.microsoft.com/office/drawing/2014/main" id="{90A6439F-4BC4-45BA-90C8-F4ED26FEE82C}"/>
-              </a:ext>
-            </a:extLst>
-          </p:cNvPr>
-          <p:cNvSpPr>
-            <a:spLocks noGrp="1"/>
-          </p:cNvSpPr>
-          <p:nvPr>
-            <p:ph type="title"/>
-          </p:nvPr>
-        </p:nvSpPr>
-        <p:spPr>
-          <a:xfrm>
-            <a:off x="839788" y="365125"/>
-            <a:ext cx="10515600" cy="1325563"/>
-          </a:xfrm>
-        </p:spPr>
-        <p:txBody>
-          <a:bodyPr/>
-          <a:lstStyle/>
-          <a:p>
-            <a:r>
-              <a:rPr lang="sv-SE"/>
-              <a:t>Klicka här för att ändra mall för rubrikformat</a:t>
-            </a:r>
-            <a:endParaRPr lang="en-US"/>
-          </a:p>
-        </p:txBody>
-      </p:sp>
-      <p:sp>
-        <p:nvSpPr>
-          <p:cNvPr id="3" name="Platshållare för text 2">
-            <a:extLst>
-              <a:ext uri="{FF2B5EF4-FFF2-40B4-BE49-F238E27FC236}">
-                <a16:creationId xmlns:a16="http://schemas.microsoft.com/office/drawing/2014/main" id="{C62AE782-15B8-4D15-AB19-A5D7AE683A5A}"/>
-              </a:ext>
-            </a:extLst>
-          </p:cNvPr>
-          <p:cNvSpPr>
-            <a:spLocks noGrp="1"/>
-          </p:cNvSpPr>
-          <p:nvPr>
-            <p:ph type="body" idx="1"/>
-          </p:nvPr>
-        </p:nvSpPr>
-        <p:spPr>
-          <a:xfrm>
-            <a:off x="839788" y="1681163"/>
-            <a:ext cx="5157787" cy="823912"/>
-          </a:xfrm>
-        </p:spPr>
-        <p:txBody>
-          <a:bodyPr anchor="b"/>
-          <a:lstStyle>
-            <a:lvl1pPr marL="0" indent="0">
-              <a:buNone/>
-              <a:defRPr sz="2400" b="1"/>
-            </a:lvl1pPr>
-            <a:lvl2pPr marL="457200" indent="0">
-              <a:buNone/>
-              <a:defRPr sz="2000" b="1"/>
-            </a:lvl2pPr>
-            <a:lvl3pPr marL="914400" indent="0">
-              <a:buNone/>
-              <a:defRPr sz="1800" b="1"/>
-            </a:lvl3pPr>
-            <a:lvl4pPr marL="1371600" indent="0">
-              <a:buNone/>
-              <a:defRPr sz="1600" b="1"/>
-            </a:lvl4pPr>
-            <a:lvl5pPr marL="1828800" indent="0">
-              <a:buNone/>
-              <a:defRPr sz="1600" b="1"/>
-            </a:lvl5pPr>
-            <a:lvl6pPr marL="2286000" indent="0">
-              <a:buNone/>
-              <a:defRPr sz="1600" b="1"/>
-            </a:lvl6pPr>
-            <a:lvl7pPr marL="2743200" indent="0">
-              <a:buNone/>
-              <a:defRPr sz="1600" b="1"/>
-            </a:lvl7pPr>
-            <a:lvl8pPr marL="3200400" indent="0">
-              <a:buNone/>
-              <a:defRPr sz="1600" b="1"/>
-            </a:lvl8pPr>
-            <a:lvl9pPr marL="3657600" indent="0">
-              <a:buNone/>
-              <a:defRPr sz="1600" b="1"/>
-            </a:lvl9pPr>
-          </a:lstStyle>
-          <a:p>
-            <a:pPr lvl="0"/>
-            <a:r>
-              <a:rPr lang="sv-SE"/>
-              <a:t>Klicka här för att ändra format på bakgrundstexten</a:t>
-            </a:r>
-          </a:p>
-        </p:txBody>
-      </p:sp>
-      <p:sp>
-        <p:nvSpPr>
-          <p:cNvPr id="4" name="Platshållare för innehåll 3">
-            <a:extLst>
-              <a:ext uri="{FF2B5EF4-FFF2-40B4-BE49-F238E27FC236}">
-                <a16:creationId xmlns:a16="http://schemas.microsoft.com/office/drawing/2014/main" id="{1CA8853C-FF1E-4ABA-9122-DEED898EEA8B}"/>
-              </a:ext>
-            </a:extLst>
-          </p:cNvPr>
-          <p:cNvSpPr>
-            <a:spLocks noGrp="1"/>
-          </p:cNvSpPr>
-          <p:nvPr>
-            <p:ph sz="half" idx="2"/>
-          </p:nvPr>
-        </p:nvSpPr>
-        <p:spPr>
-          <a:xfrm>
-            <a:off x="839788" y="2505075"/>
-            <a:ext cx="5157787" cy="3684588"/>
-          </a:xfrm>
-        </p:spPr>
-        <p:txBody>
-          <a:bodyPr/>
-          <a:lstStyle/>
-          <a:p>
-            <a:pPr lvl="0"/>
-            <a:r>
-              <a:rPr lang="sv-SE"/>
-              <a:t>Klicka här för att ändra format på bakgrundstexten</a:t>
-            </a:r>
-          </a:p>
-          <a:p>
-            <a:pPr lvl="1"/>
-            <a:r>
-              <a:rPr lang="sv-SE"/>
-              <a:t>Nivå två</a:t>
-            </a:r>
-          </a:p>
-          <a:p>
-            <a:pPr lvl="2"/>
-            <a:r>
-              <a:rPr lang="sv-SE"/>
-              <a:t>Nivå tre</a:t>
-            </a:r>
-          </a:p>
-          <a:p>
-            <a:pPr lvl="3"/>
-            <a:r>
-              <a:rPr lang="sv-SE"/>
-              <a:t>Nivå fyra</a:t>
-            </a:r>
-          </a:p>
-          <a:p>
-            <a:pPr lvl="4"/>
-            <a:r>
-              <a:rPr lang="sv-SE"/>
-              <a:t>Nivå fem</a:t>
-            </a:r>
-            <a:endParaRPr lang="en-US"/>
-          </a:p>
-        </p:txBody>
-      </p:sp>
-      <p:sp>
-        <p:nvSpPr>
-          <p:cNvPr id="5" name="Platshållare för text 4">
-            <a:extLst>
-              <a:ext uri="{FF2B5EF4-FFF2-40B4-BE49-F238E27FC236}">
-                <a16:creationId xmlns:a16="http://schemas.microsoft.com/office/drawing/2014/main" id="{1EB1556C-CA40-469A-A2E1-3A910A89A69E}"/>
-              </a:ext>
-            </a:extLst>
-          </p:cNvPr>
-          <p:cNvSpPr>
-            <a:spLocks noGrp="1"/>
-          </p:cNvSpPr>
-          <p:nvPr>
-            <p:ph type="body" sz="quarter" idx="3"/>
-          </p:nvPr>
-        </p:nvSpPr>
-        <p:spPr>
-          <a:xfrm>
-            <a:off x="6172200" y="1681163"/>
-            <a:ext cx="5183188" cy="823912"/>
-          </a:xfrm>
-        </p:spPr>
-        <p:txBody>
-          <a:bodyPr anchor="b"/>
-          <a:lstStyle>
-            <a:lvl1pPr marL="0" indent="0">
-              <a:buNone/>
-              <a:defRPr sz="2400" b="1"/>
-            </a:lvl1pPr>
-            <a:lvl2pPr marL="457200" indent="0">
-              <a:buNone/>
-              <a:defRPr sz="2000" b="1"/>
-            </a:lvl2pPr>
-            <a:lvl3pPr marL="914400" indent="0">
-              <a:buNone/>
-              <a:defRPr sz="1800" b="1"/>
-            </a:lvl3pPr>
-            <a:lvl4pPr marL="1371600" indent="0">
-              <a:buNone/>
-              <a:defRPr sz="1600" b="1"/>
-            </a:lvl4pPr>
-            <a:lvl5pPr marL="1828800" indent="0">
-              <a:buNone/>
-              <a:defRPr sz="1600" b="1"/>
-            </a:lvl5pPr>
-            <a:lvl6pPr marL="2286000" indent="0">
-              <a:buNone/>
-              <a:defRPr sz="1600" b="1"/>
-            </a:lvl6pPr>
-            <a:lvl7pPr marL="2743200" indent="0">
-              <a:buNone/>
-              <a:defRPr sz="1600" b="1"/>
-            </a:lvl7pPr>
-            <a:lvl8pPr marL="3200400" indent="0">
-              <a:buNone/>
-              <a:defRPr sz="1600" b="1"/>
-            </a:lvl8pPr>
-            <a:lvl9pPr marL="3657600" indent="0">
-              <a:buNone/>
-              <a:defRPr sz="1600" b="1"/>
-            </a:lvl9pPr>
-          </a:lstStyle>
-          <a:p>
-            <a:pPr lvl="0"/>
-            <a:r>
-              <a:rPr lang="sv-SE"/>
-              <a:t>Klicka här för att ändra format på bakgrundstexten</a:t>
-            </a:r>
-          </a:p>
-        </p:txBody>
-      </p:sp>
-      <p:sp>
-        <p:nvSpPr>
-          <p:cNvPr id="6" name="Platshållare för innehåll 5">
-            <a:extLst>
-              <a:ext uri="{FF2B5EF4-FFF2-40B4-BE49-F238E27FC236}">
-                <a16:creationId xmlns:a16="http://schemas.microsoft.com/office/drawing/2014/main" id="{1417F66D-5ADB-41E5-890D-F25FA0E7E798}"/>
-              </a:ext>
-            </a:extLst>
-          </p:cNvPr>
-          <p:cNvSpPr>
-            <a:spLocks noGrp="1"/>
-          </p:cNvSpPr>
-          <p:nvPr>
-            <p:ph sz="quarter" idx="4"/>
-          </p:nvPr>
-        </p:nvSpPr>
-        <p:spPr>
-          <a:xfrm>
-            <a:off x="6172200" y="2505075"/>
-            <a:ext cx="5183188" cy="3684588"/>
-          </a:xfrm>
-        </p:spPr>
-        <p:txBody>
-          <a:bodyPr/>
-          <a:lstStyle/>
-          <a:p>
-            <a:pPr lvl="0"/>
-            <a:r>
-              <a:rPr lang="sv-SE"/>
-              <a:t>Klicka här för att ändra format på bakgrundstexten</a:t>
-            </a:r>
-          </a:p>
-          <a:p>
-            <a:pPr lvl="1"/>
-            <a:r>
-              <a:rPr lang="sv-SE"/>
-              <a:t>Nivå två</a:t>
-            </a:r>
-          </a:p>
-          <a:p>
-            <a:pPr lvl="2"/>
-            <a:r>
-              <a:rPr lang="sv-SE"/>
-              <a:t>Nivå tre</a:t>
-            </a:r>
-          </a:p>
-          <a:p>
-            <a:pPr lvl="3"/>
-            <a:r>
-              <a:rPr lang="sv-SE"/>
-              <a:t>Nivå fyra</a:t>
-            </a:r>
-          </a:p>
-          <a:p>
-            <a:pPr lvl="4"/>
-            <a:r>
-              <a:rPr lang="sv-SE"/>
-              <a:t>Nivå fem</a:t>
-            </a:r>
-            <a:endParaRPr lang="en-US"/>
-          </a:p>
-        </p:txBody>
-      </p:sp>
-      <p:sp>
-        <p:nvSpPr>
-          <p:cNvPr id="7" name="Platshållare för datum 6">
-            <a:extLst>
-              <a:ext uri="{FF2B5EF4-FFF2-40B4-BE49-F238E27FC236}">
-                <a16:creationId xmlns:a16="http://schemas.microsoft.com/office/drawing/2014/main" id="{46146F31-3942-4A3E-813C-24CBE416538D}"/>
-              </a:ext>
-            </a:extLst>
-          </p:cNvPr>
-          <p:cNvSpPr>
-            <a:spLocks noGrp="1"/>
-          </p:cNvSpPr>
-          <p:nvPr>
-            <p:ph type="dt" sz="half" idx="10"/>
-          </p:nvPr>
-        </p:nvSpPr>
-        <p:spPr/>
-        <p:txBody>
-          <a:bodyPr/>
-          <a:lstStyle/>
-          <a:p>
-            <a:fld id="{F52870D8-7FF1-47EB-81BF-1C400A79EF46}" type="datetimeFigureOut">
-              <a:rPr lang="en-US" smtClean="0"/>
-              <a:t>9/23/2019</a:t>
-            </a:fld>
-            <a:endParaRPr lang="en-US"/>
-          </a:p>
-        </p:txBody>
-      </p:sp>
-      <p:sp>
-        <p:nvSpPr>
-          <p:cNvPr id="8" name="Platshållare för sidfot 7">
-            <a:extLst>
-              <a:ext uri="{FF2B5EF4-FFF2-40B4-BE49-F238E27FC236}">
-                <a16:creationId xmlns:a16="http://schemas.microsoft.com/office/drawing/2014/main" id="{779FCE0B-F1A4-4272-99D9-8DD92FF58504}"/>
-              </a:ext>
-            </a:extLst>
-          </p:cNvPr>
-          <p:cNvSpPr>
-            <a:spLocks noGrp="1"/>
-          </p:cNvSpPr>
-          <p:nvPr>
-            <p:ph type="ftr" sz="quarter" idx="11"/>
-          </p:nvPr>
-        </p:nvSpPr>
-        <p:spPr/>
-        <p:txBody>
-          <a:bodyPr/>
-          <a:lstStyle/>
-          <a:p>
-            <a:endParaRPr lang="en-US"/>
-          </a:p>
-        </p:txBody>
-      </p:sp>
-      <p:sp>
-        <p:nvSpPr>
-          <p:cNvPr id="9" name="Platshållare för bildnummer 8">
-            <a:extLst>
-              <a:ext uri="{FF2B5EF4-FFF2-40B4-BE49-F238E27FC236}">
-                <a16:creationId xmlns:a16="http://schemas.microsoft.com/office/drawing/2014/main" id="{EFE924BF-B4E3-448D-8901-1643B4359A14}"/>
-              </a:ext>
-            </a:extLst>
-          </p:cNvPr>
-          <p:cNvSpPr>
-            <a:spLocks noGrp="1"/>
-          </p:cNvSpPr>
-          <p:nvPr>
-            <p:ph type="sldNum" sz="quarter" idx="12"/>
-          </p:nvPr>
-        </p:nvSpPr>
-        <p:spPr/>
-        <p:txBody>
-          <a:bodyPr/>
-          <a:lstStyle/>
-          <a:p>
-            <a:fld id="{6B2BFFBF-6438-4229-83EF-E60CC97FFC50}" type="slidenum">
-              <a:rPr lang="en-US" smtClean="0"/>
-              <a:t>‹#›</a:t>
-            </a:fld>
-            <a:endParaRPr lang="en-US"/>
-          </a:p>
-        </p:txBody>
-      </p:sp>
-    </p:spTree>
-    <p:extLst>
-      <p:ext uri="{BB962C8B-B14F-4D97-AF65-F5344CB8AC3E}">
-        <p14:creationId xmlns:p14="http://schemas.microsoft.com/office/powerpoint/2010/main" val="2990382879"/>
-      </p:ext>
-    </p:extLst>
-  </p:cSld>
-  <p:clrMapOvr>
-    <a:masterClrMapping/>
-  </p:clrMapOvr>
-  <p:hf hdr="0" ftr="0" dt="0"/>
-</p:sldLayout>
-</file>
-
-<file path=ppt/slideLayouts/slideLayout25.xml><?xml version="1.0" encoding="utf-8"?>
-<p:sldLayout xmlns:a="http://schemas.openxmlformats.org/drawingml/2006/main" xmlns:r="http://schemas.openxmlformats.org/officeDocument/2006/relationships" xmlns:p="http://schemas.openxmlformats.org/presentationml/2006/main" type="titleOnly" preserve="1">
-  <p:cSld name="Endast rubrik">
-    <p:spTree>
-      <p:nvGrpSpPr>
-        <p:cNvPr id="1" name=""/>
-        <p:cNvGrpSpPr/>
-        <p:nvPr/>
-      </p:nvGrpSpPr>
-      <p:grpSpPr>
-        <a:xfrm>
-          <a:off x="0" y="0"/>
-          <a:ext cx="0" cy="0"/>
-          <a:chOff x="0" y="0"/>
-          <a:chExt cx="0" cy="0"/>
-        </a:xfrm>
-      </p:grpSpPr>
-      <p:sp>
-        <p:nvSpPr>
-          <p:cNvPr id="2" name="Rubrik 1">
-            <a:extLst>
-              <a:ext uri="{FF2B5EF4-FFF2-40B4-BE49-F238E27FC236}">
-                <a16:creationId xmlns:a16="http://schemas.microsoft.com/office/drawing/2014/main" id="{5F0E098A-7ADD-4B1B-8C31-18D56034E112}"/>
-              </a:ext>
-            </a:extLst>
-          </p:cNvPr>
-          <p:cNvSpPr>
-            <a:spLocks noGrp="1"/>
-          </p:cNvSpPr>
-          <p:nvPr>
-            <p:ph type="title"/>
-          </p:nvPr>
-        </p:nvSpPr>
-        <p:spPr/>
-        <p:txBody>
-          <a:bodyPr/>
-          <a:lstStyle/>
-          <a:p>
-            <a:r>
-              <a:rPr lang="sv-SE"/>
-              <a:t>Klicka här för att ändra mall för rubrikformat</a:t>
-            </a:r>
-            <a:endParaRPr lang="en-US"/>
-          </a:p>
-        </p:txBody>
-      </p:sp>
-      <p:sp>
-        <p:nvSpPr>
-          <p:cNvPr id="3" name="Platshållare för datum 2">
-            <a:extLst>
-              <a:ext uri="{FF2B5EF4-FFF2-40B4-BE49-F238E27FC236}">
-                <a16:creationId xmlns:a16="http://schemas.microsoft.com/office/drawing/2014/main" id="{C92BD139-0459-405A-9FDD-986909A9B8E7}"/>
-              </a:ext>
-            </a:extLst>
-          </p:cNvPr>
-          <p:cNvSpPr>
-            <a:spLocks noGrp="1"/>
-          </p:cNvSpPr>
-          <p:nvPr>
-            <p:ph type="dt" sz="half" idx="10"/>
-          </p:nvPr>
-        </p:nvSpPr>
-        <p:spPr/>
-        <p:txBody>
-          <a:bodyPr/>
-          <a:lstStyle/>
-          <a:p>
-            <a:fld id="{F52870D8-7FF1-47EB-81BF-1C400A79EF46}" type="datetimeFigureOut">
-              <a:rPr lang="en-US" smtClean="0"/>
-              <a:t>9/23/2019</a:t>
-            </a:fld>
-            <a:endParaRPr lang="en-US"/>
-          </a:p>
-        </p:txBody>
-      </p:sp>
-      <p:sp>
-        <p:nvSpPr>
-          <p:cNvPr id="4" name="Platshållare för sidfot 3">
-            <a:extLst>
-              <a:ext uri="{FF2B5EF4-FFF2-40B4-BE49-F238E27FC236}">
-                <a16:creationId xmlns:a16="http://schemas.microsoft.com/office/drawing/2014/main" id="{61F6BEFD-007D-4A59-8A7B-02531996EBF1}"/>
-              </a:ext>
-            </a:extLst>
-          </p:cNvPr>
-          <p:cNvSpPr>
-            <a:spLocks noGrp="1"/>
-          </p:cNvSpPr>
-          <p:nvPr>
-            <p:ph type="ftr" sz="quarter" idx="11"/>
-          </p:nvPr>
-        </p:nvSpPr>
-        <p:spPr/>
-        <p:txBody>
-          <a:bodyPr/>
-          <a:lstStyle/>
-          <a:p>
-            <a:endParaRPr lang="en-US"/>
-          </a:p>
-        </p:txBody>
-      </p:sp>
-      <p:sp>
-        <p:nvSpPr>
-          <p:cNvPr id="5" name="Platshållare för bildnummer 4">
-            <a:extLst>
-              <a:ext uri="{FF2B5EF4-FFF2-40B4-BE49-F238E27FC236}">
-                <a16:creationId xmlns:a16="http://schemas.microsoft.com/office/drawing/2014/main" id="{0B0DC0CA-66F3-4B97-9DBE-787467890F44}"/>
-              </a:ext>
-            </a:extLst>
-          </p:cNvPr>
-          <p:cNvSpPr>
-            <a:spLocks noGrp="1"/>
-          </p:cNvSpPr>
-          <p:nvPr>
-            <p:ph type="sldNum" sz="quarter" idx="12"/>
-          </p:nvPr>
-        </p:nvSpPr>
-        <p:spPr/>
-        <p:txBody>
-          <a:bodyPr/>
-          <a:lstStyle/>
-          <a:p>
-            <a:fld id="{6B2BFFBF-6438-4229-83EF-E60CC97FFC50}" type="slidenum">
-              <a:rPr lang="en-US" smtClean="0"/>
-              <a:t>‹#›</a:t>
-            </a:fld>
-            <a:endParaRPr lang="en-US"/>
-          </a:p>
-        </p:txBody>
-      </p:sp>
-    </p:spTree>
-    <p:extLst>
-      <p:ext uri="{BB962C8B-B14F-4D97-AF65-F5344CB8AC3E}">
-        <p14:creationId xmlns:p14="http://schemas.microsoft.com/office/powerpoint/2010/main" val="2554517686"/>
-      </p:ext>
-    </p:extLst>
-  </p:cSld>
-  <p:clrMapOvr>
-    <a:masterClrMapping/>
-  </p:clrMapOvr>
-  <p:hf hdr="0" ftr="0" dt="0"/>
-</p:sldLayout>
-</file>
-
-<file path=ppt/slideLayouts/slideLayout26.xml><?xml version="1.0" encoding="utf-8"?>
-<p:sldLayout xmlns:a="http://schemas.openxmlformats.org/drawingml/2006/main" xmlns:r="http://schemas.openxmlformats.org/officeDocument/2006/relationships" xmlns:p="http://schemas.openxmlformats.org/presentationml/2006/main" type="blank" preserve="1">
-  <p:cSld name="Tom">
-    <p:spTree>
-      <p:nvGrpSpPr>
-        <p:cNvPr id="1" name=""/>
-        <p:cNvGrpSpPr/>
-        <p:nvPr/>
-      </p:nvGrpSpPr>
-      <p:grpSpPr>
-        <a:xfrm>
-          <a:off x="0" y="0"/>
-          <a:ext cx="0" cy="0"/>
-          <a:chOff x="0" y="0"/>
-          <a:chExt cx="0" cy="0"/>
-        </a:xfrm>
-      </p:grpSpPr>
-      <p:sp>
-        <p:nvSpPr>
-          <p:cNvPr id="2" name="Platshållare för datum 1">
-            <a:extLst>
-              <a:ext uri="{FF2B5EF4-FFF2-40B4-BE49-F238E27FC236}">
-                <a16:creationId xmlns:a16="http://schemas.microsoft.com/office/drawing/2014/main" id="{E5C4A576-65F1-4792-AFD4-C27CC1E23CF1}"/>
-              </a:ext>
-            </a:extLst>
-          </p:cNvPr>
-          <p:cNvSpPr>
-            <a:spLocks noGrp="1"/>
-          </p:cNvSpPr>
-          <p:nvPr>
-            <p:ph type="dt" sz="half" idx="10"/>
-          </p:nvPr>
-        </p:nvSpPr>
-        <p:spPr/>
-        <p:txBody>
-          <a:bodyPr/>
-          <a:lstStyle/>
-          <a:p>
-            <a:fld id="{F52870D8-7FF1-47EB-81BF-1C400A79EF46}" type="datetimeFigureOut">
-              <a:rPr lang="en-US" smtClean="0"/>
-              <a:t>9/23/2019</a:t>
-            </a:fld>
-            <a:endParaRPr lang="en-US"/>
-          </a:p>
-        </p:txBody>
-      </p:sp>
-      <p:sp>
-        <p:nvSpPr>
-          <p:cNvPr id="3" name="Platshållare för sidfot 2">
-            <a:extLst>
-              <a:ext uri="{FF2B5EF4-FFF2-40B4-BE49-F238E27FC236}">
-                <a16:creationId xmlns:a16="http://schemas.microsoft.com/office/drawing/2014/main" id="{286AC392-7173-4511-95B2-7944924F44CD}"/>
-              </a:ext>
-            </a:extLst>
-          </p:cNvPr>
-          <p:cNvSpPr>
-            <a:spLocks noGrp="1"/>
-          </p:cNvSpPr>
-          <p:nvPr>
-            <p:ph type="ftr" sz="quarter" idx="11"/>
-          </p:nvPr>
-        </p:nvSpPr>
-        <p:spPr/>
-        <p:txBody>
-          <a:bodyPr/>
-          <a:lstStyle/>
-          <a:p>
-            <a:endParaRPr lang="en-US"/>
-          </a:p>
-        </p:txBody>
-      </p:sp>
-      <p:sp>
-        <p:nvSpPr>
-          <p:cNvPr id="4" name="Platshållare för bildnummer 3">
-            <a:extLst>
-              <a:ext uri="{FF2B5EF4-FFF2-40B4-BE49-F238E27FC236}">
-                <a16:creationId xmlns:a16="http://schemas.microsoft.com/office/drawing/2014/main" id="{060D75A7-1858-45F5-873B-9263CF8E1086}"/>
-              </a:ext>
-            </a:extLst>
-          </p:cNvPr>
-          <p:cNvSpPr>
-            <a:spLocks noGrp="1"/>
-          </p:cNvSpPr>
-          <p:nvPr>
-            <p:ph type="sldNum" sz="quarter" idx="12"/>
-          </p:nvPr>
-        </p:nvSpPr>
-        <p:spPr/>
-        <p:txBody>
-          <a:bodyPr/>
-          <a:lstStyle/>
-          <a:p>
-            <a:fld id="{6B2BFFBF-6438-4229-83EF-E60CC97FFC50}" type="slidenum">
-              <a:rPr lang="en-US" smtClean="0"/>
-              <a:t>‹#›</a:t>
-            </a:fld>
-            <a:endParaRPr lang="en-US"/>
-          </a:p>
-        </p:txBody>
-      </p:sp>
-    </p:spTree>
-    <p:extLst>
-      <p:ext uri="{BB962C8B-B14F-4D97-AF65-F5344CB8AC3E}">
-        <p14:creationId xmlns:p14="http://schemas.microsoft.com/office/powerpoint/2010/main" val="2444932305"/>
-      </p:ext>
-    </p:extLst>
-  </p:cSld>
-  <p:clrMapOvr>
-    <a:masterClrMapping/>
-  </p:clrMapOvr>
-  <p:hf hdr="0" ftr="0" dt="0"/>
-</p:sldLayout>
-</file>
-
-<file path=ppt/slideLayouts/slideLayout27.xml><?xml version="1.0" encoding="utf-8"?>
-<p:sldLayout xmlns:a="http://schemas.openxmlformats.org/drawingml/2006/main" xmlns:r="http://schemas.openxmlformats.org/officeDocument/2006/relationships" xmlns:p="http://schemas.openxmlformats.org/presentationml/2006/main" type="objTx" preserve="1">
-  <p:cSld name="Text med bildtext">
-    <p:spTree>
-      <p:nvGrpSpPr>
-        <p:cNvPr id="1" name=""/>
-        <p:cNvGrpSpPr/>
-        <p:nvPr/>
-      </p:nvGrpSpPr>
-      <p:grpSpPr>
-        <a:xfrm>
-          <a:off x="0" y="0"/>
-          <a:ext cx="0" cy="0"/>
-          <a:chOff x="0" y="0"/>
-          <a:chExt cx="0" cy="0"/>
-        </a:xfrm>
-      </p:grpSpPr>
-      <p:sp>
-        <p:nvSpPr>
-          <p:cNvPr id="2" name="Rubrik 1">
-            <a:extLst>
-              <a:ext uri="{FF2B5EF4-FFF2-40B4-BE49-F238E27FC236}">
-                <a16:creationId xmlns:a16="http://schemas.microsoft.com/office/drawing/2014/main" id="{03F47DAE-CF7A-4146-8B42-DBB889F92FA7}"/>
-              </a:ext>
-            </a:extLst>
-          </p:cNvPr>
-          <p:cNvSpPr>
-            <a:spLocks noGrp="1"/>
-          </p:cNvSpPr>
-          <p:nvPr>
-            <p:ph type="title"/>
-          </p:nvPr>
-        </p:nvSpPr>
-        <p:spPr>
-          <a:xfrm>
-            <a:off x="839788" y="457200"/>
-            <a:ext cx="3932237" cy="1600200"/>
-          </a:xfrm>
-        </p:spPr>
-        <p:txBody>
-          <a:bodyPr anchor="b"/>
-          <a:lstStyle>
-            <a:lvl1pPr>
-              <a:defRPr sz="3200"/>
-            </a:lvl1pPr>
-          </a:lstStyle>
-          <a:p>
-            <a:r>
-              <a:rPr lang="sv-SE"/>
-              <a:t>Klicka här för att ändra mall för rubrikformat</a:t>
-            </a:r>
-            <a:endParaRPr lang="en-US"/>
-          </a:p>
-        </p:txBody>
-      </p:sp>
-      <p:sp>
-        <p:nvSpPr>
-          <p:cNvPr id="3" name="Platshållare för innehåll 2">
-            <a:extLst>
-              <a:ext uri="{FF2B5EF4-FFF2-40B4-BE49-F238E27FC236}">
-                <a16:creationId xmlns:a16="http://schemas.microsoft.com/office/drawing/2014/main" id="{A7ACCC54-DCC8-444E-B3F6-21FFE36C74CD}"/>
-              </a:ext>
-            </a:extLst>
-          </p:cNvPr>
-          <p:cNvSpPr>
-            <a:spLocks noGrp="1"/>
-          </p:cNvSpPr>
-          <p:nvPr>
-            <p:ph idx="1"/>
-          </p:nvPr>
-        </p:nvSpPr>
-        <p:spPr>
-          <a:xfrm>
-            <a:off x="5183188" y="987425"/>
-            <a:ext cx="6172200" cy="4873625"/>
-          </a:xfrm>
-        </p:spPr>
-        <p:txBody>
-          <a:bodyPr/>
-          <a:lstStyle>
-            <a:lvl1pPr>
-              <a:defRPr sz="3200"/>
-            </a:lvl1pPr>
-            <a:lvl2pPr>
-              <a:defRPr sz="2800"/>
-            </a:lvl2pPr>
-            <a:lvl3pPr>
-              <a:defRPr sz="2400"/>
-            </a:lvl3pPr>
-            <a:lvl4pPr>
-              <a:defRPr sz="2000"/>
-            </a:lvl4pPr>
-            <a:lvl5pPr>
-              <a:defRPr sz="2000"/>
-            </a:lvl5pPr>
-            <a:lvl6pPr>
-              <a:defRPr sz="2000"/>
-            </a:lvl6pPr>
-            <a:lvl7pPr>
-              <a:defRPr sz="2000"/>
-            </a:lvl7pPr>
-            <a:lvl8pPr>
-              <a:defRPr sz="2000"/>
-            </a:lvl8pPr>
-            <a:lvl9pPr>
-              <a:defRPr sz="2000"/>
-            </a:lvl9pPr>
-          </a:lstStyle>
-          <a:p>
-            <a:pPr lvl="0"/>
-            <a:r>
-              <a:rPr lang="sv-SE"/>
-              <a:t>Klicka här för att ändra format på bakgrundstexten</a:t>
-            </a:r>
-          </a:p>
-          <a:p>
-            <a:pPr lvl="1"/>
-            <a:r>
-              <a:rPr lang="sv-SE"/>
-              <a:t>Nivå två</a:t>
-            </a:r>
-          </a:p>
-          <a:p>
-            <a:pPr lvl="2"/>
-            <a:r>
-              <a:rPr lang="sv-SE"/>
-              <a:t>Nivå tre</a:t>
-            </a:r>
-          </a:p>
-          <a:p>
-            <a:pPr lvl="3"/>
-            <a:r>
-              <a:rPr lang="sv-SE"/>
-              <a:t>Nivå fyra</a:t>
-            </a:r>
-          </a:p>
-          <a:p>
-            <a:pPr lvl="4"/>
-            <a:r>
-              <a:rPr lang="sv-SE"/>
-              <a:t>Nivå fem</a:t>
-            </a:r>
-            <a:endParaRPr lang="en-US"/>
-          </a:p>
-        </p:txBody>
-      </p:sp>
-      <p:sp>
-        <p:nvSpPr>
-          <p:cNvPr id="4" name="Platshållare för text 3">
-            <a:extLst>
-              <a:ext uri="{FF2B5EF4-FFF2-40B4-BE49-F238E27FC236}">
-                <a16:creationId xmlns:a16="http://schemas.microsoft.com/office/drawing/2014/main" id="{00E0523A-3D96-4630-A78A-02FC901690C5}"/>
-              </a:ext>
-            </a:extLst>
-          </p:cNvPr>
-          <p:cNvSpPr>
-            <a:spLocks noGrp="1"/>
-          </p:cNvSpPr>
-          <p:nvPr>
-            <p:ph type="body" sz="half" idx="2"/>
-          </p:nvPr>
-        </p:nvSpPr>
-        <p:spPr>
-          <a:xfrm>
-            <a:off x="839788" y="2057400"/>
-            <a:ext cx="3932237" cy="3811588"/>
-          </a:xfrm>
-        </p:spPr>
-        <p:txBody>
-          <a:bodyPr/>
-          <a:lstStyle>
-            <a:lvl1pPr marL="0" indent="0">
-              <a:buNone/>
-              <a:defRPr sz="1600"/>
-            </a:lvl1pPr>
-            <a:lvl2pPr marL="457200" indent="0">
-              <a:buNone/>
-              <a:defRPr sz="1400"/>
-            </a:lvl2pPr>
-            <a:lvl3pPr marL="914400" indent="0">
-              <a:buNone/>
-              <a:defRPr sz="1200"/>
-            </a:lvl3pPr>
-            <a:lvl4pPr marL="1371600" indent="0">
-              <a:buNone/>
-              <a:defRPr sz="1000"/>
-            </a:lvl4pPr>
-            <a:lvl5pPr marL="1828800" indent="0">
-              <a:buNone/>
-              <a:defRPr sz="1000"/>
-            </a:lvl5pPr>
-            <a:lvl6pPr marL="2286000" indent="0">
-              <a:buNone/>
-              <a:defRPr sz="1000"/>
-            </a:lvl6pPr>
-            <a:lvl7pPr marL="2743200" indent="0">
-              <a:buNone/>
-              <a:defRPr sz="1000"/>
-            </a:lvl7pPr>
-            <a:lvl8pPr marL="3200400" indent="0">
-              <a:buNone/>
-              <a:defRPr sz="1000"/>
-            </a:lvl8pPr>
-            <a:lvl9pPr marL="3657600" indent="0">
-              <a:buNone/>
-              <a:defRPr sz="1000"/>
-            </a:lvl9pPr>
-          </a:lstStyle>
-          <a:p>
-            <a:pPr lvl="0"/>
-            <a:r>
-              <a:rPr lang="sv-SE"/>
-              <a:t>Klicka här för att ändra format på bakgrundstexten</a:t>
-            </a:r>
-          </a:p>
-        </p:txBody>
-      </p:sp>
-      <p:sp>
-        <p:nvSpPr>
-          <p:cNvPr id="5" name="Platshållare för datum 4">
-            <a:extLst>
-              <a:ext uri="{FF2B5EF4-FFF2-40B4-BE49-F238E27FC236}">
-                <a16:creationId xmlns:a16="http://schemas.microsoft.com/office/drawing/2014/main" id="{4D29C16E-76A7-4041-85BF-06F36358967B}"/>
-              </a:ext>
-            </a:extLst>
-          </p:cNvPr>
-          <p:cNvSpPr>
-            <a:spLocks noGrp="1"/>
-          </p:cNvSpPr>
-          <p:nvPr>
-            <p:ph type="dt" sz="half" idx="10"/>
-          </p:nvPr>
-        </p:nvSpPr>
-        <p:spPr/>
-        <p:txBody>
-          <a:bodyPr/>
-          <a:lstStyle/>
-          <a:p>
-            <a:fld id="{F52870D8-7FF1-47EB-81BF-1C400A79EF46}" type="datetimeFigureOut">
-              <a:rPr lang="en-US" smtClean="0"/>
-              <a:t>9/23/2019</a:t>
-            </a:fld>
-            <a:endParaRPr lang="en-US"/>
-          </a:p>
-        </p:txBody>
-      </p:sp>
-      <p:sp>
-        <p:nvSpPr>
-          <p:cNvPr id="6" name="Platshållare för sidfot 5">
-            <a:extLst>
-              <a:ext uri="{FF2B5EF4-FFF2-40B4-BE49-F238E27FC236}">
-                <a16:creationId xmlns:a16="http://schemas.microsoft.com/office/drawing/2014/main" id="{86BF56BB-969D-468F-A0DE-2CC6534DA44A}"/>
-              </a:ext>
-            </a:extLst>
-          </p:cNvPr>
-          <p:cNvSpPr>
-            <a:spLocks noGrp="1"/>
-          </p:cNvSpPr>
-          <p:nvPr>
-            <p:ph type="ftr" sz="quarter" idx="11"/>
-          </p:nvPr>
-        </p:nvSpPr>
-        <p:spPr/>
-        <p:txBody>
-          <a:bodyPr/>
-          <a:lstStyle/>
-          <a:p>
-            <a:endParaRPr lang="en-US"/>
-          </a:p>
-        </p:txBody>
-      </p:sp>
-      <p:sp>
-        <p:nvSpPr>
-          <p:cNvPr id="7" name="Platshållare för bildnummer 6">
-            <a:extLst>
-              <a:ext uri="{FF2B5EF4-FFF2-40B4-BE49-F238E27FC236}">
-                <a16:creationId xmlns:a16="http://schemas.microsoft.com/office/drawing/2014/main" id="{87F2F834-A5AB-4BF2-8620-F86DDAA8B770}"/>
-              </a:ext>
-            </a:extLst>
-          </p:cNvPr>
-          <p:cNvSpPr>
-            <a:spLocks noGrp="1"/>
-          </p:cNvSpPr>
-          <p:nvPr>
-            <p:ph type="sldNum" sz="quarter" idx="12"/>
-          </p:nvPr>
-        </p:nvSpPr>
-        <p:spPr/>
-        <p:txBody>
-          <a:bodyPr/>
-          <a:lstStyle/>
-          <a:p>
-            <a:fld id="{6B2BFFBF-6438-4229-83EF-E60CC97FFC50}" type="slidenum">
-              <a:rPr lang="en-US" smtClean="0"/>
-              <a:t>‹#›</a:t>
-            </a:fld>
-            <a:endParaRPr lang="en-US"/>
-          </a:p>
-        </p:txBody>
-      </p:sp>
-    </p:spTree>
-    <p:extLst>
-      <p:ext uri="{BB962C8B-B14F-4D97-AF65-F5344CB8AC3E}">
-        <p14:creationId xmlns:p14="http://schemas.microsoft.com/office/powerpoint/2010/main" val="2811544901"/>
-      </p:ext>
-    </p:extLst>
-  </p:cSld>
-  <p:clrMapOvr>
-    <a:masterClrMapping/>
-  </p:clrMapOvr>
-  <p:hf hdr="0" ftr="0" dt="0"/>
-</p:sldLayout>
-</file>
-
-<file path=ppt/slideLayouts/slideLayout28.xml><?xml version="1.0" encoding="utf-8"?>
-<p:sldLayout xmlns:a="http://schemas.openxmlformats.org/drawingml/2006/main" xmlns:r="http://schemas.openxmlformats.org/officeDocument/2006/relationships" xmlns:p="http://schemas.openxmlformats.org/presentationml/2006/main" type="picTx" preserve="1">
-  <p:cSld name="Bild med bildtext">
-    <p:spTree>
-      <p:nvGrpSpPr>
-        <p:cNvPr id="1" name=""/>
-        <p:cNvGrpSpPr/>
-        <p:nvPr/>
-      </p:nvGrpSpPr>
-      <p:grpSpPr>
-        <a:xfrm>
-          <a:off x="0" y="0"/>
-          <a:ext cx="0" cy="0"/>
-          <a:chOff x="0" y="0"/>
-          <a:chExt cx="0" cy="0"/>
-        </a:xfrm>
-      </p:grpSpPr>
-      <p:sp>
-        <p:nvSpPr>
-          <p:cNvPr id="2" name="Rubrik 1">
-            <a:extLst>
-              <a:ext uri="{FF2B5EF4-FFF2-40B4-BE49-F238E27FC236}">
-                <a16:creationId xmlns:a16="http://schemas.microsoft.com/office/drawing/2014/main" id="{28F5CA86-1827-436E-8B3A-B5E84A36FDBF}"/>
-              </a:ext>
-            </a:extLst>
-          </p:cNvPr>
-          <p:cNvSpPr>
-            <a:spLocks noGrp="1"/>
-          </p:cNvSpPr>
-          <p:nvPr>
-            <p:ph type="title"/>
-          </p:nvPr>
-        </p:nvSpPr>
-        <p:spPr>
-          <a:xfrm>
-            <a:off x="839788" y="457200"/>
-            <a:ext cx="3932237" cy="1600200"/>
-          </a:xfrm>
-        </p:spPr>
-        <p:txBody>
-          <a:bodyPr anchor="b"/>
-          <a:lstStyle>
-            <a:lvl1pPr>
-              <a:defRPr sz="3200"/>
-            </a:lvl1pPr>
-          </a:lstStyle>
-          <a:p>
-            <a:r>
-              <a:rPr lang="sv-SE"/>
-              <a:t>Klicka här för att ändra mall för rubrikformat</a:t>
-            </a:r>
-            <a:endParaRPr lang="en-US"/>
-          </a:p>
-        </p:txBody>
-      </p:sp>
-      <p:sp>
-        <p:nvSpPr>
-          <p:cNvPr id="3" name="Platshållare för bild 2">
-            <a:extLst>
-              <a:ext uri="{FF2B5EF4-FFF2-40B4-BE49-F238E27FC236}">
-                <a16:creationId xmlns:a16="http://schemas.microsoft.com/office/drawing/2014/main" id="{BD908F6C-C6F0-4E1C-B0D2-50871DEEFC51}"/>
-              </a:ext>
-            </a:extLst>
-          </p:cNvPr>
-          <p:cNvSpPr>
-            <a:spLocks noGrp="1"/>
-          </p:cNvSpPr>
-          <p:nvPr>
-            <p:ph type="pic" idx="1"/>
-          </p:nvPr>
-        </p:nvSpPr>
-        <p:spPr>
-          <a:xfrm>
-            <a:off x="5183188" y="987425"/>
-            <a:ext cx="6172200" cy="4873625"/>
-          </a:xfrm>
-        </p:spPr>
-        <p:txBody>
-          <a:bodyPr/>
-          <a:lstStyle>
-            <a:lvl1pPr marL="0" indent="0">
-              <a:buNone/>
-              <a:defRPr sz="3200"/>
-            </a:lvl1pPr>
-            <a:lvl2pPr marL="457200" indent="0">
-              <a:buNone/>
-              <a:defRPr sz="2800"/>
-            </a:lvl2pPr>
-            <a:lvl3pPr marL="914400" indent="0">
-              <a:buNone/>
-              <a:defRPr sz="2400"/>
-            </a:lvl3pPr>
-            <a:lvl4pPr marL="1371600" indent="0">
-              <a:buNone/>
-              <a:defRPr sz="2000"/>
-            </a:lvl4pPr>
-            <a:lvl5pPr marL="1828800" indent="0">
-              <a:buNone/>
-              <a:defRPr sz="2000"/>
-            </a:lvl5pPr>
-            <a:lvl6pPr marL="2286000" indent="0">
-              <a:buNone/>
-              <a:defRPr sz="2000"/>
-            </a:lvl6pPr>
-            <a:lvl7pPr marL="2743200" indent="0">
-              <a:buNone/>
-              <a:defRPr sz="2000"/>
-            </a:lvl7pPr>
-            <a:lvl8pPr marL="3200400" indent="0">
-              <a:buNone/>
-              <a:defRPr sz="2000"/>
-            </a:lvl8pPr>
-            <a:lvl9pPr marL="3657600" indent="0">
-              <a:buNone/>
-              <a:defRPr sz="2000"/>
-            </a:lvl9pPr>
-          </a:lstStyle>
-          <a:p>
-            <a:endParaRPr lang="en-US"/>
-          </a:p>
-        </p:txBody>
-      </p:sp>
-      <p:sp>
-        <p:nvSpPr>
-          <p:cNvPr id="4" name="Platshållare för text 3">
-            <a:extLst>
-              <a:ext uri="{FF2B5EF4-FFF2-40B4-BE49-F238E27FC236}">
-                <a16:creationId xmlns:a16="http://schemas.microsoft.com/office/drawing/2014/main" id="{1D3F8492-AF3E-4F5E-A155-8BC1A5757177}"/>
-              </a:ext>
-            </a:extLst>
-          </p:cNvPr>
-          <p:cNvSpPr>
-            <a:spLocks noGrp="1"/>
-          </p:cNvSpPr>
-          <p:nvPr>
-            <p:ph type="body" sz="half" idx="2"/>
-          </p:nvPr>
-        </p:nvSpPr>
-        <p:spPr>
-          <a:xfrm>
-            <a:off x="839788" y="2057400"/>
-            <a:ext cx="3932237" cy="3811588"/>
-          </a:xfrm>
-        </p:spPr>
-        <p:txBody>
-          <a:bodyPr/>
-          <a:lstStyle>
-            <a:lvl1pPr marL="0" indent="0">
-              <a:buNone/>
-              <a:defRPr sz="1600"/>
-            </a:lvl1pPr>
-            <a:lvl2pPr marL="457200" indent="0">
-              <a:buNone/>
-              <a:defRPr sz="1400"/>
-            </a:lvl2pPr>
-            <a:lvl3pPr marL="914400" indent="0">
-              <a:buNone/>
-              <a:defRPr sz="1200"/>
-            </a:lvl3pPr>
-            <a:lvl4pPr marL="1371600" indent="0">
-              <a:buNone/>
-              <a:defRPr sz="1000"/>
-            </a:lvl4pPr>
-            <a:lvl5pPr marL="1828800" indent="0">
-              <a:buNone/>
-              <a:defRPr sz="1000"/>
-            </a:lvl5pPr>
-            <a:lvl6pPr marL="2286000" indent="0">
-              <a:buNone/>
-              <a:defRPr sz="1000"/>
-            </a:lvl6pPr>
-            <a:lvl7pPr marL="2743200" indent="0">
-              <a:buNone/>
-              <a:defRPr sz="1000"/>
-            </a:lvl7pPr>
-            <a:lvl8pPr marL="3200400" indent="0">
-              <a:buNone/>
-              <a:defRPr sz="1000"/>
-            </a:lvl8pPr>
-            <a:lvl9pPr marL="3657600" indent="0">
-              <a:buNone/>
-              <a:defRPr sz="1000"/>
-            </a:lvl9pPr>
-          </a:lstStyle>
-          <a:p>
-            <a:pPr lvl="0"/>
-            <a:r>
-              <a:rPr lang="sv-SE"/>
-              <a:t>Klicka här för att ändra format på bakgrundstexten</a:t>
-            </a:r>
-          </a:p>
-        </p:txBody>
-      </p:sp>
-      <p:sp>
-        <p:nvSpPr>
-          <p:cNvPr id="5" name="Platshållare för datum 4">
-            <a:extLst>
-              <a:ext uri="{FF2B5EF4-FFF2-40B4-BE49-F238E27FC236}">
-                <a16:creationId xmlns:a16="http://schemas.microsoft.com/office/drawing/2014/main" id="{0F280410-27B1-4D6D-822C-ADA4972B1E4F}"/>
-              </a:ext>
-            </a:extLst>
-          </p:cNvPr>
-          <p:cNvSpPr>
-            <a:spLocks noGrp="1"/>
-          </p:cNvSpPr>
-          <p:nvPr>
-            <p:ph type="dt" sz="half" idx="10"/>
-          </p:nvPr>
-        </p:nvSpPr>
-        <p:spPr/>
-        <p:txBody>
-          <a:bodyPr/>
-          <a:lstStyle/>
-          <a:p>
-            <a:fld id="{F52870D8-7FF1-47EB-81BF-1C400A79EF46}" type="datetimeFigureOut">
-              <a:rPr lang="en-US" smtClean="0"/>
-              <a:t>9/23/2019</a:t>
-            </a:fld>
-            <a:endParaRPr lang="en-US"/>
-          </a:p>
-        </p:txBody>
-      </p:sp>
-      <p:sp>
-        <p:nvSpPr>
-          <p:cNvPr id="6" name="Platshållare för sidfot 5">
-            <a:extLst>
-              <a:ext uri="{FF2B5EF4-FFF2-40B4-BE49-F238E27FC236}">
-                <a16:creationId xmlns:a16="http://schemas.microsoft.com/office/drawing/2014/main" id="{860796A7-15B4-4426-8DD1-4D61EE0E0980}"/>
-              </a:ext>
-            </a:extLst>
-          </p:cNvPr>
-          <p:cNvSpPr>
-            <a:spLocks noGrp="1"/>
-          </p:cNvSpPr>
-          <p:nvPr>
-            <p:ph type="ftr" sz="quarter" idx="11"/>
-          </p:nvPr>
-        </p:nvSpPr>
-        <p:spPr/>
-        <p:txBody>
-          <a:bodyPr/>
-          <a:lstStyle/>
-          <a:p>
-            <a:endParaRPr lang="en-US"/>
-          </a:p>
-        </p:txBody>
-      </p:sp>
-      <p:sp>
-        <p:nvSpPr>
-          <p:cNvPr id="7" name="Platshållare för bildnummer 6">
-            <a:extLst>
-              <a:ext uri="{FF2B5EF4-FFF2-40B4-BE49-F238E27FC236}">
-                <a16:creationId xmlns:a16="http://schemas.microsoft.com/office/drawing/2014/main" id="{90CD4403-4A18-4846-BABB-554FB3E86772}"/>
-              </a:ext>
-            </a:extLst>
-          </p:cNvPr>
-          <p:cNvSpPr>
-            <a:spLocks noGrp="1"/>
-          </p:cNvSpPr>
-          <p:nvPr>
-            <p:ph type="sldNum" sz="quarter" idx="12"/>
-          </p:nvPr>
-        </p:nvSpPr>
-        <p:spPr/>
-        <p:txBody>
-          <a:bodyPr/>
-          <a:lstStyle/>
-          <a:p>
-            <a:fld id="{6B2BFFBF-6438-4229-83EF-E60CC97FFC50}" type="slidenum">
-              <a:rPr lang="en-US" smtClean="0"/>
-              <a:t>‹#›</a:t>
-            </a:fld>
-            <a:endParaRPr lang="en-US"/>
-          </a:p>
-        </p:txBody>
-      </p:sp>
-    </p:spTree>
-    <p:extLst>
-      <p:ext uri="{BB962C8B-B14F-4D97-AF65-F5344CB8AC3E}">
-        <p14:creationId xmlns:p14="http://schemas.microsoft.com/office/powerpoint/2010/main" val="3525833722"/>
-      </p:ext>
-    </p:extLst>
-  </p:cSld>
-  <p:clrMapOvr>
-    <a:masterClrMapping/>
-  </p:clrMapOvr>
-  <p:hf hdr="0" ftr="0" dt="0"/>
-</p:sldLayout>
-</file>
-
-<file path=ppt/slideLayouts/slideLayout29.xml><?xml version="1.0" encoding="utf-8"?>
-<p:sldLayout xmlns:a="http://schemas.openxmlformats.org/drawingml/2006/main" xmlns:r="http://schemas.openxmlformats.org/officeDocument/2006/relationships" xmlns:p="http://schemas.openxmlformats.org/presentationml/2006/main" type="vertTx" preserve="1">
-  <p:cSld name="Rubrik och lodrät text">
-    <p:spTree>
-      <p:nvGrpSpPr>
-        <p:cNvPr id="1" name=""/>
-        <p:cNvGrpSpPr/>
-        <p:nvPr/>
-      </p:nvGrpSpPr>
-      <p:grpSpPr>
-        <a:xfrm>
-          <a:off x="0" y="0"/>
-          <a:ext cx="0" cy="0"/>
-          <a:chOff x="0" y="0"/>
-          <a:chExt cx="0" cy="0"/>
-        </a:xfrm>
-      </p:grpSpPr>
-      <p:sp>
-        <p:nvSpPr>
-          <p:cNvPr id="2" name="Rubrik 1">
-            <a:extLst>
-              <a:ext uri="{FF2B5EF4-FFF2-40B4-BE49-F238E27FC236}">
-                <a16:creationId xmlns:a16="http://schemas.microsoft.com/office/drawing/2014/main" id="{CDE2DA43-DAB7-412F-A5F5-285A7C67EE74}"/>
-              </a:ext>
-            </a:extLst>
-          </p:cNvPr>
-          <p:cNvSpPr>
-            <a:spLocks noGrp="1"/>
-          </p:cNvSpPr>
-          <p:nvPr>
-            <p:ph type="title"/>
-          </p:nvPr>
-        </p:nvSpPr>
-        <p:spPr/>
-        <p:txBody>
-          <a:bodyPr/>
-          <a:lstStyle/>
-          <a:p>
-            <a:r>
-              <a:rPr lang="sv-SE"/>
-              <a:t>Klicka här för att ändra mall för rubrikformat</a:t>
-            </a:r>
-            <a:endParaRPr lang="en-US"/>
-          </a:p>
-        </p:txBody>
-      </p:sp>
-      <p:sp>
-        <p:nvSpPr>
-          <p:cNvPr id="3" name="Platshållare för lodrät text 2">
-            <a:extLst>
-              <a:ext uri="{FF2B5EF4-FFF2-40B4-BE49-F238E27FC236}">
-                <a16:creationId xmlns:a16="http://schemas.microsoft.com/office/drawing/2014/main" id="{B84EF270-4C4D-4D1F-A48D-6336696EC459}"/>
-              </a:ext>
-            </a:extLst>
-          </p:cNvPr>
-          <p:cNvSpPr>
-            <a:spLocks noGrp="1"/>
-          </p:cNvSpPr>
-          <p:nvPr>
-            <p:ph type="body" orient="vert" idx="1"/>
-          </p:nvPr>
-        </p:nvSpPr>
-        <p:spPr/>
-        <p:txBody>
-          <a:bodyPr vert="eaVert"/>
-          <a:lstStyle/>
-          <a:p>
-            <a:pPr lvl="0"/>
-            <a:r>
-              <a:rPr lang="sv-SE"/>
-              <a:t>Klicka här för att ändra format på bakgrundstexten</a:t>
-            </a:r>
-          </a:p>
-          <a:p>
-            <a:pPr lvl="1"/>
-            <a:r>
-              <a:rPr lang="sv-SE"/>
-              <a:t>Nivå två</a:t>
-            </a:r>
-          </a:p>
-          <a:p>
-            <a:pPr lvl="2"/>
-            <a:r>
-              <a:rPr lang="sv-SE"/>
-              <a:t>Nivå tre</a:t>
-            </a:r>
-          </a:p>
-          <a:p>
-            <a:pPr lvl="3"/>
-            <a:r>
-              <a:rPr lang="sv-SE"/>
-              <a:t>Nivå fyra</a:t>
-            </a:r>
-          </a:p>
-          <a:p>
-            <a:pPr lvl="4"/>
-            <a:r>
-              <a:rPr lang="sv-SE"/>
-              <a:t>Nivå fem</a:t>
-            </a:r>
-            <a:endParaRPr lang="en-US"/>
-          </a:p>
-        </p:txBody>
-      </p:sp>
-      <p:sp>
-        <p:nvSpPr>
-          <p:cNvPr id="4" name="Platshållare för datum 3">
-            <a:extLst>
-              <a:ext uri="{FF2B5EF4-FFF2-40B4-BE49-F238E27FC236}">
-                <a16:creationId xmlns:a16="http://schemas.microsoft.com/office/drawing/2014/main" id="{351F715A-A270-45F0-93AE-2E83047C16F6}"/>
-              </a:ext>
-            </a:extLst>
-          </p:cNvPr>
-          <p:cNvSpPr>
-            <a:spLocks noGrp="1"/>
-          </p:cNvSpPr>
-          <p:nvPr>
-            <p:ph type="dt" sz="half" idx="10"/>
-          </p:nvPr>
-        </p:nvSpPr>
-        <p:spPr/>
-        <p:txBody>
-          <a:bodyPr/>
-          <a:lstStyle/>
-          <a:p>
-            <a:fld id="{F52870D8-7FF1-47EB-81BF-1C400A79EF46}" type="datetimeFigureOut">
-              <a:rPr lang="en-US" smtClean="0"/>
-              <a:t>9/23/2019</a:t>
-            </a:fld>
-            <a:endParaRPr lang="en-US"/>
-          </a:p>
-        </p:txBody>
-      </p:sp>
-      <p:sp>
-        <p:nvSpPr>
-          <p:cNvPr id="5" name="Platshållare för sidfot 4">
-            <a:extLst>
-              <a:ext uri="{FF2B5EF4-FFF2-40B4-BE49-F238E27FC236}">
-                <a16:creationId xmlns:a16="http://schemas.microsoft.com/office/drawing/2014/main" id="{FD8D331C-F257-462C-874D-1728985E2E6B}"/>
-              </a:ext>
-            </a:extLst>
-          </p:cNvPr>
-          <p:cNvSpPr>
-            <a:spLocks noGrp="1"/>
-          </p:cNvSpPr>
-          <p:nvPr>
-            <p:ph type="ftr" sz="quarter" idx="11"/>
-          </p:nvPr>
-        </p:nvSpPr>
-        <p:spPr/>
-        <p:txBody>
-          <a:bodyPr/>
-          <a:lstStyle/>
-          <a:p>
-            <a:endParaRPr lang="en-US"/>
-          </a:p>
-        </p:txBody>
-      </p:sp>
-      <p:sp>
-        <p:nvSpPr>
-          <p:cNvPr id="6" name="Platshållare för bildnummer 5">
-            <a:extLst>
-              <a:ext uri="{FF2B5EF4-FFF2-40B4-BE49-F238E27FC236}">
-                <a16:creationId xmlns:a16="http://schemas.microsoft.com/office/drawing/2014/main" id="{6C7B7008-6C27-4B22-BBB3-C58C63205954}"/>
-              </a:ext>
-            </a:extLst>
-          </p:cNvPr>
-          <p:cNvSpPr>
-            <a:spLocks noGrp="1"/>
-          </p:cNvSpPr>
-          <p:nvPr>
-            <p:ph type="sldNum" sz="quarter" idx="12"/>
-          </p:nvPr>
-        </p:nvSpPr>
-        <p:spPr/>
-        <p:txBody>
-          <a:bodyPr/>
-          <a:lstStyle/>
-          <a:p>
-            <a:fld id="{6B2BFFBF-6438-4229-83EF-E60CC97FFC50}" type="slidenum">
-              <a:rPr lang="en-US" smtClean="0"/>
-              <a:t>‹#›</a:t>
-            </a:fld>
-            <a:endParaRPr lang="en-US"/>
-          </a:p>
-        </p:txBody>
-      </p:sp>
-    </p:spTree>
-    <p:extLst>
-      <p:ext uri="{BB962C8B-B14F-4D97-AF65-F5344CB8AC3E}">
-        <p14:creationId xmlns:p14="http://schemas.microsoft.com/office/powerpoint/2010/main" val="4231565247"/>
-      </p:ext>
-    </p:extLst>
-  </p:cSld>
-  <p:clrMapOvr>
-    <a:masterClrMapping/>
-  </p:clrMapOvr>
-  <p:hf hdr="0" ftr="0" dt="0"/>
-</p:sldLayout>
-</file>
-
-<file path=ppt/slideLayouts/slideLayout3.xml><?xml version="1.0" encoding="utf-8"?>
-<p:sldLayout xmlns:a="http://schemas.openxmlformats.org/drawingml/2006/main" xmlns:r="http://schemas.openxmlformats.org/officeDocument/2006/relationships" xmlns:p="http://schemas.openxmlformats.org/presentationml/2006/main" type="titleOnly" preserve="1">
-  <p:cSld name="Title Only">
-    <p:spTree>
-      <p:nvGrpSpPr>
-        <p:cNvPr id="1" name=""/>
-        <p:cNvGrpSpPr/>
-        <p:nvPr/>
-      </p:nvGrpSpPr>
-      <p:grpSpPr>
-        <a:xfrm>
-          <a:off x="0" y="0"/>
-          <a:ext cx="0" cy="0"/>
-          <a:chOff x="0" y="0"/>
-          <a:chExt cx="0" cy="0"/>
-        </a:xfrm>
-      </p:grpSpPr>
-      <p:sp>
-        <p:nvSpPr>
-          <p:cNvPr id="2" name="Title 1"/>
-          <p:cNvSpPr>
-            <a:spLocks noGrp="1"/>
-          </p:cNvSpPr>
-          <p:nvPr>
-            <p:ph type="title"/>
-          </p:nvPr>
-        </p:nvSpPr>
-        <p:spPr/>
-        <p:txBody>
-          <a:bodyPr/>
-          <a:lstStyle>
-            <a:lvl1pPr>
-              <a:defRPr>
-                <a:solidFill>
-                  <a:srgbClr val="4B4B4B"/>
-                </a:solidFill>
-              </a:defRPr>
-            </a:lvl1pPr>
-          </a:lstStyle>
-          <a:p>
-            <a:r>
-              <a:rPr lang="en-US" noProof="0"/>
-              <a:t>Click to edit Master title style</a:t>
-            </a:r>
-            <a:endParaRPr lang="en-GB" noProof="0" dirty="0"/>
-          </a:p>
-        </p:txBody>
-      </p:sp>
-      <p:sp>
-        <p:nvSpPr>
-          <p:cNvPr id="6" name="Slide Number Placeholder 5"/>
-          <p:cNvSpPr>
-            <a:spLocks noGrp="1"/>
-          </p:cNvSpPr>
-          <p:nvPr>
-            <p:ph type="sldNum" sz="quarter" idx="4"/>
-          </p:nvPr>
-        </p:nvSpPr>
-        <p:spPr>
-          <a:xfrm>
-            <a:off x="11858528" y="127737"/>
-            <a:ext cx="145353" cy="108000"/>
-          </a:xfrm>
-          <a:prstGeom prst="rect">
-            <a:avLst/>
-          </a:prstGeom>
-        </p:spPr>
-        <p:txBody>
-          <a:bodyPr vert="horz" lIns="0" tIns="0" rIns="0" bIns="0" rtlCol="0" anchor="ctr" anchorCtr="0"/>
-          <a:lstStyle>
-            <a:lvl1pPr algn="l">
-              <a:defRPr sz="800">
-                <a:solidFill>
-                  <a:srgbClr val="4B4B4B"/>
-                </a:solidFill>
-              </a:defRPr>
-            </a:lvl1pPr>
-          </a:lstStyle>
-          <a:p>
-            <a:fld id="{9B02D930-DB44-4942-904E-E6F11B0F3050}" type="slidenum">
-              <a:rPr lang="en-GB" smtClean="0"/>
-              <a:pPr/>
-              <a:t>‹#›</a:t>
-            </a:fld>
-            <a:endParaRPr lang="en-GB" dirty="0"/>
-          </a:p>
-        </p:txBody>
-      </p:sp>
-    </p:spTree>
-    <p:extLst>
-      <p:ext uri="{BB962C8B-B14F-4D97-AF65-F5344CB8AC3E}">
-        <p14:creationId xmlns:p14="http://schemas.microsoft.com/office/powerpoint/2010/main" val="2068536896"/>
-      </p:ext>
-    </p:extLst>
-  </p:cSld>
-  <p:clrMapOvr>
-    <a:masterClrMapping/>
-  </p:clrMapOvr>
-</p:sldLayout>
-</file>
-
-<file path=ppt/slideLayouts/slideLayout30.xml><?xml version="1.0" encoding="utf-8"?>
-<p:sldLayout xmlns:a="http://schemas.openxmlformats.org/drawingml/2006/main" xmlns:r="http://schemas.openxmlformats.org/officeDocument/2006/relationships" xmlns:p="http://schemas.openxmlformats.org/presentationml/2006/main" type="vertTitleAndTx" preserve="1">
-  <p:cSld name="Lodrät rubrik och text">
-    <p:spTree>
-      <p:nvGrpSpPr>
-        <p:cNvPr id="1" name=""/>
-        <p:cNvGrpSpPr/>
-        <p:nvPr/>
-      </p:nvGrpSpPr>
-      <p:grpSpPr>
-        <a:xfrm>
-          <a:off x="0" y="0"/>
-          <a:ext cx="0" cy="0"/>
-          <a:chOff x="0" y="0"/>
-          <a:chExt cx="0" cy="0"/>
-        </a:xfrm>
-      </p:grpSpPr>
-      <p:sp>
-        <p:nvSpPr>
-          <p:cNvPr id="2" name="Lodrät rubrik 1">
-            <a:extLst>
-              <a:ext uri="{FF2B5EF4-FFF2-40B4-BE49-F238E27FC236}">
-                <a16:creationId xmlns:a16="http://schemas.microsoft.com/office/drawing/2014/main" id="{3A48B8AF-4A11-4948-B47F-104DB27FE164}"/>
-              </a:ext>
-            </a:extLst>
-          </p:cNvPr>
-          <p:cNvSpPr>
-            <a:spLocks noGrp="1"/>
-          </p:cNvSpPr>
-          <p:nvPr>
-            <p:ph type="title" orient="vert"/>
-          </p:nvPr>
-        </p:nvSpPr>
-        <p:spPr>
-          <a:xfrm>
-            <a:off x="8724900" y="365125"/>
-            <a:ext cx="2628900" cy="5811838"/>
-          </a:xfrm>
-        </p:spPr>
-        <p:txBody>
-          <a:bodyPr vert="eaVert"/>
-          <a:lstStyle/>
-          <a:p>
-            <a:r>
-              <a:rPr lang="sv-SE"/>
-              <a:t>Klicka här för att ändra mall för rubrikformat</a:t>
-            </a:r>
-            <a:endParaRPr lang="en-US"/>
-          </a:p>
-        </p:txBody>
-      </p:sp>
-      <p:sp>
-        <p:nvSpPr>
-          <p:cNvPr id="3" name="Platshållare för lodrät text 2">
-            <a:extLst>
-              <a:ext uri="{FF2B5EF4-FFF2-40B4-BE49-F238E27FC236}">
-                <a16:creationId xmlns:a16="http://schemas.microsoft.com/office/drawing/2014/main" id="{EA2443D3-C96C-444C-A268-DE63FBF42573}"/>
-              </a:ext>
-            </a:extLst>
-          </p:cNvPr>
-          <p:cNvSpPr>
-            <a:spLocks noGrp="1"/>
-          </p:cNvSpPr>
-          <p:nvPr>
-            <p:ph type="body" orient="vert" idx="1"/>
-          </p:nvPr>
-        </p:nvSpPr>
-        <p:spPr>
-          <a:xfrm>
-            <a:off x="838200" y="365125"/>
-            <a:ext cx="7734300" cy="5811838"/>
-          </a:xfrm>
-        </p:spPr>
-        <p:txBody>
-          <a:bodyPr vert="eaVert"/>
-          <a:lstStyle/>
-          <a:p>
-            <a:pPr lvl="0"/>
-            <a:r>
-              <a:rPr lang="sv-SE"/>
-              <a:t>Klicka här för att ändra format på bakgrundstexten</a:t>
-            </a:r>
-          </a:p>
-          <a:p>
-            <a:pPr lvl="1"/>
-            <a:r>
-              <a:rPr lang="sv-SE"/>
-              <a:t>Nivå två</a:t>
-            </a:r>
-          </a:p>
-          <a:p>
-            <a:pPr lvl="2"/>
-            <a:r>
-              <a:rPr lang="sv-SE"/>
-              <a:t>Nivå tre</a:t>
-            </a:r>
-          </a:p>
-          <a:p>
-            <a:pPr lvl="3"/>
-            <a:r>
-              <a:rPr lang="sv-SE"/>
-              <a:t>Nivå fyra</a:t>
-            </a:r>
-          </a:p>
-          <a:p>
-            <a:pPr lvl="4"/>
-            <a:r>
-              <a:rPr lang="sv-SE"/>
-              <a:t>Nivå fem</a:t>
-            </a:r>
-            <a:endParaRPr lang="en-US"/>
-          </a:p>
-        </p:txBody>
-      </p:sp>
-      <p:sp>
-        <p:nvSpPr>
-          <p:cNvPr id="4" name="Platshållare för datum 3">
-            <a:extLst>
-              <a:ext uri="{FF2B5EF4-FFF2-40B4-BE49-F238E27FC236}">
-                <a16:creationId xmlns:a16="http://schemas.microsoft.com/office/drawing/2014/main" id="{7902F4E1-BC5F-49C1-9E35-C136CFE990CB}"/>
-              </a:ext>
-            </a:extLst>
-          </p:cNvPr>
-          <p:cNvSpPr>
-            <a:spLocks noGrp="1"/>
-          </p:cNvSpPr>
-          <p:nvPr>
-            <p:ph type="dt" sz="half" idx="10"/>
-          </p:nvPr>
-        </p:nvSpPr>
-        <p:spPr/>
-        <p:txBody>
-          <a:bodyPr/>
-          <a:lstStyle/>
-          <a:p>
-            <a:fld id="{F52870D8-7FF1-47EB-81BF-1C400A79EF46}" type="datetimeFigureOut">
-              <a:rPr lang="en-US" smtClean="0"/>
-              <a:t>9/23/2019</a:t>
-            </a:fld>
-            <a:endParaRPr lang="en-US"/>
-          </a:p>
-        </p:txBody>
-      </p:sp>
-      <p:sp>
-        <p:nvSpPr>
-          <p:cNvPr id="5" name="Platshållare för sidfot 4">
-            <a:extLst>
-              <a:ext uri="{FF2B5EF4-FFF2-40B4-BE49-F238E27FC236}">
-                <a16:creationId xmlns:a16="http://schemas.microsoft.com/office/drawing/2014/main" id="{D79960B0-EC11-4E7C-85BF-3695AD743924}"/>
-              </a:ext>
-            </a:extLst>
-          </p:cNvPr>
-          <p:cNvSpPr>
-            <a:spLocks noGrp="1"/>
-          </p:cNvSpPr>
-          <p:nvPr>
-            <p:ph type="ftr" sz="quarter" idx="11"/>
-          </p:nvPr>
-        </p:nvSpPr>
-        <p:spPr/>
-        <p:txBody>
-          <a:bodyPr/>
-          <a:lstStyle/>
-          <a:p>
-            <a:endParaRPr lang="en-US"/>
-          </a:p>
-        </p:txBody>
-      </p:sp>
-      <p:sp>
-        <p:nvSpPr>
-          <p:cNvPr id="6" name="Platshållare för bildnummer 5">
-            <a:extLst>
-              <a:ext uri="{FF2B5EF4-FFF2-40B4-BE49-F238E27FC236}">
-                <a16:creationId xmlns:a16="http://schemas.microsoft.com/office/drawing/2014/main" id="{BE2F68A5-C770-4232-91D3-7765AE6AB091}"/>
-              </a:ext>
-            </a:extLst>
-          </p:cNvPr>
-          <p:cNvSpPr>
-            <a:spLocks noGrp="1"/>
-          </p:cNvSpPr>
-          <p:nvPr>
-            <p:ph type="sldNum" sz="quarter" idx="12"/>
-          </p:nvPr>
-        </p:nvSpPr>
-        <p:spPr/>
-        <p:txBody>
-          <a:bodyPr/>
-          <a:lstStyle/>
-          <a:p>
-            <a:fld id="{6B2BFFBF-6438-4229-83EF-E60CC97FFC50}" type="slidenum">
-              <a:rPr lang="en-US" smtClean="0"/>
-              <a:t>‹#›</a:t>
-            </a:fld>
-            <a:endParaRPr lang="en-US"/>
-          </a:p>
-        </p:txBody>
-      </p:sp>
-    </p:spTree>
-    <p:extLst>
-      <p:ext uri="{BB962C8B-B14F-4D97-AF65-F5344CB8AC3E}">
-        <p14:creationId xmlns:p14="http://schemas.microsoft.com/office/powerpoint/2010/main" val="1410306970"/>
-      </p:ext>
-    </p:extLst>
-  </p:cSld>
-  <p:clrMapOvr>
-    <a:masterClrMapping/>
-  </p:clrMapOvr>
-  <p:hf hdr="0" ftr="0" dt="0"/>
-</p:sldLayout>
-</file>
-
-<file path=ppt/slideLayouts/slideLayout31.xml><?xml version="1.0" encoding="utf-8"?>
 <p:sldLayout xmlns:a="http://schemas.openxmlformats.org/drawingml/2006/main" xmlns:r="http://schemas.openxmlformats.org/officeDocument/2006/relationships" xmlns:p="http://schemas.openxmlformats.org/presentationml/2006/main" userDrawn="1">
-  <p:cSld name="Title Slide">
+  <p:cSld name="2_Title Slide">
     <p:spTree>
       <p:nvGrpSpPr>
         <p:cNvPr id="1" name=""/>
@@ -7212,9 +4452,9 @@
 </p:sldLayout>
 </file>
 
-<file path=ppt/slideLayouts/slideLayout32.xml><?xml version="1.0" encoding="utf-8"?>
+<file path=ppt/slideLayouts/slideLayout21.xml><?xml version="1.0" encoding="utf-8"?>
 <p:sldLayout xmlns:a="http://schemas.openxmlformats.org/drawingml/2006/main" xmlns:r="http://schemas.openxmlformats.org/officeDocument/2006/relationships" xmlns:p="http://schemas.openxmlformats.org/presentationml/2006/main" userDrawn="1">
-  <p:cSld name="Last Slide">
+  <p:cSld name="2_Last Slide">
     <p:spTree>
       <p:nvGrpSpPr>
         <p:cNvPr id="1" name=""/>
@@ -7481,9 +4721,9 @@
 </p:sldLayout>
 </file>
 
-<file path=ppt/slideLayouts/slideLayout33.xml><?xml version="1.0" encoding="utf-8"?>
+<file path=ppt/slideLayouts/slideLayout22.xml><?xml version="1.0" encoding="utf-8"?>
 <p:sldLayout xmlns:a="http://schemas.openxmlformats.org/drawingml/2006/main" xmlns:r="http://schemas.openxmlformats.org/officeDocument/2006/relationships" xmlns:p="http://schemas.openxmlformats.org/presentationml/2006/main" userDrawn="1">
-  <p:cSld name="Title and Content">
+  <p:cSld name="1_Title and Content">
     <p:spTree>
       <p:nvGrpSpPr>
         <p:cNvPr id="1" name=""/>
@@ -7678,6 +4918,107 @@
       <p:transition spd="slow" advClick="0"/>
     </mc:Fallback>
   </mc:AlternateContent>
+</p:sldLayout>
+</file>
+
+<file path=ppt/slideLayouts/slideLayout3.xml><?xml version="1.0" encoding="utf-8"?>
+<p:sldLayout xmlns:a="http://schemas.openxmlformats.org/drawingml/2006/main" xmlns:r="http://schemas.openxmlformats.org/officeDocument/2006/relationships" xmlns:p="http://schemas.openxmlformats.org/presentationml/2006/main" type="titleOnly" preserve="1">
+  <p:cSld name="Title Only">
+    <p:spTree>
+      <p:nvGrpSpPr>
+        <p:cNvPr id="1" name=""/>
+        <p:cNvGrpSpPr/>
+        <p:nvPr/>
+      </p:nvGrpSpPr>
+      <p:grpSpPr>
+        <a:xfrm>
+          <a:off x="0" y="0"/>
+          <a:ext cx="0" cy="0"/>
+          <a:chOff x="0" y="0"/>
+          <a:chExt cx="0" cy="0"/>
+        </a:xfrm>
+      </p:grpSpPr>
+      <p:sp>
+        <p:nvSpPr>
+          <p:cNvPr id="2" name="Title 1"/>
+          <p:cNvSpPr>
+            <a:spLocks noGrp="1"/>
+          </p:cNvSpPr>
+          <p:nvPr>
+            <p:ph type="title"/>
+          </p:nvPr>
+        </p:nvSpPr>
+        <p:spPr/>
+        <p:txBody>
+          <a:bodyPr/>
+          <a:lstStyle>
+            <a:lvl1pPr>
+              <a:defRPr>
+                <a:solidFill>
+                  <a:srgbClr val="4B4B4B"/>
+                </a:solidFill>
+              </a:defRPr>
+            </a:lvl1pPr>
+          </a:lstStyle>
+          <a:p>
+            <a:r>
+              <a:rPr lang="en-US" noProof="0"/>
+              <a:t>Click to edit Master title style</a:t>
+            </a:r>
+            <a:endParaRPr lang="en-GB" noProof="0" dirty="0"/>
+          </a:p>
+        </p:txBody>
+      </p:sp>
+      <p:sp>
+        <p:nvSpPr>
+          <p:cNvPr id="6" name="Slide Number Placeholder 5"/>
+          <p:cNvSpPr>
+            <a:spLocks noGrp="1"/>
+          </p:cNvSpPr>
+          <p:nvPr>
+            <p:ph type="sldNum" sz="quarter" idx="4"/>
+          </p:nvPr>
+        </p:nvSpPr>
+        <p:spPr>
+          <a:xfrm>
+            <a:off x="11858528" y="127737"/>
+            <a:ext cx="145353" cy="108000"/>
+          </a:xfrm>
+          <a:prstGeom prst="rect">
+            <a:avLst/>
+          </a:prstGeom>
+        </p:spPr>
+        <p:txBody>
+          <a:bodyPr vert="horz" lIns="0" tIns="0" rIns="0" bIns="0" rtlCol="0" anchor="ctr" anchorCtr="0"/>
+          <a:lstStyle>
+            <a:lvl1pPr algn="l">
+              <a:defRPr sz="800">
+                <a:solidFill>
+                  <a:srgbClr val="4B4B4B"/>
+                </a:solidFill>
+              </a:defRPr>
+            </a:lvl1pPr>
+          </a:lstStyle>
+          <a:p>
+            <a:fld id="{9B02D930-DB44-4942-904E-E6F11B0F3050}" type="slidenum">
+              <a:rPr lang="en-GB" smtClean="0"/>
+              <a:pPr/>
+              <a:t>‹#›</a:t>
+            </a:fld>
+            <a:endParaRPr lang="en-GB" dirty="0"/>
+          </a:p>
+        </p:txBody>
+      </p:sp>
+    </p:spTree>
+    <p:extLst>
+      <p:ext uri="{BB962C8B-B14F-4D97-AF65-F5344CB8AC3E}">
+        <p14:creationId xmlns:p14="http://schemas.microsoft.com/office/powerpoint/2010/main" val="2068536896"/>
+      </p:ext>
+    </p:extLst>
+  </p:cSld>
+  <p:clrMapOvr>
+    <a:masterClrMapping/>
+  </p:clrMapOvr>
 </p:sldLayout>
 </file>
 
@@ -9226,7 +6567,7 @@
           <p:cNvSpPr/>
           <p:nvPr>
             <p:custDataLst>
-              <p:tags r:id="rId21"/>
+              <p:tags r:id="rId24"/>
             </p:custDataLst>
           </p:nvPr>
         </p:nvSpPr>
@@ -9297,7 +6638,7 @@
           <p:cNvSpPr/>
           <p:nvPr>
             <p:custDataLst>
-              <p:tags r:id="rId22"/>
+              <p:tags r:id="rId25"/>
             </p:custDataLst>
           </p:nvPr>
         </p:nvSpPr>
@@ -9368,7 +6709,7 @@
           <p:cNvSpPr/>
           <p:nvPr>
             <p:custDataLst>
-              <p:tags r:id="rId23"/>
+              <p:tags r:id="rId26"/>
             </p:custDataLst>
           </p:nvPr>
         </p:nvSpPr>
@@ -9439,7 +6780,7 @@
           <p:cNvSpPr/>
           <p:nvPr>
             <p:custDataLst>
-              <p:tags r:id="rId24"/>
+              <p:tags r:id="rId27"/>
             </p:custDataLst>
           </p:nvPr>
         </p:nvSpPr>
@@ -9510,7 +6851,7 @@
           <p:cNvSpPr/>
           <p:nvPr>
             <p:custDataLst>
-              <p:tags r:id="rId25"/>
+              <p:tags r:id="rId28"/>
             </p:custDataLst>
           </p:nvPr>
         </p:nvSpPr>
@@ -9766,7 +7107,7 @@
           <p:cNvSpPr/>
           <p:nvPr>
             <p:custDataLst>
-              <p:tags r:id="rId26"/>
+              <p:tags r:id="rId29"/>
             </p:custDataLst>
           </p:nvPr>
         </p:nvSpPr>
@@ -9906,39 +7247,6 @@
               <a:defRPr/>
             </a:pPr>
             <a:r>
-              <a:rPr lang="en-GB" sz="800" kern="1200" dirty="0">
-                <a:solidFill>
-                  <a:srgbClr val="4B4B4B"/>
-                </a:solidFill>
-                <a:effectLst/>
-                <a:latin typeface="+mn-lt"/>
-                <a:ea typeface="+mn-ea"/>
-                <a:cs typeface="+mn-cs"/>
-              </a:rPr>
-              <a:t>COMPANY RESTRICTED</a:t>
-            </a:r>
-            <a:r>
-              <a:rPr lang="en-GB" sz="800" kern="1200" baseline="0" noProof="0" dirty="0">
-                <a:solidFill>
-                  <a:srgbClr val="4B4B4B"/>
-                </a:solidFill>
-                <a:effectLst/>
-                <a:latin typeface="+mn-lt"/>
-                <a:ea typeface="+mn-ea"/>
-                <a:cs typeface="+mn-cs"/>
-              </a:rPr>
-              <a:t> </a:t>
-            </a:r>
-            <a:r>
-              <a:rPr lang="en-GB" sz="800" noProof="0" dirty="0">
-                <a:solidFill>
-                  <a:srgbClr val="4B4B4B"/>
-                </a:solidFill>
-                <a:latin typeface="+mn-lt"/>
-              </a:rPr>
-              <a:t>|</a:t>
-            </a:r>
-            <a:r>
               <a:rPr lang="en-GB" sz="800" baseline="0" noProof="0" dirty="0">
                 <a:solidFill>
                   <a:srgbClr val="4B4B4B"/>
@@ -10040,7 +7348,7 @@
           <p:nvPr/>
         </p:nvPicPr>
         <p:blipFill>
-          <a:blip r:embed="rId27" cstate="print">
+          <a:blip r:embed="rId30" cstate="print">
             <a:extLst>
               <a:ext uri="{28A0092B-C50C-407E-A947-70E740481C1C}">
                 <a14:useLocalDpi xmlns:a14="http://schemas.microsoft.com/office/drawing/2010/main" val="0"/>
@@ -10089,6 +7397,9 @@
     <p:sldLayoutId id="2147483748" r:id="rId17"/>
     <p:sldLayoutId id="2147483762" r:id="rId18"/>
     <p:sldLayoutId id="2147483763" r:id="rId19"/>
+    <p:sldLayoutId id="2147483776" r:id="rId20"/>
+    <p:sldLayoutId id="2147483777" r:id="rId21"/>
+    <p:sldLayoutId id="2147483778" r:id="rId22"/>
   </p:sldLayoutIdLst>
   <p:hf hdr="0" ftr="0" dt="0"/>
   <p:txStyles>
@@ -10379,585 +7690,6 @@
 </p:sldMaster>
 </file>
 
-<file path=ppt/slideMasters/slideMaster2.xml><?xml version="1.0" encoding="utf-8"?>
-<p:sldMaster xmlns:a="http://schemas.openxmlformats.org/drawingml/2006/main" xmlns:r="http://schemas.openxmlformats.org/officeDocument/2006/relationships" xmlns:p="http://schemas.openxmlformats.org/presentationml/2006/main">
-  <p:cSld>
-    <p:bg>
-      <p:bgRef idx="1001">
-        <a:schemeClr val="bg1"/>
-      </p:bgRef>
-    </p:bg>
-    <p:spTree>
-      <p:nvGrpSpPr>
-        <p:cNvPr id="1" name=""/>
-        <p:cNvGrpSpPr/>
-        <p:nvPr/>
-      </p:nvGrpSpPr>
-      <p:grpSpPr>
-        <a:xfrm>
-          <a:off x="0" y="0"/>
-          <a:ext cx="0" cy="0"/>
-          <a:chOff x="0" y="0"/>
-          <a:chExt cx="0" cy="0"/>
-        </a:xfrm>
-      </p:grpSpPr>
-      <p:sp>
-        <p:nvSpPr>
-          <p:cNvPr id="2" name="Platshållare för rubrik 1">
-            <a:extLst>
-              <a:ext uri="{FF2B5EF4-FFF2-40B4-BE49-F238E27FC236}">
-                <a16:creationId xmlns:a16="http://schemas.microsoft.com/office/drawing/2014/main" id="{4F7A6C11-8FC5-4225-81E5-152D28DD08DF}"/>
-              </a:ext>
-            </a:extLst>
-          </p:cNvPr>
-          <p:cNvSpPr>
-            <a:spLocks noGrp="1"/>
-          </p:cNvSpPr>
-          <p:nvPr>
-            <p:ph type="title"/>
-          </p:nvPr>
-        </p:nvSpPr>
-        <p:spPr>
-          <a:xfrm>
-            <a:off x="838200" y="365125"/>
-            <a:ext cx="10515600" cy="1325563"/>
-          </a:xfrm>
-          <a:prstGeom prst="rect">
-            <a:avLst/>
-          </a:prstGeom>
-        </p:spPr>
-        <p:txBody>
-          <a:bodyPr vert="horz" lIns="91440" tIns="45720" rIns="91440" bIns="45720" rtlCol="0" anchor="ctr">
-            <a:normAutofit/>
-          </a:bodyPr>
-          <a:lstStyle/>
-          <a:p>
-            <a:r>
-              <a:rPr lang="sv-SE"/>
-              <a:t>Klicka här för att ändra mall för rubrikformat</a:t>
-            </a:r>
-            <a:endParaRPr lang="en-US"/>
-          </a:p>
-        </p:txBody>
-      </p:sp>
-      <p:sp>
-        <p:nvSpPr>
-          <p:cNvPr id="3" name="Platshållare för text 2">
-            <a:extLst>
-              <a:ext uri="{FF2B5EF4-FFF2-40B4-BE49-F238E27FC236}">
-                <a16:creationId xmlns:a16="http://schemas.microsoft.com/office/drawing/2014/main" id="{6504AD21-6ABF-4C69-9A36-4EB5B374D9EB}"/>
-              </a:ext>
-            </a:extLst>
-          </p:cNvPr>
-          <p:cNvSpPr>
-            <a:spLocks noGrp="1"/>
-          </p:cNvSpPr>
-          <p:nvPr>
-            <p:ph type="body" idx="1"/>
-          </p:nvPr>
-        </p:nvSpPr>
-        <p:spPr>
-          <a:xfrm>
-            <a:off x="838200" y="1825625"/>
-            <a:ext cx="10515600" cy="4351338"/>
-          </a:xfrm>
-          <a:prstGeom prst="rect">
-            <a:avLst/>
-          </a:prstGeom>
-        </p:spPr>
-        <p:txBody>
-          <a:bodyPr vert="horz" lIns="91440" tIns="45720" rIns="91440" bIns="45720" rtlCol="0">
-            <a:normAutofit/>
-          </a:bodyPr>
-          <a:lstStyle/>
-          <a:p>
-            <a:pPr lvl="0"/>
-            <a:r>
-              <a:rPr lang="sv-SE"/>
-              <a:t>Klicka här för att ändra format på bakgrundstexten</a:t>
-            </a:r>
-          </a:p>
-          <a:p>
-            <a:pPr lvl="1"/>
-            <a:r>
-              <a:rPr lang="sv-SE"/>
-              <a:t>Nivå två</a:t>
-            </a:r>
-          </a:p>
-          <a:p>
-            <a:pPr lvl="2"/>
-            <a:r>
-              <a:rPr lang="sv-SE"/>
-              <a:t>Nivå tre</a:t>
-            </a:r>
-          </a:p>
-          <a:p>
-            <a:pPr lvl="3"/>
-            <a:r>
-              <a:rPr lang="sv-SE"/>
-              <a:t>Nivå fyra</a:t>
-            </a:r>
-          </a:p>
-          <a:p>
-            <a:pPr lvl="4"/>
-            <a:r>
-              <a:rPr lang="sv-SE"/>
-              <a:t>Nivå fem</a:t>
-            </a:r>
-            <a:endParaRPr lang="en-US"/>
-          </a:p>
-        </p:txBody>
-      </p:sp>
-      <p:sp>
-        <p:nvSpPr>
-          <p:cNvPr id="4" name="Platshållare för datum 3">
-            <a:extLst>
-              <a:ext uri="{FF2B5EF4-FFF2-40B4-BE49-F238E27FC236}">
-                <a16:creationId xmlns:a16="http://schemas.microsoft.com/office/drawing/2014/main" id="{1F441F17-C7DE-4732-967C-FE3F7E73AD50}"/>
-              </a:ext>
-            </a:extLst>
-          </p:cNvPr>
-          <p:cNvSpPr>
-            <a:spLocks noGrp="1"/>
-          </p:cNvSpPr>
-          <p:nvPr>
-            <p:ph type="dt" sz="half" idx="2"/>
-          </p:nvPr>
-        </p:nvSpPr>
-        <p:spPr>
-          <a:xfrm>
-            <a:off x="838200" y="6356350"/>
-            <a:ext cx="2743200" cy="365125"/>
-          </a:xfrm>
-          <a:prstGeom prst="rect">
-            <a:avLst/>
-          </a:prstGeom>
-        </p:spPr>
-        <p:txBody>
-          <a:bodyPr vert="horz" lIns="91440" tIns="45720" rIns="91440" bIns="45720" rtlCol="0" anchor="ctr"/>
-          <a:lstStyle>
-            <a:lvl1pPr algn="l">
-              <a:defRPr sz="1200">
-                <a:solidFill>
-                  <a:schemeClr val="tx1">
-                    <a:tint val="75000"/>
-                  </a:schemeClr>
-                </a:solidFill>
-              </a:defRPr>
-            </a:lvl1pPr>
-          </a:lstStyle>
-          <a:p>
-            <a:fld id="{F52870D8-7FF1-47EB-81BF-1C400A79EF46}" type="datetimeFigureOut">
-              <a:rPr lang="en-US" smtClean="0"/>
-              <a:t>9/23/2019</a:t>
-            </a:fld>
-            <a:endParaRPr lang="en-US"/>
-          </a:p>
-        </p:txBody>
-      </p:sp>
-      <p:sp>
-        <p:nvSpPr>
-          <p:cNvPr id="5" name="Platshållare för sidfot 4">
-            <a:extLst>
-              <a:ext uri="{FF2B5EF4-FFF2-40B4-BE49-F238E27FC236}">
-                <a16:creationId xmlns:a16="http://schemas.microsoft.com/office/drawing/2014/main" id="{123B31DC-BC86-406B-8664-6B0839DE795D}"/>
-              </a:ext>
-            </a:extLst>
-          </p:cNvPr>
-          <p:cNvSpPr>
-            <a:spLocks noGrp="1"/>
-          </p:cNvSpPr>
-          <p:nvPr>
-            <p:ph type="ftr" sz="quarter" idx="3"/>
-          </p:nvPr>
-        </p:nvSpPr>
-        <p:spPr>
-          <a:xfrm>
-            <a:off x="4038600" y="6356350"/>
-            <a:ext cx="4114800" cy="365125"/>
-          </a:xfrm>
-          <a:prstGeom prst="rect">
-            <a:avLst/>
-          </a:prstGeom>
-        </p:spPr>
-        <p:txBody>
-          <a:bodyPr vert="horz" lIns="91440" tIns="45720" rIns="91440" bIns="45720" rtlCol="0" anchor="ctr"/>
-          <a:lstStyle>
-            <a:lvl1pPr algn="ctr">
-              <a:defRPr sz="1200">
-                <a:solidFill>
-                  <a:schemeClr val="tx1">
-                    <a:tint val="75000"/>
-                  </a:schemeClr>
-                </a:solidFill>
-              </a:defRPr>
-            </a:lvl1pPr>
-          </a:lstStyle>
-          <a:p>
-            <a:endParaRPr lang="en-US"/>
-          </a:p>
-        </p:txBody>
-      </p:sp>
-      <p:sp>
-        <p:nvSpPr>
-          <p:cNvPr id="6" name="Platshållare för bildnummer 5">
-            <a:extLst>
-              <a:ext uri="{FF2B5EF4-FFF2-40B4-BE49-F238E27FC236}">
-                <a16:creationId xmlns:a16="http://schemas.microsoft.com/office/drawing/2014/main" id="{904CBFDE-7BB1-49B9-A14A-79506A0E4564}"/>
-              </a:ext>
-            </a:extLst>
-          </p:cNvPr>
-          <p:cNvSpPr>
-            <a:spLocks noGrp="1"/>
-          </p:cNvSpPr>
-          <p:nvPr>
-            <p:ph type="sldNum" sz="quarter" idx="4"/>
-          </p:nvPr>
-        </p:nvSpPr>
-        <p:spPr>
-          <a:xfrm>
-            <a:off x="8610600" y="6356350"/>
-            <a:ext cx="2743200" cy="365125"/>
-          </a:xfrm>
-          <a:prstGeom prst="rect">
-            <a:avLst/>
-          </a:prstGeom>
-        </p:spPr>
-        <p:txBody>
-          <a:bodyPr vert="horz" lIns="91440" tIns="45720" rIns="91440" bIns="45720" rtlCol="0" anchor="ctr"/>
-          <a:lstStyle>
-            <a:lvl1pPr algn="r">
-              <a:defRPr sz="1200">
-                <a:solidFill>
-                  <a:schemeClr val="tx1">
-                    <a:tint val="75000"/>
-                  </a:schemeClr>
-                </a:solidFill>
-              </a:defRPr>
-            </a:lvl1pPr>
-          </a:lstStyle>
-          <a:p>
-            <a:fld id="{6B2BFFBF-6438-4229-83EF-E60CC97FFC50}" type="slidenum">
-              <a:rPr lang="en-US" smtClean="0"/>
-              <a:t>‹#›</a:t>
-            </a:fld>
-            <a:endParaRPr lang="en-US"/>
-          </a:p>
-        </p:txBody>
-      </p:sp>
-    </p:spTree>
-    <p:extLst>
-      <p:ext uri="{BB962C8B-B14F-4D97-AF65-F5344CB8AC3E}">
-        <p14:creationId xmlns:p14="http://schemas.microsoft.com/office/powerpoint/2010/main" val="2530656204"/>
-      </p:ext>
-    </p:extLst>
-  </p:cSld>
-  <p:clrMap bg1="lt1" tx1="dk1" bg2="lt2" tx2="dk2" accent1="accent1" accent2="accent2" accent3="accent3" accent4="accent4" accent5="accent5" accent6="accent6" hlink="hlink" folHlink="folHlink"/>
-  <p:sldLayoutIdLst>
-    <p:sldLayoutId id="2147483765" r:id="rId1"/>
-    <p:sldLayoutId id="2147483766" r:id="rId2"/>
-    <p:sldLayoutId id="2147483767" r:id="rId3"/>
-    <p:sldLayoutId id="2147483768" r:id="rId4"/>
-    <p:sldLayoutId id="2147483769" r:id="rId5"/>
-    <p:sldLayoutId id="2147483770" r:id="rId6"/>
-    <p:sldLayoutId id="2147483771" r:id="rId7"/>
-    <p:sldLayoutId id="2147483772" r:id="rId8"/>
-    <p:sldLayoutId id="2147483773" r:id="rId9"/>
-    <p:sldLayoutId id="2147483774" r:id="rId10"/>
-    <p:sldLayoutId id="2147483775" r:id="rId11"/>
-    <p:sldLayoutId id="2147483776" r:id="rId12"/>
-    <p:sldLayoutId id="2147483777" r:id="rId13"/>
-    <p:sldLayoutId id="2147483778" r:id="rId14"/>
-  </p:sldLayoutIdLst>
-  <p:hf hdr="0" ftr="0" dt="0"/>
-  <p:txStyles>
-    <p:titleStyle>
-      <a:lvl1pPr algn="l" defTabSz="914400" rtl="0" eaLnBrk="1" latinLnBrk="0" hangingPunct="1">
-        <a:lnSpc>
-          <a:spcPct val="90000"/>
-        </a:lnSpc>
-        <a:spcBef>
-          <a:spcPct val="0"/>
-        </a:spcBef>
-        <a:buNone/>
-        <a:defRPr sz="4400" kern="1200">
-          <a:solidFill>
-            <a:schemeClr val="tx1"/>
-          </a:solidFill>
-          <a:latin typeface="+mj-lt"/>
-          <a:ea typeface="+mj-ea"/>
-          <a:cs typeface="+mj-cs"/>
-        </a:defRPr>
-      </a:lvl1pPr>
-    </p:titleStyle>
-    <p:bodyStyle>
-      <a:lvl1pPr marL="228600" indent="-228600" algn="l" defTabSz="914400" rtl="0" eaLnBrk="1" latinLnBrk="0" hangingPunct="1">
-        <a:lnSpc>
-          <a:spcPct val="90000"/>
-        </a:lnSpc>
-        <a:spcBef>
-          <a:spcPts val="1000"/>
-        </a:spcBef>
-        <a:buFont typeface="Arial" panose="020B0604020202020204" pitchFamily="34" charset="0"/>
-        <a:buChar char="•"/>
-        <a:defRPr sz="2800" kern="1200">
-          <a:solidFill>
-            <a:schemeClr val="tx1"/>
-          </a:solidFill>
-          <a:latin typeface="+mn-lt"/>
-          <a:ea typeface="+mn-ea"/>
-          <a:cs typeface="+mn-cs"/>
-        </a:defRPr>
-      </a:lvl1pPr>
-      <a:lvl2pPr marL="685800" indent="-228600" algn="l" defTabSz="914400" rtl="0" eaLnBrk="1" latinLnBrk="0" hangingPunct="1">
-        <a:lnSpc>
-          <a:spcPct val="90000"/>
-        </a:lnSpc>
-        <a:spcBef>
-          <a:spcPts val="500"/>
-        </a:spcBef>
-        <a:buFont typeface="Arial" panose="020B0604020202020204" pitchFamily="34" charset="0"/>
-        <a:buChar char="•"/>
-        <a:defRPr sz="2400" kern="1200">
-          <a:solidFill>
-            <a:schemeClr val="tx1"/>
-          </a:solidFill>
-          <a:latin typeface="+mn-lt"/>
-          <a:ea typeface="+mn-ea"/>
-          <a:cs typeface="+mn-cs"/>
-        </a:defRPr>
-      </a:lvl2pPr>
-      <a:lvl3pPr marL="1143000" indent="-228600" algn="l" defTabSz="914400" rtl="0" eaLnBrk="1" latinLnBrk="0" hangingPunct="1">
-        <a:lnSpc>
-          <a:spcPct val="90000"/>
-        </a:lnSpc>
-        <a:spcBef>
-          <a:spcPts val="500"/>
-        </a:spcBef>
-        <a:buFont typeface="Arial" panose="020B0604020202020204" pitchFamily="34" charset="0"/>
-        <a:buChar char="•"/>
-        <a:defRPr sz="2000" kern="1200">
-          <a:solidFill>
-            <a:schemeClr val="tx1"/>
-          </a:solidFill>
-          <a:latin typeface="+mn-lt"/>
-          <a:ea typeface="+mn-ea"/>
-          <a:cs typeface="+mn-cs"/>
-        </a:defRPr>
-      </a:lvl3pPr>
-      <a:lvl4pPr marL="1600200" indent="-228600" algn="l" defTabSz="914400" rtl="0" eaLnBrk="1" latinLnBrk="0" hangingPunct="1">
-        <a:lnSpc>
-          <a:spcPct val="90000"/>
-        </a:lnSpc>
-        <a:spcBef>
-          <a:spcPts val="500"/>
-        </a:spcBef>
-        <a:buFont typeface="Arial" panose="020B0604020202020204" pitchFamily="34" charset="0"/>
-        <a:buChar char="•"/>
-        <a:defRPr sz="1800" kern="1200">
-          <a:solidFill>
-            <a:schemeClr val="tx1"/>
-          </a:solidFill>
-          <a:latin typeface="+mn-lt"/>
-          <a:ea typeface="+mn-ea"/>
-          <a:cs typeface="+mn-cs"/>
-        </a:defRPr>
-      </a:lvl4pPr>
-      <a:lvl5pPr marL="2057400" indent="-228600" algn="l" defTabSz="914400" rtl="0" eaLnBrk="1" latinLnBrk="0" hangingPunct="1">
-        <a:lnSpc>
-          <a:spcPct val="90000"/>
-        </a:lnSpc>
-        <a:spcBef>
-          <a:spcPts val="500"/>
-        </a:spcBef>
-        <a:buFont typeface="Arial" panose="020B0604020202020204" pitchFamily="34" charset="0"/>
-        <a:buChar char="•"/>
-        <a:defRPr sz="1800" kern="1200">
-          <a:solidFill>
-            <a:schemeClr val="tx1"/>
-          </a:solidFill>
-          <a:latin typeface="+mn-lt"/>
-          <a:ea typeface="+mn-ea"/>
-          <a:cs typeface="+mn-cs"/>
-        </a:defRPr>
-      </a:lvl5pPr>
-      <a:lvl6pPr marL="2514600" indent="-228600" algn="l" defTabSz="914400" rtl="0" eaLnBrk="1" latinLnBrk="0" hangingPunct="1">
-        <a:lnSpc>
-          <a:spcPct val="90000"/>
-        </a:lnSpc>
-        <a:spcBef>
-          <a:spcPts val="500"/>
-        </a:spcBef>
-        <a:buFont typeface="Arial" panose="020B0604020202020204" pitchFamily="34" charset="0"/>
-        <a:buChar char="•"/>
-        <a:defRPr sz="1800" kern="1200">
-          <a:solidFill>
-            <a:schemeClr val="tx1"/>
-          </a:solidFill>
-          <a:latin typeface="+mn-lt"/>
-          <a:ea typeface="+mn-ea"/>
-          <a:cs typeface="+mn-cs"/>
-        </a:defRPr>
-      </a:lvl6pPr>
-      <a:lvl7pPr marL="2971800" indent="-228600" algn="l" defTabSz="914400" rtl="0" eaLnBrk="1" latinLnBrk="0" hangingPunct="1">
-        <a:lnSpc>
-          <a:spcPct val="90000"/>
-        </a:lnSpc>
-        <a:spcBef>
-          <a:spcPts val="500"/>
-        </a:spcBef>
-        <a:buFont typeface="Arial" panose="020B0604020202020204" pitchFamily="34" charset="0"/>
-        <a:buChar char="•"/>
-        <a:defRPr sz="1800" kern="1200">
-          <a:solidFill>
-            <a:schemeClr val="tx1"/>
-          </a:solidFill>
-          <a:latin typeface="+mn-lt"/>
-          <a:ea typeface="+mn-ea"/>
-          <a:cs typeface="+mn-cs"/>
-        </a:defRPr>
-      </a:lvl7pPr>
-      <a:lvl8pPr marL="3429000" indent="-228600" algn="l" defTabSz="914400" rtl="0" eaLnBrk="1" latinLnBrk="0" hangingPunct="1">
-        <a:lnSpc>
-          <a:spcPct val="90000"/>
-        </a:lnSpc>
-        <a:spcBef>
-          <a:spcPts val="500"/>
-        </a:spcBef>
-        <a:buFont typeface="Arial" panose="020B0604020202020204" pitchFamily="34" charset="0"/>
-        <a:buChar char="•"/>
-        <a:defRPr sz="1800" kern="1200">
-          <a:solidFill>
-            <a:schemeClr val="tx1"/>
-          </a:solidFill>
-          <a:latin typeface="+mn-lt"/>
-          <a:ea typeface="+mn-ea"/>
-          <a:cs typeface="+mn-cs"/>
-        </a:defRPr>
-      </a:lvl8pPr>
-      <a:lvl9pPr marL="3886200" indent="-228600" algn="l" defTabSz="914400" rtl="0" eaLnBrk="1" latinLnBrk="0" hangingPunct="1">
-        <a:lnSpc>
-          <a:spcPct val="90000"/>
-        </a:lnSpc>
-        <a:spcBef>
-          <a:spcPts val="500"/>
-        </a:spcBef>
-        <a:buFont typeface="Arial" panose="020B0604020202020204" pitchFamily="34" charset="0"/>
-        <a:buChar char="•"/>
-        <a:defRPr sz="1800" kern="1200">
-          <a:solidFill>
-            <a:schemeClr val="tx1"/>
-          </a:solidFill>
-          <a:latin typeface="+mn-lt"/>
-          <a:ea typeface="+mn-ea"/>
-          <a:cs typeface="+mn-cs"/>
-        </a:defRPr>
-      </a:lvl9pPr>
-    </p:bodyStyle>
-    <p:otherStyle>
-      <a:defPPr>
-        <a:defRPr lang="sv-SE"/>
-      </a:defPPr>
-      <a:lvl1pPr marL="0" algn="l" defTabSz="914400" rtl="0" eaLnBrk="1" latinLnBrk="0" hangingPunct="1">
-        <a:defRPr sz="1800" kern="1200">
-          <a:solidFill>
-            <a:schemeClr val="tx1"/>
-          </a:solidFill>
-          <a:latin typeface="+mn-lt"/>
-          <a:ea typeface="+mn-ea"/>
-          <a:cs typeface="+mn-cs"/>
-        </a:defRPr>
-      </a:lvl1pPr>
-      <a:lvl2pPr marL="457200" algn="l" defTabSz="914400" rtl="0" eaLnBrk="1" latinLnBrk="0" hangingPunct="1">
-        <a:defRPr sz="1800" kern="1200">
-          <a:solidFill>
-            <a:schemeClr val="tx1"/>
-          </a:solidFill>
-          <a:latin typeface="+mn-lt"/>
-          <a:ea typeface="+mn-ea"/>
-          <a:cs typeface="+mn-cs"/>
-        </a:defRPr>
-      </a:lvl2pPr>
-      <a:lvl3pPr marL="914400" algn="l" defTabSz="914400" rtl="0" eaLnBrk="1" latinLnBrk="0" hangingPunct="1">
-        <a:defRPr sz="1800" kern="1200">
-          <a:solidFill>
-            <a:schemeClr val="tx1"/>
-          </a:solidFill>
-          <a:latin typeface="+mn-lt"/>
-          <a:ea typeface="+mn-ea"/>
-          <a:cs typeface="+mn-cs"/>
-        </a:defRPr>
-      </a:lvl3pPr>
-      <a:lvl4pPr marL="1371600" algn="l" defTabSz="914400" rtl="0" eaLnBrk="1" latinLnBrk="0" hangingPunct="1">
-        <a:defRPr sz="1800" kern="1200">
-          <a:solidFill>
-            <a:schemeClr val="tx1"/>
-          </a:solidFill>
-          <a:latin typeface="+mn-lt"/>
-          <a:ea typeface="+mn-ea"/>
-          <a:cs typeface="+mn-cs"/>
-        </a:defRPr>
-      </a:lvl4pPr>
-      <a:lvl5pPr marL="1828800" algn="l" defTabSz="914400" rtl="0" eaLnBrk="1" latinLnBrk="0" hangingPunct="1">
-        <a:defRPr sz="1800" kern="1200">
-          <a:solidFill>
-            <a:schemeClr val="tx1"/>
-          </a:solidFill>
-          <a:latin typeface="+mn-lt"/>
-          <a:ea typeface="+mn-ea"/>
-          <a:cs typeface="+mn-cs"/>
-        </a:defRPr>
-      </a:lvl5pPr>
-      <a:lvl6pPr marL="2286000" algn="l" defTabSz="914400" rtl="0" eaLnBrk="1" latinLnBrk="0" hangingPunct="1">
-        <a:defRPr sz="1800" kern="1200">
-          <a:solidFill>
-            <a:schemeClr val="tx1"/>
-          </a:solidFill>
-          <a:latin typeface="+mn-lt"/>
-          <a:ea typeface="+mn-ea"/>
-          <a:cs typeface="+mn-cs"/>
-        </a:defRPr>
-      </a:lvl6pPr>
-      <a:lvl7pPr marL="2743200" algn="l" defTabSz="914400" rtl="0" eaLnBrk="1" latinLnBrk="0" hangingPunct="1">
-        <a:defRPr sz="1800" kern="1200">
-          <a:solidFill>
-            <a:schemeClr val="tx1"/>
-          </a:solidFill>
-          <a:latin typeface="+mn-lt"/>
-          <a:ea typeface="+mn-ea"/>
-          <a:cs typeface="+mn-cs"/>
-        </a:defRPr>
-      </a:lvl7pPr>
-      <a:lvl8pPr marL="3200400" algn="l" defTabSz="914400" rtl="0" eaLnBrk="1" latinLnBrk="0" hangingPunct="1">
-        <a:defRPr sz="1800" kern="1200">
-          <a:solidFill>
-            <a:schemeClr val="tx1"/>
-          </a:solidFill>
-          <a:latin typeface="+mn-lt"/>
-          <a:ea typeface="+mn-ea"/>
-          <a:cs typeface="+mn-cs"/>
-        </a:defRPr>
-      </a:lvl8pPr>
-      <a:lvl9pPr marL="3657600" algn="l" defTabSz="914400" rtl="0" eaLnBrk="1" latinLnBrk="0" hangingPunct="1">
-        <a:defRPr sz="1800" kern="1200">
-          <a:solidFill>
-            <a:schemeClr val="tx1"/>
-          </a:solidFill>
-          <a:latin typeface="+mn-lt"/>
-          <a:ea typeface="+mn-ea"/>
-          <a:cs typeface="+mn-cs"/>
-        </a:defRPr>
-      </a:lvl9pPr>
-    </p:otherStyle>
-  </p:txStyles>
-  <p:extLst>
-    <p:ext uri="{27BBF7A9-308A-43DC-89C8-2F10F3537804}">
-      <p15:sldGuideLst xmlns:p15="http://schemas.microsoft.com/office/powerpoint/2012/main"/>
-    </p:ext>
-  </p:extLst>
-</p:sldMaster>
-</file>
-
 <file path=ppt/slides/slide1.xml><?xml version="1.0" encoding="utf-8"?>
 <p:sld xmlns:a="http://schemas.openxmlformats.org/drawingml/2006/main" xmlns:r="http://schemas.openxmlformats.org/officeDocument/2006/relationships" xmlns:p="http://schemas.openxmlformats.org/presentationml/2006/main">
   <p:cSld>
@@ -11158,6 +7890,348 @@
   <p:clrMapOvr>
     <a:masterClrMapping/>
   </p:clrMapOvr>
+  <p:timing>
+    <p:tnLst>
+      <p:par>
+        <p:cTn id="1" dur="indefinite" restart="never" nodeType="tmRoot">
+          <p:childTnLst>
+            <p:seq concurrent="1" nextAc="seek">
+              <p:cTn id="2" dur="indefinite" nodeType="mainSeq">
+                <p:childTnLst>
+                  <p:par>
+                    <p:cTn id="3" fill="hold">
+                      <p:stCondLst>
+                        <p:cond delay="indefinite"/>
+                      </p:stCondLst>
+                      <p:childTnLst>
+                        <p:par>
+                          <p:cTn id="4" fill="hold">
+                            <p:stCondLst>
+                              <p:cond delay="0"/>
+                            </p:stCondLst>
+                            <p:childTnLst>
+                              <p:par>
+                                <p:cTn id="5" presetID="2" presetClass="entr" presetSubtype="4" fill="hold" grpId="0" nodeType="clickEffect">
+                                  <p:stCondLst>
+                                    <p:cond delay="0"/>
+                                  </p:stCondLst>
+                                  <p:childTnLst>
+                                    <p:set>
+                                      <p:cBhvr>
+                                        <p:cTn id="6" dur="1" fill="hold">
+                                          <p:stCondLst>
+                                            <p:cond delay="0"/>
+                                          </p:stCondLst>
+                                        </p:cTn>
+                                        <p:tgtEl>
+                                          <p:spTgt spid="13">
+                                            <p:txEl>
+                                              <p:pRg st="0" end="0"/>
+                                            </p:txEl>
+                                          </p:spTgt>
+                                        </p:tgtEl>
+                                        <p:attrNameLst>
+                                          <p:attrName>style.visibility</p:attrName>
+                                        </p:attrNameLst>
+                                      </p:cBhvr>
+                                      <p:to>
+                                        <p:strVal val="visible"/>
+                                      </p:to>
+                                    </p:set>
+                                    <p:anim calcmode="lin" valueType="num">
+                                      <p:cBhvr additive="base">
+                                        <p:cTn id="7" dur="500" fill="hold"/>
+                                        <p:tgtEl>
+                                          <p:spTgt spid="13">
+                                            <p:txEl>
+                                              <p:pRg st="0" end="0"/>
+                                            </p:txEl>
+                                          </p:spTgt>
+                                        </p:tgtEl>
+                                        <p:attrNameLst>
+                                          <p:attrName>ppt_x</p:attrName>
+                                        </p:attrNameLst>
+                                      </p:cBhvr>
+                                      <p:tavLst>
+                                        <p:tav tm="0">
+                                          <p:val>
+                                            <p:strVal val="#ppt_x"/>
+                                          </p:val>
+                                        </p:tav>
+                                        <p:tav tm="100000">
+                                          <p:val>
+                                            <p:strVal val="#ppt_x"/>
+                                          </p:val>
+                                        </p:tav>
+                                      </p:tavLst>
+                                    </p:anim>
+                                    <p:anim calcmode="lin" valueType="num">
+                                      <p:cBhvr additive="base">
+                                        <p:cTn id="8" dur="500" fill="hold"/>
+                                        <p:tgtEl>
+                                          <p:spTgt spid="13">
+                                            <p:txEl>
+                                              <p:pRg st="0" end="0"/>
+                                            </p:txEl>
+                                          </p:spTgt>
+                                        </p:tgtEl>
+                                        <p:attrNameLst>
+                                          <p:attrName>ppt_y</p:attrName>
+                                        </p:attrNameLst>
+                                      </p:cBhvr>
+                                      <p:tavLst>
+                                        <p:tav tm="0">
+                                          <p:val>
+                                            <p:strVal val="1+#ppt_h/2"/>
+                                          </p:val>
+                                        </p:tav>
+                                        <p:tav tm="100000">
+                                          <p:val>
+                                            <p:strVal val="#ppt_y"/>
+                                          </p:val>
+                                        </p:tav>
+                                      </p:tavLst>
+                                    </p:anim>
+                                  </p:childTnLst>
+                                </p:cTn>
+                              </p:par>
+                            </p:childTnLst>
+                          </p:cTn>
+                        </p:par>
+                      </p:childTnLst>
+                    </p:cTn>
+                  </p:par>
+                  <p:par>
+                    <p:cTn id="9" fill="hold">
+                      <p:stCondLst>
+                        <p:cond delay="indefinite"/>
+                      </p:stCondLst>
+                      <p:childTnLst>
+                        <p:par>
+                          <p:cTn id="10" fill="hold">
+                            <p:stCondLst>
+                              <p:cond delay="0"/>
+                            </p:stCondLst>
+                            <p:childTnLst>
+                              <p:par>
+                                <p:cTn id="11" presetID="2" presetClass="entr" presetSubtype="4" fill="hold" grpId="0" nodeType="clickEffect">
+                                  <p:stCondLst>
+                                    <p:cond delay="0"/>
+                                  </p:stCondLst>
+                                  <p:childTnLst>
+                                    <p:set>
+                                      <p:cBhvr>
+                                        <p:cTn id="12" dur="1" fill="hold">
+                                          <p:stCondLst>
+                                            <p:cond delay="0"/>
+                                          </p:stCondLst>
+                                        </p:cTn>
+                                        <p:tgtEl>
+                                          <p:spTgt spid="13">
+                                            <p:txEl>
+                                              <p:pRg st="1" end="1"/>
+                                            </p:txEl>
+                                          </p:spTgt>
+                                        </p:tgtEl>
+                                        <p:attrNameLst>
+                                          <p:attrName>style.visibility</p:attrName>
+                                        </p:attrNameLst>
+                                      </p:cBhvr>
+                                      <p:to>
+                                        <p:strVal val="visible"/>
+                                      </p:to>
+                                    </p:set>
+                                    <p:anim calcmode="lin" valueType="num">
+                                      <p:cBhvr additive="base">
+                                        <p:cTn id="13" dur="500" fill="hold"/>
+                                        <p:tgtEl>
+                                          <p:spTgt spid="13">
+                                            <p:txEl>
+                                              <p:pRg st="1" end="1"/>
+                                            </p:txEl>
+                                          </p:spTgt>
+                                        </p:tgtEl>
+                                        <p:attrNameLst>
+                                          <p:attrName>ppt_x</p:attrName>
+                                        </p:attrNameLst>
+                                      </p:cBhvr>
+                                      <p:tavLst>
+                                        <p:tav tm="0">
+                                          <p:val>
+                                            <p:strVal val="#ppt_x"/>
+                                          </p:val>
+                                        </p:tav>
+                                        <p:tav tm="100000">
+                                          <p:val>
+                                            <p:strVal val="#ppt_x"/>
+                                          </p:val>
+                                        </p:tav>
+                                      </p:tavLst>
+                                    </p:anim>
+                                    <p:anim calcmode="lin" valueType="num">
+                                      <p:cBhvr additive="base">
+                                        <p:cTn id="14" dur="500" fill="hold"/>
+                                        <p:tgtEl>
+                                          <p:spTgt spid="13">
+                                            <p:txEl>
+                                              <p:pRg st="1" end="1"/>
+                                            </p:txEl>
+                                          </p:spTgt>
+                                        </p:tgtEl>
+                                        <p:attrNameLst>
+                                          <p:attrName>ppt_y</p:attrName>
+                                        </p:attrNameLst>
+                                      </p:cBhvr>
+                                      <p:tavLst>
+                                        <p:tav tm="0">
+                                          <p:val>
+                                            <p:strVal val="1+#ppt_h/2"/>
+                                          </p:val>
+                                        </p:tav>
+                                        <p:tav tm="100000">
+                                          <p:val>
+                                            <p:strVal val="#ppt_y"/>
+                                          </p:val>
+                                        </p:tav>
+                                      </p:tavLst>
+                                    </p:anim>
+                                  </p:childTnLst>
+                                </p:cTn>
+                              </p:par>
+                            </p:childTnLst>
+                          </p:cTn>
+                        </p:par>
+                      </p:childTnLst>
+                    </p:cTn>
+                  </p:par>
+                  <p:par>
+                    <p:cTn id="15" fill="hold">
+                      <p:stCondLst>
+                        <p:cond delay="indefinite"/>
+                      </p:stCondLst>
+                      <p:childTnLst>
+                        <p:par>
+                          <p:cTn id="16" fill="hold">
+                            <p:stCondLst>
+                              <p:cond delay="0"/>
+                            </p:stCondLst>
+                            <p:childTnLst>
+                              <p:par>
+                                <p:cTn id="17" presetID="2" presetClass="entr" presetSubtype="4" fill="hold" grpId="0" nodeType="clickEffect">
+                                  <p:stCondLst>
+                                    <p:cond delay="0"/>
+                                  </p:stCondLst>
+                                  <p:childTnLst>
+                                    <p:set>
+                                      <p:cBhvr>
+                                        <p:cTn id="18" dur="1" fill="hold">
+                                          <p:stCondLst>
+                                            <p:cond delay="0"/>
+                                          </p:stCondLst>
+                                        </p:cTn>
+                                        <p:tgtEl>
+                                          <p:spTgt spid="13">
+                                            <p:txEl>
+                                              <p:pRg st="2" end="2"/>
+                                            </p:txEl>
+                                          </p:spTgt>
+                                        </p:tgtEl>
+                                        <p:attrNameLst>
+                                          <p:attrName>style.visibility</p:attrName>
+                                        </p:attrNameLst>
+                                      </p:cBhvr>
+                                      <p:to>
+                                        <p:strVal val="visible"/>
+                                      </p:to>
+                                    </p:set>
+                                    <p:anim calcmode="lin" valueType="num">
+                                      <p:cBhvr additive="base">
+                                        <p:cTn id="19" dur="500" fill="hold"/>
+                                        <p:tgtEl>
+                                          <p:spTgt spid="13">
+                                            <p:txEl>
+                                              <p:pRg st="2" end="2"/>
+                                            </p:txEl>
+                                          </p:spTgt>
+                                        </p:tgtEl>
+                                        <p:attrNameLst>
+                                          <p:attrName>ppt_x</p:attrName>
+                                        </p:attrNameLst>
+                                      </p:cBhvr>
+                                      <p:tavLst>
+                                        <p:tav tm="0">
+                                          <p:val>
+                                            <p:strVal val="#ppt_x"/>
+                                          </p:val>
+                                        </p:tav>
+                                        <p:tav tm="100000">
+                                          <p:val>
+                                            <p:strVal val="#ppt_x"/>
+                                          </p:val>
+                                        </p:tav>
+                                      </p:tavLst>
+                                    </p:anim>
+                                    <p:anim calcmode="lin" valueType="num">
+                                      <p:cBhvr additive="base">
+                                        <p:cTn id="20" dur="500" fill="hold"/>
+                                        <p:tgtEl>
+                                          <p:spTgt spid="13">
+                                            <p:txEl>
+                                              <p:pRg st="2" end="2"/>
+                                            </p:txEl>
+                                          </p:spTgt>
+                                        </p:tgtEl>
+                                        <p:attrNameLst>
+                                          <p:attrName>ppt_y</p:attrName>
+                                        </p:attrNameLst>
+                                      </p:cBhvr>
+                                      <p:tavLst>
+                                        <p:tav tm="0">
+                                          <p:val>
+                                            <p:strVal val="1+#ppt_h/2"/>
+                                          </p:val>
+                                        </p:tav>
+                                        <p:tav tm="100000">
+                                          <p:val>
+                                            <p:strVal val="#ppt_y"/>
+                                          </p:val>
+                                        </p:tav>
+                                      </p:tavLst>
+                                    </p:anim>
+                                  </p:childTnLst>
+                                </p:cTn>
+                              </p:par>
+                            </p:childTnLst>
+                          </p:cTn>
+                        </p:par>
+                      </p:childTnLst>
+                    </p:cTn>
+                  </p:par>
+                </p:childTnLst>
+              </p:cTn>
+              <p:prevCondLst>
+                <p:cond evt="onPrev" delay="0">
+                  <p:tgtEl>
+                    <p:sldTgt/>
+                  </p:tgtEl>
+                </p:cond>
+              </p:prevCondLst>
+              <p:nextCondLst>
+                <p:cond evt="onNext" delay="0">
+                  <p:tgtEl>
+                    <p:sldTgt/>
+                  </p:tgtEl>
+                </p:cond>
+              </p:nextCondLst>
+            </p:seq>
+          </p:childTnLst>
+        </p:cTn>
+      </p:par>
+    </p:tnLst>
+    <p:bldLst>
+      <p:bldP spid="13" grpId="0" build="p"/>
+    </p:bldLst>
+  </p:timing>
 </p:sld>
 </file>
 
@@ -11322,7 +8396,7 @@
         </p:blipFill>
         <p:spPr>
           <a:xfrm>
-            <a:off x="7416721" y="1027906"/>
+            <a:off x="8002647" y="1782508"/>
             <a:ext cx="3387388" cy="1043078"/>
           </a:xfrm>
           <a:prstGeom prst="rect">
@@ -11348,6 +8422,235 @@
       <p:transition spd="slow" advClick="0"/>
     </mc:Fallback>
   </mc:AlternateContent>
+  <p:timing>
+    <p:tnLst>
+      <p:par>
+        <p:cTn id="1" dur="indefinite" restart="never" nodeType="tmRoot">
+          <p:childTnLst>
+            <p:seq concurrent="1" nextAc="seek">
+              <p:cTn id="2" dur="indefinite" nodeType="mainSeq">
+                <p:childTnLst>
+                  <p:par>
+                    <p:cTn id="3" fill="hold">
+                      <p:stCondLst>
+                        <p:cond delay="indefinite"/>
+                      </p:stCondLst>
+                      <p:childTnLst>
+                        <p:par>
+                          <p:cTn id="4" fill="hold">
+                            <p:stCondLst>
+                              <p:cond delay="0"/>
+                            </p:stCondLst>
+                            <p:childTnLst>
+                              <p:par>
+                                <p:cTn id="5" presetID="1" presetClass="entr" presetSubtype="0" fill="hold" grpId="0" nodeType="clickEffect">
+                                  <p:stCondLst>
+                                    <p:cond delay="0"/>
+                                  </p:stCondLst>
+                                  <p:childTnLst>
+                                    <p:set>
+                                      <p:cBhvr>
+                                        <p:cTn id="6" dur="1" fill="hold">
+                                          <p:stCondLst>
+                                            <p:cond delay="0"/>
+                                          </p:stCondLst>
+                                        </p:cTn>
+                                        <p:tgtEl>
+                                          <p:spTgt spid="7">
+                                            <p:txEl>
+                                              <p:pRg st="0" end="0"/>
+                                            </p:txEl>
+                                          </p:spTgt>
+                                        </p:tgtEl>
+                                        <p:attrNameLst>
+                                          <p:attrName>style.visibility</p:attrName>
+                                        </p:attrNameLst>
+                                      </p:cBhvr>
+                                      <p:to>
+                                        <p:strVal val="visible"/>
+                                      </p:to>
+                                    </p:set>
+                                  </p:childTnLst>
+                                </p:cTn>
+                              </p:par>
+                            </p:childTnLst>
+                          </p:cTn>
+                        </p:par>
+                      </p:childTnLst>
+                    </p:cTn>
+                  </p:par>
+                  <p:par>
+                    <p:cTn id="7" fill="hold">
+                      <p:stCondLst>
+                        <p:cond delay="indefinite"/>
+                      </p:stCondLst>
+                      <p:childTnLst>
+                        <p:par>
+                          <p:cTn id="8" fill="hold">
+                            <p:stCondLst>
+                              <p:cond delay="0"/>
+                            </p:stCondLst>
+                            <p:childTnLst>
+                              <p:par>
+                                <p:cTn id="9" presetID="1" presetClass="entr" presetSubtype="0" fill="hold" grpId="0" nodeType="clickEffect">
+                                  <p:stCondLst>
+                                    <p:cond delay="0"/>
+                                  </p:stCondLst>
+                                  <p:childTnLst>
+                                    <p:set>
+                                      <p:cBhvr>
+                                        <p:cTn id="10" dur="1" fill="hold">
+                                          <p:stCondLst>
+                                            <p:cond delay="0"/>
+                                          </p:stCondLst>
+                                        </p:cTn>
+                                        <p:tgtEl>
+                                          <p:spTgt spid="7">
+                                            <p:txEl>
+                                              <p:pRg st="1" end="1"/>
+                                            </p:txEl>
+                                          </p:spTgt>
+                                        </p:tgtEl>
+                                        <p:attrNameLst>
+                                          <p:attrName>style.visibility</p:attrName>
+                                        </p:attrNameLst>
+                                      </p:cBhvr>
+                                      <p:to>
+                                        <p:strVal val="visible"/>
+                                      </p:to>
+                                    </p:set>
+                                  </p:childTnLst>
+                                </p:cTn>
+                              </p:par>
+                            </p:childTnLst>
+                          </p:cTn>
+                        </p:par>
+                      </p:childTnLst>
+                    </p:cTn>
+                  </p:par>
+                  <p:par>
+                    <p:cTn id="11" fill="hold">
+                      <p:stCondLst>
+                        <p:cond delay="indefinite"/>
+                      </p:stCondLst>
+                      <p:childTnLst>
+                        <p:par>
+                          <p:cTn id="12" fill="hold">
+                            <p:stCondLst>
+                              <p:cond delay="0"/>
+                            </p:stCondLst>
+                            <p:childTnLst>
+                              <p:par>
+                                <p:cTn id="13" presetID="1" presetClass="entr" presetSubtype="0" fill="hold" grpId="0" nodeType="clickEffect">
+                                  <p:stCondLst>
+                                    <p:cond delay="0"/>
+                                  </p:stCondLst>
+                                  <p:childTnLst>
+                                    <p:set>
+                                      <p:cBhvr>
+                                        <p:cTn id="14" dur="1" fill="hold">
+                                          <p:stCondLst>
+                                            <p:cond delay="0"/>
+                                          </p:stCondLst>
+                                        </p:cTn>
+                                        <p:tgtEl>
+                                          <p:spTgt spid="7">
+                                            <p:txEl>
+                                              <p:pRg st="2" end="2"/>
+                                            </p:txEl>
+                                          </p:spTgt>
+                                        </p:tgtEl>
+                                        <p:attrNameLst>
+                                          <p:attrName>style.visibility</p:attrName>
+                                        </p:attrNameLst>
+                                      </p:cBhvr>
+                                      <p:to>
+                                        <p:strVal val="visible"/>
+                                      </p:to>
+                                    </p:set>
+                                  </p:childTnLst>
+                                </p:cTn>
+                              </p:par>
+                            </p:childTnLst>
+                          </p:cTn>
+                        </p:par>
+                      </p:childTnLst>
+                    </p:cTn>
+                  </p:par>
+                  <p:par>
+                    <p:cTn id="15" fill="hold">
+                      <p:stCondLst>
+                        <p:cond delay="indefinite"/>
+                      </p:stCondLst>
+                      <p:childTnLst>
+                        <p:par>
+                          <p:cTn id="16" fill="hold">
+                            <p:stCondLst>
+                              <p:cond delay="0"/>
+                            </p:stCondLst>
+                            <p:childTnLst>
+                              <p:par>
+                                <p:cTn id="17" presetID="1" presetClass="entr" presetSubtype="0" fill="hold" grpId="0" nodeType="clickEffect">
+                                  <p:stCondLst>
+                                    <p:cond delay="0"/>
+                                  </p:stCondLst>
+                                  <p:childTnLst>
+                                    <p:set>
+                                      <p:cBhvr>
+                                        <p:cTn id="18" dur="1" fill="hold">
+                                          <p:stCondLst>
+                                            <p:cond delay="0"/>
+                                          </p:stCondLst>
+                                        </p:cTn>
+                                        <p:tgtEl>
+                                          <p:spTgt spid="7">
+                                            <p:txEl>
+                                              <p:pRg st="3" end="3"/>
+                                            </p:txEl>
+                                          </p:spTgt>
+                                        </p:tgtEl>
+                                        <p:attrNameLst>
+                                          <p:attrName>style.visibility</p:attrName>
+                                        </p:attrNameLst>
+                                      </p:cBhvr>
+                                      <p:to>
+                                        <p:strVal val="visible"/>
+                                      </p:to>
+                                    </p:set>
+                                  </p:childTnLst>
+                                </p:cTn>
+                              </p:par>
+                            </p:childTnLst>
+                          </p:cTn>
+                        </p:par>
+                      </p:childTnLst>
+                    </p:cTn>
+                  </p:par>
+                </p:childTnLst>
+              </p:cTn>
+              <p:prevCondLst>
+                <p:cond evt="onPrev" delay="0">
+                  <p:tgtEl>
+                    <p:sldTgt/>
+                  </p:tgtEl>
+                </p:cond>
+              </p:prevCondLst>
+              <p:nextCondLst>
+                <p:cond evt="onNext" delay="0">
+                  <p:tgtEl>
+                    <p:sldTgt/>
+                  </p:tgtEl>
+                </p:cond>
+              </p:nextCondLst>
+            </p:seq>
+          </p:childTnLst>
+        </p:cTn>
+      </p:par>
+    </p:tnLst>
+    <p:bldLst>
+      <p:bldP spid="7" grpId="0" build="p"/>
+    </p:bldLst>
+  </p:timing>
 </p:sld>
 </file>
 
@@ -11500,7 +8803,7 @@
         </p:blipFill>
         <p:spPr>
           <a:xfrm>
-            <a:off x="8045284" y="1027906"/>
+            <a:off x="8640088" y="1764753"/>
             <a:ext cx="2797200" cy="2682720"/>
           </a:xfrm>
           <a:prstGeom prst="rect">
@@ -11526,6 +8829,235 @@
       <p:transition spd="slow" advClick="0"/>
     </mc:Fallback>
   </mc:AlternateContent>
+  <p:timing>
+    <p:tnLst>
+      <p:par>
+        <p:cTn id="1" dur="indefinite" restart="never" nodeType="tmRoot">
+          <p:childTnLst>
+            <p:seq concurrent="1" nextAc="seek">
+              <p:cTn id="2" dur="indefinite" nodeType="mainSeq">
+                <p:childTnLst>
+                  <p:par>
+                    <p:cTn id="3" fill="hold">
+                      <p:stCondLst>
+                        <p:cond delay="indefinite"/>
+                      </p:stCondLst>
+                      <p:childTnLst>
+                        <p:par>
+                          <p:cTn id="4" fill="hold">
+                            <p:stCondLst>
+                              <p:cond delay="0"/>
+                            </p:stCondLst>
+                            <p:childTnLst>
+                              <p:par>
+                                <p:cTn id="5" presetID="1" presetClass="entr" presetSubtype="0" fill="hold" grpId="0" nodeType="clickEffect">
+                                  <p:stCondLst>
+                                    <p:cond delay="0"/>
+                                  </p:stCondLst>
+                                  <p:childTnLst>
+                                    <p:set>
+                                      <p:cBhvr>
+                                        <p:cTn id="6" dur="1" fill="hold">
+                                          <p:stCondLst>
+                                            <p:cond delay="0"/>
+                                          </p:stCondLst>
+                                        </p:cTn>
+                                        <p:tgtEl>
+                                          <p:spTgt spid="7">
+                                            <p:txEl>
+                                              <p:pRg st="0" end="0"/>
+                                            </p:txEl>
+                                          </p:spTgt>
+                                        </p:tgtEl>
+                                        <p:attrNameLst>
+                                          <p:attrName>style.visibility</p:attrName>
+                                        </p:attrNameLst>
+                                      </p:cBhvr>
+                                      <p:to>
+                                        <p:strVal val="visible"/>
+                                      </p:to>
+                                    </p:set>
+                                  </p:childTnLst>
+                                </p:cTn>
+                              </p:par>
+                            </p:childTnLst>
+                          </p:cTn>
+                        </p:par>
+                      </p:childTnLst>
+                    </p:cTn>
+                  </p:par>
+                  <p:par>
+                    <p:cTn id="7" fill="hold">
+                      <p:stCondLst>
+                        <p:cond delay="indefinite"/>
+                      </p:stCondLst>
+                      <p:childTnLst>
+                        <p:par>
+                          <p:cTn id="8" fill="hold">
+                            <p:stCondLst>
+                              <p:cond delay="0"/>
+                            </p:stCondLst>
+                            <p:childTnLst>
+                              <p:par>
+                                <p:cTn id="9" presetID="1" presetClass="entr" presetSubtype="0" fill="hold" grpId="0" nodeType="clickEffect">
+                                  <p:stCondLst>
+                                    <p:cond delay="0"/>
+                                  </p:stCondLst>
+                                  <p:childTnLst>
+                                    <p:set>
+                                      <p:cBhvr>
+                                        <p:cTn id="10" dur="1" fill="hold">
+                                          <p:stCondLst>
+                                            <p:cond delay="0"/>
+                                          </p:stCondLst>
+                                        </p:cTn>
+                                        <p:tgtEl>
+                                          <p:spTgt spid="7">
+                                            <p:txEl>
+                                              <p:pRg st="1" end="1"/>
+                                            </p:txEl>
+                                          </p:spTgt>
+                                        </p:tgtEl>
+                                        <p:attrNameLst>
+                                          <p:attrName>style.visibility</p:attrName>
+                                        </p:attrNameLst>
+                                      </p:cBhvr>
+                                      <p:to>
+                                        <p:strVal val="visible"/>
+                                      </p:to>
+                                    </p:set>
+                                  </p:childTnLst>
+                                </p:cTn>
+                              </p:par>
+                            </p:childTnLst>
+                          </p:cTn>
+                        </p:par>
+                      </p:childTnLst>
+                    </p:cTn>
+                  </p:par>
+                  <p:par>
+                    <p:cTn id="11" fill="hold">
+                      <p:stCondLst>
+                        <p:cond delay="indefinite"/>
+                      </p:stCondLst>
+                      <p:childTnLst>
+                        <p:par>
+                          <p:cTn id="12" fill="hold">
+                            <p:stCondLst>
+                              <p:cond delay="0"/>
+                            </p:stCondLst>
+                            <p:childTnLst>
+                              <p:par>
+                                <p:cTn id="13" presetID="1" presetClass="entr" presetSubtype="0" fill="hold" grpId="0" nodeType="clickEffect">
+                                  <p:stCondLst>
+                                    <p:cond delay="0"/>
+                                  </p:stCondLst>
+                                  <p:childTnLst>
+                                    <p:set>
+                                      <p:cBhvr>
+                                        <p:cTn id="14" dur="1" fill="hold">
+                                          <p:stCondLst>
+                                            <p:cond delay="0"/>
+                                          </p:stCondLst>
+                                        </p:cTn>
+                                        <p:tgtEl>
+                                          <p:spTgt spid="7">
+                                            <p:txEl>
+                                              <p:pRg st="2" end="2"/>
+                                            </p:txEl>
+                                          </p:spTgt>
+                                        </p:tgtEl>
+                                        <p:attrNameLst>
+                                          <p:attrName>style.visibility</p:attrName>
+                                        </p:attrNameLst>
+                                      </p:cBhvr>
+                                      <p:to>
+                                        <p:strVal val="visible"/>
+                                      </p:to>
+                                    </p:set>
+                                  </p:childTnLst>
+                                </p:cTn>
+                              </p:par>
+                            </p:childTnLst>
+                          </p:cTn>
+                        </p:par>
+                      </p:childTnLst>
+                    </p:cTn>
+                  </p:par>
+                  <p:par>
+                    <p:cTn id="15" fill="hold">
+                      <p:stCondLst>
+                        <p:cond delay="indefinite"/>
+                      </p:stCondLst>
+                      <p:childTnLst>
+                        <p:par>
+                          <p:cTn id="16" fill="hold">
+                            <p:stCondLst>
+                              <p:cond delay="0"/>
+                            </p:stCondLst>
+                            <p:childTnLst>
+                              <p:par>
+                                <p:cTn id="17" presetID="1" presetClass="entr" presetSubtype="0" fill="hold" grpId="0" nodeType="clickEffect">
+                                  <p:stCondLst>
+                                    <p:cond delay="0"/>
+                                  </p:stCondLst>
+                                  <p:childTnLst>
+                                    <p:set>
+                                      <p:cBhvr>
+                                        <p:cTn id="18" dur="1" fill="hold">
+                                          <p:stCondLst>
+                                            <p:cond delay="0"/>
+                                          </p:stCondLst>
+                                        </p:cTn>
+                                        <p:tgtEl>
+                                          <p:spTgt spid="7">
+                                            <p:txEl>
+                                              <p:pRg st="3" end="3"/>
+                                            </p:txEl>
+                                          </p:spTgt>
+                                        </p:tgtEl>
+                                        <p:attrNameLst>
+                                          <p:attrName>style.visibility</p:attrName>
+                                        </p:attrNameLst>
+                                      </p:cBhvr>
+                                      <p:to>
+                                        <p:strVal val="visible"/>
+                                      </p:to>
+                                    </p:set>
+                                  </p:childTnLst>
+                                </p:cTn>
+                              </p:par>
+                            </p:childTnLst>
+                          </p:cTn>
+                        </p:par>
+                      </p:childTnLst>
+                    </p:cTn>
+                  </p:par>
+                </p:childTnLst>
+              </p:cTn>
+              <p:prevCondLst>
+                <p:cond evt="onPrev" delay="0">
+                  <p:tgtEl>
+                    <p:sldTgt/>
+                  </p:tgtEl>
+                </p:cond>
+              </p:prevCondLst>
+              <p:nextCondLst>
+                <p:cond evt="onNext" delay="0">
+                  <p:tgtEl>
+                    <p:sldTgt/>
+                  </p:tgtEl>
+                </p:cond>
+              </p:nextCondLst>
+            </p:seq>
+          </p:childTnLst>
+        </p:cTn>
+      </p:par>
+    </p:tnLst>
+    <p:bldLst>
+      <p:bldP spid="7" grpId="0" uiExpand="1" build="p"/>
+    </p:bldLst>
+  </p:timing>
 </p:sld>
 </file>
 
@@ -11589,13 +9121,8 @@
           <a:p>
             <a:r>
               <a:rPr lang="en-US" dirty="0"/>
-              <a:t>The object can be described by its attributes like a cup with “color</a:t>
-            </a:r>
-            <a:r>
-              <a:rPr lang="en-US"/>
-              <a:t>”=“blue”</a:t>
-            </a:r>
-            <a:endParaRPr lang="en-US" dirty="0"/>
+              <a:t>The object can be described by its attributes like a cup with “color”=“blue”</a:t>
+            </a:r>
           </a:p>
           <a:p>
             <a:endParaRPr lang="en-US" dirty="0"/>
@@ -11682,7 +9209,7 @@
         </p:blipFill>
         <p:spPr>
           <a:xfrm>
-            <a:off x="8045284" y="1027906"/>
+            <a:off x="8586822" y="1862407"/>
             <a:ext cx="2797200" cy="2682720"/>
           </a:xfrm>
           <a:prstGeom prst="rect">
@@ -11708,6 +9235,235 @@
       <p:transition spd="slow" advClick="0"/>
     </mc:Fallback>
   </mc:AlternateContent>
+  <p:timing>
+    <p:tnLst>
+      <p:par>
+        <p:cTn id="1" dur="indefinite" restart="never" nodeType="tmRoot">
+          <p:childTnLst>
+            <p:seq concurrent="1" nextAc="seek">
+              <p:cTn id="2" dur="indefinite" nodeType="mainSeq">
+                <p:childTnLst>
+                  <p:par>
+                    <p:cTn id="3" fill="hold">
+                      <p:stCondLst>
+                        <p:cond delay="indefinite"/>
+                      </p:stCondLst>
+                      <p:childTnLst>
+                        <p:par>
+                          <p:cTn id="4" fill="hold">
+                            <p:stCondLst>
+                              <p:cond delay="0"/>
+                            </p:stCondLst>
+                            <p:childTnLst>
+                              <p:par>
+                                <p:cTn id="5" presetID="1" presetClass="entr" presetSubtype="0" fill="hold" grpId="0" nodeType="clickEffect">
+                                  <p:stCondLst>
+                                    <p:cond delay="0"/>
+                                  </p:stCondLst>
+                                  <p:childTnLst>
+                                    <p:set>
+                                      <p:cBhvr>
+                                        <p:cTn id="6" dur="1" fill="hold">
+                                          <p:stCondLst>
+                                            <p:cond delay="0"/>
+                                          </p:stCondLst>
+                                        </p:cTn>
+                                        <p:tgtEl>
+                                          <p:spTgt spid="7">
+                                            <p:txEl>
+                                              <p:pRg st="0" end="0"/>
+                                            </p:txEl>
+                                          </p:spTgt>
+                                        </p:tgtEl>
+                                        <p:attrNameLst>
+                                          <p:attrName>style.visibility</p:attrName>
+                                        </p:attrNameLst>
+                                      </p:cBhvr>
+                                      <p:to>
+                                        <p:strVal val="visible"/>
+                                      </p:to>
+                                    </p:set>
+                                  </p:childTnLst>
+                                </p:cTn>
+                              </p:par>
+                            </p:childTnLst>
+                          </p:cTn>
+                        </p:par>
+                      </p:childTnLst>
+                    </p:cTn>
+                  </p:par>
+                  <p:par>
+                    <p:cTn id="7" fill="hold">
+                      <p:stCondLst>
+                        <p:cond delay="indefinite"/>
+                      </p:stCondLst>
+                      <p:childTnLst>
+                        <p:par>
+                          <p:cTn id="8" fill="hold">
+                            <p:stCondLst>
+                              <p:cond delay="0"/>
+                            </p:stCondLst>
+                            <p:childTnLst>
+                              <p:par>
+                                <p:cTn id="9" presetID="1" presetClass="entr" presetSubtype="0" fill="hold" grpId="0" nodeType="clickEffect">
+                                  <p:stCondLst>
+                                    <p:cond delay="0"/>
+                                  </p:stCondLst>
+                                  <p:childTnLst>
+                                    <p:set>
+                                      <p:cBhvr>
+                                        <p:cTn id="10" dur="1" fill="hold">
+                                          <p:stCondLst>
+                                            <p:cond delay="0"/>
+                                          </p:stCondLst>
+                                        </p:cTn>
+                                        <p:tgtEl>
+                                          <p:spTgt spid="7">
+                                            <p:txEl>
+                                              <p:pRg st="1" end="1"/>
+                                            </p:txEl>
+                                          </p:spTgt>
+                                        </p:tgtEl>
+                                        <p:attrNameLst>
+                                          <p:attrName>style.visibility</p:attrName>
+                                        </p:attrNameLst>
+                                      </p:cBhvr>
+                                      <p:to>
+                                        <p:strVal val="visible"/>
+                                      </p:to>
+                                    </p:set>
+                                  </p:childTnLst>
+                                </p:cTn>
+                              </p:par>
+                            </p:childTnLst>
+                          </p:cTn>
+                        </p:par>
+                      </p:childTnLst>
+                    </p:cTn>
+                  </p:par>
+                  <p:par>
+                    <p:cTn id="11" fill="hold">
+                      <p:stCondLst>
+                        <p:cond delay="indefinite"/>
+                      </p:stCondLst>
+                      <p:childTnLst>
+                        <p:par>
+                          <p:cTn id="12" fill="hold">
+                            <p:stCondLst>
+                              <p:cond delay="0"/>
+                            </p:stCondLst>
+                            <p:childTnLst>
+                              <p:par>
+                                <p:cTn id="13" presetID="1" presetClass="entr" presetSubtype="0" fill="hold" grpId="0" nodeType="clickEffect">
+                                  <p:stCondLst>
+                                    <p:cond delay="0"/>
+                                  </p:stCondLst>
+                                  <p:childTnLst>
+                                    <p:set>
+                                      <p:cBhvr>
+                                        <p:cTn id="14" dur="1" fill="hold">
+                                          <p:stCondLst>
+                                            <p:cond delay="0"/>
+                                          </p:stCondLst>
+                                        </p:cTn>
+                                        <p:tgtEl>
+                                          <p:spTgt spid="7">
+                                            <p:txEl>
+                                              <p:pRg st="2" end="2"/>
+                                            </p:txEl>
+                                          </p:spTgt>
+                                        </p:tgtEl>
+                                        <p:attrNameLst>
+                                          <p:attrName>style.visibility</p:attrName>
+                                        </p:attrNameLst>
+                                      </p:cBhvr>
+                                      <p:to>
+                                        <p:strVal val="visible"/>
+                                      </p:to>
+                                    </p:set>
+                                  </p:childTnLst>
+                                </p:cTn>
+                              </p:par>
+                            </p:childTnLst>
+                          </p:cTn>
+                        </p:par>
+                      </p:childTnLst>
+                    </p:cTn>
+                  </p:par>
+                  <p:par>
+                    <p:cTn id="15" fill="hold">
+                      <p:stCondLst>
+                        <p:cond delay="indefinite"/>
+                      </p:stCondLst>
+                      <p:childTnLst>
+                        <p:par>
+                          <p:cTn id="16" fill="hold">
+                            <p:stCondLst>
+                              <p:cond delay="0"/>
+                            </p:stCondLst>
+                            <p:childTnLst>
+                              <p:par>
+                                <p:cTn id="17" presetID="1" presetClass="entr" presetSubtype="0" fill="hold" grpId="0" nodeType="clickEffect">
+                                  <p:stCondLst>
+                                    <p:cond delay="0"/>
+                                  </p:stCondLst>
+                                  <p:childTnLst>
+                                    <p:set>
+                                      <p:cBhvr>
+                                        <p:cTn id="18" dur="1" fill="hold">
+                                          <p:stCondLst>
+                                            <p:cond delay="0"/>
+                                          </p:stCondLst>
+                                        </p:cTn>
+                                        <p:tgtEl>
+                                          <p:spTgt spid="7">
+                                            <p:txEl>
+                                              <p:pRg st="3" end="3"/>
+                                            </p:txEl>
+                                          </p:spTgt>
+                                        </p:tgtEl>
+                                        <p:attrNameLst>
+                                          <p:attrName>style.visibility</p:attrName>
+                                        </p:attrNameLst>
+                                      </p:cBhvr>
+                                      <p:to>
+                                        <p:strVal val="visible"/>
+                                      </p:to>
+                                    </p:set>
+                                  </p:childTnLst>
+                                </p:cTn>
+                              </p:par>
+                            </p:childTnLst>
+                          </p:cTn>
+                        </p:par>
+                      </p:childTnLst>
+                    </p:cTn>
+                  </p:par>
+                </p:childTnLst>
+              </p:cTn>
+              <p:prevCondLst>
+                <p:cond evt="onPrev" delay="0">
+                  <p:tgtEl>
+                    <p:sldTgt/>
+                  </p:tgtEl>
+                </p:cond>
+              </p:prevCondLst>
+              <p:nextCondLst>
+                <p:cond evt="onNext" delay="0">
+                  <p:tgtEl>
+                    <p:sldTgt/>
+                  </p:tgtEl>
+                </p:cond>
+              </p:nextCondLst>
+            </p:seq>
+          </p:childTnLst>
+        </p:cTn>
+      </p:par>
+    </p:tnLst>
+    <p:bldLst>
+      <p:bldP spid="7" grpId="0" build="p"/>
+    </p:bldLst>
+  </p:timing>
 </p:sld>
 </file>
 
@@ -11730,6 +9486,503 @@
       </p:grpSpPr>
       <p:sp>
         <p:nvSpPr>
+          <p:cNvPr id="7" name="Platshållare för innehåll 6">
+            <a:extLst>
+              <a:ext uri="{FF2B5EF4-FFF2-40B4-BE49-F238E27FC236}">
+                <a16:creationId xmlns:a16="http://schemas.microsoft.com/office/drawing/2014/main" id="{70C63E1D-970F-4A56-8DC8-29C0FFCE4B32}"/>
+              </a:ext>
+            </a:extLst>
+          </p:cNvPr>
+          <p:cNvSpPr>
+            <a:spLocks noGrp="1"/>
+          </p:cNvSpPr>
+          <p:nvPr>
+            <p:ph idx="1"/>
+          </p:nvPr>
+        </p:nvSpPr>
+        <p:spPr>
+          <a:xfrm>
+            <a:off x="369887" y="1404000"/>
+            <a:ext cx="10842609" cy="5148000"/>
+          </a:xfrm>
+        </p:spPr>
+        <p:txBody>
+          <a:bodyPr>
+            <a:normAutofit/>
+          </a:bodyPr>
+          <a:lstStyle/>
+          <a:p>
+            <a:r>
+              <a:rPr lang="en-US" dirty="0"/>
+              <a:t>Distribution uses subscriptions to define the required notifications for the client</a:t>
+            </a:r>
+          </a:p>
+          <a:p>
+            <a:r>
+              <a:rPr lang="en-US" dirty="0"/>
+              <a:t>A client can subscribe events for a certain session</a:t>
+            </a:r>
+          </a:p>
+          <a:p>
+            <a:r>
+              <a:rPr lang="en-US" dirty="0"/>
+              <a:t>A client can subscribe new and existing objects for a certain session</a:t>
+            </a:r>
+          </a:p>
+          <a:p>
+            <a:r>
+              <a:rPr lang="en-US" dirty="0"/>
+              <a:t>A client can subscribe new and existing attributes for a certain object</a:t>
+            </a:r>
+          </a:p>
+          <a:p>
+            <a:r>
+              <a:rPr lang="en-US" dirty="0"/>
+              <a:t>A client can subscribe attribute updates for a certain attribute</a:t>
+            </a:r>
+          </a:p>
+          <a:p>
+            <a:r>
+              <a:rPr lang="en-US" dirty="0"/>
+              <a:t>A client can subscribe removal of all object related information above </a:t>
+            </a:r>
+          </a:p>
+          <a:p>
+            <a:endParaRPr lang="en-US" dirty="0"/>
+          </a:p>
+          <a:p>
+            <a:endParaRPr lang="en-US" dirty="0"/>
+          </a:p>
+          <a:p>
+            <a:endParaRPr lang="en-US" dirty="0"/>
+          </a:p>
+        </p:txBody>
+      </p:sp>
+      <p:sp>
+        <p:nvSpPr>
+          <p:cNvPr id="5" name="Platshållare för bildnummer 4">
+            <a:extLst>
+              <a:ext uri="{FF2B5EF4-FFF2-40B4-BE49-F238E27FC236}">
+                <a16:creationId xmlns:a16="http://schemas.microsoft.com/office/drawing/2014/main" id="{A38D3D32-A6D4-4A54-B035-415C6738F63B}"/>
+              </a:ext>
+            </a:extLst>
+          </p:cNvPr>
+          <p:cNvSpPr>
+            <a:spLocks noGrp="1"/>
+          </p:cNvSpPr>
+          <p:nvPr>
+            <p:ph type="sldNum" sz="quarter" idx="4"/>
+          </p:nvPr>
+        </p:nvSpPr>
+        <p:spPr/>
+        <p:txBody>
+          <a:bodyPr/>
+          <a:lstStyle/>
+          <a:p>
+            <a:fld id="{9B02D930-DB44-4942-904E-E6F11B0F3050}" type="slidenum">
+              <a:rPr lang="en-GB" smtClean="0"/>
+              <a:pPr/>
+              <a:t>13</a:t>
+            </a:fld>
+            <a:endParaRPr lang="en-GB" dirty="0"/>
+          </a:p>
+        </p:txBody>
+      </p:sp>
+      <p:sp>
+        <p:nvSpPr>
+          <p:cNvPr id="6" name="Rubrik 5">
+            <a:extLst>
+              <a:ext uri="{FF2B5EF4-FFF2-40B4-BE49-F238E27FC236}">
+                <a16:creationId xmlns:a16="http://schemas.microsoft.com/office/drawing/2014/main" id="{956DB316-F455-4DE9-8D4D-E8E30BF76BA1}"/>
+              </a:ext>
+            </a:extLst>
+          </p:cNvPr>
+          <p:cNvSpPr>
+            <a:spLocks noGrp="1"/>
+          </p:cNvSpPr>
+          <p:nvPr>
+            <p:ph type="title"/>
+          </p:nvPr>
+        </p:nvSpPr>
+        <p:spPr/>
+        <p:txBody>
+          <a:bodyPr/>
+          <a:lstStyle/>
+          <a:p>
+            <a:r>
+              <a:rPr lang="en-US" dirty="0"/>
+              <a:t>Subscriptions</a:t>
+            </a:r>
+          </a:p>
+        </p:txBody>
+      </p:sp>
+    </p:spTree>
+    <p:extLst>
+      <p:ext uri="{BB962C8B-B14F-4D97-AF65-F5344CB8AC3E}">
+        <p14:creationId xmlns:p14="http://schemas.microsoft.com/office/powerpoint/2010/main" val="2506498785"/>
+      </p:ext>
+    </p:extLst>
+  </p:cSld>
+  <p:clrMapOvr>
+    <a:masterClrMapping/>
+  </p:clrMapOvr>
+  <mc:AlternateContent xmlns:mc="http://schemas.openxmlformats.org/markup-compatibility/2006" xmlns:p14="http://schemas.microsoft.com/office/powerpoint/2010/main">
+    <mc:Choice Requires="p14">
+      <p:transition spd="slow" p14:dur="6750" advClick="0"/>
+    </mc:Choice>
+    <mc:Fallback xmlns="">
+      <p:transition spd="slow" advClick="0"/>
+    </mc:Fallback>
+  </mc:AlternateContent>
+  <p:timing>
+    <p:tnLst>
+      <p:par>
+        <p:cTn id="1" dur="indefinite" restart="never" nodeType="tmRoot">
+          <p:childTnLst>
+            <p:seq concurrent="1" nextAc="seek">
+              <p:cTn id="2" dur="indefinite" nodeType="mainSeq">
+                <p:childTnLst>
+                  <p:par>
+                    <p:cTn id="3" fill="hold">
+                      <p:stCondLst>
+                        <p:cond delay="indefinite"/>
+                      </p:stCondLst>
+                      <p:childTnLst>
+                        <p:par>
+                          <p:cTn id="4" fill="hold">
+                            <p:stCondLst>
+                              <p:cond delay="0"/>
+                            </p:stCondLst>
+                            <p:childTnLst>
+                              <p:par>
+                                <p:cTn id="5" presetID="1" presetClass="entr" presetSubtype="0" fill="hold" grpId="0" nodeType="clickEffect">
+                                  <p:stCondLst>
+                                    <p:cond delay="0"/>
+                                  </p:stCondLst>
+                                  <p:childTnLst>
+                                    <p:set>
+                                      <p:cBhvr>
+                                        <p:cTn id="6" dur="1" fill="hold">
+                                          <p:stCondLst>
+                                            <p:cond delay="0"/>
+                                          </p:stCondLst>
+                                        </p:cTn>
+                                        <p:tgtEl>
+                                          <p:spTgt spid="7">
+                                            <p:txEl>
+                                              <p:pRg st="0" end="0"/>
+                                            </p:txEl>
+                                          </p:spTgt>
+                                        </p:tgtEl>
+                                        <p:attrNameLst>
+                                          <p:attrName>style.visibility</p:attrName>
+                                        </p:attrNameLst>
+                                      </p:cBhvr>
+                                      <p:to>
+                                        <p:strVal val="visible"/>
+                                      </p:to>
+                                    </p:set>
+                                  </p:childTnLst>
+                                </p:cTn>
+                              </p:par>
+                            </p:childTnLst>
+                          </p:cTn>
+                        </p:par>
+                      </p:childTnLst>
+                    </p:cTn>
+                  </p:par>
+                  <p:par>
+                    <p:cTn id="7" fill="hold">
+                      <p:stCondLst>
+                        <p:cond delay="indefinite"/>
+                      </p:stCondLst>
+                      <p:childTnLst>
+                        <p:par>
+                          <p:cTn id="8" fill="hold">
+                            <p:stCondLst>
+                              <p:cond delay="0"/>
+                            </p:stCondLst>
+                            <p:childTnLst>
+                              <p:par>
+                                <p:cTn id="9" presetID="1" presetClass="entr" presetSubtype="0" fill="hold" grpId="0" nodeType="clickEffect">
+                                  <p:stCondLst>
+                                    <p:cond delay="0"/>
+                                  </p:stCondLst>
+                                  <p:childTnLst>
+                                    <p:set>
+                                      <p:cBhvr>
+                                        <p:cTn id="10" dur="1" fill="hold">
+                                          <p:stCondLst>
+                                            <p:cond delay="0"/>
+                                          </p:stCondLst>
+                                        </p:cTn>
+                                        <p:tgtEl>
+                                          <p:spTgt spid="7">
+                                            <p:txEl>
+                                              <p:pRg st="1" end="1"/>
+                                            </p:txEl>
+                                          </p:spTgt>
+                                        </p:tgtEl>
+                                        <p:attrNameLst>
+                                          <p:attrName>style.visibility</p:attrName>
+                                        </p:attrNameLst>
+                                      </p:cBhvr>
+                                      <p:to>
+                                        <p:strVal val="visible"/>
+                                      </p:to>
+                                    </p:set>
+                                  </p:childTnLst>
+                                </p:cTn>
+                              </p:par>
+                            </p:childTnLst>
+                          </p:cTn>
+                        </p:par>
+                      </p:childTnLst>
+                    </p:cTn>
+                  </p:par>
+                  <p:par>
+                    <p:cTn id="11" fill="hold">
+                      <p:stCondLst>
+                        <p:cond delay="indefinite"/>
+                      </p:stCondLst>
+                      <p:childTnLst>
+                        <p:par>
+                          <p:cTn id="12" fill="hold">
+                            <p:stCondLst>
+                              <p:cond delay="0"/>
+                            </p:stCondLst>
+                            <p:childTnLst>
+                              <p:par>
+                                <p:cTn id="13" presetID="1" presetClass="entr" presetSubtype="0" fill="hold" grpId="0" nodeType="clickEffect">
+                                  <p:stCondLst>
+                                    <p:cond delay="0"/>
+                                  </p:stCondLst>
+                                  <p:childTnLst>
+                                    <p:set>
+                                      <p:cBhvr>
+                                        <p:cTn id="14" dur="1" fill="hold">
+                                          <p:stCondLst>
+                                            <p:cond delay="0"/>
+                                          </p:stCondLst>
+                                        </p:cTn>
+                                        <p:tgtEl>
+                                          <p:spTgt spid="7">
+                                            <p:txEl>
+                                              <p:pRg st="2" end="2"/>
+                                            </p:txEl>
+                                          </p:spTgt>
+                                        </p:tgtEl>
+                                        <p:attrNameLst>
+                                          <p:attrName>style.visibility</p:attrName>
+                                        </p:attrNameLst>
+                                      </p:cBhvr>
+                                      <p:to>
+                                        <p:strVal val="visible"/>
+                                      </p:to>
+                                    </p:set>
+                                  </p:childTnLst>
+                                </p:cTn>
+                              </p:par>
+                            </p:childTnLst>
+                          </p:cTn>
+                        </p:par>
+                      </p:childTnLst>
+                    </p:cTn>
+                  </p:par>
+                  <p:par>
+                    <p:cTn id="15" fill="hold">
+                      <p:stCondLst>
+                        <p:cond delay="indefinite"/>
+                      </p:stCondLst>
+                      <p:childTnLst>
+                        <p:par>
+                          <p:cTn id="16" fill="hold">
+                            <p:stCondLst>
+                              <p:cond delay="0"/>
+                            </p:stCondLst>
+                            <p:childTnLst>
+                              <p:par>
+                                <p:cTn id="17" presetID="1" presetClass="entr" presetSubtype="0" fill="hold" grpId="0" nodeType="clickEffect">
+                                  <p:stCondLst>
+                                    <p:cond delay="0"/>
+                                  </p:stCondLst>
+                                  <p:childTnLst>
+                                    <p:set>
+                                      <p:cBhvr>
+                                        <p:cTn id="18" dur="1" fill="hold">
+                                          <p:stCondLst>
+                                            <p:cond delay="0"/>
+                                          </p:stCondLst>
+                                        </p:cTn>
+                                        <p:tgtEl>
+                                          <p:spTgt spid="7">
+                                            <p:txEl>
+                                              <p:pRg st="3" end="3"/>
+                                            </p:txEl>
+                                          </p:spTgt>
+                                        </p:tgtEl>
+                                        <p:attrNameLst>
+                                          <p:attrName>style.visibility</p:attrName>
+                                        </p:attrNameLst>
+                                      </p:cBhvr>
+                                      <p:to>
+                                        <p:strVal val="visible"/>
+                                      </p:to>
+                                    </p:set>
+                                  </p:childTnLst>
+                                </p:cTn>
+                              </p:par>
+                            </p:childTnLst>
+                          </p:cTn>
+                        </p:par>
+                      </p:childTnLst>
+                    </p:cTn>
+                  </p:par>
+                  <p:par>
+                    <p:cTn id="19" fill="hold">
+                      <p:stCondLst>
+                        <p:cond delay="indefinite"/>
+                      </p:stCondLst>
+                      <p:childTnLst>
+                        <p:par>
+                          <p:cTn id="20" fill="hold">
+                            <p:stCondLst>
+                              <p:cond delay="0"/>
+                            </p:stCondLst>
+                            <p:childTnLst>
+                              <p:par>
+                                <p:cTn id="21" presetID="1" presetClass="entr" presetSubtype="0" fill="hold" grpId="0" nodeType="clickEffect">
+                                  <p:stCondLst>
+                                    <p:cond delay="0"/>
+                                  </p:stCondLst>
+                                  <p:childTnLst>
+                                    <p:set>
+                                      <p:cBhvr>
+                                        <p:cTn id="22" dur="1" fill="hold">
+                                          <p:stCondLst>
+                                            <p:cond delay="0"/>
+                                          </p:stCondLst>
+                                        </p:cTn>
+                                        <p:tgtEl>
+                                          <p:spTgt spid="7">
+                                            <p:txEl>
+                                              <p:pRg st="4" end="4"/>
+                                            </p:txEl>
+                                          </p:spTgt>
+                                        </p:tgtEl>
+                                        <p:attrNameLst>
+                                          <p:attrName>style.visibility</p:attrName>
+                                        </p:attrNameLst>
+                                      </p:cBhvr>
+                                      <p:to>
+                                        <p:strVal val="visible"/>
+                                      </p:to>
+                                    </p:set>
+                                  </p:childTnLst>
+                                </p:cTn>
+                              </p:par>
+                            </p:childTnLst>
+                          </p:cTn>
+                        </p:par>
+                      </p:childTnLst>
+                    </p:cTn>
+                  </p:par>
+                  <p:par>
+                    <p:cTn id="23" fill="hold">
+                      <p:stCondLst>
+                        <p:cond delay="indefinite"/>
+                      </p:stCondLst>
+                      <p:childTnLst>
+                        <p:par>
+                          <p:cTn id="24" fill="hold">
+                            <p:stCondLst>
+                              <p:cond delay="0"/>
+                            </p:stCondLst>
+                            <p:childTnLst>
+                              <p:par>
+                                <p:cTn id="25" presetID="1" presetClass="entr" presetSubtype="0" fill="hold" grpId="0" nodeType="clickEffect">
+                                  <p:stCondLst>
+                                    <p:cond delay="0"/>
+                                  </p:stCondLst>
+                                  <p:childTnLst>
+                                    <p:set>
+                                      <p:cBhvr>
+                                        <p:cTn id="26" dur="1" fill="hold">
+                                          <p:stCondLst>
+                                            <p:cond delay="0"/>
+                                          </p:stCondLst>
+                                        </p:cTn>
+                                        <p:tgtEl>
+                                          <p:spTgt spid="7">
+                                            <p:txEl>
+                                              <p:pRg st="5" end="5"/>
+                                            </p:txEl>
+                                          </p:spTgt>
+                                        </p:tgtEl>
+                                        <p:attrNameLst>
+                                          <p:attrName>style.visibility</p:attrName>
+                                        </p:attrNameLst>
+                                      </p:cBhvr>
+                                      <p:to>
+                                        <p:strVal val="visible"/>
+                                      </p:to>
+                                    </p:set>
+                                  </p:childTnLst>
+                                </p:cTn>
+                              </p:par>
+                            </p:childTnLst>
+                          </p:cTn>
+                        </p:par>
+                      </p:childTnLst>
+                    </p:cTn>
+                  </p:par>
+                </p:childTnLst>
+              </p:cTn>
+              <p:prevCondLst>
+                <p:cond evt="onPrev" delay="0">
+                  <p:tgtEl>
+                    <p:sldTgt/>
+                  </p:tgtEl>
+                </p:cond>
+              </p:prevCondLst>
+              <p:nextCondLst>
+                <p:cond evt="onNext" delay="0">
+                  <p:tgtEl>
+                    <p:sldTgt/>
+                  </p:tgtEl>
+                </p:cond>
+              </p:nextCondLst>
+            </p:seq>
+          </p:childTnLst>
+        </p:cTn>
+      </p:par>
+    </p:tnLst>
+    <p:bldLst>
+      <p:bldP spid="7" grpId="0" build="p"/>
+    </p:bldLst>
+  </p:timing>
+</p:sld>
+</file>
+
+<file path=ppt/slides/slide14.xml><?xml version="1.0" encoding="utf-8"?>
+<p:sld xmlns:a="http://schemas.openxmlformats.org/drawingml/2006/main" xmlns:r="http://schemas.openxmlformats.org/officeDocument/2006/relationships" xmlns:p="http://schemas.openxmlformats.org/presentationml/2006/main">
+  <p:cSld>
+    <p:spTree>
+      <p:nvGrpSpPr>
+        <p:cNvPr id="1" name=""/>
+        <p:cNvGrpSpPr/>
+        <p:nvPr/>
+      </p:nvGrpSpPr>
+      <p:grpSpPr>
+        <a:xfrm>
+          <a:off x="0" y="0"/>
+          <a:ext cx="0" cy="0"/>
+          <a:chOff x="0" y="0"/>
+          <a:chExt cx="0" cy="0"/>
+        </a:xfrm>
+      </p:grpSpPr>
+      <p:sp>
+        <p:nvSpPr>
           <p:cNvPr id="6" name="Platshållare för text 5">
             <a:extLst>
               <a:ext uri="{FF2B5EF4-FFF2-40B4-BE49-F238E27FC236}">
@@ -11780,7 +10033,7 @@
             <a:fld id="{9B02D930-DB44-4942-904E-E6F11B0F3050}" type="slidenum">
               <a:rPr lang="en-GB" smtClean="0"/>
               <a:pPr/>
-              <a:t>13</a:t>
+              <a:t>14</a:t>
             </a:fld>
             <a:endParaRPr lang="en-GB" dirty="0"/>
           </a:p>
@@ -11832,7 +10085,12 @@
             <p:ph idx="1"/>
           </p:nvPr>
         </p:nvSpPr>
-        <p:spPr/>
+        <p:spPr>
+          <a:xfrm>
+            <a:off x="369888" y="1404000"/>
+            <a:ext cx="9322752" cy="5148000"/>
+          </a:xfrm>
+        </p:spPr>
         <p:txBody>
           <a:bodyPr/>
           <a:lstStyle/>
@@ -11841,45 +10099,35 @@
               <a:rPr lang="en-US" dirty="0"/>
               <a:t>A platform independent C++/C# library for distributed objects and events</a:t>
             </a:r>
-            <a:br>
+          </a:p>
+          <a:p>
+            <a:r>
               <a:rPr lang="en-US" dirty="0"/>
-            </a:br>
-            <a:endParaRPr lang="en-US" dirty="0"/>
+              <a:t>High performance data throughput</a:t>
+            </a:r>
           </a:p>
           <a:p>
             <a:r>
               <a:rPr lang="en-US" dirty="0"/>
-              <a:t>High performance</a:t>
-            </a:r>
-            <a:br>
-              <a:rPr lang="en-US" dirty="0"/>
-            </a:br>
-            <a:endParaRPr lang="en-US" dirty="0"/>
-          </a:p>
-          <a:p>
-            <a:r>
-              <a:rPr lang="en-US" dirty="0"/>
-              <a:t>Easy to use</a:t>
-            </a:r>
-            <a:br>
-              <a:rPr lang="en-US" dirty="0"/>
-            </a:br>
-            <a:endParaRPr lang="en-US" dirty="0"/>
+              <a:t>Easy to use API</a:t>
+            </a:r>
           </a:p>
           <a:p>
             <a:r>
               <a:rPr lang="en-US" dirty="0"/>
               <a:t>Subscription model</a:t>
             </a:r>
-            <a:br>
+          </a:p>
+          <a:p>
+            <a:r>
               <a:rPr lang="en-US" dirty="0"/>
-            </a:br>
-            <a:endParaRPr lang="en-US" dirty="0"/>
+              <a:t>Ownership model</a:t>
+            </a:r>
           </a:p>
           <a:p>
             <a:r>
               <a:rPr lang="en-US" dirty="0"/>
-              <a:t>Ownership</a:t>
+              <a:t>Management model</a:t>
             </a:r>
           </a:p>
         </p:txBody>
@@ -11936,12 +10184,8 @@
           <a:lstStyle/>
           <a:p>
             <a:r>
-              <a:rPr lang="en-US" dirty="0" err="1"/>
-              <a:t>GizmoSDK</a:t>
-            </a:r>
-            <a:r>
               <a:rPr lang="en-US" dirty="0"/>
-              <a:t> Distribution C# library</a:t>
+              <a:t>Saab Distribution C# library</a:t>
             </a:r>
           </a:p>
         </p:txBody>
@@ -11994,6 +10238,429 @@
       <p:transition spd="slow" advClick="0"/>
     </mc:Fallback>
   </mc:AlternateContent>
+  <p:timing>
+    <p:tnLst>
+      <p:par>
+        <p:cTn id="1" dur="indefinite" restart="never" nodeType="tmRoot">
+          <p:childTnLst>
+            <p:seq concurrent="1" nextAc="seek">
+              <p:cTn id="2" dur="indefinite" nodeType="mainSeq">
+                <p:childTnLst>
+                  <p:par>
+                    <p:cTn id="3" fill="hold">
+                      <p:stCondLst>
+                        <p:cond delay="indefinite"/>
+                      </p:stCondLst>
+                      <p:childTnLst>
+                        <p:par>
+                          <p:cTn id="4" fill="hold">
+                            <p:stCondLst>
+                              <p:cond delay="0"/>
+                            </p:stCondLst>
+                            <p:childTnLst>
+                              <p:par>
+                                <p:cTn id="5" presetID="45" presetClass="entr" presetSubtype="0" fill="hold" nodeType="clickEffect">
+                                  <p:stCondLst>
+                                    <p:cond delay="0"/>
+                                  </p:stCondLst>
+                                  <p:childTnLst>
+                                    <p:set>
+                                      <p:cBhvr>
+                                        <p:cTn id="6" dur="1" fill="hold">
+                                          <p:stCondLst>
+                                            <p:cond delay="0"/>
+                                          </p:stCondLst>
+                                        </p:cTn>
+                                        <p:tgtEl>
+                                          <p:spTgt spid="8"/>
+                                        </p:tgtEl>
+                                        <p:attrNameLst>
+                                          <p:attrName>style.visibility</p:attrName>
+                                        </p:attrNameLst>
+                                      </p:cBhvr>
+                                      <p:to>
+                                        <p:strVal val="visible"/>
+                                      </p:to>
+                                    </p:set>
+                                    <p:animEffect transition="in" filter="fade">
+                                      <p:cBhvr>
+                                        <p:cTn id="7" dur="2000"/>
+                                        <p:tgtEl>
+                                          <p:spTgt spid="8"/>
+                                        </p:tgtEl>
+                                      </p:cBhvr>
+                                    </p:animEffect>
+                                    <p:anim calcmode="lin" valueType="num">
+                                      <p:cBhvr>
+                                        <p:cTn id="8" dur="2000" fill="hold"/>
+                                        <p:tgtEl>
+                                          <p:spTgt spid="8"/>
+                                        </p:tgtEl>
+                                        <p:attrNameLst>
+                                          <p:attrName>ppt_w</p:attrName>
+                                        </p:attrNameLst>
+                                      </p:cBhvr>
+                                      <p:tavLst>
+                                        <p:tav tm="0" fmla="#ppt_w*sin(2.5*pi*$)">
+                                          <p:val>
+                                            <p:fltVal val="0"/>
+                                          </p:val>
+                                        </p:tav>
+                                        <p:tav tm="100000">
+                                          <p:val>
+                                            <p:fltVal val="1"/>
+                                          </p:val>
+                                        </p:tav>
+                                      </p:tavLst>
+                                    </p:anim>
+                                    <p:anim calcmode="lin" valueType="num">
+                                      <p:cBhvr>
+                                        <p:cTn id="9" dur="2000" fill="hold"/>
+                                        <p:tgtEl>
+                                          <p:spTgt spid="8"/>
+                                        </p:tgtEl>
+                                        <p:attrNameLst>
+                                          <p:attrName>ppt_h</p:attrName>
+                                        </p:attrNameLst>
+                                      </p:cBhvr>
+                                      <p:tavLst>
+                                        <p:tav tm="0">
+                                          <p:val>
+                                            <p:strVal val="#ppt_h"/>
+                                          </p:val>
+                                        </p:tav>
+                                        <p:tav tm="100000">
+                                          <p:val>
+                                            <p:strVal val="#ppt_h"/>
+                                          </p:val>
+                                        </p:tav>
+                                      </p:tavLst>
+                                    </p:anim>
+                                  </p:childTnLst>
+                                </p:cTn>
+                              </p:par>
+                            </p:childTnLst>
+                          </p:cTn>
+                        </p:par>
+                      </p:childTnLst>
+                    </p:cTn>
+                  </p:par>
+                  <p:par>
+                    <p:cTn id="10" fill="hold">
+                      <p:stCondLst>
+                        <p:cond delay="indefinite"/>
+                      </p:stCondLst>
+                      <p:childTnLst>
+                        <p:par>
+                          <p:cTn id="11" fill="hold">
+                            <p:stCondLst>
+                              <p:cond delay="0"/>
+                            </p:stCondLst>
+                            <p:childTnLst>
+                              <p:par>
+                                <p:cTn id="12" presetID="1" presetClass="entr" presetSubtype="0" fill="hold" nodeType="clickEffect">
+                                  <p:stCondLst>
+                                    <p:cond delay="0"/>
+                                  </p:stCondLst>
+                                  <p:childTnLst>
+                                    <p:set>
+                                      <p:cBhvr>
+                                        <p:cTn id="13" dur="1" fill="hold">
+                                          <p:stCondLst>
+                                            <p:cond delay="0"/>
+                                          </p:stCondLst>
+                                        </p:cTn>
+                                        <p:tgtEl>
+                                          <p:spTgt spid="7">
+                                            <p:txEl>
+                                              <p:pRg st="0" end="0"/>
+                                            </p:txEl>
+                                          </p:spTgt>
+                                        </p:tgtEl>
+                                        <p:attrNameLst>
+                                          <p:attrName>style.visibility</p:attrName>
+                                        </p:attrNameLst>
+                                      </p:cBhvr>
+                                      <p:to>
+                                        <p:strVal val="visible"/>
+                                      </p:to>
+                                    </p:set>
+                                  </p:childTnLst>
+                                </p:cTn>
+                              </p:par>
+                            </p:childTnLst>
+                          </p:cTn>
+                        </p:par>
+                      </p:childTnLst>
+                    </p:cTn>
+                  </p:par>
+                  <p:par>
+                    <p:cTn id="14" fill="hold">
+                      <p:stCondLst>
+                        <p:cond delay="indefinite"/>
+                      </p:stCondLst>
+                      <p:childTnLst>
+                        <p:par>
+                          <p:cTn id="15" fill="hold">
+                            <p:stCondLst>
+                              <p:cond delay="0"/>
+                            </p:stCondLst>
+                            <p:childTnLst>
+                              <p:par>
+                                <p:cTn id="16" presetID="1" presetClass="entr" presetSubtype="0" fill="hold" nodeType="clickEffect">
+                                  <p:stCondLst>
+                                    <p:cond delay="0"/>
+                                  </p:stCondLst>
+                                  <p:childTnLst>
+                                    <p:set>
+                                      <p:cBhvr>
+                                        <p:cTn id="17" dur="1" fill="hold">
+                                          <p:stCondLst>
+                                            <p:cond delay="0"/>
+                                          </p:stCondLst>
+                                        </p:cTn>
+                                        <p:tgtEl>
+                                          <p:spTgt spid="7">
+                                            <p:txEl>
+                                              <p:pRg st="1" end="1"/>
+                                            </p:txEl>
+                                          </p:spTgt>
+                                        </p:tgtEl>
+                                        <p:attrNameLst>
+                                          <p:attrName>style.visibility</p:attrName>
+                                        </p:attrNameLst>
+                                      </p:cBhvr>
+                                      <p:to>
+                                        <p:strVal val="visible"/>
+                                      </p:to>
+                                    </p:set>
+                                  </p:childTnLst>
+                                </p:cTn>
+                              </p:par>
+                            </p:childTnLst>
+                          </p:cTn>
+                        </p:par>
+                      </p:childTnLst>
+                    </p:cTn>
+                  </p:par>
+                  <p:par>
+                    <p:cTn id="18" fill="hold">
+                      <p:stCondLst>
+                        <p:cond delay="indefinite"/>
+                      </p:stCondLst>
+                      <p:childTnLst>
+                        <p:par>
+                          <p:cTn id="19" fill="hold">
+                            <p:stCondLst>
+                              <p:cond delay="0"/>
+                            </p:stCondLst>
+                            <p:childTnLst>
+                              <p:par>
+                                <p:cTn id="20" presetID="1" presetClass="entr" presetSubtype="0" fill="hold" nodeType="clickEffect">
+                                  <p:stCondLst>
+                                    <p:cond delay="0"/>
+                                  </p:stCondLst>
+                                  <p:childTnLst>
+                                    <p:set>
+                                      <p:cBhvr>
+                                        <p:cTn id="21" dur="1" fill="hold">
+                                          <p:stCondLst>
+                                            <p:cond delay="0"/>
+                                          </p:stCondLst>
+                                        </p:cTn>
+                                        <p:tgtEl>
+                                          <p:spTgt spid="7">
+                                            <p:txEl>
+                                              <p:pRg st="2" end="2"/>
+                                            </p:txEl>
+                                          </p:spTgt>
+                                        </p:tgtEl>
+                                        <p:attrNameLst>
+                                          <p:attrName>style.visibility</p:attrName>
+                                        </p:attrNameLst>
+                                      </p:cBhvr>
+                                      <p:to>
+                                        <p:strVal val="visible"/>
+                                      </p:to>
+                                    </p:set>
+                                  </p:childTnLst>
+                                </p:cTn>
+                              </p:par>
+                            </p:childTnLst>
+                          </p:cTn>
+                        </p:par>
+                      </p:childTnLst>
+                    </p:cTn>
+                  </p:par>
+                  <p:par>
+                    <p:cTn id="22" fill="hold">
+                      <p:stCondLst>
+                        <p:cond delay="indefinite"/>
+                      </p:stCondLst>
+                      <p:childTnLst>
+                        <p:par>
+                          <p:cTn id="23" fill="hold">
+                            <p:stCondLst>
+                              <p:cond delay="0"/>
+                            </p:stCondLst>
+                            <p:childTnLst>
+                              <p:par>
+                                <p:cTn id="24" presetID="1" presetClass="entr" presetSubtype="0" fill="hold" nodeType="clickEffect">
+                                  <p:stCondLst>
+                                    <p:cond delay="0"/>
+                                  </p:stCondLst>
+                                  <p:childTnLst>
+                                    <p:set>
+                                      <p:cBhvr>
+                                        <p:cTn id="25" dur="1" fill="hold">
+                                          <p:stCondLst>
+                                            <p:cond delay="0"/>
+                                          </p:stCondLst>
+                                        </p:cTn>
+                                        <p:tgtEl>
+                                          <p:spTgt spid="7">
+                                            <p:txEl>
+                                              <p:pRg st="3" end="3"/>
+                                            </p:txEl>
+                                          </p:spTgt>
+                                        </p:tgtEl>
+                                        <p:attrNameLst>
+                                          <p:attrName>style.visibility</p:attrName>
+                                        </p:attrNameLst>
+                                      </p:cBhvr>
+                                      <p:to>
+                                        <p:strVal val="visible"/>
+                                      </p:to>
+                                    </p:set>
+                                  </p:childTnLst>
+                                </p:cTn>
+                              </p:par>
+                            </p:childTnLst>
+                          </p:cTn>
+                        </p:par>
+                      </p:childTnLst>
+                    </p:cTn>
+                  </p:par>
+                  <p:par>
+                    <p:cTn id="26" fill="hold">
+                      <p:stCondLst>
+                        <p:cond delay="indefinite"/>
+                      </p:stCondLst>
+                      <p:childTnLst>
+                        <p:par>
+                          <p:cTn id="27" fill="hold">
+                            <p:stCondLst>
+                              <p:cond delay="0"/>
+                            </p:stCondLst>
+                            <p:childTnLst>
+                              <p:par>
+                                <p:cTn id="28" presetID="1" presetClass="entr" presetSubtype="0" fill="hold" nodeType="clickEffect">
+                                  <p:stCondLst>
+                                    <p:cond delay="0"/>
+                                  </p:stCondLst>
+                                  <p:childTnLst>
+                                    <p:set>
+                                      <p:cBhvr>
+                                        <p:cTn id="29" dur="1" fill="hold">
+                                          <p:stCondLst>
+                                            <p:cond delay="0"/>
+                                          </p:stCondLst>
+                                        </p:cTn>
+                                        <p:tgtEl>
+                                          <p:spTgt spid="7">
+                                            <p:txEl>
+                                              <p:pRg st="4" end="4"/>
+                                            </p:txEl>
+                                          </p:spTgt>
+                                        </p:tgtEl>
+                                        <p:attrNameLst>
+                                          <p:attrName>style.visibility</p:attrName>
+                                        </p:attrNameLst>
+                                      </p:cBhvr>
+                                      <p:to>
+                                        <p:strVal val="visible"/>
+                                      </p:to>
+                                    </p:set>
+                                  </p:childTnLst>
+                                </p:cTn>
+                              </p:par>
+                            </p:childTnLst>
+                          </p:cTn>
+                        </p:par>
+                      </p:childTnLst>
+                    </p:cTn>
+                  </p:par>
+                  <p:par>
+                    <p:cTn id="30" fill="hold">
+                      <p:stCondLst>
+                        <p:cond delay="indefinite"/>
+                      </p:stCondLst>
+                      <p:childTnLst>
+                        <p:par>
+                          <p:cTn id="31" fill="hold">
+                            <p:stCondLst>
+                              <p:cond delay="0"/>
+                            </p:stCondLst>
+                            <p:childTnLst>
+                              <p:par>
+                                <p:cTn id="32" presetID="1" presetClass="entr" presetSubtype="0" fill="hold" nodeType="clickEffect">
+                                  <p:stCondLst>
+                                    <p:cond delay="0"/>
+                                  </p:stCondLst>
+                                  <p:childTnLst>
+                                    <p:set>
+                                      <p:cBhvr>
+                                        <p:cTn id="33" dur="1" fill="hold">
+                                          <p:stCondLst>
+                                            <p:cond delay="0"/>
+                                          </p:stCondLst>
+                                        </p:cTn>
+                                        <p:tgtEl>
+                                          <p:spTgt spid="7">
+                                            <p:txEl>
+                                              <p:pRg st="5" end="5"/>
+                                            </p:txEl>
+                                          </p:spTgt>
+                                        </p:tgtEl>
+                                        <p:attrNameLst>
+                                          <p:attrName>style.visibility</p:attrName>
+                                        </p:attrNameLst>
+                                      </p:cBhvr>
+                                      <p:to>
+                                        <p:strVal val="visible"/>
+                                      </p:to>
+                                    </p:set>
+                                  </p:childTnLst>
+                                </p:cTn>
+                              </p:par>
+                            </p:childTnLst>
+                          </p:cTn>
+                        </p:par>
+                      </p:childTnLst>
+                    </p:cTn>
+                  </p:par>
+                </p:childTnLst>
+              </p:cTn>
+              <p:prevCondLst>
+                <p:cond evt="onPrev" delay="0">
+                  <p:tgtEl>
+                    <p:sldTgt/>
+                  </p:tgtEl>
+                </p:cond>
+              </p:prevCondLst>
+              <p:nextCondLst>
+                <p:cond evt="onNext" delay="0">
+                  <p:tgtEl>
+                    <p:sldTgt/>
+                  </p:tgtEl>
+                </p:cond>
+              </p:nextCondLst>
+            </p:seq>
+          </p:childTnLst>
+        </p:cTn>
+      </p:par>
+    </p:tnLst>
+  </p:timing>
 </p:sld>
 </file>
 
@@ -12030,7 +10697,12 @@
             <p:ph idx="1"/>
           </p:nvPr>
         </p:nvSpPr>
-        <p:spPr/>
+        <p:spPr>
+          <a:xfrm>
+            <a:off x="369888" y="1404000"/>
+            <a:ext cx="7914576" cy="5148000"/>
+          </a:xfrm>
+        </p:spPr>
         <p:txBody>
           <a:bodyPr/>
           <a:lstStyle/>
@@ -12039,40 +10711,24 @@
               <a:rPr lang="en-US" dirty="0"/>
               <a:t>A session represents an interest in a topic</a:t>
             </a:r>
-            <a:br>
-              <a:rPr lang="en-US" dirty="0"/>
-            </a:br>
-            <a:endParaRPr lang="en-US" dirty="0"/>
           </a:p>
           <a:p>
             <a:r>
               <a:rPr lang="en-US" dirty="0"/>
               <a:t>Just like a conference room where you meet and discuss a topic</a:t>
             </a:r>
-            <a:br>
-              <a:rPr lang="en-US" dirty="0"/>
-            </a:br>
-            <a:endParaRPr lang="en-US" dirty="0"/>
           </a:p>
           <a:p>
             <a:r>
               <a:rPr lang="en-US" dirty="0"/>
               <a:t>Any number of sessions</a:t>
             </a:r>
-            <a:br>
-              <a:rPr lang="en-US" dirty="0"/>
-            </a:br>
-            <a:endParaRPr lang="en-US" dirty="0"/>
           </a:p>
           <a:p>
             <a:r>
               <a:rPr lang="en-US" dirty="0"/>
               <a:t>A session can be local or global</a:t>
             </a:r>
-            <a:br>
-              <a:rPr lang="en-US" dirty="0"/>
-            </a:br>
-            <a:endParaRPr lang="en-US" dirty="0"/>
           </a:p>
           <a:p>
             <a:r>
@@ -12142,10 +10798,10 @@
       </p:sp>
       <p:pic>
         <p:nvPicPr>
-          <p:cNvPr id="8" name="Bildobjekt 7">
+          <p:cNvPr id="3" name="Bildobjekt 2">
             <a:extLst>
               <a:ext uri="{FF2B5EF4-FFF2-40B4-BE49-F238E27FC236}">
-                <a16:creationId xmlns:a16="http://schemas.microsoft.com/office/drawing/2014/main" id="{A3108597-1492-43B9-8772-5DC78E48E493}"/>
+                <a16:creationId xmlns:a16="http://schemas.microsoft.com/office/drawing/2014/main" id="{AB66C9D5-EF49-41E8-9922-58AC1F364979}"/>
               </a:ext>
             </a:extLst>
           </p:cNvPr>
@@ -12162,38 +10818,8 @@
         </p:blipFill>
         <p:spPr>
           <a:xfrm>
-            <a:off x="6915226" y="2267675"/>
-            <a:ext cx="3700463" cy="3781080"/>
-          </a:xfrm>
-          <a:prstGeom prst="rect">
-            <a:avLst/>
-          </a:prstGeom>
-        </p:spPr>
-      </p:pic>
-      <p:pic>
-        <p:nvPicPr>
-          <p:cNvPr id="3" name="Bildobjekt 2">
-            <a:extLst>
-              <a:ext uri="{FF2B5EF4-FFF2-40B4-BE49-F238E27FC236}">
-                <a16:creationId xmlns:a16="http://schemas.microsoft.com/office/drawing/2014/main" id="{AB66C9D5-EF49-41E8-9922-58AC1F364979}"/>
-              </a:ext>
-            </a:extLst>
-          </p:cNvPr>
-          <p:cNvPicPr>
-            <a:picLocks noChangeAspect="1"/>
-          </p:cNvPicPr>
-          <p:nvPr/>
-        </p:nvPicPr>
-        <p:blipFill>
-          <a:blip r:embed="rId3"/>
-          <a:stretch>
-            <a:fillRect/>
-          </a:stretch>
-        </p:blipFill>
-        <p:spPr>
-          <a:xfrm>
-            <a:off x="8658431" y="539710"/>
-            <a:ext cx="1724434" cy="1725766"/>
+            <a:off x="8359643" y="1759574"/>
+            <a:ext cx="2216714" cy="2218426"/>
           </a:xfrm>
           <a:prstGeom prst="rect">
             <a:avLst/>
@@ -12218,6 +10844,383 @@
       <p:transition spd="slow" advClick="0"/>
     </mc:Fallback>
   </mc:AlternateContent>
+  <p:timing>
+    <p:tnLst>
+      <p:par>
+        <p:cTn id="1" dur="indefinite" restart="never" nodeType="tmRoot">
+          <p:childTnLst>
+            <p:seq concurrent="1" nextAc="seek">
+              <p:cTn id="2" dur="indefinite" nodeType="mainSeq">
+                <p:childTnLst>
+                  <p:par>
+                    <p:cTn id="3" fill="hold">
+                      <p:stCondLst>
+                        <p:cond delay="indefinite"/>
+                      </p:stCondLst>
+                      <p:childTnLst>
+                        <p:par>
+                          <p:cTn id="4" fill="hold">
+                            <p:stCondLst>
+                              <p:cond delay="0"/>
+                            </p:stCondLst>
+                            <p:childTnLst>
+                              <p:par>
+                                <p:cTn id="5" presetID="45" presetClass="entr" presetSubtype="0" fill="hold" nodeType="clickEffect">
+                                  <p:stCondLst>
+                                    <p:cond delay="0"/>
+                                  </p:stCondLst>
+                                  <p:childTnLst>
+                                    <p:set>
+                                      <p:cBhvr>
+                                        <p:cTn id="6" dur="1" fill="hold">
+                                          <p:stCondLst>
+                                            <p:cond delay="0"/>
+                                          </p:stCondLst>
+                                        </p:cTn>
+                                        <p:tgtEl>
+                                          <p:spTgt spid="3"/>
+                                        </p:tgtEl>
+                                        <p:attrNameLst>
+                                          <p:attrName>style.visibility</p:attrName>
+                                        </p:attrNameLst>
+                                      </p:cBhvr>
+                                      <p:to>
+                                        <p:strVal val="visible"/>
+                                      </p:to>
+                                    </p:set>
+                                    <p:animEffect transition="in" filter="fade">
+                                      <p:cBhvr>
+                                        <p:cTn id="7" dur="2000"/>
+                                        <p:tgtEl>
+                                          <p:spTgt spid="3"/>
+                                        </p:tgtEl>
+                                      </p:cBhvr>
+                                    </p:animEffect>
+                                    <p:anim calcmode="lin" valueType="num">
+                                      <p:cBhvr>
+                                        <p:cTn id="8" dur="2000" fill="hold"/>
+                                        <p:tgtEl>
+                                          <p:spTgt spid="3"/>
+                                        </p:tgtEl>
+                                        <p:attrNameLst>
+                                          <p:attrName>ppt_w</p:attrName>
+                                        </p:attrNameLst>
+                                      </p:cBhvr>
+                                      <p:tavLst>
+                                        <p:tav tm="0" fmla="#ppt_w*sin(2.5*pi*$)">
+                                          <p:val>
+                                            <p:fltVal val="0"/>
+                                          </p:val>
+                                        </p:tav>
+                                        <p:tav tm="100000">
+                                          <p:val>
+                                            <p:fltVal val="1"/>
+                                          </p:val>
+                                        </p:tav>
+                                      </p:tavLst>
+                                    </p:anim>
+                                    <p:anim calcmode="lin" valueType="num">
+                                      <p:cBhvr>
+                                        <p:cTn id="9" dur="2000" fill="hold"/>
+                                        <p:tgtEl>
+                                          <p:spTgt spid="3"/>
+                                        </p:tgtEl>
+                                        <p:attrNameLst>
+                                          <p:attrName>ppt_h</p:attrName>
+                                        </p:attrNameLst>
+                                      </p:cBhvr>
+                                      <p:tavLst>
+                                        <p:tav tm="0">
+                                          <p:val>
+                                            <p:strVal val="#ppt_h"/>
+                                          </p:val>
+                                        </p:tav>
+                                        <p:tav tm="100000">
+                                          <p:val>
+                                            <p:strVal val="#ppt_h"/>
+                                          </p:val>
+                                        </p:tav>
+                                      </p:tavLst>
+                                    </p:anim>
+                                  </p:childTnLst>
+                                </p:cTn>
+                              </p:par>
+                            </p:childTnLst>
+                          </p:cTn>
+                        </p:par>
+                      </p:childTnLst>
+                    </p:cTn>
+                  </p:par>
+                  <p:par>
+                    <p:cTn id="10" fill="hold">
+                      <p:stCondLst>
+                        <p:cond delay="indefinite"/>
+                      </p:stCondLst>
+                      <p:childTnLst>
+                        <p:par>
+                          <p:cTn id="11" fill="hold">
+                            <p:stCondLst>
+                              <p:cond delay="0"/>
+                            </p:stCondLst>
+                            <p:childTnLst>
+                              <p:par>
+                                <p:cTn id="12" presetID="1" presetClass="entr" presetSubtype="0" fill="hold" grpId="0" nodeType="clickEffect">
+                                  <p:stCondLst>
+                                    <p:cond delay="0"/>
+                                  </p:stCondLst>
+                                  <p:childTnLst>
+                                    <p:set>
+                                      <p:cBhvr>
+                                        <p:cTn id="13" dur="1" fill="hold">
+                                          <p:stCondLst>
+                                            <p:cond delay="0"/>
+                                          </p:stCondLst>
+                                        </p:cTn>
+                                        <p:tgtEl>
+                                          <p:spTgt spid="7">
+                                            <p:txEl>
+                                              <p:pRg st="0" end="0"/>
+                                            </p:txEl>
+                                          </p:spTgt>
+                                        </p:tgtEl>
+                                        <p:attrNameLst>
+                                          <p:attrName>style.visibility</p:attrName>
+                                        </p:attrNameLst>
+                                      </p:cBhvr>
+                                      <p:to>
+                                        <p:strVal val="visible"/>
+                                      </p:to>
+                                    </p:set>
+                                  </p:childTnLst>
+                                </p:cTn>
+                              </p:par>
+                            </p:childTnLst>
+                          </p:cTn>
+                        </p:par>
+                      </p:childTnLst>
+                    </p:cTn>
+                  </p:par>
+                  <p:par>
+                    <p:cTn id="14" fill="hold">
+                      <p:stCondLst>
+                        <p:cond delay="indefinite"/>
+                      </p:stCondLst>
+                      <p:childTnLst>
+                        <p:par>
+                          <p:cTn id="15" fill="hold">
+                            <p:stCondLst>
+                              <p:cond delay="0"/>
+                            </p:stCondLst>
+                            <p:childTnLst>
+                              <p:par>
+                                <p:cTn id="16" presetID="1" presetClass="entr" presetSubtype="0" fill="hold" grpId="0" nodeType="clickEffect">
+                                  <p:stCondLst>
+                                    <p:cond delay="0"/>
+                                  </p:stCondLst>
+                                  <p:childTnLst>
+                                    <p:set>
+                                      <p:cBhvr>
+                                        <p:cTn id="17" dur="1" fill="hold">
+                                          <p:stCondLst>
+                                            <p:cond delay="0"/>
+                                          </p:stCondLst>
+                                        </p:cTn>
+                                        <p:tgtEl>
+                                          <p:spTgt spid="7">
+                                            <p:txEl>
+                                              <p:pRg st="1" end="1"/>
+                                            </p:txEl>
+                                          </p:spTgt>
+                                        </p:tgtEl>
+                                        <p:attrNameLst>
+                                          <p:attrName>style.visibility</p:attrName>
+                                        </p:attrNameLst>
+                                      </p:cBhvr>
+                                      <p:to>
+                                        <p:strVal val="visible"/>
+                                      </p:to>
+                                    </p:set>
+                                  </p:childTnLst>
+                                </p:cTn>
+                              </p:par>
+                            </p:childTnLst>
+                          </p:cTn>
+                        </p:par>
+                      </p:childTnLst>
+                    </p:cTn>
+                  </p:par>
+                  <p:par>
+                    <p:cTn id="18" fill="hold">
+                      <p:stCondLst>
+                        <p:cond delay="indefinite"/>
+                      </p:stCondLst>
+                      <p:childTnLst>
+                        <p:par>
+                          <p:cTn id="19" fill="hold">
+                            <p:stCondLst>
+                              <p:cond delay="0"/>
+                            </p:stCondLst>
+                            <p:childTnLst>
+                              <p:par>
+                                <p:cTn id="20" presetID="1" presetClass="entr" presetSubtype="0" fill="hold" grpId="0" nodeType="clickEffect">
+                                  <p:stCondLst>
+                                    <p:cond delay="0"/>
+                                  </p:stCondLst>
+                                  <p:childTnLst>
+                                    <p:set>
+                                      <p:cBhvr>
+                                        <p:cTn id="21" dur="1" fill="hold">
+                                          <p:stCondLst>
+                                            <p:cond delay="0"/>
+                                          </p:stCondLst>
+                                        </p:cTn>
+                                        <p:tgtEl>
+                                          <p:spTgt spid="7">
+                                            <p:txEl>
+                                              <p:pRg st="2" end="2"/>
+                                            </p:txEl>
+                                          </p:spTgt>
+                                        </p:tgtEl>
+                                        <p:attrNameLst>
+                                          <p:attrName>style.visibility</p:attrName>
+                                        </p:attrNameLst>
+                                      </p:cBhvr>
+                                      <p:to>
+                                        <p:strVal val="visible"/>
+                                      </p:to>
+                                    </p:set>
+                                  </p:childTnLst>
+                                </p:cTn>
+                              </p:par>
+                            </p:childTnLst>
+                          </p:cTn>
+                        </p:par>
+                      </p:childTnLst>
+                    </p:cTn>
+                  </p:par>
+                  <p:par>
+                    <p:cTn id="22" fill="hold">
+                      <p:stCondLst>
+                        <p:cond delay="indefinite"/>
+                      </p:stCondLst>
+                      <p:childTnLst>
+                        <p:par>
+                          <p:cTn id="23" fill="hold">
+                            <p:stCondLst>
+                              <p:cond delay="0"/>
+                            </p:stCondLst>
+                            <p:childTnLst>
+                              <p:par>
+                                <p:cTn id="24" presetID="1" presetClass="entr" presetSubtype="0" fill="hold" grpId="0" nodeType="clickEffect">
+                                  <p:stCondLst>
+                                    <p:cond delay="0"/>
+                                  </p:stCondLst>
+                                  <p:childTnLst>
+                                    <p:set>
+                                      <p:cBhvr>
+                                        <p:cTn id="25" dur="1" fill="hold">
+                                          <p:stCondLst>
+                                            <p:cond delay="0"/>
+                                          </p:stCondLst>
+                                        </p:cTn>
+                                        <p:tgtEl>
+                                          <p:spTgt spid="7">
+                                            <p:txEl>
+                                              <p:pRg st="3" end="3"/>
+                                            </p:txEl>
+                                          </p:spTgt>
+                                        </p:tgtEl>
+                                        <p:attrNameLst>
+                                          <p:attrName>style.visibility</p:attrName>
+                                        </p:attrNameLst>
+                                      </p:cBhvr>
+                                      <p:to>
+                                        <p:strVal val="visible"/>
+                                      </p:to>
+                                    </p:set>
+                                  </p:childTnLst>
+                                </p:cTn>
+                              </p:par>
+                            </p:childTnLst>
+                          </p:cTn>
+                        </p:par>
+                      </p:childTnLst>
+                    </p:cTn>
+                  </p:par>
+                  <p:par>
+                    <p:cTn id="26" fill="hold">
+                      <p:stCondLst>
+                        <p:cond delay="indefinite"/>
+                      </p:stCondLst>
+                      <p:childTnLst>
+                        <p:par>
+                          <p:cTn id="27" fill="hold">
+                            <p:stCondLst>
+                              <p:cond delay="0"/>
+                            </p:stCondLst>
+                            <p:childTnLst>
+                              <p:par>
+                                <p:cTn id="28" presetID="1" presetClass="entr" presetSubtype="0" fill="hold" grpId="0" nodeType="clickEffect">
+                                  <p:stCondLst>
+                                    <p:cond delay="0"/>
+                                  </p:stCondLst>
+                                  <p:childTnLst>
+                                    <p:set>
+                                      <p:cBhvr>
+                                        <p:cTn id="29" dur="1" fill="hold">
+                                          <p:stCondLst>
+                                            <p:cond delay="0"/>
+                                          </p:stCondLst>
+                                        </p:cTn>
+                                        <p:tgtEl>
+                                          <p:spTgt spid="7">
+                                            <p:txEl>
+                                              <p:pRg st="4" end="4"/>
+                                            </p:txEl>
+                                          </p:spTgt>
+                                        </p:tgtEl>
+                                        <p:attrNameLst>
+                                          <p:attrName>style.visibility</p:attrName>
+                                        </p:attrNameLst>
+                                      </p:cBhvr>
+                                      <p:to>
+                                        <p:strVal val="visible"/>
+                                      </p:to>
+                                    </p:set>
+                                  </p:childTnLst>
+                                </p:cTn>
+                              </p:par>
+                            </p:childTnLst>
+                          </p:cTn>
+                        </p:par>
+                      </p:childTnLst>
+                    </p:cTn>
+                  </p:par>
+                </p:childTnLst>
+              </p:cTn>
+              <p:prevCondLst>
+                <p:cond evt="onPrev" delay="0">
+                  <p:tgtEl>
+                    <p:sldTgt/>
+                  </p:tgtEl>
+                </p:cond>
+              </p:prevCondLst>
+              <p:nextCondLst>
+                <p:cond evt="onNext" delay="0">
+                  <p:tgtEl>
+                    <p:sldTgt/>
+                  </p:tgtEl>
+                </p:cond>
+              </p:nextCondLst>
+            </p:seq>
+          </p:childTnLst>
+        </p:cTn>
+      </p:par>
+    </p:tnLst>
+    <p:bldLst>
+      <p:bldP spid="7" grpId="0" uiExpand="1" build="p"/>
+    </p:bldLst>
+  </p:timing>
 </p:sld>
 </file>
 
@@ -12274,6 +11277,12 @@
             <a:r>
               <a:rPr lang="en-US" dirty="0"/>
               <a:t>Can be many managers but you typically work with the default manager</a:t>
+            </a:r>
+          </a:p>
+          <a:p>
+            <a:r>
+              <a:rPr lang="en-US" dirty="0"/>
+              <a:t>A manager is like the booking system for conference rooms</a:t>
             </a:r>
           </a:p>
           <a:p>
@@ -12361,8 +11370,8 @@
         </p:blipFill>
         <p:spPr>
           <a:xfrm>
-            <a:off x="8614186" y="1027905"/>
-            <a:ext cx="2107891" cy="1640737"/>
+            <a:off x="8279196" y="1578321"/>
+            <a:ext cx="2377608" cy="1850679"/>
           </a:xfrm>
           <a:prstGeom prst="rect">
             <a:avLst/>
@@ -12387,6 +11396,334 @@
       <p:transition spd="slow" advClick="0"/>
     </mc:Fallback>
   </mc:AlternateContent>
+  <p:timing>
+    <p:tnLst>
+      <p:par>
+        <p:cTn id="1" dur="indefinite" restart="never" nodeType="tmRoot">
+          <p:childTnLst>
+            <p:seq concurrent="1" nextAc="seek">
+              <p:cTn id="2" dur="indefinite" nodeType="mainSeq">
+                <p:childTnLst>
+                  <p:par>
+                    <p:cTn id="3" fill="hold">
+                      <p:stCondLst>
+                        <p:cond delay="indefinite"/>
+                      </p:stCondLst>
+                      <p:childTnLst>
+                        <p:par>
+                          <p:cTn id="4" fill="hold">
+                            <p:stCondLst>
+                              <p:cond delay="0"/>
+                            </p:stCondLst>
+                            <p:childTnLst>
+                              <p:par>
+                                <p:cTn id="5" presetID="45" presetClass="entr" presetSubtype="0" fill="hold" nodeType="clickEffect">
+                                  <p:stCondLst>
+                                    <p:cond delay="0"/>
+                                  </p:stCondLst>
+                                  <p:childTnLst>
+                                    <p:set>
+                                      <p:cBhvr>
+                                        <p:cTn id="6" dur="1" fill="hold">
+                                          <p:stCondLst>
+                                            <p:cond delay="0"/>
+                                          </p:stCondLst>
+                                        </p:cTn>
+                                        <p:tgtEl>
+                                          <p:spTgt spid="3"/>
+                                        </p:tgtEl>
+                                        <p:attrNameLst>
+                                          <p:attrName>style.visibility</p:attrName>
+                                        </p:attrNameLst>
+                                      </p:cBhvr>
+                                      <p:to>
+                                        <p:strVal val="visible"/>
+                                      </p:to>
+                                    </p:set>
+                                    <p:animEffect transition="in" filter="fade">
+                                      <p:cBhvr>
+                                        <p:cTn id="7" dur="2000"/>
+                                        <p:tgtEl>
+                                          <p:spTgt spid="3"/>
+                                        </p:tgtEl>
+                                      </p:cBhvr>
+                                    </p:animEffect>
+                                    <p:anim calcmode="lin" valueType="num">
+                                      <p:cBhvr>
+                                        <p:cTn id="8" dur="2000" fill="hold"/>
+                                        <p:tgtEl>
+                                          <p:spTgt spid="3"/>
+                                        </p:tgtEl>
+                                        <p:attrNameLst>
+                                          <p:attrName>ppt_w</p:attrName>
+                                        </p:attrNameLst>
+                                      </p:cBhvr>
+                                      <p:tavLst>
+                                        <p:tav tm="0" fmla="#ppt_w*sin(2.5*pi*$)">
+                                          <p:val>
+                                            <p:fltVal val="0"/>
+                                          </p:val>
+                                        </p:tav>
+                                        <p:tav tm="100000">
+                                          <p:val>
+                                            <p:fltVal val="1"/>
+                                          </p:val>
+                                        </p:tav>
+                                      </p:tavLst>
+                                    </p:anim>
+                                    <p:anim calcmode="lin" valueType="num">
+                                      <p:cBhvr>
+                                        <p:cTn id="9" dur="2000" fill="hold"/>
+                                        <p:tgtEl>
+                                          <p:spTgt spid="3"/>
+                                        </p:tgtEl>
+                                        <p:attrNameLst>
+                                          <p:attrName>ppt_h</p:attrName>
+                                        </p:attrNameLst>
+                                      </p:cBhvr>
+                                      <p:tavLst>
+                                        <p:tav tm="0">
+                                          <p:val>
+                                            <p:strVal val="#ppt_h"/>
+                                          </p:val>
+                                        </p:tav>
+                                        <p:tav tm="100000">
+                                          <p:val>
+                                            <p:strVal val="#ppt_h"/>
+                                          </p:val>
+                                        </p:tav>
+                                      </p:tavLst>
+                                    </p:anim>
+                                  </p:childTnLst>
+                                </p:cTn>
+                              </p:par>
+                            </p:childTnLst>
+                          </p:cTn>
+                        </p:par>
+                      </p:childTnLst>
+                    </p:cTn>
+                  </p:par>
+                  <p:par>
+                    <p:cTn id="10" fill="hold">
+                      <p:stCondLst>
+                        <p:cond delay="indefinite"/>
+                      </p:stCondLst>
+                      <p:childTnLst>
+                        <p:par>
+                          <p:cTn id="11" fill="hold">
+                            <p:stCondLst>
+                              <p:cond delay="0"/>
+                            </p:stCondLst>
+                            <p:childTnLst>
+                              <p:par>
+                                <p:cTn id="12" presetID="1" presetClass="entr" presetSubtype="0" fill="hold" grpId="0" nodeType="clickEffect">
+                                  <p:stCondLst>
+                                    <p:cond delay="0"/>
+                                  </p:stCondLst>
+                                  <p:childTnLst>
+                                    <p:set>
+                                      <p:cBhvr>
+                                        <p:cTn id="13" dur="1" fill="hold">
+                                          <p:stCondLst>
+                                            <p:cond delay="0"/>
+                                          </p:stCondLst>
+                                        </p:cTn>
+                                        <p:tgtEl>
+                                          <p:spTgt spid="7">
+                                            <p:txEl>
+                                              <p:pRg st="0" end="0"/>
+                                            </p:txEl>
+                                          </p:spTgt>
+                                        </p:tgtEl>
+                                        <p:attrNameLst>
+                                          <p:attrName>style.visibility</p:attrName>
+                                        </p:attrNameLst>
+                                      </p:cBhvr>
+                                      <p:to>
+                                        <p:strVal val="visible"/>
+                                      </p:to>
+                                    </p:set>
+                                  </p:childTnLst>
+                                </p:cTn>
+                              </p:par>
+                            </p:childTnLst>
+                          </p:cTn>
+                        </p:par>
+                      </p:childTnLst>
+                    </p:cTn>
+                  </p:par>
+                  <p:par>
+                    <p:cTn id="14" fill="hold">
+                      <p:stCondLst>
+                        <p:cond delay="indefinite"/>
+                      </p:stCondLst>
+                      <p:childTnLst>
+                        <p:par>
+                          <p:cTn id="15" fill="hold">
+                            <p:stCondLst>
+                              <p:cond delay="0"/>
+                            </p:stCondLst>
+                            <p:childTnLst>
+                              <p:par>
+                                <p:cTn id="16" presetID="1" presetClass="entr" presetSubtype="0" fill="hold" grpId="0" nodeType="clickEffect">
+                                  <p:stCondLst>
+                                    <p:cond delay="0"/>
+                                  </p:stCondLst>
+                                  <p:childTnLst>
+                                    <p:set>
+                                      <p:cBhvr>
+                                        <p:cTn id="17" dur="1" fill="hold">
+                                          <p:stCondLst>
+                                            <p:cond delay="0"/>
+                                          </p:stCondLst>
+                                        </p:cTn>
+                                        <p:tgtEl>
+                                          <p:spTgt spid="7">
+                                            <p:txEl>
+                                              <p:pRg st="1" end="1"/>
+                                            </p:txEl>
+                                          </p:spTgt>
+                                        </p:tgtEl>
+                                        <p:attrNameLst>
+                                          <p:attrName>style.visibility</p:attrName>
+                                        </p:attrNameLst>
+                                      </p:cBhvr>
+                                      <p:to>
+                                        <p:strVal val="visible"/>
+                                      </p:to>
+                                    </p:set>
+                                  </p:childTnLst>
+                                </p:cTn>
+                              </p:par>
+                            </p:childTnLst>
+                          </p:cTn>
+                        </p:par>
+                      </p:childTnLst>
+                    </p:cTn>
+                  </p:par>
+                  <p:par>
+                    <p:cTn id="18" fill="hold">
+                      <p:stCondLst>
+                        <p:cond delay="indefinite"/>
+                      </p:stCondLst>
+                      <p:childTnLst>
+                        <p:par>
+                          <p:cTn id="19" fill="hold">
+                            <p:stCondLst>
+                              <p:cond delay="0"/>
+                            </p:stCondLst>
+                            <p:childTnLst>
+                              <p:par>
+                                <p:cTn id="20" presetID="1" presetClass="entr" presetSubtype="0" fill="hold" grpId="0" nodeType="clickEffect">
+                                  <p:stCondLst>
+                                    <p:cond delay="0"/>
+                                  </p:stCondLst>
+                                  <p:childTnLst>
+                                    <p:set>
+                                      <p:cBhvr>
+                                        <p:cTn id="21" dur="1" fill="hold">
+                                          <p:stCondLst>
+                                            <p:cond delay="0"/>
+                                          </p:stCondLst>
+                                        </p:cTn>
+                                        <p:tgtEl>
+                                          <p:spTgt spid="7">
+                                            <p:txEl>
+                                              <p:pRg st="2" end="2"/>
+                                            </p:txEl>
+                                          </p:spTgt>
+                                        </p:tgtEl>
+                                        <p:attrNameLst>
+                                          <p:attrName>style.visibility</p:attrName>
+                                        </p:attrNameLst>
+                                      </p:cBhvr>
+                                      <p:to>
+                                        <p:strVal val="visible"/>
+                                      </p:to>
+                                    </p:set>
+                                  </p:childTnLst>
+                                </p:cTn>
+                              </p:par>
+                            </p:childTnLst>
+                          </p:cTn>
+                        </p:par>
+                      </p:childTnLst>
+                    </p:cTn>
+                  </p:par>
+                  <p:par>
+                    <p:cTn id="22" fill="hold">
+                      <p:stCondLst>
+                        <p:cond delay="indefinite"/>
+                      </p:stCondLst>
+                      <p:childTnLst>
+                        <p:par>
+                          <p:cTn id="23" fill="hold">
+                            <p:stCondLst>
+                              <p:cond delay="0"/>
+                            </p:stCondLst>
+                            <p:childTnLst>
+                              <p:par>
+                                <p:cTn id="24" presetID="1" presetClass="entr" presetSubtype="0" fill="hold" grpId="0" nodeType="clickEffect">
+                                  <p:stCondLst>
+                                    <p:cond delay="0"/>
+                                  </p:stCondLst>
+                                  <p:childTnLst>
+                                    <p:set>
+                                      <p:cBhvr>
+                                        <p:cTn id="25" dur="1" fill="hold">
+                                          <p:stCondLst>
+                                            <p:cond delay="0"/>
+                                          </p:stCondLst>
+                                        </p:cTn>
+                                        <p:tgtEl>
+                                          <p:spTgt spid="7">
+                                            <p:txEl>
+                                              <p:pRg st="3" end="3"/>
+                                            </p:txEl>
+                                          </p:spTgt>
+                                        </p:tgtEl>
+                                        <p:attrNameLst>
+                                          <p:attrName>style.visibility</p:attrName>
+                                        </p:attrNameLst>
+                                      </p:cBhvr>
+                                      <p:to>
+                                        <p:strVal val="visible"/>
+                                      </p:to>
+                                    </p:set>
+                                  </p:childTnLst>
+                                </p:cTn>
+                              </p:par>
+                            </p:childTnLst>
+                          </p:cTn>
+                        </p:par>
+                      </p:childTnLst>
+                    </p:cTn>
+                  </p:par>
+                </p:childTnLst>
+              </p:cTn>
+              <p:prevCondLst>
+                <p:cond evt="onPrev" delay="0">
+                  <p:tgtEl>
+                    <p:sldTgt/>
+                  </p:tgtEl>
+                </p:cond>
+              </p:prevCondLst>
+              <p:nextCondLst>
+                <p:cond evt="onNext" delay="0">
+                  <p:tgtEl>
+                    <p:sldTgt/>
+                  </p:tgtEl>
+                </p:cond>
+              </p:nextCondLst>
+            </p:seq>
+          </p:childTnLst>
+        </p:cTn>
+      </p:par>
+    </p:tnLst>
+    <p:bldLst>
+      <p:bldP spid="7" grpId="0" build="p"/>
+    </p:bldLst>
+  </p:timing>
 </p:sld>
 </file>
 
@@ -12436,7 +11773,7 @@
           <a:p>
             <a:r>
               <a:rPr lang="en-US" dirty="0"/>
-              <a:t>You can be identified by your name</a:t>
+              <a:t>You identify a client with a name</a:t>
             </a:r>
           </a:p>
           <a:p>
@@ -12444,6 +11781,43 @@
               <a:rPr lang="en-US" dirty="0"/>
               <a:t>Convenient to interact with system through your client</a:t>
             </a:r>
+          </a:p>
+          <a:p>
+            <a:r>
+              <a:rPr lang="en-US" dirty="0"/>
+              <a:t>When client goes out of scope, the </a:t>
+            </a:r>
+            <a:r>
+              <a:rPr lang="en-US" dirty="0" err="1"/>
+              <a:t>sw</a:t>
+            </a:r>
+            <a:r>
+              <a:rPr lang="en-US" dirty="0"/>
+              <a:t> shuts down</a:t>
+            </a:r>
+          </a:p>
+          <a:p>
+            <a:r>
+              <a:rPr lang="en-US" dirty="0"/>
+              <a:t>A client gets information from manager and other components via delegate notifications</a:t>
+            </a:r>
+          </a:p>
+          <a:p>
+            <a:r>
+              <a:rPr lang="en-US" dirty="0"/>
+              <a:t>A client has an async handling of notifications</a:t>
+            </a:r>
+          </a:p>
+          <a:p>
+            <a:r>
+              <a:rPr lang="en-US" dirty="0"/>
+              <a:t>A client is like you in a </a:t>
+            </a:r>
+            <a:r>
+              <a:rPr lang="en-US"/>
+              <a:t>conference room</a:t>
+            </a:r>
+            <a:endParaRPr lang="en-US" dirty="0"/>
           </a:p>
           <a:p>
             <a:endParaRPr lang="en-US" dirty="0"/>
@@ -12530,8 +11904,8 @@
         </p:blipFill>
         <p:spPr>
           <a:xfrm>
-            <a:off x="8245950" y="900349"/>
-            <a:ext cx="1753456" cy="1234866"/>
+            <a:off x="8228948" y="1584461"/>
+            <a:ext cx="2478104" cy="1745197"/>
           </a:xfrm>
           <a:prstGeom prst="rect">
             <a:avLst/>
@@ -12556,6 +11930,481 @@
       <p:transition spd="slow" advClick="0"/>
     </mc:Fallback>
   </mc:AlternateContent>
+  <p:timing>
+    <p:tnLst>
+      <p:par>
+        <p:cTn id="1" dur="indefinite" restart="never" nodeType="tmRoot">
+          <p:childTnLst>
+            <p:seq concurrent="1" nextAc="seek">
+              <p:cTn id="2" dur="indefinite" nodeType="mainSeq">
+                <p:childTnLst>
+                  <p:par>
+                    <p:cTn id="3" fill="hold">
+                      <p:stCondLst>
+                        <p:cond delay="indefinite"/>
+                      </p:stCondLst>
+                      <p:childTnLst>
+                        <p:par>
+                          <p:cTn id="4" fill="hold">
+                            <p:stCondLst>
+                              <p:cond delay="0"/>
+                            </p:stCondLst>
+                            <p:childTnLst>
+                              <p:par>
+                                <p:cTn id="5" presetID="53" presetClass="entr" presetSubtype="16" fill="hold" nodeType="clickEffect">
+                                  <p:stCondLst>
+                                    <p:cond delay="0"/>
+                                  </p:stCondLst>
+                                  <p:childTnLst>
+                                    <p:set>
+                                      <p:cBhvr>
+                                        <p:cTn id="6" dur="1" fill="hold">
+                                          <p:stCondLst>
+                                            <p:cond delay="0"/>
+                                          </p:stCondLst>
+                                        </p:cTn>
+                                        <p:tgtEl>
+                                          <p:spTgt spid="2"/>
+                                        </p:tgtEl>
+                                        <p:attrNameLst>
+                                          <p:attrName>style.visibility</p:attrName>
+                                        </p:attrNameLst>
+                                      </p:cBhvr>
+                                      <p:to>
+                                        <p:strVal val="visible"/>
+                                      </p:to>
+                                    </p:set>
+                                    <p:anim calcmode="lin" valueType="num">
+                                      <p:cBhvr>
+                                        <p:cTn id="7" dur="500" fill="hold"/>
+                                        <p:tgtEl>
+                                          <p:spTgt spid="2"/>
+                                        </p:tgtEl>
+                                        <p:attrNameLst>
+                                          <p:attrName>ppt_w</p:attrName>
+                                        </p:attrNameLst>
+                                      </p:cBhvr>
+                                      <p:tavLst>
+                                        <p:tav tm="0">
+                                          <p:val>
+                                            <p:fltVal val="0"/>
+                                          </p:val>
+                                        </p:tav>
+                                        <p:tav tm="100000">
+                                          <p:val>
+                                            <p:strVal val="#ppt_w"/>
+                                          </p:val>
+                                        </p:tav>
+                                      </p:tavLst>
+                                    </p:anim>
+                                    <p:anim calcmode="lin" valueType="num">
+                                      <p:cBhvr>
+                                        <p:cTn id="8" dur="500" fill="hold"/>
+                                        <p:tgtEl>
+                                          <p:spTgt spid="2"/>
+                                        </p:tgtEl>
+                                        <p:attrNameLst>
+                                          <p:attrName>ppt_h</p:attrName>
+                                        </p:attrNameLst>
+                                      </p:cBhvr>
+                                      <p:tavLst>
+                                        <p:tav tm="0">
+                                          <p:val>
+                                            <p:fltVal val="0"/>
+                                          </p:val>
+                                        </p:tav>
+                                        <p:tav tm="100000">
+                                          <p:val>
+                                            <p:strVal val="#ppt_h"/>
+                                          </p:val>
+                                        </p:tav>
+                                      </p:tavLst>
+                                    </p:anim>
+                                    <p:animEffect transition="in" filter="fade">
+                                      <p:cBhvr>
+                                        <p:cTn id="9" dur="500"/>
+                                        <p:tgtEl>
+                                          <p:spTgt spid="2"/>
+                                        </p:tgtEl>
+                                      </p:cBhvr>
+                                    </p:animEffect>
+                                  </p:childTnLst>
+                                </p:cTn>
+                              </p:par>
+                            </p:childTnLst>
+                          </p:cTn>
+                        </p:par>
+                      </p:childTnLst>
+                    </p:cTn>
+                  </p:par>
+                  <p:par>
+                    <p:cTn id="10" fill="hold">
+                      <p:stCondLst>
+                        <p:cond delay="indefinite"/>
+                      </p:stCondLst>
+                      <p:childTnLst>
+                        <p:par>
+                          <p:cTn id="11" fill="hold">
+                            <p:stCondLst>
+                              <p:cond delay="0"/>
+                            </p:stCondLst>
+                            <p:childTnLst>
+                              <p:par>
+                                <p:cTn id="12" presetID="1" presetClass="entr" presetSubtype="0" fill="hold" grpId="0" nodeType="clickEffect">
+                                  <p:stCondLst>
+                                    <p:cond delay="0"/>
+                                  </p:stCondLst>
+                                  <p:childTnLst>
+                                    <p:set>
+                                      <p:cBhvr>
+                                        <p:cTn id="13" dur="1" fill="hold">
+                                          <p:stCondLst>
+                                            <p:cond delay="0"/>
+                                          </p:stCondLst>
+                                        </p:cTn>
+                                        <p:tgtEl>
+                                          <p:spTgt spid="7">
+                                            <p:txEl>
+                                              <p:pRg st="0" end="0"/>
+                                            </p:txEl>
+                                          </p:spTgt>
+                                        </p:tgtEl>
+                                        <p:attrNameLst>
+                                          <p:attrName>style.visibility</p:attrName>
+                                        </p:attrNameLst>
+                                      </p:cBhvr>
+                                      <p:to>
+                                        <p:strVal val="visible"/>
+                                      </p:to>
+                                    </p:set>
+                                  </p:childTnLst>
+                                </p:cTn>
+                              </p:par>
+                            </p:childTnLst>
+                          </p:cTn>
+                        </p:par>
+                      </p:childTnLst>
+                    </p:cTn>
+                  </p:par>
+                  <p:par>
+                    <p:cTn id="14" fill="hold">
+                      <p:stCondLst>
+                        <p:cond delay="indefinite"/>
+                      </p:stCondLst>
+                      <p:childTnLst>
+                        <p:par>
+                          <p:cTn id="15" fill="hold">
+                            <p:stCondLst>
+                              <p:cond delay="0"/>
+                            </p:stCondLst>
+                            <p:childTnLst>
+                              <p:par>
+                                <p:cTn id="16" presetID="1" presetClass="entr" presetSubtype="0" fill="hold" grpId="0" nodeType="clickEffect">
+                                  <p:stCondLst>
+                                    <p:cond delay="0"/>
+                                  </p:stCondLst>
+                                  <p:childTnLst>
+                                    <p:set>
+                                      <p:cBhvr>
+                                        <p:cTn id="17" dur="1" fill="hold">
+                                          <p:stCondLst>
+                                            <p:cond delay="0"/>
+                                          </p:stCondLst>
+                                        </p:cTn>
+                                        <p:tgtEl>
+                                          <p:spTgt spid="7">
+                                            <p:txEl>
+                                              <p:pRg st="1" end="1"/>
+                                            </p:txEl>
+                                          </p:spTgt>
+                                        </p:tgtEl>
+                                        <p:attrNameLst>
+                                          <p:attrName>style.visibility</p:attrName>
+                                        </p:attrNameLst>
+                                      </p:cBhvr>
+                                      <p:to>
+                                        <p:strVal val="visible"/>
+                                      </p:to>
+                                    </p:set>
+                                  </p:childTnLst>
+                                </p:cTn>
+                              </p:par>
+                            </p:childTnLst>
+                          </p:cTn>
+                        </p:par>
+                      </p:childTnLst>
+                    </p:cTn>
+                  </p:par>
+                  <p:par>
+                    <p:cTn id="18" fill="hold">
+                      <p:stCondLst>
+                        <p:cond delay="indefinite"/>
+                      </p:stCondLst>
+                      <p:childTnLst>
+                        <p:par>
+                          <p:cTn id="19" fill="hold">
+                            <p:stCondLst>
+                              <p:cond delay="0"/>
+                            </p:stCondLst>
+                            <p:childTnLst>
+                              <p:par>
+                                <p:cTn id="20" presetID="1" presetClass="entr" presetSubtype="0" fill="hold" grpId="0" nodeType="clickEffect">
+                                  <p:stCondLst>
+                                    <p:cond delay="0"/>
+                                  </p:stCondLst>
+                                  <p:childTnLst>
+                                    <p:set>
+                                      <p:cBhvr>
+                                        <p:cTn id="21" dur="1" fill="hold">
+                                          <p:stCondLst>
+                                            <p:cond delay="0"/>
+                                          </p:stCondLst>
+                                        </p:cTn>
+                                        <p:tgtEl>
+                                          <p:spTgt spid="7">
+                                            <p:txEl>
+                                              <p:pRg st="2" end="2"/>
+                                            </p:txEl>
+                                          </p:spTgt>
+                                        </p:tgtEl>
+                                        <p:attrNameLst>
+                                          <p:attrName>style.visibility</p:attrName>
+                                        </p:attrNameLst>
+                                      </p:cBhvr>
+                                      <p:to>
+                                        <p:strVal val="visible"/>
+                                      </p:to>
+                                    </p:set>
+                                  </p:childTnLst>
+                                </p:cTn>
+                              </p:par>
+                            </p:childTnLst>
+                          </p:cTn>
+                        </p:par>
+                      </p:childTnLst>
+                    </p:cTn>
+                  </p:par>
+                  <p:par>
+                    <p:cTn id="22" fill="hold">
+                      <p:stCondLst>
+                        <p:cond delay="indefinite"/>
+                      </p:stCondLst>
+                      <p:childTnLst>
+                        <p:par>
+                          <p:cTn id="23" fill="hold">
+                            <p:stCondLst>
+                              <p:cond delay="0"/>
+                            </p:stCondLst>
+                            <p:childTnLst>
+                              <p:par>
+                                <p:cTn id="24" presetID="1" presetClass="entr" presetSubtype="0" fill="hold" grpId="0" nodeType="clickEffect">
+                                  <p:stCondLst>
+                                    <p:cond delay="0"/>
+                                  </p:stCondLst>
+                                  <p:childTnLst>
+                                    <p:set>
+                                      <p:cBhvr>
+                                        <p:cTn id="25" dur="1" fill="hold">
+                                          <p:stCondLst>
+                                            <p:cond delay="0"/>
+                                          </p:stCondLst>
+                                        </p:cTn>
+                                        <p:tgtEl>
+                                          <p:spTgt spid="7">
+                                            <p:txEl>
+                                              <p:pRg st="3" end="3"/>
+                                            </p:txEl>
+                                          </p:spTgt>
+                                        </p:tgtEl>
+                                        <p:attrNameLst>
+                                          <p:attrName>style.visibility</p:attrName>
+                                        </p:attrNameLst>
+                                      </p:cBhvr>
+                                      <p:to>
+                                        <p:strVal val="visible"/>
+                                      </p:to>
+                                    </p:set>
+                                  </p:childTnLst>
+                                </p:cTn>
+                              </p:par>
+                            </p:childTnLst>
+                          </p:cTn>
+                        </p:par>
+                      </p:childTnLst>
+                    </p:cTn>
+                  </p:par>
+                  <p:par>
+                    <p:cTn id="26" fill="hold">
+                      <p:stCondLst>
+                        <p:cond delay="indefinite"/>
+                      </p:stCondLst>
+                      <p:childTnLst>
+                        <p:par>
+                          <p:cTn id="27" fill="hold">
+                            <p:stCondLst>
+                              <p:cond delay="0"/>
+                            </p:stCondLst>
+                            <p:childTnLst>
+                              <p:par>
+                                <p:cTn id="28" presetID="1" presetClass="entr" presetSubtype="0" fill="hold" grpId="0" nodeType="clickEffect">
+                                  <p:stCondLst>
+                                    <p:cond delay="0"/>
+                                  </p:stCondLst>
+                                  <p:childTnLst>
+                                    <p:set>
+                                      <p:cBhvr>
+                                        <p:cTn id="29" dur="1" fill="hold">
+                                          <p:stCondLst>
+                                            <p:cond delay="0"/>
+                                          </p:stCondLst>
+                                        </p:cTn>
+                                        <p:tgtEl>
+                                          <p:spTgt spid="7">
+                                            <p:txEl>
+                                              <p:pRg st="4" end="4"/>
+                                            </p:txEl>
+                                          </p:spTgt>
+                                        </p:tgtEl>
+                                        <p:attrNameLst>
+                                          <p:attrName>style.visibility</p:attrName>
+                                        </p:attrNameLst>
+                                      </p:cBhvr>
+                                      <p:to>
+                                        <p:strVal val="visible"/>
+                                      </p:to>
+                                    </p:set>
+                                  </p:childTnLst>
+                                </p:cTn>
+                              </p:par>
+                            </p:childTnLst>
+                          </p:cTn>
+                        </p:par>
+                      </p:childTnLst>
+                    </p:cTn>
+                  </p:par>
+                  <p:par>
+                    <p:cTn id="30" fill="hold">
+                      <p:stCondLst>
+                        <p:cond delay="indefinite"/>
+                      </p:stCondLst>
+                      <p:childTnLst>
+                        <p:par>
+                          <p:cTn id="31" fill="hold">
+                            <p:stCondLst>
+                              <p:cond delay="0"/>
+                            </p:stCondLst>
+                            <p:childTnLst>
+                              <p:par>
+                                <p:cTn id="32" presetID="1" presetClass="entr" presetSubtype="0" fill="hold" grpId="0" nodeType="clickEffect">
+                                  <p:stCondLst>
+                                    <p:cond delay="0"/>
+                                  </p:stCondLst>
+                                  <p:childTnLst>
+                                    <p:set>
+                                      <p:cBhvr>
+                                        <p:cTn id="33" dur="1" fill="hold">
+                                          <p:stCondLst>
+                                            <p:cond delay="0"/>
+                                          </p:stCondLst>
+                                        </p:cTn>
+                                        <p:tgtEl>
+                                          <p:spTgt spid="7">
+                                            <p:txEl>
+                                              <p:pRg st="5" end="5"/>
+                                            </p:txEl>
+                                          </p:spTgt>
+                                        </p:tgtEl>
+                                        <p:attrNameLst>
+                                          <p:attrName>style.visibility</p:attrName>
+                                        </p:attrNameLst>
+                                      </p:cBhvr>
+                                      <p:to>
+                                        <p:strVal val="visible"/>
+                                      </p:to>
+                                    </p:set>
+                                  </p:childTnLst>
+                                </p:cTn>
+                              </p:par>
+                            </p:childTnLst>
+                          </p:cTn>
+                        </p:par>
+                      </p:childTnLst>
+                    </p:cTn>
+                  </p:par>
+                  <p:par>
+                    <p:cTn id="34" fill="hold">
+                      <p:stCondLst>
+                        <p:cond delay="indefinite"/>
+                      </p:stCondLst>
+                      <p:childTnLst>
+                        <p:par>
+                          <p:cTn id="35" fill="hold">
+                            <p:stCondLst>
+                              <p:cond delay="0"/>
+                            </p:stCondLst>
+                            <p:childTnLst>
+                              <p:par>
+                                <p:cTn id="36" presetID="1" presetClass="entr" presetSubtype="0" fill="hold" grpId="0" nodeType="clickEffect">
+                                  <p:stCondLst>
+                                    <p:cond delay="0"/>
+                                  </p:stCondLst>
+                                  <p:childTnLst>
+                                    <p:set>
+                                      <p:cBhvr>
+                                        <p:cTn id="37" dur="1" fill="hold">
+                                          <p:stCondLst>
+                                            <p:cond delay="0"/>
+                                          </p:stCondLst>
+                                        </p:cTn>
+                                        <p:tgtEl>
+                                          <p:spTgt spid="7">
+                                            <p:txEl>
+                                              <p:pRg st="6" end="6"/>
+                                            </p:txEl>
+                                          </p:spTgt>
+                                        </p:tgtEl>
+                                        <p:attrNameLst>
+                                          <p:attrName>style.visibility</p:attrName>
+                                        </p:attrNameLst>
+                                      </p:cBhvr>
+                                      <p:to>
+                                        <p:strVal val="visible"/>
+                                      </p:to>
+                                    </p:set>
+                                  </p:childTnLst>
+                                </p:cTn>
+                              </p:par>
+                            </p:childTnLst>
+                          </p:cTn>
+                        </p:par>
+                      </p:childTnLst>
+                    </p:cTn>
+                  </p:par>
+                </p:childTnLst>
+              </p:cTn>
+              <p:prevCondLst>
+                <p:cond evt="onPrev" delay="0">
+                  <p:tgtEl>
+                    <p:sldTgt/>
+                  </p:tgtEl>
+                </p:cond>
+              </p:prevCondLst>
+              <p:nextCondLst>
+                <p:cond evt="onNext" delay="0">
+                  <p:tgtEl>
+                    <p:sldTgt/>
+                  </p:tgtEl>
+                </p:cond>
+              </p:nextCondLst>
+            </p:seq>
+          </p:childTnLst>
+        </p:cTn>
+      </p:par>
+    </p:tnLst>
+    <p:bldLst>
+      <p:bldP spid="7" grpId="0" build="p"/>
+    </p:bldLst>
+  </p:timing>
 </p:sld>
 </file>
 
@@ -12601,25 +12450,23 @@
               <a:rPr lang="en-US" dirty="0"/>
               <a:t>A local session is a topic just in your process</a:t>
             </a:r>
-            <a:br>
-              <a:rPr lang="en-US" dirty="0"/>
-            </a:br>
-            <a:endParaRPr lang="en-US" dirty="0"/>
           </a:p>
           <a:p>
             <a:r>
               <a:rPr lang="en-US" dirty="0"/>
               <a:t>Only clients in your process (your code) can access this topic</a:t>
             </a:r>
-            <a:br>
-              <a:rPr lang="en-US" dirty="0"/>
-            </a:br>
-            <a:endParaRPr lang="en-US" dirty="0"/>
           </a:p>
           <a:p>
             <a:r>
               <a:rPr lang="en-US" dirty="0"/>
               <a:t>There can be many processes on the same machine that has the same topic but they are not visible to each other</a:t>
+            </a:r>
+          </a:p>
+          <a:p>
+            <a:r>
+              <a:rPr lang="en-US" dirty="0"/>
+              <a:t>Local sessions are very fast as they don’t communicate outside process</a:t>
             </a:r>
           </a:p>
         </p:txBody>
@@ -12704,7 +12551,7 @@
         </p:blipFill>
         <p:spPr>
           <a:xfrm>
-            <a:off x="8658431" y="539710"/>
+            <a:off x="8605783" y="1703234"/>
             <a:ext cx="1724434" cy="1725766"/>
           </a:xfrm>
           <a:prstGeom prst="rect">
@@ -12730,6 +12577,235 @@
       <p:transition spd="slow" advClick="0"/>
     </mc:Fallback>
   </mc:AlternateContent>
+  <p:timing>
+    <p:tnLst>
+      <p:par>
+        <p:cTn id="1" dur="indefinite" restart="never" nodeType="tmRoot">
+          <p:childTnLst>
+            <p:seq concurrent="1" nextAc="seek">
+              <p:cTn id="2" dur="indefinite" nodeType="mainSeq">
+                <p:childTnLst>
+                  <p:par>
+                    <p:cTn id="3" fill="hold">
+                      <p:stCondLst>
+                        <p:cond delay="indefinite"/>
+                      </p:stCondLst>
+                      <p:childTnLst>
+                        <p:par>
+                          <p:cTn id="4" fill="hold">
+                            <p:stCondLst>
+                              <p:cond delay="0"/>
+                            </p:stCondLst>
+                            <p:childTnLst>
+                              <p:par>
+                                <p:cTn id="5" presetID="1" presetClass="entr" presetSubtype="0" fill="hold" grpId="0" nodeType="clickEffect">
+                                  <p:stCondLst>
+                                    <p:cond delay="0"/>
+                                  </p:stCondLst>
+                                  <p:childTnLst>
+                                    <p:set>
+                                      <p:cBhvr>
+                                        <p:cTn id="6" dur="1" fill="hold">
+                                          <p:stCondLst>
+                                            <p:cond delay="0"/>
+                                          </p:stCondLst>
+                                        </p:cTn>
+                                        <p:tgtEl>
+                                          <p:spTgt spid="7">
+                                            <p:txEl>
+                                              <p:pRg st="0" end="0"/>
+                                            </p:txEl>
+                                          </p:spTgt>
+                                        </p:tgtEl>
+                                        <p:attrNameLst>
+                                          <p:attrName>style.visibility</p:attrName>
+                                        </p:attrNameLst>
+                                      </p:cBhvr>
+                                      <p:to>
+                                        <p:strVal val="visible"/>
+                                      </p:to>
+                                    </p:set>
+                                  </p:childTnLst>
+                                </p:cTn>
+                              </p:par>
+                            </p:childTnLst>
+                          </p:cTn>
+                        </p:par>
+                      </p:childTnLst>
+                    </p:cTn>
+                  </p:par>
+                  <p:par>
+                    <p:cTn id="7" fill="hold">
+                      <p:stCondLst>
+                        <p:cond delay="indefinite"/>
+                      </p:stCondLst>
+                      <p:childTnLst>
+                        <p:par>
+                          <p:cTn id="8" fill="hold">
+                            <p:stCondLst>
+                              <p:cond delay="0"/>
+                            </p:stCondLst>
+                            <p:childTnLst>
+                              <p:par>
+                                <p:cTn id="9" presetID="1" presetClass="entr" presetSubtype="0" fill="hold" grpId="0" nodeType="clickEffect">
+                                  <p:stCondLst>
+                                    <p:cond delay="0"/>
+                                  </p:stCondLst>
+                                  <p:childTnLst>
+                                    <p:set>
+                                      <p:cBhvr>
+                                        <p:cTn id="10" dur="1" fill="hold">
+                                          <p:stCondLst>
+                                            <p:cond delay="0"/>
+                                          </p:stCondLst>
+                                        </p:cTn>
+                                        <p:tgtEl>
+                                          <p:spTgt spid="7">
+                                            <p:txEl>
+                                              <p:pRg st="1" end="1"/>
+                                            </p:txEl>
+                                          </p:spTgt>
+                                        </p:tgtEl>
+                                        <p:attrNameLst>
+                                          <p:attrName>style.visibility</p:attrName>
+                                        </p:attrNameLst>
+                                      </p:cBhvr>
+                                      <p:to>
+                                        <p:strVal val="visible"/>
+                                      </p:to>
+                                    </p:set>
+                                  </p:childTnLst>
+                                </p:cTn>
+                              </p:par>
+                            </p:childTnLst>
+                          </p:cTn>
+                        </p:par>
+                      </p:childTnLst>
+                    </p:cTn>
+                  </p:par>
+                  <p:par>
+                    <p:cTn id="11" fill="hold">
+                      <p:stCondLst>
+                        <p:cond delay="indefinite"/>
+                      </p:stCondLst>
+                      <p:childTnLst>
+                        <p:par>
+                          <p:cTn id="12" fill="hold">
+                            <p:stCondLst>
+                              <p:cond delay="0"/>
+                            </p:stCondLst>
+                            <p:childTnLst>
+                              <p:par>
+                                <p:cTn id="13" presetID="1" presetClass="entr" presetSubtype="0" fill="hold" grpId="0" nodeType="clickEffect">
+                                  <p:stCondLst>
+                                    <p:cond delay="0"/>
+                                  </p:stCondLst>
+                                  <p:childTnLst>
+                                    <p:set>
+                                      <p:cBhvr>
+                                        <p:cTn id="14" dur="1" fill="hold">
+                                          <p:stCondLst>
+                                            <p:cond delay="0"/>
+                                          </p:stCondLst>
+                                        </p:cTn>
+                                        <p:tgtEl>
+                                          <p:spTgt spid="7">
+                                            <p:txEl>
+                                              <p:pRg st="2" end="2"/>
+                                            </p:txEl>
+                                          </p:spTgt>
+                                        </p:tgtEl>
+                                        <p:attrNameLst>
+                                          <p:attrName>style.visibility</p:attrName>
+                                        </p:attrNameLst>
+                                      </p:cBhvr>
+                                      <p:to>
+                                        <p:strVal val="visible"/>
+                                      </p:to>
+                                    </p:set>
+                                  </p:childTnLst>
+                                </p:cTn>
+                              </p:par>
+                            </p:childTnLst>
+                          </p:cTn>
+                        </p:par>
+                      </p:childTnLst>
+                    </p:cTn>
+                  </p:par>
+                  <p:par>
+                    <p:cTn id="15" fill="hold">
+                      <p:stCondLst>
+                        <p:cond delay="indefinite"/>
+                      </p:stCondLst>
+                      <p:childTnLst>
+                        <p:par>
+                          <p:cTn id="16" fill="hold">
+                            <p:stCondLst>
+                              <p:cond delay="0"/>
+                            </p:stCondLst>
+                            <p:childTnLst>
+                              <p:par>
+                                <p:cTn id="17" presetID="1" presetClass="entr" presetSubtype="0" fill="hold" grpId="0" nodeType="clickEffect">
+                                  <p:stCondLst>
+                                    <p:cond delay="0"/>
+                                  </p:stCondLst>
+                                  <p:childTnLst>
+                                    <p:set>
+                                      <p:cBhvr>
+                                        <p:cTn id="18" dur="1" fill="hold">
+                                          <p:stCondLst>
+                                            <p:cond delay="0"/>
+                                          </p:stCondLst>
+                                        </p:cTn>
+                                        <p:tgtEl>
+                                          <p:spTgt spid="7">
+                                            <p:txEl>
+                                              <p:pRg st="3" end="3"/>
+                                            </p:txEl>
+                                          </p:spTgt>
+                                        </p:tgtEl>
+                                        <p:attrNameLst>
+                                          <p:attrName>style.visibility</p:attrName>
+                                        </p:attrNameLst>
+                                      </p:cBhvr>
+                                      <p:to>
+                                        <p:strVal val="visible"/>
+                                      </p:to>
+                                    </p:set>
+                                  </p:childTnLst>
+                                </p:cTn>
+                              </p:par>
+                            </p:childTnLst>
+                          </p:cTn>
+                        </p:par>
+                      </p:childTnLst>
+                    </p:cTn>
+                  </p:par>
+                </p:childTnLst>
+              </p:cTn>
+              <p:prevCondLst>
+                <p:cond evt="onPrev" delay="0">
+                  <p:tgtEl>
+                    <p:sldTgt/>
+                  </p:tgtEl>
+                </p:cond>
+              </p:prevCondLst>
+              <p:nextCondLst>
+                <p:cond evt="onNext" delay="0">
+                  <p:tgtEl>
+                    <p:sldTgt/>
+                  </p:tgtEl>
+                </p:cond>
+              </p:nextCondLst>
+            </p:seq>
+          </p:childTnLst>
+        </p:cTn>
+      </p:par>
+    </p:tnLst>
+    <p:bldLst>
+      <p:bldP spid="7" grpId="0" build="p"/>
+    </p:bldLst>
+  </p:timing>
 </p:sld>
 </file>
 
@@ -12766,7 +12842,12 @@
             <p:ph idx="1"/>
           </p:nvPr>
         </p:nvSpPr>
-        <p:spPr/>
+        <p:spPr>
+          <a:xfrm>
+            <a:off x="369888" y="1404000"/>
+            <a:ext cx="10383456" cy="5148000"/>
+          </a:xfrm>
+        </p:spPr>
         <p:txBody>
           <a:bodyPr>
             <a:normAutofit/>
@@ -12777,30 +12858,34 @@
               <a:rPr lang="en-US" dirty="0"/>
               <a:t>A global session is a topic that can extend beyond your process</a:t>
             </a:r>
-            <a:br>
+          </a:p>
+          <a:p>
+            <a:r>
               <a:rPr lang="en-US" dirty="0"/>
-            </a:br>
-            <a:endParaRPr lang="en-US" dirty="0"/>
-          </a:p>
-          <a:p>
+              <a:t>A global session is visible in a </a:t>
+            </a:r>
+            <a:r>
+              <a:rPr lang="en-US" dirty="0" err="1"/>
+              <a:t>tcp</a:t>
+            </a:r>
             <a:r>
               <a:rPr lang="en-US" dirty="0"/>
-              <a:t>A global session is visible in a network</a:t>
-            </a:r>
-            <a:br>
+              <a:t>/</a:t>
+            </a:r>
+            <a:r>
+              <a:rPr lang="en-US" dirty="0" err="1"/>
+              <a:t>udp</a:t>
+            </a:r>
+            <a:r>
               <a:rPr lang="en-US" dirty="0"/>
-            </a:br>
-            <a:endParaRPr lang="en-US" dirty="0"/>
+              <a:t> network (or using other transport protocols)</a:t>
+            </a:r>
           </a:p>
           <a:p>
             <a:r>
               <a:rPr lang="en-US" dirty="0"/>
               <a:t>The network used can be a network between processes on many computers or a network between processes on your machine only</a:t>
             </a:r>
-            <a:br>
-              <a:rPr lang="en-US" dirty="0"/>
-            </a:br>
-            <a:endParaRPr lang="en-US" dirty="0"/>
           </a:p>
           <a:p>
             <a:r>
@@ -12890,7 +12975,7 @@
         </p:blipFill>
         <p:spPr>
           <a:xfrm>
-            <a:off x="8658431" y="539710"/>
+            <a:off x="10097678" y="1538642"/>
             <a:ext cx="1724434" cy="1725766"/>
           </a:xfrm>
           <a:prstGeom prst="rect">
@@ -12916,6 +13001,235 @@
       <p:transition spd="slow" advClick="0"/>
     </mc:Fallback>
   </mc:AlternateContent>
+  <p:timing>
+    <p:tnLst>
+      <p:par>
+        <p:cTn id="1" dur="indefinite" restart="never" nodeType="tmRoot">
+          <p:childTnLst>
+            <p:seq concurrent="1" nextAc="seek">
+              <p:cTn id="2" dur="indefinite" nodeType="mainSeq">
+                <p:childTnLst>
+                  <p:par>
+                    <p:cTn id="3" fill="hold">
+                      <p:stCondLst>
+                        <p:cond delay="indefinite"/>
+                      </p:stCondLst>
+                      <p:childTnLst>
+                        <p:par>
+                          <p:cTn id="4" fill="hold">
+                            <p:stCondLst>
+                              <p:cond delay="0"/>
+                            </p:stCondLst>
+                            <p:childTnLst>
+                              <p:par>
+                                <p:cTn id="5" presetID="1" presetClass="entr" presetSubtype="0" fill="hold" grpId="0" nodeType="clickEffect">
+                                  <p:stCondLst>
+                                    <p:cond delay="0"/>
+                                  </p:stCondLst>
+                                  <p:childTnLst>
+                                    <p:set>
+                                      <p:cBhvr>
+                                        <p:cTn id="6" dur="1" fill="hold">
+                                          <p:stCondLst>
+                                            <p:cond delay="0"/>
+                                          </p:stCondLst>
+                                        </p:cTn>
+                                        <p:tgtEl>
+                                          <p:spTgt spid="7">
+                                            <p:txEl>
+                                              <p:pRg st="0" end="0"/>
+                                            </p:txEl>
+                                          </p:spTgt>
+                                        </p:tgtEl>
+                                        <p:attrNameLst>
+                                          <p:attrName>style.visibility</p:attrName>
+                                        </p:attrNameLst>
+                                      </p:cBhvr>
+                                      <p:to>
+                                        <p:strVal val="visible"/>
+                                      </p:to>
+                                    </p:set>
+                                  </p:childTnLst>
+                                </p:cTn>
+                              </p:par>
+                            </p:childTnLst>
+                          </p:cTn>
+                        </p:par>
+                      </p:childTnLst>
+                    </p:cTn>
+                  </p:par>
+                  <p:par>
+                    <p:cTn id="7" fill="hold">
+                      <p:stCondLst>
+                        <p:cond delay="indefinite"/>
+                      </p:stCondLst>
+                      <p:childTnLst>
+                        <p:par>
+                          <p:cTn id="8" fill="hold">
+                            <p:stCondLst>
+                              <p:cond delay="0"/>
+                            </p:stCondLst>
+                            <p:childTnLst>
+                              <p:par>
+                                <p:cTn id="9" presetID="1" presetClass="entr" presetSubtype="0" fill="hold" grpId="0" nodeType="clickEffect">
+                                  <p:stCondLst>
+                                    <p:cond delay="0"/>
+                                  </p:stCondLst>
+                                  <p:childTnLst>
+                                    <p:set>
+                                      <p:cBhvr>
+                                        <p:cTn id="10" dur="1" fill="hold">
+                                          <p:stCondLst>
+                                            <p:cond delay="0"/>
+                                          </p:stCondLst>
+                                        </p:cTn>
+                                        <p:tgtEl>
+                                          <p:spTgt spid="7">
+                                            <p:txEl>
+                                              <p:pRg st="1" end="1"/>
+                                            </p:txEl>
+                                          </p:spTgt>
+                                        </p:tgtEl>
+                                        <p:attrNameLst>
+                                          <p:attrName>style.visibility</p:attrName>
+                                        </p:attrNameLst>
+                                      </p:cBhvr>
+                                      <p:to>
+                                        <p:strVal val="visible"/>
+                                      </p:to>
+                                    </p:set>
+                                  </p:childTnLst>
+                                </p:cTn>
+                              </p:par>
+                            </p:childTnLst>
+                          </p:cTn>
+                        </p:par>
+                      </p:childTnLst>
+                    </p:cTn>
+                  </p:par>
+                  <p:par>
+                    <p:cTn id="11" fill="hold">
+                      <p:stCondLst>
+                        <p:cond delay="indefinite"/>
+                      </p:stCondLst>
+                      <p:childTnLst>
+                        <p:par>
+                          <p:cTn id="12" fill="hold">
+                            <p:stCondLst>
+                              <p:cond delay="0"/>
+                            </p:stCondLst>
+                            <p:childTnLst>
+                              <p:par>
+                                <p:cTn id="13" presetID="1" presetClass="entr" presetSubtype="0" fill="hold" grpId="0" nodeType="clickEffect">
+                                  <p:stCondLst>
+                                    <p:cond delay="0"/>
+                                  </p:stCondLst>
+                                  <p:childTnLst>
+                                    <p:set>
+                                      <p:cBhvr>
+                                        <p:cTn id="14" dur="1" fill="hold">
+                                          <p:stCondLst>
+                                            <p:cond delay="0"/>
+                                          </p:stCondLst>
+                                        </p:cTn>
+                                        <p:tgtEl>
+                                          <p:spTgt spid="7">
+                                            <p:txEl>
+                                              <p:pRg st="2" end="2"/>
+                                            </p:txEl>
+                                          </p:spTgt>
+                                        </p:tgtEl>
+                                        <p:attrNameLst>
+                                          <p:attrName>style.visibility</p:attrName>
+                                        </p:attrNameLst>
+                                      </p:cBhvr>
+                                      <p:to>
+                                        <p:strVal val="visible"/>
+                                      </p:to>
+                                    </p:set>
+                                  </p:childTnLst>
+                                </p:cTn>
+                              </p:par>
+                            </p:childTnLst>
+                          </p:cTn>
+                        </p:par>
+                      </p:childTnLst>
+                    </p:cTn>
+                  </p:par>
+                  <p:par>
+                    <p:cTn id="15" fill="hold">
+                      <p:stCondLst>
+                        <p:cond delay="indefinite"/>
+                      </p:stCondLst>
+                      <p:childTnLst>
+                        <p:par>
+                          <p:cTn id="16" fill="hold">
+                            <p:stCondLst>
+                              <p:cond delay="0"/>
+                            </p:stCondLst>
+                            <p:childTnLst>
+                              <p:par>
+                                <p:cTn id="17" presetID="1" presetClass="entr" presetSubtype="0" fill="hold" grpId="0" nodeType="clickEffect">
+                                  <p:stCondLst>
+                                    <p:cond delay="0"/>
+                                  </p:stCondLst>
+                                  <p:childTnLst>
+                                    <p:set>
+                                      <p:cBhvr>
+                                        <p:cTn id="18" dur="1" fill="hold">
+                                          <p:stCondLst>
+                                            <p:cond delay="0"/>
+                                          </p:stCondLst>
+                                        </p:cTn>
+                                        <p:tgtEl>
+                                          <p:spTgt spid="7">
+                                            <p:txEl>
+                                              <p:pRg st="3" end="3"/>
+                                            </p:txEl>
+                                          </p:spTgt>
+                                        </p:tgtEl>
+                                        <p:attrNameLst>
+                                          <p:attrName>style.visibility</p:attrName>
+                                        </p:attrNameLst>
+                                      </p:cBhvr>
+                                      <p:to>
+                                        <p:strVal val="visible"/>
+                                      </p:to>
+                                    </p:set>
+                                  </p:childTnLst>
+                                </p:cTn>
+                              </p:par>
+                            </p:childTnLst>
+                          </p:cTn>
+                        </p:par>
+                      </p:childTnLst>
+                    </p:cTn>
+                  </p:par>
+                </p:childTnLst>
+              </p:cTn>
+              <p:prevCondLst>
+                <p:cond evt="onPrev" delay="0">
+                  <p:tgtEl>
+                    <p:sldTgt/>
+                  </p:tgtEl>
+                </p:cond>
+              </p:prevCondLst>
+              <p:nextCondLst>
+                <p:cond evt="onNext" delay="0">
+                  <p:tgtEl>
+                    <p:sldTgt/>
+                  </p:tgtEl>
+                </p:cond>
+              </p:nextCondLst>
+            </p:seq>
+          </p:childTnLst>
+        </p:cTn>
+      </p:par>
+    </p:tnLst>
+    <p:bldLst>
+      <p:bldP spid="7" grpId="0" build="p"/>
+    </p:bldLst>
+  </p:timing>
 </p:sld>
 </file>
 
@@ -12986,6 +13300,18 @@
             <a:r>
               <a:rPr lang="en-US" dirty="0"/>
               <a:t>Once received you can only look at it</a:t>
+            </a:r>
+          </a:p>
+          <a:p>
+            <a:r>
+              <a:rPr lang="en-US" dirty="0"/>
+              <a:t>An event is sent/received on a session</a:t>
+            </a:r>
+          </a:p>
+          <a:p>
+            <a:r>
+              <a:rPr lang="en-US" dirty="0"/>
+              <a:t>Only subscribed event types are received</a:t>
             </a:r>
           </a:p>
         </p:txBody>
@@ -13070,7 +13396,7 @@
         </p:blipFill>
         <p:spPr>
           <a:xfrm>
-            <a:off x="8462662" y="756204"/>
+            <a:off x="8702359" y="1723870"/>
             <a:ext cx="1664475" cy="1295591"/>
           </a:xfrm>
           <a:prstGeom prst="rect">
@@ -13100,7 +13426,7 @@
         </p:blipFill>
         <p:spPr>
           <a:xfrm>
-            <a:off x="8095405" y="2442874"/>
+            <a:off x="8335102" y="3410540"/>
             <a:ext cx="2398988" cy="738720"/>
           </a:xfrm>
           <a:prstGeom prst="rect">
@@ -13130,7 +13456,7 @@
         </p:blipFill>
         <p:spPr>
           <a:xfrm>
-            <a:off x="8095405" y="3181594"/>
+            <a:off x="8335102" y="4149260"/>
             <a:ext cx="2398988" cy="738720"/>
           </a:xfrm>
           <a:prstGeom prst="rect">
@@ -13156,6 +13482,382 @@
       <p:transition spd="slow" advClick="0"/>
     </mc:Fallback>
   </mc:AlternateContent>
+  <p:timing>
+    <p:tnLst>
+      <p:par>
+        <p:cTn id="1" dur="indefinite" restart="never" nodeType="tmRoot">
+          <p:childTnLst>
+            <p:seq concurrent="1" nextAc="seek">
+              <p:cTn id="2" dur="indefinite" nodeType="mainSeq">
+                <p:childTnLst>
+                  <p:par>
+                    <p:cTn id="3" fill="hold">
+                      <p:stCondLst>
+                        <p:cond delay="indefinite"/>
+                      </p:stCondLst>
+                      <p:childTnLst>
+                        <p:par>
+                          <p:cTn id="4" fill="hold">
+                            <p:stCondLst>
+                              <p:cond delay="0"/>
+                            </p:stCondLst>
+                            <p:childTnLst>
+                              <p:par>
+                                <p:cTn id="5" presetID="1" presetClass="entr" presetSubtype="0" fill="hold" grpId="0" nodeType="clickEffect">
+                                  <p:stCondLst>
+                                    <p:cond delay="0"/>
+                                  </p:stCondLst>
+                                  <p:childTnLst>
+                                    <p:set>
+                                      <p:cBhvr>
+                                        <p:cTn id="6" dur="1" fill="hold">
+                                          <p:stCondLst>
+                                            <p:cond delay="0"/>
+                                          </p:stCondLst>
+                                        </p:cTn>
+                                        <p:tgtEl>
+                                          <p:spTgt spid="7">
+                                            <p:txEl>
+                                              <p:pRg st="0" end="0"/>
+                                            </p:txEl>
+                                          </p:spTgt>
+                                        </p:tgtEl>
+                                        <p:attrNameLst>
+                                          <p:attrName>style.visibility</p:attrName>
+                                        </p:attrNameLst>
+                                      </p:cBhvr>
+                                      <p:to>
+                                        <p:strVal val="visible"/>
+                                      </p:to>
+                                    </p:set>
+                                  </p:childTnLst>
+                                </p:cTn>
+                              </p:par>
+                            </p:childTnLst>
+                          </p:cTn>
+                        </p:par>
+                      </p:childTnLst>
+                    </p:cTn>
+                  </p:par>
+                  <p:par>
+                    <p:cTn id="7" fill="hold">
+                      <p:stCondLst>
+                        <p:cond delay="indefinite"/>
+                      </p:stCondLst>
+                      <p:childTnLst>
+                        <p:par>
+                          <p:cTn id="8" fill="hold">
+                            <p:stCondLst>
+                              <p:cond delay="0"/>
+                            </p:stCondLst>
+                            <p:childTnLst>
+                              <p:par>
+                                <p:cTn id="9" presetID="1" presetClass="entr" presetSubtype="0" fill="hold" grpId="0" nodeType="clickEffect">
+                                  <p:stCondLst>
+                                    <p:cond delay="0"/>
+                                  </p:stCondLst>
+                                  <p:childTnLst>
+                                    <p:set>
+                                      <p:cBhvr>
+                                        <p:cTn id="10" dur="1" fill="hold">
+                                          <p:stCondLst>
+                                            <p:cond delay="0"/>
+                                          </p:stCondLst>
+                                        </p:cTn>
+                                        <p:tgtEl>
+                                          <p:spTgt spid="7">
+                                            <p:txEl>
+                                              <p:pRg st="1" end="1"/>
+                                            </p:txEl>
+                                          </p:spTgt>
+                                        </p:tgtEl>
+                                        <p:attrNameLst>
+                                          <p:attrName>style.visibility</p:attrName>
+                                        </p:attrNameLst>
+                                      </p:cBhvr>
+                                      <p:to>
+                                        <p:strVal val="visible"/>
+                                      </p:to>
+                                    </p:set>
+                                  </p:childTnLst>
+                                </p:cTn>
+                              </p:par>
+                            </p:childTnLst>
+                          </p:cTn>
+                        </p:par>
+                      </p:childTnLst>
+                    </p:cTn>
+                  </p:par>
+                  <p:par>
+                    <p:cTn id="11" fill="hold">
+                      <p:stCondLst>
+                        <p:cond delay="indefinite"/>
+                      </p:stCondLst>
+                      <p:childTnLst>
+                        <p:par>
+                          <p:cTn id="12" fill="hold">
+                            <p:stCondLst>
+                              <p:cond delay="0"/>
+                            </p:stCondLst>
+                            <p:childTnLst>
+                              <p:par>
+                                <p:cTn id="13" presetID="1" presetClass="entr" presetSubtype="0" fill="hold" grpId="0" nodeType="clickEffect">
+                                  <p:stCondLst>
+                                    <p:cond delay="0"/>
+                                  </p:stCondLst>
+                                  <p:childTnLst>
+                                    <p:set>
+                                      <p:cBhvr>
+                                        <p:cTn id="14" dur="1" fill="hold">
+                                          <p:stCondLst>
+                                            <p:cond delay="0"/>
+                                          </p:stCondLst>
+                                        </p:cTn>
+                                        <p:tgtEl>
+                                          <p:spTgt spid="7">
+                                            <p:txEl>
+                                              <p:pRg st="2" end="2"/>
+                                            </p:txEl>
+                                          </p:spTgt>
+                                        </p:tgtEl>
+                                        <p:attrNameLst>
+                                          <p:attrName>style.visibility</p:attrName>
+                                        </p:attrNameLst>
+                                      </p:cBhvr>
+                                      <p:to>
+                                        <p:strVal val="visible"/>
+                                      </p:to>
+                                    </p:set>
+                                  </p:childTnLst>
+                                </p:cTn>
+                              </p:par>
+                            </p:childTnLst>
+                          </p:cTn>
+                        </p:par>
+                      </p:childTnLst>
+                    </p:cTn>
+                  </p:par>
+                  <p:par>
+                    <p:cTn id="15" fill="hold">
+                      <p:stCondLst>
+                        <p:cond delay="indefinite"/>
+                      </p:stCondLst>
+                      <p:childTnLst>
+                        <p:par>
+                          <p:cTn id="16" fill="hold">
+                            <p:stCondLst>
+                              <p:cond delay="0"/>
+                            </p:stCondLst>
+                            <p:childTnLst>
+                              <p:par>
+                                <p:cTn id="17" presetID="1" presetClass="entr" presetSubtype="0" fill="hold" grpId="0" nodeType="clickEffect">
+                                  <p:stCondLst>
+                                    <p:cond delay="0"/>
+                                  </p:stCondLst>
+                                  <p:childTnLst>
+                                    <p:set>
+                                      <p:cBhvr>
+                                        <p:cTn id="18" dur="1" fill="hold">
+                                          <p:stCondLst>
+                                            <p:cond delay="0"/>
+                                          </p:stCondLst>
+                                        </p:cTn>
+                                        <p:tgtEl>
+                                          <p:spTgt spid="7">
+                                            <p:txEl>
+                                              <p:pRg st="3" end="3"/>
+                                            </p:txEl>
+                                          </p:spTgt>
+                                        </p:tgtEl>
+                                        <p:attrNameLst>
+                                          <p:attrName>style.visibility</p:attrName>
+                                        </p:attrNameLst>
+                                      </p:cBhvr>
+                                      <p:to>
+                                        <p:strVal val="visible"/>
+                                      </p:to>
+                                    </p:set>
+                                  </p:childTnLst>
+                                </p:cTn>
+                              </p:par>
+                            </p:childTnLst>
+                          </p:cTn>
+                        </p:par>
+                      </p:childTnLst>
+                    </p:cTn>
+                  </p:par>
+                  <p:par>
+                    <p:cTn id="19" fill="hold">
+                      <p:stCondLst>
+                        <p:cond delay="indefinite"/>
+                      </p:stCondLst>
+                      <p:childTnLst>
+                        <p:par>
+                          <p:cTn id="20" fill="hold">
+                            <p:stCondLst>
+                              <p:cond delay="0"/>
+                            </p:stCondLst>
+                            <p:childTnLst>
+                              <p:par>
+                                <p:cTn id="21" presetID="1" presetClass="entr" presetSubtype="0" fill="hold" grpId="0" nodeType="clickEffect">
+                                  <p:stCondLst>
+                                    <p:cond delay="0"/>
+                                  </p:stCondLst>
+                                  <p:childTnLst>
+                                    <p:set>
+                                      <p:cBhvr>
+                                        <p:cTn id="22" dur="1" fill="hold">
+                                          <p:stCondLst>
+                                            <p:cond delay="0"/>
+                                          </p:stCondLst>
+                                        </p:cTn>
+                                        <p:tgtEl>
+                                          <p:spTgt spid="7">
+                                            <p:txEl>
+                                              <p:pRg st="4" end="4"/>
+                                            </p:txEl>
+                                          </p:spTgt>
+                                        </p:tgtEl>
+                                        <p:attrNameLst>
+                                          <p:attrName>style.visibility</p:attrName>
+                                        </p:attrNameLst>
+                                      </p:cBhvr>
+                                      <p:to>
+                                        <p:strVal val="visible"/>
+                                      </p:to>
+                                    </p:set>
+                                  </p:childTnLst>
+                                </p:cTn>
+                              </p:par>
+                            </p:childTnLst>
+                          </p:cTn>
+                        </p:par>
+                      </p:childTnLst>
+                    </p:cTn>
+                  </p:par>
+                  <p:par>
+                    <p:cTn id="23" fill="hold">
+                      <p:stCondLst>
+                        <p:cond delay="indefinite"/>
+                      </p:stCondLst>
+                      <p:childTnLst>
+                        <p:par>
+                          <p:cTn id="24" fill="hold">
+                            <p:stCondLst>
+                              <p:cond delay="0"/>
+                            </p:stCondLst>
+                            <p:childTnLst>
+                              <p:par>
+                                <p:cTn id="25" presetID="1" presetClass="entr" presetSubtype="0" fill="hold" grpId="0" nodeType="clickEffect">
+                                  <p:stCondLst>
+                                    <p:cond delay="0"/>
+                                  </p:stCondLst>
+                                  <p:childTnLst>
+                                    <p:set>
+                                      <p:cBhvr>
+                                        <p:cTn id="26" dur="1" fill="hold">
+                                          <p:stCondLst>
+                                            <p:cond delay="0"/>
+                                          </p:stCondLst>
+                                        </p:cTn>
+                                        <p:tgtEl>
+                                          <p:spTgt spid="7">
+                                            <p:txEl>
+                                              <p:pRg st="5" end="5"/>
+                                            </p:txEl>
+                                          </p:spTgt>
+                                        </p:tgtEl>
+                                        <p:attrNameLst>
+                                          <p:attrName>style.visibility</p:attrName>
+                                        </p:attrNameLst>
+                                      </p:cBhvr>
+                                      <p:to>
+                                        <p:strVal val="visible"/>
+                                      </p:to>
+                                    </p:set>
+                                  </p:childTnLst>
+                                </p:cTn>
+                              </p:par>
+                            </p:childTnLst>
+                          </p:cTn>
+                        </p:par>
+                      </p:childTnLst>
+                    </p:cTn>
+                  </p:par>
+                  <p:par>
+                    <p:cTn id="27" fill="hold">
+                      <p:stCondLst>
+                        <p:cond delay="indefinite"/>
+                      </p:stCondLst>
+                      <p:childTnLst>
+                        <p:par>
+                          <p:cTn id="28" fill="hold">
+                            <p:stCondLst>
+                              <p:cond delay="0"/>
+                            </p:stCondLst>
+                            <p:childTnLst>
+                              <p:par>
+                                <p:cTn id="29" presetID="1" presetClass="entr" presetSubtype="0" fill="hold" grpId="0" nodeType="clickEffect">
+                                  <p:stCondLst>
+                                    <p:cond delay="0"/>
+                                  </p:stCondLst>
+                                  <p:childTnLst>
+                                    <p:set>
+                                      <p:cBhvr>
+                                        <p:cTn id="30" dur="1" fill="hold">
+                                          <p:stCondLst>
+                                            <p:cond delay="0"/>
+                                          </p:stCondLst>
+                                        </p:cTn>
+                                        <p:tgtEl>
+                                          <p:spTgt spid="7">
+                                            <p:txEl>
+                                              <p:pRg st="6" end="6"/>
+                                            </p:txEl>
+                                          </p:spTgt>
+                                        </p:tgtEl>
+                                        <p:attrNameLst>
+                                          <p:attrName>style.visibility</p:attrName>
+                                        </p:attrNameLst>
+                                      </p:cBhvr>
+                                      <p:to>
+                                        <p:strVal val="visible"/>
+                                      </p:to>
+                                    </p:set>
+                                  </p:childTnLst>
+                                </p:cTn>
+                              </p:par>
+                            </p:childTnLst>
+                          </p:cTn>
+                        </p:par>
+                      </p:childTnLst>
+                    </p:cTn>
+                  </p:par>
+                </p:childTnLst>
+              </p:cTn>
+              <p:prevCondLst>
+                <p:cond evt="onPrev" delay="0">
+                  <p:tgtEl>
+                    <p:sldTgt/>
+                  </p:tgtEl>
+                </p:cond>
+              </p:prevCondLst>
+              <p:nextCondLst>
+                <p:cond evt="onNext" delay="0">
+                  <p:tgtEl>
+                    <p:sldTgt/>
+                  </p:tgtEl>
+                </p:cond>
+              </p:nextCondLst>
+            </p:seq>
+          </p:childTnLst>
+        </p:cTn>
+      </p:par>
+    </p:tnLst>
+    <p:bldLst>
+      <p:bldP spid="7" grpId="0" build="p"/>
+    </p:bldLst>
+  </p:timing>
 </p:sld>
 </file>
 
@@ -13220,6 +13922,12 @@
             <a:r>
               <a:rPr lang="en-US" dirty="0"/>
               <a:t>An object has a life span from creation until destruction</a:t>
+            </a:r>
+          </a:p>
+          <a:p>
+            <a:r>
+              <a:rPr lang="en-US" dirty="0"/>
+              <a:t>Only subscribed object types are notified</a:t>
             </a:r>
           </a:p>
         </p:txBody>
@@ -13304,7 +14012,7 @@
         </p:blipFill>
         <p:spPr>
           <a:xfrm>
-            <a:off x="8095405" y="2442874"/>
+            <a:off x="8423879" y="3410540"/>
             <a:ext cx="2398988" cy="738720"/>
           </a:xfrm>
           <a:prstGeom prst="rect">
@@ -13334,7 +14042,7 @@
         </p:blipFill>
         <p:spPr>
           <a:xfrm>
-            <a:off x="8095405" y="3181594"/>
+            <a:off x="8423879" y="4149260"/>
             <a:ext cx="2398988" cy="738720"/>
           </a:xfrm>
           <a:prstGeom prst="rect">
@@ -13364,7 +14072,7 @@
         </p:blipFill>
         <p:spPr>
           <a:xfrm>
-            <a:off x="8462661" y="777923"/>
+            <a:off x="8791135" y="1745589"/>
             <a:ext cx="1664475" cy="1295591"/>
           </a:xfrm>
           <a:prstGeom prst="rect">
@@ -13390,6 +14098,284 @@
       <p:transition spd="slow" advClick="0"/>
     </mc:Fallback>
   </mc:AlternateContent>
+  <p:timing>
+    <p:tnLst>
+      <p:par>
+        <p:cTn id="1" dur="indefinite" restart="never" nodeType="tmRoot">
+          <p:childTnLst>
+            <p:seq concurrent="1" nextAc="seek">
+              <p:cTn id="2" dur="indefinite" nodeType="mainSeq">
+                <p:childTnLst>
+                  <p:par>
+                    <p:cTn id="3" fill="hold">
+                      <p:stCondLst>
+                        <p:cond delay="indefinite"/>
+                      </p:stCondLst>
+                      <p:childTnLst>
+                        <p:par>
+                          <p:cTn id="4" fill="hold">
+                            <p:stCondLst>
+                              <p:cond delay="0"/>
+                            </p:stCondLst>
+                            <p:childTnLst>
+                              <p:par>
+                                <p:cTn id="5" presetID="1" presetClass="entr" presetSubtype="0" fill="hold" grpId="0" nodeType="clickEffect">
+                                  <p:stCondLst>
+                                    <p:cond delay="0"/>
+                                  </p:stCondLst>
+                                  <p:childTnLst>
+                                    <p:set>
+                                      <p:cBhvr>
+                                        <p:cTn id="6" dur="1" fill="hold">
+                                          <p:stCondLst>
+                                            <p:cond delay="0"/>
+                                          </p:stCondLst>
+                                        </p:cTn>
+                                        <p:tgtEl>
+                                          <p:spTgt spid="7">
+                                            <p:txEl>
+                                              <p:pRg st="0" end="0"/>
+                                            </p:txEl>
+                                          </p:spTgt>
+                                        </p:tgtEl>
+                                        <p:attrNameLst>
+                                          <p:attrName>style.visibility</p:attrName>
+                                        </p:attrNameLst>
+                                      </p:cBhvr>
+                                      <p:to>
+                                        <p:strVal val="visible"/>
+                                      </p:to>
+                                    </p:set>
+                                  </p:childTnLst>
+                                </p:cTn>
+                              </p:par>
+                            </p:childTnLst>
+                          </p:cTn>
+                        </p:par>
+                      </p:childTnLst>
+                    </p:cTn>
+                  </p:par>
+                  <p:par>
+                    <p:cTn id="7" fill="hold">
+                      <p:stCondLst>
+                        <p:cond delay="indefinite"/>
+                      </p:stCondLst>
+                      <p:childTnLst>
+                        <p:par>
+                          <p:cTn id="8" fill="hold">
+                            <p:stCondLst>
+                              <p:cond delay="0"/>
+                            </p:stCondLst>
+                            <p:childTnLst>
+                              <p:par>
+                                <p:cTn id="9" presetID="1" presetClass="entr" presetSubtype="0" fill="hold" grpId="0" nodeType="clickEffect">
+                                  <p:stCondLst>
+                                    <p:cond delay="0"/>
+                                  </p:stCondLst>
+                                  <p:childTnLst>
+                                    <p:set>
+                                      <p:cBhvr>
+                                        <p:cTn id="10" dur="1" fill="hold">
+                                          <p:stCondLst>
+                                            <p:cond delay="0"/>
+                                          </p:stCondLst>
+                                        </p:cTn>
+                                        <p:tgtEl>
+                                          <p:spTgt spid="7">
+                                            <p:txEl>
+                                              <p:pRg st="1" end="1"/>
+                                            </p:txEl>
+                                          </p:spTgt>
+                                        </p:tgtEl>
+                                        <p:attrNameLst>
+                                          <p:attrName>style.visibility</p:attrName>
+                                        </p:attrNameLst>
+                                      </p:cBhvr>
+                                      <p:to>
+                                        <p:strVal val="visible"/>
+                                      </p:to>
+                                    </p:set>
+                                  </p:childTnLst>
+                                </p:cTn>
+                              </p:par>
+                            </p:childTnLst>
+                          </p:cTn>
+                        </p:par>
+                      </p:childTnLst>
+                    </p:cTn>
+                  </p:par>
+                  <p:par>
+                    <p:cTn id="11" fill="hold">
+                      <p:stCondLst>
+                        <p:cond delay="indefinite"/>
+                      </p:stCondLst>
+                      <p:childTnLst>
+                        <p:par>
+                          <p:cTn id="12" fill="hold">
+                            <p:stCondLst>
+                              <p:cond delay="0"/>
+                            </p:stCondLst>
+                            <p:childTnLst>
+                              <p:par>
+                                <p:cTn id="13" presetID="1" presetClass="entr" presetSubtype="0" fill="hold" grpId="0" nodeType="clickEffect">
+                                  <p:stCondLst>
+                                    <p:cond delay="0"/>
+                                  </p:stCondLst>
+                                  <p:childTnLst>
+                                    <p:set>
+                                      <p:cBhvr>
+                                        <p:cTn id="14" dur="1" fill="hold">
+                                          <p:stCondLst>
+                                            <p:cond delay="0"/>
+                                          </p:stCondLst>
+                                        </p:cTn>
+                                        <p:tgtEl>
+                                          <p:spTgt spid="7">
+                                            <p:txEl>
+                                              <p:pRg st="2" end="2"/>
+                                            </p:txEl>
+                                          </p:spTgt>
+                                        </p:tgtEl>
+                                        <p:attrNameLst>
+                                          <p:attrName>style.visibility</p:attrName>
+                                        </p:attrNameLst>
+                                      </p:cBhvr>
+                                      <p:to>
+                                        <p:strVal val="visible"/>
+                                      </p:to>
+                                    </p:set>
+                                  </p:childTnLst>
+                                </p:cTn>
+                              </p:par>
+                            </p:childTnLst>
+                          </p:cTn>
+                        </p:par>
+                      </p:childTnLst>
+                    </p:cTn>
+                  </p:par>
+                  <p:par>
+                    <p:cTn id="15" fill="hold">
+                      <p:stCondLst>
+                        <p:cond delay="indefinite"/>
+                      </p:stCondLst>
+                      <p:childTnLst>
+                        <p:par>
+                          <p:cTn id="16" fill="hold">
+                            <p:stCondLst>
+                              <p:cond delay="0"/>
+                            </p:stCondLst>
+                            <p:childTnLst>
+                              <p:par>
+                                <p:cTn id="17" presetID="1" presetClass="entr" presetSubtype="0" fill="hold" grpId="0" nodeType="clickEffect">
+                                  <p:stCondLst>
+                                    <p:cond delay="0"/>
+                                  </p:stCondLst>
+                                  <p:childTnLst>
+                                    <p:set>
+                                      <p:cBhvr>
+                                        <p:cTn id="18" dur="1" fill="hold">
+                                          <p:stCondLst>
+                                            <p:cond delay="0"/>
+                                          </p:stCondLst>
+                                        </p:cTn>
+                                        <p:tgtEl>
+                                          <p:spTgt spid="7">
+                                            <p:txEl>
+                                              <p:pRg st="3" end="3"/>
+                                            </p:txEl>
+                                          </p:spTgt>
+                                        </p:tgtEl>
+                                        <p:attrNameLst>
+                                          <p:attrName>style.visibility</p:attrName>
+                                        </p:attrNameLst>
+                                      </p:cBhvr>
+                                      <p:to>
+                                        <p:strVal val="visible"/>
+                                      </p:to>
+                                    </p:set>
+                                  </p:childTnLst>
+                                </p:cTn>
+                              </p:par>
+                            </p:childTnLst>
+                          </p:cTn>
+                        </p:par>
+                      </p:childTnLst>
+                    </p:cTn>
+                  </p:par>
+                  <p:par>
+                    <p:cTn id="19" fill="hold">
+                      <p:stCondLst>
+                        <p:cond delay="indefinite"/>
+                      </p:stCondLst>
+                      <p:childTnLst>
+                        <p:par>
+                          <p:cTn id="20" fill="hold">
+                            <p:stCondLst>
+                              <p:cond delay="0"/>
+                            </p:stCondLst>
+                            <p:childTnLst>
+                              <p:par>
+                                <p:cTn id="21" presetID="1" presetClass="entr" presetSubtype="0" fill="hold" grpId="0" nodeType="clickEffect">
+                                  <p:stCondLst>
+                                    <p:cond delay="0"/>
+                                  </p:stCondLst>
+                                  <p:childTnLst>
+                                    <p:set>
+                                      <p:cBhvr>
+                                        <p:cTn id="22" dur="1" fill="hold">
+                                          <p:stCondLst>
+                                            <p:cond delay="0"/>
+                                          </p:stCondLst>
+                                        </p:cTn>
+                                        <p:tgtEl>
+                                          <p:spTgt spid="7">
+                                            <p:txEl>
+                                              <p:pRg st="4" end="4"/>
+                                            </p:txEl>
+                                          </p:spTgt>
+                                        </p:tgtEl>
+                                        <p:attrNameLst>
+                                          <p:attrName>style.visibility</p:attrName>
+                                        </p:attrNameLst>
+                                      </p:cBhvr>
+                                      <p:to>
+                                        <p:strVal val="visible"/>
+                                      </p:to>
+                                    </p:set>
+                                  </p:childTnLst>
+                                </p:cTn>
+                              </p:par>
+                            </p:childTnLst>
+                          </p:cTn>
+                        </p:par>
+                      </p:childTnLst>
+                    </p:cTn>
+                  </p:par>
+                </p:childTnLst>
+              </p:cTn>
+              <p:prevCondLst>
+                <p:cond evt="onPrev" delay="0">
+                  <p:tgtEl>
+                    <p:sldTgt/>
+                  </p:tgtEl>
+                </p:cond>
+              </p:prevCondLst>
+              <p:nextCondLst>
+                <p:cond evt="onNext" delay="0">
+                  <p:tgtEl>
+                    <p:sldTgt/>
+                  </p:tgtEl>
+                </p:cond>
+              </p:nextCondLst>
+            </p:seq>
+          </p:childTnLst>
+        </p:cTn>
+      </p:par>
+    </p:tnLst>
+    <p:bldLst>
+      <p:bldP spid="7" grpId="0" uiExpand="1" build="p"/>
+    </p:bldLst>
+  </p:timing>
 </p:sld>
 </file>
 
@@ -13631,301 +14617,6 @@
 </file>
 
 <file path=ppt/theme/theme2.xml><?xml version="1.0" encoding="utf-8"?>
-<a:theme xmlns:a="http://schemas.openxmlformats.org/drawingml/2006/main" name="Office-tema">
-  <a:themeElements>
-    <a:clrScheme name="Office">
-      <a:dk1>
-        <a:sysClr val="windowText" lastClr="000000"/>
-      </a:dk1>
-      <a:lt1>
-        <a:sysClr val="window" lastClr="FFFFFF"/>
-      </a:lt1>
-      <a:dk2>
-        <a:srgbClr val="44546A"/>
-      </a:dk2>
-      <a:lt2>
-        <a:srgbClr val="E7E6E6"/>
-      </a:lt2>
-      <a:accent1>
-        <a:srgbClr val="4472C4"/>
-      </a:accent1>
-      <a:accent2>
-        <a:srgbClr val="ED7D31"/>
-      </a:accent2>
-      <a:accent3>
-        <a:srgbClr val="A5A5A5"/>
-      </a:accent3>
-      <a:accent4>
-        <a:srgbClr val="FFC000"/>
-      </a:accent4>
-      <a:accent5>
-        <a:srgbClr val="5B9BD5"/>
-      </a:accent5>
-      <a:accent6>
-        <a:srgbClr val="70AD47"/>
-      </a:accent6>
-      <a:hlink>
-        <a:srgbClr val="0563C1"/>
-      </a:hlink>
-      <a:folHlink>
-        <a:srgbClr val="954F72"/>
-      </a:folHlink>
-    </a:clrScheme>
-    <a:fontScheme name="Office">
-      <a:majorFont>
-        <a:latin typeface="Calibri Light" panose="020F0302020204030204"/>
-        <a:ea typeface=""/>
-        <a:cs typeface=""/>
-        <a:font script="Jpan" typeface="游ゴシック Light"/>
-        <a:font script="Hang" typeface="맑은 고딕"/>
-        <a:font script="Hans" typeface="等线 Light"/>
-        <a:font script="Hant" typeface="新細明體"/>
-        <a:font script="Arab" typeface="Times New Roman"/>
-        <a:font script="Hebr" typeface="Times New Roman"/>
-        <a:font script="Thai" typeface="Angsana New"/>
-        <a:font script="Ethi" typeface="Nyala"/>
-        <a:font script="Beng" typeface="Vrinda"/>
-        <a:font script="Gujr" typeface="Shruti"/>
-        <a:font script="Khmr" typeface="MoolBoran"/>
-        <a:font script="Knda" typeface="Tunga"/>
-        <a:font script="Guru" typeface="Raavi"/>
-        <a:font script="Cans" typeface="Euphemia"/>
-        <a:font script="Cher" typeface="Plantagenet Cherokee"/>
-        <a:font script="Yiii" typeface="Microsoft Yi Baiti"/>
-        <a:font script="Tibt" typeface="Microsoft Himalaya"/>
-        <a:font script="Thaa" typeface="MV Boli"/>
-        <a:font script="Deva" typeface="Mangal"/>
-        <a:font script="Telu" typeface="Gautami"/>
-        <a:font script="Taml" typeface="Latha"/>
-        <a:font script="Syrc" typeface="Estrangelo Edessa"/>
-        <a:font script="Orya" typeface="Kalinga"/>
-        <a:font script="Mlym" typeface="Kartika"/>
-        <a:font script="Laoo" typeface="DokChampa"/>
-        <a:font script="Sinh" typeface="Iskoola Pota"/>
-        <a:font script="Mong" typeface="Mongolian Baiti"/>
-        <a:font script="Viet" typeface="Times New Roman"/>
-        <a:font script="Uigh" typeface="Microsoft Uighur"/>
-        <a:font script="Geor" typeface="Sylfaen"/>
-        <a:font script="Armn" typeface="Arial"/>
-        <a:font script="Bugi" typeface="Leelawadee UI"/>
-        <a:font script="Bopo" typeface="Microsoft JhengHei"/>
-        <a:font script="Java" typeface="Javanese Text"/>
-        <a:font script="Lisu" typeface="Segoe UI"/>
-        <a:font script="Mymr" typeface="Myanmar Text"/>
-        <a:font script="Nkoo" typeface="Ebrima"/>
-        <a:font script="Olck" typeface="Nirmala UI"/>
-        <a:font script="Osma" typeface="Ebrima"/>
-        <a:font script="Phag" typeface="Phagspa"/>
-        <a:font script="Syrn" typeface="Estrangelo Edessa"/>
-        <a:font script="Syrj" typeface="Estrangelo Edessa"/>
-        <a:font script="Syre" typeface="Estrangelo Edessa"/>
-        <a:font script="Sora" typeface="Nirmala UI"/>
-        <a:font script="Tale" typeface="Microsoft Tai Le"/>
-        <a:font script="Talu" typeface="Microsoft New Tai Lue"/>
-        <a:font script="Tfng" typeface="Ebrima"/>
-      </a:majorFont>
-      <a:minorFont>
-        <a:latin typeface="Calibri" panose="020F0502020204030204"/>
-        <a:ea typeface=""/>
-        <a:cs typeface=""/>
-        <a:font script="Jpan" typeface="游ゴシック"/>
-        <a:font script="Hang" typeface="맑은 고딕"/>
-        <a:font script="Hans" typeface="等线"/>
-        <a:font script="Hant" typeface="新細明體"/>
-        <a:font script="Arab" typeface="Arial"/>
-        <a:font script="Hebr" typeface="Arial"/>
-        <a:font script="Thai" typeface="Cordia New"/>
-        <a:font script="Ethi" typeface="Nyala"/>
-        <a:font script="Beng" typeface="Vrinda"/>
-        <a:font script="Gujr" typeface="Shruti"/>
-        <a:font script="Khmr" typeface="DaunPenh"/>
-        <a:font script="Knda" typeface="Tunga"/>
-        <a:font script="Guru" typeface="Raavi"/>
-        <a:font script="Cans" typeface="Euphemia"/>
-        <a:font script="Cher" typeface="Plantagenet Cherokee"/>
-        <a:font script="Yiii" typeface="Microsoft Yi Baiti"/>
-        <a:font script="Tibt" typeface="Microsoft Himalaya"/>
-        <a:font script="Thaa" typeface="MV Boli"/>
-        <a:font script="Deva" typeface="Mangal"/>
-        <a:font script="Telu" typeface="Gautami"/>
-        <a:font script="Taml" typeface="Latha"/>
-        <a:font script="Syrc" typeface="Estrangelo Edessa"/>
-        <a:font script="Orya" typeface="Kalinga"/>
-        <a:font script="Mlym" typeface="Kartika"/>
-        <a:font script="Laoo" typeface="DokChampa"/>
-        <a:font script="Sinh" typeface="Iskoola Pota"/>
-        <a:font script="Mong" typeface="Mongolian Baiti"/>
-        <a:font script="Viet" typeface="Arial"/>
-        <a:font script="Uigh" typeface="Microsoft Uighur"/>
-        <a:font script="Geor" typeface="Sylfaen"/>
-        <a:font script="Armn" typeface="Arial"/>
-        <a:font script="Bugi" typeface="Leelawadee UI"/>
-        <a:font script="Bopo" typeface="Microsoft JhengHei"/>
-        <a:font script="Java" typeface="Javanese Text"/>
-        <a:font script="Lisu" typeface="Segoe UI"/>
-        <a:font script="Mymr" typeface="Myanmar Text"/>
-        <a:font script="Nkoo" typeface="Ebrima"/>
-        <a:font script="Olck" typeface="Nirmala UI"/>
-        <a:font script="Osma" typeface="Ebrima"/>
-        <a:font script="Phag" typeface="Phagspa"/>
-        <a:font script="Syrn" typeface="Estrangelo Edessa"/>
-        <a:font script="Syrj" typeface="Estrangelo Edessa"/>
-        <a:font script="Syre" typeface="Estrangelo Edessa"/>
-        <a:font script="Sora" typeface="Nirmala UI"/>
-        <a:font script="Tale" typeface="Microsoft Tai Le"/>
-        <a:font script="Talu" typeface="Microsoft New Tai Lue"/>
-        <a:font script="Tfng" typeface="Ebrima"/>
-      </a:minorFont>
-    </a:fontScheme>
-    <a:fmtScheme name="Office">
-      <a:fillStyleLst>
-        <a:solidFill>
-          <a:schemeClr val="phClr"/>
-        </a:solidFill>
-        <a:gradFill rotWithShape="1">
-          <a:gsLst>
-            <a:gs pos="0">
-              <a:schemeClr val="phClr">
-                <a:lumMod val="110000"/>
-                <a:satMod val="105000"/>
-                <a:tint val="67000"/>
-              </a:schemeClr>
-            </a:gs>
-            <a:gs pos="50000">
-              <a:schemeClr val="phClr">
-                <a:lumMod val="105000"/>
-                <a:satMod val="103000"/>
-                <a:tint val="73000"/>
-              </a:schemeClr>
-            </a:gs>
-            <a:gs pos="100000">
-              <a:schemeClr val="phClr">
-                <a:lumMod val="105000"/>
-                <a:satMod val="109000"/>
-                <a:tint val="81000"/>
-              </a:schemeClr>
-            </a:gs>
-          </a:gsLst>
-          <a:lin ang="5400000" scaled="0"/>
-        </a:gradFill>
-        <a:gradFill rotWithShape="1">
-          <a:gsLst>
-            <a:gs pos="0">
-              <a:schemeClr val="phClr">
-                <a:satMod val="103000"/>
-                <a:lumMod val="102000"/>
-                <a:tint val="94000"/>
-              </a:schemeClr>
-            </a:gs>
-            <a:gs pos="50000">
-              <a:schemeClr val="phClr">
-                <a:satMod val="110000"/>
-                <a:lumMod val="100000"/>
-                <a:shade val="100000"/>
-              </a:schemeClr>
-            </a:gs>
-            <a:gs pos="100000">
-              <a:schemeClr val="phClr">
-                <a:lumMod val="99000"/>
-                <a:satMod val="120000"/>
-                <a:shade val="78000"/>
-              </a:schemeClr>
-            </a:gs>
-          </a:gsLst>
-          <a:lin ang="5400000" scaled="0"/>
-        </a:gradFill>
-      </a:fillStyleLst>
-      <a:lnStyleLst>
-        <a:ln w="6350" cap="flat" cmpd="sng" algn="ctr">
-          <a:solidFill>
-            <a:schemeClr val="phClr"/>
-          </a:solidFill>
-          <a:prstDash val="solid"/>
-          <a:miter lim="800000"/>
-        </a:ln>
-        <a:ln w="12700" cap="flat" cmpd="sng" algn="ctr">
-          <a:solidFill>
-            <a:schemeClr val="phClr"/>
-          </a:solidFill>
-          <a:prstDash val="solid"/>
-          <a:miter lim="800000"/>
-        </a:ln>
-        <a:ln w="19050" cap="flat" cmpd="sng" algn="ctr">
-          <a:solidFill>
-            <a:schemeClr val="phClr"/>
-          </a:solidFill>
-          <a:prstDash val="solid"/>
-          <a:miter lim="800000"/>
-        </a:ln>
-      </a:lnStyleLst>
-      <a:effectStyleLst>
-        <a:effectStyle>
-          <a:effectLst/>
-        </a:effectStyle>
-        <a:effectStyle>
-          <a:effectLst/>
-        </a:effectStyle>
-        <a:effectStyle>
-          <a:effectLst>
-            <a:outerShdw blurRad="57150" dist="19050" dir="5400000" algn="ctr" rotWithShape="0">
-              <a:srgbClr val="000000">
-                <a:alpha val="63000"/>
-              </a:srgbClr>
-            </a:outerShdw>
-          </a:effectLst>
-        </a:effectStyle>
-      </a:effectStyleLst>
-      <a:bgFillStyleLst>
-        <a:solidFill>
-          <a:schemeClr val="phClr"/>
-        </a:solidFill>
-        <a:solidFill>
-          <a:schemeClr val="phClr">
-            <a:tint val="95000"/>
-            <a:satMod val="170000"/>
-          </a:schemeClr>
-        </a:solidFill>
-        <a:gradFill rotWithShape="1">
-          <a:gsLst>
-            <a:gs pos="0">
-              <a:schemeClr val="phClr">
-                <a:tint val="93000"/>
-                <a:satMod val="150000"/>
-                <a:shade val="98000"/>
-                <a:lumMod val="102000"/>
-              </a:schemeClr>
-            </a:gs>
-            <a:gs pos="50000">
-              <a:schemeClr val="phClr">
-                <a:tint val="98000"/>
-                <a:satMod val="130000"/>
-                <a:shade val="90000"/>
-                <a:lumMod val="103000"/>
-              </a:schemeClr>
-            </a:gs>
-            <a:gs pos="100000">
-              <a:schemeClr val="phClr">
-                <a:shade val="63000"/>
-                <a:satMod val="120000"/>
-              </a:schemeClr>
-            </a:gs>
-          </a:gsLst>
-          <a:lin ang="5400000" scaled="0"/>
-        </a:gradFill>
-      </a:bgFillStyleLst>
-    </a:fmtScheme>
-  </a:themeElements>
-  <a:objectDefaults/>
-  <a:extraClrSchemeLst/>
-  <a:extLst>
-    <a:ext uri="{05A4C25C-085E-4340-85A3-A5531E510DB2}">
-      <thm15:themeFamily xmlns:thm15="http://schemas.microsoft.com/office/thememl/2012/main" name="Office Theme" id="{62F939B6-93AF-4DB8-9C6B-D6C7DFDC589F}" vid="{4A3C46E8-61CC-4603-A589-7422A47A8E4A}"/>
-    </a:ext>
-  </a:extLst>
-</a:theme>
-</file>
-
-<file path=ppt/theme/theme3.xml><?xml version="1.0" encoding="utf-8"?>
 <a:theme xmlns:a="http://schemas.openxmlformats.org/drawingml/2006/main" name="Office Theme">
   <a:themeElements>
     <a:clrScheme name="Office">
@@ -14186,7 +14877,7 @@
 </a:theme>
 </file>
 
-<file path=ppt/theme/theme4.xml><?xml version="1.0" encoding="utf-8"?>
+<file path=ppt/theme/theme3.xml><?xml version="1.0" encoding="utf-8"?>
 <a:theme xmlns:a="http://schemas.openxmlformats.org/drawingml/2006/main" name="Office Theme">
   <a:themeElements>
     <a:clrScheme name="Office">

--- a/Tutorial/Distribution Tutorial.pptx
+++ b/Tutorial/Distribution Tutorial.pptx
@@ -290,7 +290,7 @@
           <a:p>
             <a:fld id="{A1936DF5-8C83-46C7-B4CE-7755EBF09CC2}" type="datetimeFigureOut">
               <a:rPr lang="en-GB" smtClean="0"/>
-              <a:t>23/09/2019</a:t>
+              <a:t>24/09/2019</a:t>
             </a:fld>
             <a:endParaRPr lang="en-GB"/>
           </a:p>
@@ -455,7 +455,7 @@
           <a:p>
             <a:fld id="{65316BF1-A640-401D-9D90-F8D7D6E6B6BA}" type="datetimeFigureOut">
               <a:rPr lang="en-US" smtClean="0"/>
-              <a:t>9/23/2019</a:t>
+              <a:t>9/24/2019</a:t>
             </a:fld>
             <a:endParaRPr lang="en-US"/>
           </a:p>
@@ -7753,7 +7753,17 @@
             </a:pPr>
             <a:r>
               <a:rPr lang="en-GB" dirty="0"/>
-              <a:t>C# interfaces </a:t>
+              <a:t>C# interfaces</a:t>
+            </a:r>
+          </a:p>
+          <a:p>
+            <a:pPr marL="342900" indent="-342900">
+              <a:buFont typeface="Arial" panose="020B0604020202020204" pitchFamily="34" charset="0"/>
+              <a:buChar char="•"/>
+            </a:pPr>
+            <a:r>
+              <a:rPr lang="en-GB" dirty="0"/>
+              <a:t>Tools </a:t>
             </a:r>
           </a:p>
         </p:txBody>
@@ -8178,6 +8188,109 @@
                                           <p:spTgt spid="13">
                                             <p:txEl>
                                               <p:pRg st="2" end="2"/>
+                                            </p:txEl>
+                                          </p:spTgt>
+                                        </p:tgtEl>
+                                        <p:attrNameLst>
+                                          <p:attrName>ppt_y</p:attrName>
+                                        </p:attrNameLst>
+                                      </p:cBhvr>
+                                      <p:tavLst>
+                                        <p:tav tm="0">
+                                          <p:val>
+                                            <p:strVal val="1+#ppt_h/2"/>
+                                          </p:val>
+                                        </p:tav>
+                                        <p:tav tm="100000">
+                                          <p:val>
+                                            <p:strVal val="#ppt_y"/>
+                                          </p:val>
+                                        </p:tav>
+                                      </p:tavLst>
+                                    </p:anim>
+                                  </p:childTnLst>
+                                </p:cTn>
+                              </p:par>
+                            </p:childTnLst>
+                          </p:cTn>
+                        </p:par>
+                      </p:childTnLst>
+                    </p:cTn>
+                  </p:par>
+                  <p:par>
+                    <p:cTn id="21" fill="hold">
+                      <p:stCondLst>
+                        <p:cond delay="indefinite"/>
+                      </p:stCondLst>
+                      <p:childTnLst>
+                        <p:par>
+                          <p:cTn id="22" fill="hold">
+                            <p:stCondLst>
+                              <p:cond delay="0"/>
+                            </p:stCondLst>
+                            <p:childTnLst>
+                              <p:par>
+                                <p:cTn id="23" presetID="2" presetClass="entr" presetSubtype="4" fill="hold" grpId="0" nodeType="clickEffect">
+                                  <p:stCondLst>
+                                    <p:cond delay="0"/>
+                                  </p:stCondLst>
+                                  <p:childTnLst>
+                                    <p:set>
+                                      <p:cBhvr>
+                                        <p:cTn id="24" dur="1" fill="hold">
+                                          <p:stCondLst>
+                                            <p:cond delay="0"/>
+                                          </p:stCondLst>
+                                        </p:cTn>
+                                        <p:tgtEl>
+                                          <p:spTgt spid="13">
+                                            <p:txEl>
+                                              <p:pRg st="3" end="3"/>
+                                            </p:txEl>
+                                          </p:spTgt>
+                                        </p:tgtEl>
+                                        <p:attrNameLst>
+                                          <p:attrName>style.visibility</p:attrName>
+                                        </p:attrNameLst>
+                                      </p:cBhvr>
+                                      <p:to>
+                                        <p:strVal val="visible"/>
+                                      </p:to>
+                                    </p:set>
+                                    <p:anim calcmode="lin" valueType="num">
+                                      <p:cBhvr additive="base">
+                                        <p:cTn id="25" dur="500" fill="hold"/>
+                                        <p:tgtEl>
+                                          <p:spTgt spid="13">
+                                            <p:txEl>
+                                              <p:pRg st="3" end="3"/>
+                                            </p:txEl>
+                                          </p:spTgt>
+                                        </p:tgtEl>
+                                        <p:attrNameLst>
+                                          <p:attrName>ppt_x</p:attrName>
+                                        </p:attrNameLst>
+                                      </p:cBhvr>
+                                      <p:tavLst>
+                                        <p:tav tm="0">
+                                          <p:val>
+                                            <p:strVal val="#ppt_x"/>
+                                          </p:val>
+                                        </p:tav>
+                                        <p:tav tm="100000">
+                                          <p:val>
+                                            <p:strVal val="#ppt_x"/>
+                                          </p:val>
+                                        </p:tav>
+                                      </p:tavLst>
+                                    </p:anim>
+                                    <p:anim calcmode="lin" valueType="num">
+                                      <p:cBhvr additive="base">
+                                        <p:cTn id="26" dur="500" fill="hold"/>
+                                        <p:tgtEl>
+                                          <p:spTgt spid="13">
+                                            <p:txEl>
+                                              <p:pRg st="3" end="3"/>
                                             </p:txEl>
                                           </p:spTgt>
                                         </p:tgtEl>

--- a/Tutorial/Distribution Tutorial.pptx
+++ b/Tutorial/Distribution Tutorial.pptx
@@ -5,10 +5,10 @@
     <p:sldMasterId id="2147483648" r:id="rId1"/>
   </p:sldMasterIdLst>
   <p:notesMasterIdLst>
-    <p:notesMasterId r:id="rId16"/>
+    <p:notesMasterId r:id="rId22"/>
   </p:notesMasterIdLst>
   <p:handoutMasterIdLst>
-    <p:handoutMasterId r:id="rId17"/>
+    <p:handoutMasterId r:id="rId23"/>
   </p:handoutMasterIdLst>
   <p:sldIdLst>
     <p:sldId id="256" r:id="rId2"/>
@@ -24,7 +24,13 @@
     <p:sldId id="302" r:id="rId12"/>
     <p:sldId id="301" r:id="rId13"/>
     <p:sldId id="304" r:id="rId14"/>
-    <p:sldId id="292" r:id="rId15"/>
+    <p:sldId id="305" r:id="rId15"/>
+    <p:sldId id="306" r:id="rId16"/>
+    <p:sldId id="307" r:id="rId17"/>
+    <p:sldId id="308" r:id="rId18"/>
+    <p:sldId id="309" r:id="rId19"/>
+    <p:sldId id="310" r:id="rId20"/>
+    <p:sldId id="292" r:id="rId21"/>
   </p:sldIdLst>
   <p:sldSz cx="12192000" cy="6858000"/>
   <p:notesSz cx="6794500" cy="9906000"/>
@@ -10096,10 +10102,10 @@
       </p:grpSpPr>
       <p:sp>
         <p:nvSpPr>
-          <p:cNvPr id="6" name="Platshållare för text 5">
+          <p:cNvPr id="7" name="Platshållare för innehåll 6">
             <a:extLst>
               <a:ext uri="{FF2B5EF4-FFF2-40B4-BE49-F238E27FC236}">
-                <a16:creationId xmlns:a16="http://schemas.microsoft.com/office/drawing/2014/main" id="{35DC8D7F-1DFF-4787-A8FA-D07FE6B6FC69}"/>
+                <a16:creationId xmlns:a16="http://schemas.microsoft.com/office/drawing/2014/main" id="{70C63E1D-970F-4A56-8DC8-29C0FFCE4B32}"/>
               </a:ext>
             </a:extLst>
           </p:cNvPr>
@@ -10107,27 +10113,58 @@
             <a:spLocks noGrp="1"/>
           </p:cNvSpPr>
           <p:nvPr>
-            <p:ph type="body" sz="quarter" idx="14"/>
+            <p:ph idx="1"/>
           </p:nvPr>
         </p:nvSpPr>
-        <p:spPr/>
+        <p:spPr>
+          <a:xfrm>
+            <a:off x="369887" y="1404000"/>
+            <a:ext cx="10842609" cy="5148000"/>
+          </a:xfrm>
+        </p:spPr>
         <p:txBody>
-          <a:bodyPr/>
+          <a:bodyPr>
+            <a:normAutofit/>
+          </a:bodyPr>
           <a:lstStyle/>
           <a:p>
             <a:r>
               <a:rPr lang="en-US" dirty="0"/>
-              <a:t>anders.moden@saabgroup.com</a:t>
-            </a:r>
+              <a:t>Standard procedure to set up a client</a:t>
+            </a:r>
+          </a:p>
+          <a:p>
+            <a:r>
+              <a:rPr lang="en-US" dirty="0"/>
+              <a:t>Initialize platform handles all native stuff</a:t>
+            </a:r>
+          </a:p>
+          <a:p>
+            <a:r>
+              <a:rPr lang="en-US" dirty="0"/>
+              <a:t>By starting distribution you check that it runs on your system</a:t>
+            </a:r>
+          </a:p>
+          <a:p>
+            <a:r>
+              <a:rPr lang="en-US" dirty="0"/>
+              <a:t>You can check return values for SUCCESS</a:t>
+            </a:r>
+          </a:p>
+          <a:p>
+            <a:endParaRPr lang="en-US" dirty="0"/>
+          </a:p>
+          <a:p>
+            <a:endParaRPr lang="en-US" dirty="0"/>
           </a:p>
         </p:txBody>
       </p:sp>
       <p:sp>
         <p:nvSpPr>
-          <p:cNvPr id="3" name="Platshållare för bildnummer 2">
+          <p:cNvPr id="5" name="Platshållare för bildnummer 4">
             <a:extLst>
               <a:ext uri="{FF2B5EF4-FFF2-40B4-BE49-F238E27FC236}">
-                <a16:creationId xmlns:a16="http://schemas.microsoft.com/office/drawing/2014/main" id="{A6D496AF-3BEE-4BF1-9300-2BCA720DECFB}"/>
+                <a16:creationId xmlns:a16="http://schemas.microsoft.com/office/drawing/2014/main" id="{A38D3D32-A6D4-4A54-B035-415C6738F63B}"/>
               </a:ext>
             </a:extLst>
           </p:cNvPr>
@@ -10152,16 +10189,5641 @@
           </a:p>
         </p:txBody>
       </p:sp>
+      <p:sp>
+        <p:nvSpPr>
+          <p:cNvPr id="6" name="Rubrik 5">
+            <a:extLst>
+              <a:ext uri="{FF2B5EF4-FFF2-40B4-BE49-F238E27FC236}">
+                <a16:creationId xmlns:a16="http://schemas.microsoft.com/office/drawing/2014/main" id="{956DB316-F455-4DE9-8D4D-E8E30BF76BA1}"/>
+              </a:ext>
+            </a:extLst>
+          </p:cNvPr>
+          <p:cNvSpPr>
+            <a:spLocks noGrp="1"/>
+          </p:cNvSpPr>
+          <p:nvPr>
+            <p:ph type="title"/>
+          </p:nvPr>
+        </p:nvSpPr>
+        <p:spPr/>
+        <p:txBody>
+          <a:bodyPr/>
+          <a:lstStyle/>
+          <a:p>
+            <a:r>
+              <a:rPr lang="en-US" dirty="0"/>
+              <a:t>Flow – Start</a:t>
+            </a:r>
+          </a:p>
+        </p:txBody>
+      </p:sp>
+      <p:sp>
+        <p:nvSpPr>
+          <p:cNvPr id="3" name="textruta 2">
+            <a:extLst>
+              <a:ext uri="{FF2B5EF4-FFF2-40B4-BE49-F238E27FC236}">
+                <a16:creationId xmlns:a16="http://schemas.microsoft.com/office/drawing/2014/main" id="{161F4AAD-F0E5-4CEC-B7A9-19B4E012CF41}"/>
+              </a:ext>
+            </a:extLst>
+          </p:cNvPr>
+          <p:cNvSpPr txBox="1"/>
+          <p:nvPr/>
+        </p:nvSpPr>
+        <p:spPr>
+          <a:xfrm>
+            <a:off x="252663" y="3664810"/>
+            <a:ext cx="10232993" cy="3046988"/>
+          </a:xfrm>
+          <a:prstGeom prst="rect">
+            <a:avLst/>
+          </a:prstGeom>
+          <a:noFill/>
+        </p:spPr>
+        <p:txBody>
+          <a:bodyPr wrap="square" rtlCol="0">
+            <a:spAutoFit/>
+          </a:bodyPr>
+          <a:lstStyle/>
+          <a:p>
+            <a:r>
+              <a:rPr lang="en-US" sz="1200" dirty="0">
+                <a:solidFill>
+                  <a:srgbClr val="008000"/>
+                </a:solidFill>
+                <a:latin typeface="Consolas" panose="020B0609020204030204" pitchFamily="49" charset="0"/>
+              </a:rPr>
+              <a:t>// Initialize platforms for various used SDKs</a:t>
+            </a:r>
+            <a:endParaRPr lang="en-US" sz="1200" dirty="0">
+              <a:solidFill>
+                <a:srgbClr val="000000"/>
+              </a:solidFill>
+              <a:latin typeface="Consolas" panose="020B0609020204030204" pitchFamily="49" charset="0"/>
+            </a:endParaRPr>
+          </a:p>
+          <a:p>
+            <a:r>
+              <a:rPr lang="en-US" sz="1200" dirty="0" err="1">
+                <a:solidFill>
+                  <a:srgbClr val="000000"/>
+                </a:solidFill>
+                <a:latin typeface="Consolas" panose="020B0609020204030204" pitchFamily="49" charset="0"/>
+              </a:rPr>
+              <a:t>GizmoSDK.GizmoBase.Platform.Initialize</a:t>
+            </a:r>
+            <a:r>
+              <a:rPr lang="en-US" sz="1200" dirty="0">
+                <a:solidFill>
+                  <a:srgbClr val="000000"/>
+                </a:solidFill>
+                <a:latin typeface="Consolas" panose="020B0609020204030204" pitchFamily="49" charset="0"/>
+              </a:rPr>
+              <a:t>();</a:t>
+            </a:r>
+          </a:p>
+          <a:p>
+            <a:r>
+              <a:rPr lang="en-US" sz="1200" dirty="0" err="1">
+                <a:solidFill>
+                  <a:srgbClr val="000000"/>
+                </a:solidFill>
+                <a:latin typeface="Consolas" panose="020B0609020204030204" pitchFamily="49" charset="0"/>
+              </a:rPr>
+              <a:t>GizmoSDK.GizmoDistribution.Platform.Initialize</a:t>
+            </a:r>
+            <a:r>
+              <a:rPr lang="en-US" sz="1200" dirty="0">
+                <a:solidFill>
+                  <a:srgbClr val="000000"/>
+                </a:solidFill>
+                <a:latin typeface="Consolas" panose="020B0609020204030204" pitchFamily="49" charset="0"/>
+              </a:rPr>
+              <a:t>();</a:t>
+            </a:r>
+          </a:p>
+          <a:p>
+            <a:r>
+              <a:rPr lang="en-US" sz="1200" dirty="0">
+                <a:solidFill>
+                  <a:srgbClr val="000000"/>
+                </a:solidFill>
+                <a:latin typeface="Consolas" panose="020B0609020204030204" pitchFamily="49" charset="0"/>
+              </a:rPr>
+              <a:t>                       </a:t>
+            </a:r>
+          </a:p>
+          <a:p>
+            <a:r>
+              <a:rPr lang="en-US" sz="1200" dirty="0">
+                <a:solidFill>
+                  <a:srgbClr val="000000"/>
+                </a:solidFill>
+                <a:latin typeface="Consolas" panose="020B0609020204030204" pitchFamily="49" charset="0"/>
+              </a:rPr>
+              <a:t>           </a:t>
+            </a:r>
+          </a:p>
+          <a:p>
+            <a:r>
+              <a:rPr lang="en-US" sz="1200" dirty="0">
+                <a:solidFill>
+                  <a:srgbClr val="008000"/>
+                </a:solidFill>
+                <a:latin typeface="Consolas" panose="020B0609020204030204" pitchFamily="49" charset="0"/>
+              </a:rPr>
+              <a:t>// Create a manager. The manager controls it all</a:t>
+            </a:r>
+            <a:endParaRPr lang="en-US" sz="1200" dirty="0">
+              <a:solidFill>
+                <a:srgbClr val="000000"/>
+              </a:solidFill>
+              <a:latin typeface="Consolas" panose="020B0609020204030204" pitchFamily="49" charset="0"/>
+            </a:endParaRPr>
+          </a:p>
+          <a:p>
+            <a:r>
+              <a:rPr lang="en-US" sz="1200" dirty="0" err="1">
+                <a:solidFill>
+                  <a:srgbClr val="000000"/>
+                </a:solidFill>
+                <a:latin typeface="Consolas" panose="020B0609020204030204" pitchFamily="49" charset="0"/>
+              </a:rPr>
+              <a:t>DistManager</a:t>
+            </a:r>
+            <a:r>
+              <a:rPr lang="en-US" sz="1200" dirty="0">
+                <a:solidFill>
+                  <a:srgbClr val="000000"/>
+                </a:solidFill>
+                <a:latin typeface="Consolas" panose="020B0609020204030204" pitchFamily="49" charset="0"/>
+              </a:rPr>
+              <a:t> manager = </a:t>
+            </a:r>
+            <a:r>
+              <a:rPr lang="en-US" sz="1200" dirty="0" err="1">
+                <a:solidFill>
+                  <a:srgbClr val="000000"/>
+                </a:solidFill>
+                <a:latin typeface="Consolas" panose="020B0609020204030204" pitchFamily="49" charset="0"/>
+              </a:rPr>
+              <a:t>DistManager.GetManager</a:t>
+            </a:r>
+            <a:r>
+              <a:rPr lang="en-US" sz="1200" dirty="0">
+                <a:solidFill>
+                  <a:srgbClr val="000000"/>
+                </a:solidFill>
+                <a:latin typeface="Consolas" panose="020B0609020204030204" pitchFamily="49" charset="0"/>
+              </a:rPr>
+              <a:t>(</a:t>
+            </a:r>
+            <a:r>
+              <a:rPr lang="en-US" sz="1200" dirty="0">
+                <a:solidFill>
+                  <a:srgbClr val="0000FF"/>
+                </a:solidFill>
+                <a:latin typeface="Consolas" panose="020B0609020204030204" pitchFamily="49" charset="0"/>
+              </a:rPr>
+              <a:t>true</a:t>
+            </a:r>
+            <a:r>
+              <a:rPr lang="en-US" sz="1200" dirty="0">
+                <a:solidFill>
+                  <a:srgbClr val="000000"/>
+                </a:solidFill>
+                <a:latin typeface="Consolas" panose="020B0609020204030204" pitchFamily="49" charset="0"/>
+              </a:rPr>
+              <a:t>);</a:t>
+            </a:r>
+          </a:p>
+          <a:p>
+            <a:endParaRPr lang="en-US" sz="1200" dirty="0">
+              <a:solidFill>
+                <a:srgbClr val="000000"/>
+              </a:solidFill>
+              <a:latin typeface="Consolas" panose="020B0609020204030204" pitchFamily="49" charset="0"/>
+            </a:endParaRPr>
+          </a:p>
+          <a:p>
+            <a:r>
+              <a:rPr lang="en-US" sz="1200" dirty="0">
+                <a:solidFill>
+                  <a:srgbClr val="008000"/>
+                </a:solidFill>
+                <a:latin typeface="Consolas" panose="020B0609020204030204" pitchFamily="49" charset="0"/>
+              </a:rPr>
+              <a:t>// Start the manager with </a:t>
+            </a:r>
+            <a:r>
+              <a:rPr lang="en-US" sz="1200" dirty="0" err="1">
+                <a:solidFill>
+                  <a:srgbClr val="008000"/>
+                </a:solidFill>
+                <a:latin typeface="Consolas" panose="020B0609020204030204" pitchFamily="49" charset="0"/>
+              </a:rPr>
+              <a:t>settting</a:t>
+            </a:r>
+            <a:r>
+              <a:rPr lang="en-US" sz="1200" dirty="0">
+                <a:solidFill>
+                  <a:srgbClr val="008000"/>
+                </a:solidFill>
+                <a:latin typeface="Consolas" panose="020B0609020204030204" pitchFamily="49" charset="0"/>
+              </a:rPr>
+              <a:t> for transport protocols</a:t>
+            </a:r>
+            <a:endParaRPr lang="en-US" sz="1200" dirty="0">
+              <a:solidFill>
+                <a:srgbClr val="000000"/>
+              </a:solidFill>
+              <a:latin typeface="Consolas" panose="020B0609020204030204" pitchFamily="49" charset="0"/>
+            </a:endParaRPr>
+          </a:p>
+          <a:p>
+            <a:r>
+              <a:rPr lang="en-US" sz="1200" dirty="0" err="1">
+                <a:solidFill>
+                  <a:srgbClr val="000000"/>
+                </a:solidFill>
+                <a:latin typeface="Consolas" panose="020B0609020204030204" pitchFamily="49" charset="0"/>
+              </a:rPr>
+              <a:t>manager.Start</a:t>
+            </a:r>
+            <a:r>
+              <a:rPr lang="en-US" sz="1200" dirty="0">
+                <a:solidFill>
+                  <a:srgbClr val="000000"/>
+                </a:solidFill>
+                <a:latin typeface="Consolas" panose="020B0609020204030204" pitchFamily="49" charset="0"/>
+              </a:rPr>
+              <a:t>(</a:t>
+            </a:r>
+            <a:r>
+              <a:rPr lang="en-US" sz="1200" dirty="0" err="1">
+                <a:solidFill>
+                  <a:srgbClr val="000000"/>
+                </a:solidFill>
+                <a:latin typeface="Consolas" panose="020B0609020204030204" pitchFamily="49" charset="0"/>
+              </a:rPr>
+              <a:t>DistRemoteChannel.CreateDefaultSessionChannel</a:t>
+            </a:r>
+            <a:r>
+              <a:rPr lang="en-US" sz="1200" dirty="0">
+                <a:solidFill>
+                  <a:srgbClr val="000000"/>
+                </a:solidFill>
+                <a:latin typeface="Consolas" panose="020B0609020204030204" pitchFamily="49" charset="0"/>
+              </a:rPr>
+              <a:t>(), </a:t>
+            </a:r>
+            <a:r>
+              <a:rPr lang="en-US" sz="1200" dirty="0" err="1">
+                <a:solidFill>
+                  <a:srgbClr val="000000"/>
+                </a:solidFill>
+                <a:latin typeface="Consolas" panose="020B0609020204030204" pitchFamily="49" charset="0"/>
+              </a:rPr>
+              <a:t>DistRemoteChannel.CreateDefaultServerChannel</a:t>
+            </a:r>
+            <a:r>
+              <a:rPr lang="en-US" sz="1200" dirty="0">
+                <a:solidFill>
+                  <a:srgbClr val="000000"/>
+                </a:solidFill>
+                <a:latin typeface="Consolas" panose="020B0609020204030204" pitchFamily="49" charset="0"/>
+              </a:rPr>
+              <a:t>());</a:t>
+            </a:r>
+          </a:p>
+          <a:p>
+            <a:endParaRPr lang="en-US" sz="1200" dirty="0">
+              <a:solidFill>
+                <a:srgbClr val="000000"/>
+              </a:solidFill>
+              <a:latin typeface="Consolas" panose="020B0609020204030204" pitchFamily="49" charset="0"/>
+              <a:cs typeface="Courier New" panose="02070309020205020404" pitchFamily="49" charset="0"/>
+            </a:endParaRPr>
+          </a:p>
+          <a:p>
+            <a:r>
+              <a:rPr lang="en-US" sz="1200" dirty="0">
+                <a:solidFill>
+                  <a:srgbClr val="008000"/>
+                </a:solidFill>
+                <a:latin typeface="Consolas" panose="020B0609020204030204" pitchFamily="49" charset="0"/>
+              </a:rPr>
+              <a:t>// Client set up. You are a client that sends and receives information</a:t>
+            </a:r>
+            <a:endParaRPr lang="en-US" sz="1200" dirty="0">
+              <a:solidFill>
+                <a:srgbClr val="000000"/>
+              </a:solidFill>
+              <a:latin typeface="Consolas" panose="020B0609020204030204" pitchFamily="49" charset="0"/>
+            </a:endParaRPr>
+          </a:p>
+          <a:p>
+            <a:r>
+              <a:rPr lang="en-US" sz="1200" dirty="0" err="1">
+                <a:solidFill>
+                  <a:srgbClr val="000000"/>
+                </a:solidFill>
+                <a:latin typeface="Consolas" panose="020B0609020204030204" pitchFamily="49" charset="0"/>
+              </a:rPr>
+              <a:t>DistClient</a:t>
+            </a:r>
+            <a:r>
+              <a:rPr lang="en-US" sz="1200" dirty="0">
+                <a:solidFill>
+                  <a:srgbClr val="000000"/>
+                </a:solidFill>
+                <a:latin typeface="Consolas" panose="020B0609020204030204" pitchFamily="49" charset="0"/>
+              </a:rPr>
+              <a:t> client = </a:t>
+            </a:r>
+            <a:r>
+              <a:rPr lang="en-US" sz="1200" dirty="0">
+                <a:solidFill>
+                  <a:srgbClr val="0000FF"/>
+                </a:solidFill>
+                <a:latin typeface="Consolas" panose="020B0609020204030204" pitchFamily="49" charset="0"/>
+              </a:rPr>
+              <a:t>new</a:t>
+            </a:r>
+            <a:r>
+              <a:rPr lang="en-US" sz="1200" dirty="0">
+                <a:solidFill>
+                  <a:srgbClr val="000000"/>
+                </a:solidFill>
+                <a:latin typeface="Consolas" panose="020B0609020204030204" pitchFamily="49" charset="0"/>
+              </a:rPr>
+              <a:t> </a:t>
+            </a:r>
+            <a:r>
+              <a:rPr lang="en-US" sz="1200" dirty="0" err="1">
+                <a:solidFill>
+                  <a:srgbClr val="000000"/>
+                </a:solidFill>
+                <a:latin typeface="Consolas" panose="020B0609020204030204" pitchFamily="49" charset="0"/>
+              </a:rPr>
+              <a:t>DistClient</a:t>
+            </a:r>
+            <a:r>
+              <a:rPr lang="en-US" sz="1200" dirty="0">
+                <a:solidFill>
+                  <a:srgbClr val="000000"/>
+                </a:solidFill>
+                <a:latin typeface="Consolas" panose="020B0609020204030204" pitchFamily="49" charset="0"/>
+              </a:rPr>
+              <a:t>(</a:t>
+            </a:r>
+            <a:r>
+              <a:rPr lang="en-US" sz="1200" dirty="0">
+                <a:solidFill>
+                  <a:srgbClr val="A31515"/>
+                </a:solidFill>
+                <a:latin typeface="Consolas" panose="020B0609020204030204" pitchFamily="49" charset="0"/>
+              </a:rPr>
+              <a:t>"Our Test Client"</a:t>
+            </a:r>
+            <a:r>
+              <a:rPr lang="en-US" sz="1200" dirty="0">
+                <a:solidFill>
+                  <a:srgbClr val="000000"/>
+                </a:solidFill>
+                <a:latin typeface="Consolas" panose="020B0609020204030204" pitchFamily="49" charset="0"/>
+              </a:rPr>
+              <a:t>, manager);</a:t>
+            </a:r>
+          </a:p>
+          <a:p>
+            <a:endParaRPr lang="en-US" sz="1200" dirty="0">
+              <a:solidFill>
+                <a:srgbClr val="000000"/>
+              </a:solidFill>
+              <a:latin typeface="Consolas" panose="020B0609020204030204" pitchFamily="49" charset="0"/>
+              <a:cs typeface="Courier New" panose="02070309020205020404" pitchFamily="49" charset="0"/>
+            </a:endParaRPr>
+          </a:p>
+          <a:p>
+            <a:r>
+              <a:rPr lang="en-US" sz="1200" dirty="0">
+                <a:solidFill>
+                  <a:srgbClr val="008000"/>
+                </a:solidFill>
+                <a:latin typeface="Consolas" panose="020B0609020204030204" pitchFamily="49" charset="0"/>
+              </a:rPr>
+              <a:t>// We need to tell the client how to initialize</a:t>
+            </a:r>
+            <a:endParaRPr lang="en-US" sz="1200" dirty="0">
+              <a:solidFill>
+                <a:srgbClr val="000000"/>
+              </a:solidFill>
+              <a:latin typeface="Consolas" panose="020B0609020204030204" pitchFamily="49" charset="0"/>
+            </a:endParaRPr>
+          </a:p>
+          <a:p>
+            <a:r>
+              <a:rPr lang="en-US" sz="1200" dirty="0" err="1">
+                <a:solidFill>
+                  <a:srgbClr val="000000"/>
+                </a:solidFill>
+                <a:latin typeface="Consolas" panose="020B0609020204030204" pitchFamily="49" charset="0"/>
+              </a:rPr>
+              <a:t>client.Initialize</a:t>
+            </a:r>
+            <a:r>
+              <a:rPr lang="en-US" sz="1200" dirty="0">
+                <a:solidFill>
+                  <a:srgbClr val="000000"/>
+                </a:solidFill>
+                <a:latin typeface="Consolas" panose="020B0609020204030204" pitchFamily="49" charset="0"/>
+              </a:rPr>
+              <a:t>();</a:t>
+            </a:r>
+            <a:endParaRPr lang="en-US" sz="1200" dirty="0">
+              <a:latin typeface="Courier New" panose="02070309020205020404" pitchFamily="49" charset="0"/>
+              <a:cs typeface="Courier New" panose="02070309020205020404" pitchFamily="49" charset="0"/>
+            </a:endParaRPr>
+          </a:p>
+        </p:txBody>
+      </p:sp>
+      <p:pic>
+        <p:nvPicPr>
+          <p:cNvPr id="4" name="Bildobjekt 3">
+            <a:extLst>
+              <a:ext uri="{FF2B5EF4-FFF2-40B4-BE49-F238E27FC236}">
+                <a16:creationId xmlns:a16="http://schemas.microsoft.com/office/drawing/2014/main" id="{9AF44B93-83C1-41B6-B909-A2879EC8781E}"/>
+              </a:ext>
+            </a:extLst>
+          </p:cNvPr>
+          <p:cNvPicPr>
+            <a:picLocks noChangeAspect="1"/>
+          </p:cNvPicPr>
+          <p:nvPr/>
+        </p:nvPicPr>
+        <p:blipFill>
+          <a:blip r:embed="rId2"/>
+          <a:stretch>
+            <a:fillRect/>
+          </a:stretch>
+        </p:blipFill>
+        <p:spPr>
+          <a:xfrm>
+            <a:off x="8628690" y="892064"/>
+            <a:ext cx="3059438" cy="4296240"/>
+          </a:xfrm>
+          <a:prstGeom prst="rect">
+            <a:avLst/>
+          </a:prstGeom>
+        </p:spPr>
+      </p:pic>
     </p:spTree>
     <p:extLst>
       <p:ext uri="{BB962C8B-B14F-4D97-AF65-F5344CB8AC3E}">
-        <p14:creationId xmlns:p14="http://schemas.microsoft.com/office/powerpoint/2010/main" val="2332896843"/>
+        <p14:creationId xmlns:p14="http://schemas.microsoft.com/office/powerpoint/2010/main" val="4210770074"/>
       </p:ext>
     </p:extLst>
   </p:cSld>
   <p:clrMapOvr>
     <a:masterClrMapping/>
   </p:clrMapOvr>
+  <mc:AlternateContent xmlns:mc="http://schemas.openxmlformats.org/markup-compatibility/2006" xmlns:p14="http://schemas.microsoft.com/office/powerpoint/2010/main">
+    <mc:Choice Requires="p14">
+      <p:transition spd="slow" p14:dur="6750" advClick="0"/>
+    </mc:Choice>
+    <mc:Fallback xmlns="">
+      <p:transition spd="slow" advClick="0"/>
+    </mc:Fallback>
+  </mc:AlternateContent>
+  <p:timing>
+    <p:tnLst>
+      <p:par>
+        <p:cTn id="1" dur="indefinite" restart="never" nodeType="tmRoot">
+          <p:childTnLst>
+            <p:seq concurrent="1" nextAc="seek">
+              <p:cTn id="2" dur="indefinite" nodeType="mainSeq">
+                <p:childTnLst>
+                  <p:par>
+                    <p:cTn id="3" fill="hold">
+                      <p:stCondLst>
+                        <p:cond delay="indefinite"/>
+                      </p:stCondLst>
+                      <p:childTnLst>
+                        <p:par>
+                          <p:cTn id="4" fill="hold">
+                            <p:stCondLst>
+                              <p:cond delay="0"/>
+                            </p:stCondLst>
+                            <p:childTnLst>
+                              <p:par>
+                                <p:cTn id="5" presetID="1" presetClass="entr" presetSubtype="0" fill="hold" grpId="0" nodeType="clickEffect">
+                                  <p:stCondLst>
+                                    <p:cond delay="0"/>
+                                  </p:stCondLst>
+                                  <p:childTnLst>
+                                    <p:set>
+                                      <p:cBhvr>
+                                        <p:cTn id="6" dur="1" fill="hold">
+                                          <p:stCondLst>
+                                            <p:cond delay="0"/>
+                                          </p:stCondLst>
+                                        </p:cTn>
+                                        <p:tgtEl>
+                                          <p:spTgt spid="7">
+                                            <p:txEl>
+                                              <p:pRg st="0" end="0"/>
+                                            </p:txEl>
+                                          </p:spTgt>
+                                        </p:tgtEl>
+                                        <p:attrNameLst>
+                                          <p:attrName>style.visibility</p:attrName>
+                                        </p:attrNameLst>
+                                      </p:cBhvr>
+                                      <p:to>
+                                        <p:strVal val="visible"/>
+                                      </p:to>
+                                    </p:set>
+                                  </p:childTnLst>
+                                </p:cTn>
+                              </p:par>
+                            </p:childTnLst>
+                          </p:cTn>
+                        </p:par>
+                      </p:childTnLst>
+                    </p:cTn>
+                  </p:par>
+                  <p:par>
+                    <p:cTn id="7" fill="hold">
+                      <p:stCondLst>
+                        <p:cond delay="indefinite"/>
+                      </p:stCondLst>
+                      <p:childTnLst>
+                        <p:par>
+                          <p:cTn id="8" fill="hold">
+                            <p:stCondLst>
+                              <p:cond delay="0"/>
+                            </p:stCondLst>
+                            <p:childTnLst>
+                              <p:par>
+                                <p:cTn id="9" presetID="1" presetClass="entr" presetSubtype="0" fill="hold" grpId="0" nodeType="clickEffect">
+                                  <p:stCondLst>
+                                    <p:cond delay="0"/>
+                                  </p:stCondLst>
+                                  <p:childTnLst>
+                                    <p:set>
+                                      <p:cBhvr>
+                                        <p:cTn id="10" dur="1" fill="hold">
+                                          <p:stCondLst>
+                                            <p:cond delay="0"/>
+                                          </p:stCondLst>
+                                        </p:cTn>
+                                        <p:tgtEl>
+                                          <p:spTgt spid="7">
+                                            <p:txEl>
+                                              <p:pRg st="1" end="1"/>
+                                            </p:txEl>
+                                          </p:spTgt>
+                                        </p:tgtEl>
+                                        <p:attrNameLst>
+                                          <p:attrName>style.visibility</p:attrName>
+                                        </p:attrNameLst>
+                                      </p:cBhvr>
+                                      <p:to>
+                                        <p:strVal val="visible"/>
+                                      </p:to>
+                                    </p:set>
+                                  </p:childTnLst>
+                                </p:cTn>
+                              </p:par>
+                            </p:childTnLst>
+                          </p:cTn>
+                        </p:par>
+                      </p:childTnLst>
+                    </p:cTn>
+                  </p:par>
+                  <p:par>
+                    <p:cTn id="11" fill="hold">
+                      <p:stCondLst>
+                        <p:cond delay="indefinite"/>
+                      </p:stCondLst>
+                      <p:childTnLst>
+                        <p:par>
+                          <p:cTn id="12" fill="hold">
+                            <p:stCondLst>
+                              <p:cond delay="0"/>
+                            </p:stCondLst>
+                            <p:childTnLst>
+                              <p:par>
+                                <p:cTn id="13" presetID="1" presetClass="entr" presetSubtype="0" fill="hold" grpId="0" nodeType="clickEffect">
+                                  <p:stCondLst>
+                                    <p:cond delay="0"/>
+                                  </p:stCondLst>
+                                  <p:childTnLst>
+                                    <p:set>
+                                      <p:cBhvr>
+                                        <p:cTn id="14" dur="1" fill="hold">
+                                          <p:stCondLst>
+                                            <p:cond delay="0"/>
+                                          </p:stCondLst>
+                                        </p:cTn>
+                                        <p:tgtEl>
+                                          <p:spTgt spid="7">
+                                            <p:txEl>
+                                              <p:pRg st="2" end="2"/>
+                                            </p:txEl>
+                                          </p:spTgt>
+                                        </p:tgtEl>
+                                        <p:attrNameLst>
+                                          <p:attrName>style.visibility</p:attrName>
+                                        </p:attrNameLst>
+                                      </p:cBhvr>
+                                      <p:to>
+                                        <p:strVal val="visible"/>
+                                      </p:to>
+                                    </p:set>
+                                  </p:childTnLst>
+                                </p:cTn>
+                              </p:par>
+                            </p:childTnLst>
+                          </p:cTn>
+                        </p:par>
+                      </p:childTnLst>
+                    </p:cTn>
+                  </p:par>
+                  <p:par>
+                    <p:cTn id="15" fill="hold">
+                      <p:stCondLst>
+                        <p:cond delay="indefinite"/>
+                      </p:stCondLst>
+                      <p:childTnLst>
+                        <p:par>
+                          <p:cTn id="16" fill="hold">
+                            <p:stCondLst>
+                              <p:cond delay="0"/>
+                            </p:stCondLst>
+                            <p:childTnLst>
+                              <p:par>
+                                <p:cTn id="17" presetID="1" presetClass="entr" presetSubtype="0" fill="hold" grpId="0" nodeType="clickEffect">
+                                  <p:stCondLst>
+                                    <p:cond delay="0"/>
+                                  </p:stCondLst>
+                                  <p:childTnLst>
+                                    <p:set>
+                                      <p:cBhvr>
+                                        <p:cTn id="18" dur="1" fill="hold">
+                                          <p:stCondLst>
+                                            <p:cond delay="0"/>
+                                          </p:stCondLst>
+                                        </p:cTn>
+                                        <p:tgtEl>
+                                          <p:spTgt spid="7">
+                                            <p:txEl>
+                                              <p:pRg st="3" end="3"/>
+                                            </p:txEl>
+                                          </p:spTgt>
+                                        </p:tgtEl>
+                                        <p:attrNameLst>
+                                          <p:attrName>style.visibility</p:attrName>
+                                        </p:attrNameLst>
+                                      </p:cBhvr>
+                                      <p:to>
+                                        <p:strVal val="visible"/>
+                                      </p:to>
+                                    </p:set>
+                                  </p:childTnLst>
+                                </p:cTn>
+                              </p:par>
+                            </p:childTnLst>
+                          </p:cTn>
+                        </p:par>
+                      </p:childTnLst>
+                    </p:cTn>
+                  </p:par>
+                  <p:par>
+                    <p:cTn id="19" fill="hold">
+                      <p:stCondLst>
+                        <p:cond delay="indefinite"/>
+                      </p:stCondLst>
+                      <p:childTnLst>
+                        <p:par>
+                          <p:cTn id="20" fill="hold">
+                            <p:stCondLst>
+                              <p:cond delay="0"/>
+                            </p:stCondLst>
+                            <p:childTnLst>
+                              <p:par>
+                                <p:cTn id="21" presetID="14" presetClass="entr" presetSubtype="10" fill="hold" nodeType="clickEffect">
+                                  <p:stCondLst>
+                                    <p:cond delay="0"/>
+                                  </p:stCondLst>
+                                  <p:childTnLst>
+                                    <p:set>
+                                      <p:cBhvr>
+                                        <p:cTn id="22" dur="1" fill="hold">
+                                          <p:stCondLst>
+                                            <p:cond delay="0"/>
+                                          </p:stCondLst>
+                                        </p:cTn>
+                                        <p:tgtEl>
+                                          <p:spTgt spid="4"/>
+                                        </p:tgtEl>
+                                        <p:attrNameLst>
+                                          <p:attrName>style.visibility</p:attrName>
+                                        </p:attrNameLst>
+                                      </p:cBhvr>
+                                      <p:to>
+                                        <p:strVal val="visible"/>
+                                      </p:to>
+                                    </p:set>
+                                    <p:animEffect transition="in" filter="randombar(horizontal)">
+                                      <p:cBhvr>
+                                        <p:cTn id="23" dur="500"/>
+                                        <p:tgtEl>
+                                          <p:spTgt spid="4"/>
+                                        </p:tgtEl>
+                                      </p:cBhvr>
+                                    </p:animEffect>
+                                  </p:childTnLst>
+                                </p:cTn>
+                              </p:par>
+                            </p:childTnLst>
+                          </p:cTn>
+                        </p:par>
+                      </p:childTnLst>
+                    </p:cTn>
+                  </p:par>
+                  <p:par>
+                    <p:cTn id="24" fill="hold">
+                      <p:stCondLst>
+                        <p:cond delay="indefinite"/>
+                      </p:stCondLst>
+                      <p:childTnLst>
+                        <p:par>
+                          <p:cTn id="25" fill="hold">
+                            <p:stCondLst>
+                              <p:cond delay="0"/>
+                            </p:stCondLst>
+                            <p:childTnLst>
+                              <p:par>
+                                <p:cTn id="26" presetID="21" presetClass="entr" presetSubtype="1" fill="hold" grpId="0" nodeType="clickEffect">
+                                  <p:stCondLst>
+                                    <p:cond delay="0"/>
+                                  </p:stCondLst>
+                                  <p:childTnLst>
+                                    <p:set>
+                                      <p:cBhvr>
+                                        <p:cTn id="27" dur="1" fill="hold">
+                                          <p:stCondLst>
+                                            <p:cond delay="0"/>
+                                          </p:stCondLst>
+                                        </p:cTn>
+                                        <p:tgtEl>
+                                          <p:spTgt spid="3"/>
+                                        </p:tgtEl>
+                                        <p:attrNameLst>
+                                          <p:attrName>style.visibility</p:attrName>
+                                        </p:attrNameLst>
+                                      </p:cBhvr>
+                                      <p:to>
+                                        <p:strVal val="visible"/>
+                                      </p:to>
+                                    </p:set>
+                                    <p:animEffect transition="in" filter="wheel(1)">
+                                      <p:cBhvr>
+                                        <p:cTn id="28" dur="2000"/>
+                                        <p:tgtEl>
+                                          <p:spTgt spid="3"/>
+                                        </p:tgtEl>
+                                      </p:cBhvr>
+                                    </p:animEffect>
+                                  </p:childTnLst>
+                                </p:cTn>
+                              </p:par>
+                            </p:childTnLst>
+                          </p:cTn>
+                        </p:par>
+                      </p:childTnLst>
+                    </p:cTn>
+                  </p:par>
+                </p:childTnLst>
+              </p:cTn>
+              <p:prevCondLst>
+                <p:cond evt="onPrev" delay="0">
+                  <p:tgtEl>
+                    <p:sldTgt/>
+                  </p:tgtEl>
+                </p:cond>
+              </p:prevCondLst>
+              <p:nextCondLst>
+                <p:cond evt="onNext" delay="0">
+                  <p:tgtEl>
+                    <p:sldTgt/>
+                  </p:tgtEl>
+                </p:cond>
+              </p:nextCondLst>
+            </p:seq>
+          </p:childTnLst>
+        </p:cTn>
+      </p:par>
+    </p:tnLst>
+    <p:bldLst>
+      <p:bldP spid="7" grpId="0" build="p"/>
+      <p:bldP spid="3" grpId="0"/>
+    </p:bldLst>
+  </p:timing>
+</p:sld>
+</file>
+
+<file path=ppt/slides/slide15.xml><?xml version="1.0" encoding="utf-8"?>
+<p:sld xmlns:a="http://schemas.openxmlformats.org/drawingml/2006/main" xmlns:r="http://schemas.openxmlformats.org/officeDocument/2006/relationships" xmlns:p="http://schemas.openxmlformats.org/presentationml/2006/main">
+  <p:cSld>
+    <p:spTree>
+      <p:nvGrpSpPr>
+        <p:cNvPr id="1" name=""/>
+        <p:cNvGrpSpPr/>
+        <p:nvPr/>
+      </p:nvGrpSpPr>
+      <p:grpSpPr>
+        <a:xfrm>
+          <a:off x="0" y="0"/>
+          <a:ext cx="0" cy="0"/>
+          <a:chOff x="0" y="0"/>
+          <a:chExt cx="0" cy="0"/>
+        </a:xfrm>
+      </p:grpSpPr>
+      <p:sp>
+        <p:nvSpPr>
+          <p:cNvPr id="7" name="Platshållare för innehåll 6">
+            <a:extLst>
+              <a:ext uri="{FF2B5EF4-FFF2-40B4-BE49-F238E27FC236}">
+                <a16:creationId xmlns:a16="http://schemas.microsoft.com/office/drawing/2014/main" id="{70C63E1D-970F-4A56-8DC8-29C0FFCE4B32}"/>
+              </a:ext>
+            </a:extLst>
+          </p:cNvPr>
+          <p:cNvSpPr>
+            <a:spLocks noGrp="1"/>
+          </p:cNvSpPr>
+          <p:nvPr>
+            <p:ph idx="1"/>
+          </p:nvPr>
+        </p:nvSpPr>
+        <p:spPr>
+          <a:xfrm>
+            <a:off x="369887" y="1404000"/>
+            <a:ext cx="10842609" cy="5148000"/>
+          </a:xfrm>
+        </p:spPr>
+        <p:txBody>
+          <a:bodyPr>
+            <a:normAutofit/>
+          </a:bodyPr>
+          <a:lstStyle/>
+          <a:p>
+            <a:r>
+              <a:rPr lang="en-US" dirty="0"/>
+              <a:t>Setup all topics you want to work with</a:t>
+            </a:r>
+          </a:p>
+          <a:p>
+            <a:r>
+              <a:rPr lang="en-US" dirty="0"/>
+              <a:t>Global or Local sessions</a:t>
+            </a:r>
+          </a:p>
+          <a:p>
+            <a:endParaRPr lang="en-US" dirty="0"/>
+          </a:p>
+          <a:p>
+            <a:endParaRPr lang="en-US" dirty="0"/>
+          </a:p>
+        </p:txBody>
+      </p:sp>
+      <p:sp>
+        <p:nvSpPr>
+          <p:cNvPr id="5" name="Platshållare för bildnummer 4">
+            <a:extLst>
+              <a:ext uri="{FF2B5EF4-FFF2-40B4-BE49-F238E27FC236}">
+                <a16:creationId xmlns:a16="http://schemas.microsoft.com/office/drawing/2014/main" id="{A38D3D32-A6D4-4A54-B035-415C6738F63B}"/>
+              </a:ext>
+            </a:extLst>
+          </p:cNvPr>
+          <p:cNvSpPr>
+            <a:spLocks noGrp="1"/>
+          </p:cNvSpPr>
+          <p:nvPr>
+            <p:ph type="sldNum" sz="quarter" idx="4"/>
+          </p:nvPr>
+        </p:nvSpPr>
+        <p:spPr/>
+        <p:txBody>
+          <a:bodyPr/>
+          <a:lstStyle/>
+          <a:p>
+            <a:fld id="{9B02D930-DB44-4942-904E-E6F11B0F3050}" type="slidenum">
+              <a:rPr lang="en-GB" smtClean="0"/>
+              <a:pPr/>
+              <a:t>15</a:t>
+            </a:fld>
+            <a:endParaRPr lang="en-GB" dirty="0"/>
+          </a:p>
+        </p:txBody>
+      </p:sp>
+      <p:sp>
+        <p:nvSpPr>
+          <p:cNvPr id="6" name="Rubrik 5">
+            <a:extLst>
+              <a:ext uri="{FF2B5EF4-FFF2-40B4-BE49-F238E27FC236}">
+                <a16:creationId xmlns:a16="http://schemas.microsoft.com/office/drawing/2014/main" id="{956DB316-F455-4DE9-8D4D-E8E30BF76BA1}"/>
+              </a:ext>
+            </a:extLst>
+          </p:cNvPr>
+          <p:cNvSpPr>
+            <a:spLocks noGrp="1"/>
+          </p:cNvSpPr>
+          <p:nvPr>
+            <p:ph type="title"/>
+          </p:nvPr>
+        </p:nvSpPr>
+        <p:spPr/>
+        <p:txBody>
+          <a:bodyPr/>
+          <a:lstStyle/>
+          <a:p>
+            <a:r>
+              <a:rPr lang="en-US" dirty="0"/>
+              <a:t>Flow – Sessions</a:t>
+            </a:r>
+          </a:p>
+        </p:txBody>
+      </p:sp>
+      <p:sp>
+        <p:nvSpPr>
+          <p:cNvPr id="3" name="textruta 2">
+            <a:extLst>
+              <a:ext uri="{FF2B5EF4-FFF2-40B4-BE49-F238E27FC236}">
+                <a16:creationId xmlns:a16="http://schemas.microsoft.com/office/drawing/2014/main" id="{161F4AAD-F0E5-4CEC-B7A9-19B4E012CF41}"/>
+              </a:ext>
+            </a:extLst>
+          </p:cNvPr>
+          <p:cNvSpPr txBox="1"/>
+          <p:nvPr/>
+        </p:nvSpPr>
+        <p:spPr>
+          <a:xfrm>
+            <a:off x="369887" y="3470168"/>
+            <a:ext cx="8529596" cy="1015663"/>
+          </a:xfrm>
+          <a:prstGeom prst="rect">
+            <a:avLst/>
+          </a:prstGeom>
+          <a:noFill/>
+          <a:ln>
+            <a:solidFill>
+              <a:schemeClr val="accent1"/>
+            </a:solidFill>
+          </a:ln>
+        </p:spPr>
+        <p:txBody>
+          <a:bodyPr wrap="square" rtlCol="0">
+            <a:spAutoFit/>
+          </a:bodyPr>
+          <a:lstStyle/>
+          <a:p>
+            <a:r>
+              <a:rPr lang="en-US" sz="1200" dirty="0">
+                <a:solidFill>
+                  <a:srgbClr val="008000"/>
+                </a:solidFill>
+                <a:latin typeface="Consolas" panose="020B0609020204030204" pitchFamily="49" charset="0"/>
+              </a:rPr>
+              <a:t>// Now we can get a session. A kind of a meeting room that is used to exchange various "topics"</a:t>
+            </a:r>
+            <a:endParaRPr lang="en-US" sz="1200" dirty="0">
+              <a:solidFill>
+                <a:srgbClr val="000000"/>
+              </a:solidFill>
+              <a:latin typeface="Consolas" panose="020B0609020204030204" pitchFamily="49" charset="0"/>
+            </a:endParaRPr>
+          </a:p>
+          <a:p>
+            <a:r>
+              <a:rPr lang="en-US" sz="1200" dirty="0" err="1">
+                <a:solidFill>
+                  <a:srgbClr val="000000"/>
+                </a:solidFill>
+                <a:latin typeface="Consolas" panose="020B0609020204030204" pitchFamily="49" charset="0"/>
+              </a:rPr>
+              <a:t>DistSession</a:t>
+            </a:r>
+            <a:r>
+              <a:rPr lang="en-US" sz="1200" dirty="0">
+                <a:solidFill>
+                  <a:srgbClr val="000000"/>
+                </a:solidFill>
+                <a:latin typeface="Consolas" panose="020B0609020204030204" pitchFamily="49" charset="0"/>
+              </a:rPr>
+              <a:t> session = </a:t>
+            </a:r>
+            <a:r>
+              <a:rPr lang="en-US" sz="1200" dirty="0" err="1">
+                <a:solidFill>
+                  <a:srgbClr val="000000"/>
+                </a:solidFill>
+                <a:latin typeface="Consolas" panose="020B0609020204030204" pitchFamily="49" charset="0"/>
+              </a:rPr>
+              <a:t>client.GetSession</a:t>
+            </a:r>
+            <a:r>
+              <a:rPr lang="en-US" sz="1200" dirty="0">
+                <a:solidFill>
+                  <a:srgbClr val="000000"/>
+                </a:solidFill>
+                <a:latin typeface="Consolas" panose="020B0609020204030204" pitchFamily="49" charset="0"/>
+              </a:rPr>
+              <a:t>(</a:t>
+            </a:r>
+            <a:r>
+              <a:rPr lang="en-US" sz="1200" dirty="0">
+                <a:solidFill>
+                  <a:srgbClr val="A31515"/>
+                </a:solidFill>
+                <a:latin typeface="Consolas" panose="020B0609020204030204" pitchFamily="49" charset="0"/>
+              </a:rPr>
+              <a:t>"</a:t>
+            </a:r>
+            <a:r>
+              <a:rPr lang="en-US" sz="1200" dirty="0" err="1">
+                <a:solidFill>
+                  <a:srgbClr val="A31515"/>
+                </a:solidFill>
+                <a:latin typeface="Consolas" panose="020B0609020204030204" pitchFamily="49" charset="0"/>
+              </a:rPr>
+              <a:t>MessageSession</a:t>
+            </a:r>
+            <a:r>
+              <a:rPr lang="en-US" sz="1200" dirty="0">
+                <a:solidFill>
+                  <a:srgbClr val="A31515"/>
+                </a:solidFill>
+                <a:latin typeface="Consolas" panose="020B0609020204030204" pitchFamily="49" charset="0"/>
+              </a:rPr>
+              <a:t>"</a:t>
+            </a:r>
+            <a:r>
+              <a:rPr lang="en-US" sz="1200" dirty="0">
+                <a:solidFill>
+                  <a:srgbClr val="000000"/>
+                </a:solidFill>
+                <a:latin typeface="Consolas" panose="020B0609020204030204" pitchFamily="49" charset="0"/>
+              </a:rPr>
+              <a:t>, </a:t>
+            </a:r>
+            <a:r>
+              <a:rPr lang="en-US" sz="1200" dirty="0">
+                <a:solidFill>
+                  <a:srgbClr val="0000FF"/>
+                </a:solidFill>
+                <a:latin typeface="Consolas" panose="020B0609020204030204" pitchFamily="49" charset="0"/>
+              </a:rPr>
+              <a:t>true</a:t>
+            </a:r>
+            <a:r>
+              <a:rPr lang="en-US" sz="1200" dirty="0">
+                <a:solidFill>
+                  <a:srgbClr val="000000"/>
+                </a:solidFill>
+                <a:latin typeface="Consolas" panose="020B0609020204030204" pitchFamily="49" charset="0"/>
+              </a:rPr>
+              <a:t>, </a:t>
+            </a:r>
+            <a:r>
+              <a:rPr lang="en-US" sz="1200" dirty="0">
+                <a:solidFill>
+                  <a:srgbClr val="0000FF"/>
+                </a:solidFill>
+                <a:latin typeface="Consolas" panose="020B0609020204030204" pitchFamily="49" charset="0"/>
+              </a:rPr>
+              <a:t>true</a:t>
+            </a:r>
+            <a:r>
+              <a:rPr lang="en-US" sz="1200" dirty="0">
+                <a:solidFill>
+                  <a:srgbClr val="000000"/>
+                </a:solidFill>
+                <a:latin typeface="Consolas" panose="020B0609020204030204" pitchFamily="49" charset="0"/>
+              </a:rPr>
+              <a:t>);</a:t>
+            </a:r>
+          </a:p>
+          <a:p>
+            <a:endParaRPr lang="en-US" sz="1200" dirty="0">
+              <a:solidFill>
+                <a:srgbClr val="000000"/>
+              </a:solidFill>
+              <a:latin typeface="Consolas" panose="020B0609020204030204" pitchFamily="49" charset="0"/>
+            </a:endParaRPr>
+          </a:p>
+          <a:p>
+            <a:r>
+              <a:rPr lang="en-US" sz="1200" dirty="0">
+                <a:solidFill>
+                  <a:srgbClr val="008000"/>
+                </a:solidFill>
+                <a:latin typeface="Consolas" panose="020B0609020204030204" pitchFamily="49" charset="0"/>
+              </a:rPr>
+              <a:t>// Join that session</a:t>
+            </a:r>
+            <a:endParaRPr lang="en-US" sz="1200" dirty="0">
+              <a:solidFill>
+                <a:srgbClr val="000000"/>
+              </a:solidFill>
+              <a:latin typeface="Consolas" panose="020B0609020204030204" pitchFamily="49" charset="0"/>
+            </a:endParaRPr>
+          </a:p>
+          <a:p>
+            <a:r>
+              <a:rPr lang="en-US" sz="1200" dirty="0" err="1">
+                <a:solidFill>
+                  <a:srgbClr val="000000"/>
+                </a:solidFill>
+                <a:latin typeface="Consolas" panose="020B0609020204030204" pitchFamily="49" charset="0"/>
+              </a:rPr>
+              <a:t>client.JoinSession</a:t>
+            </a:r>
+            <a:r>
+              <a:rPr lang="en-US" sz="1200" dirty="0">
+                <a:solidFill>
+                  <a:srgbClr val="000000"/>
+                </a:solidFill>
+                <a:latin typeface="Consolas" panose="020B0609020204030204" pitchFamily="49" charset="0"/>
+              </a:rPr>
+              <a:t>(session);</a:t>
+            </a:r>
+            <a:endParaRPr lang="en-US" sz="1200" dirty="0">
+              <a:latin typeface="Courier New" panose="02070309020205020404" pitchFamily="49" charset="0"/>
+              <a:cs typeface="Courier New" panose="02070309020205020404" pitchFamily="49" charset="0"/>
+            </a:endParaRPr>
+          </a:p>
+        </p:txBody>
+      </p:sp>
+      <p:pic>
+        <p:nvPicPr>
+          <p:cNvPr id="4" name="Bildobjekt 3">
+            <a:extLst>
+              <a:ext uri="{FF2B5EF4-FFF2-40B4-BE49-F238E27FC236}">
+                <a16:creationId xmlns:a16="http://schemas.microsoft.com/office/drawing/2014/main" id="{81CE7D66-BD71-471F-BE2B-1B16600EB291}"/>
+              </a:ext>
+            </a:extLst>
+          </p:cNvPr>
+          <p:cNvPicPr>
+            <a:picLocks noChangeAspect="1"/>
+          </p:cNvPicPr>
+          <p:nvPr/>
+        </p:nvPicPr>
+        <p:blipFill>
+          <a:blip r:embed="rId2"/>
+          <a:stretch>
+            <a:fillRect/>
+          </a:stretch>
+        </p:blipFill>
+        <p:spPr>
+          <a:xfrm>
+            <a:off x="8582599" y="1445104"/>
+            <a:ext cx="2884613" cy="1875960"/>
+          </a:xfrm>
+          <a:prstGeom prst="rect">
+            <a:avLst/>
+          </a:prstGeom>
+        </p:spPr>
+      </p:pic>
+    </p:spTree>
+    <p:extLst>
+      <p:ext uri="{BB962C8B-B14F-4D97-AF65-F5344CB8AC3E}">
+        <p14:creationId xmlns:p14="http://schemas.microsoft.com/office/powerpoint/2010/main" val="4137574747"/>
+      </p:ext>
+    </p:extLst>
+  </p:cSld>
+  <p:clrMapOvr>
+    <a:masterClrMapping/>
+  </p:clrMapOvr>
+  <mc:AlternateContent xmlns:mc="http://schemas.openxmlformats.org/markup-compatibility/2006" xmlns:p14="http://schemas.microsoft.com/office/powerpoint/2010/main">
+    <mc:Choice Requires="p14">
+      <p:transition spd="slow" p14:dur="6750" advClick="0"/>
+    </mc:Choice>
+    <mc:Fallback xmlns="">
+      <p:transition spd="slow" advClick="0"/>
+    </mc:Fallback>
+  </mc:AlternateContent>
+  <p:timing>
+    <p:tnLst>
+      <p:par>
+        <p:cTn id="1" dur="indefinite" restart="never" nodeType="tmRoot">
+          <p:childTnLst>
+            <p:seq concurrent="1" nextAc="seek">
+              <p:cTn id="2" dur="indefinite" nodeType="mainSeq">
+                <p:childTnLst>
+                  <p:par>
+                    <p:cTn id="3" fill="hold">
+                      <p:stCondLst>
+                        <p:cond delay="indefinite"/>
+                      </p:stCondLst>
+                      <p:childTnLst>
+                        <p:par>
+                          <p:cTn id="4" fill="hold">
+                            <p:stCondLst>
+                              <p:cond delay="0"/>
+                            </p:stCondLst>
+                            <p:childTnLst>
+                              <p:par>
+                                <p:cTn id="5" presetID="1" presetClass="entr" presetSubtype="0" fill="hold" grpId="0" nodeType="clickEffect">
+                                  <p:stCondLst>
+                                    <p:cond delay="0"/>
+                                  </p:stCondLst>
+                                  <p:childTnLst>
+                                    <p:set>
+                                      <p:cBhvr>
+                                        <p:cTn id="6" dur="1" fill="hold">
+                                          <p:stCondLst>
+                                            <p:cond delay="0"/>
+                                          </p:stCondLst>
+                                        </p:cTn>
+                                        <p:tgtEl>
+                                          <p:spTgt spid="7">
+                                            <p:txEl>
+                                              <p:pRg st="0" end="0"/>
+                                            </p:txEl>
+                                          </p:spTgt>
+                                        </p:tgtEl>
+                                        <p:attrNameLst>
+                                          <p:attrName>style.visibility</p:attrName>
+                                        </p:attrNameLst>
+                                      </p:cBhvr>
+                                      <p:to>
+                                        <p:strVal val="visible"/>
+                                      </p:to>
+                                    </p:set>
+                                  </p:childTnLst>
+                                </p:cTn>
+                              </p:par>
+                            </p:childTnLst>
+                          </p:cTn>
+                        </p:par>
+                      </p:childTnLst>
+                    </p:cTn>
+                  </p:par>
+                  <p:par>
+                    <p:cTn id="7" fill="hold">
+                      <p:stCondLst>
+                        <p:cond delay="indefinite"/>
+                      </p:stCondLst>
+                      <p:childTnLst>
+                        <p:par>
+                          <p:cTn id="8" fill="hold">
+                            <p:stCondLst>
+                              <p:cond delay="0"/>
+                            </p:stCondLst>
+                            <p:childTnLst>
+                              <p:par>
+                                <p:cTn id="9" presetID="1" presetClass="entr" presetSubtype="0" fill="hold" grpId="0" nodeType="clickEffect">
+                                  <p:stCondLst>
+                                    <p:cond delay="0"/>
+                                  </p:stCondLst>
+                                  <p:childTnLst>
+                                    <p:set>
+                                      <p:cBhvr>
+                                        <p:cTn id="10" dur="1" fill="hold">
+                                          <p:stCondLst>
+                                            <p:cond delay="0"/>
+                                          </p:stCondLst>
+                                        </p:cTn>
+                                        <p:tgtEl>
+                                          <p:spTgt spid="7">
+                                            <p:txEl>
+                                              <p:pRg st="1" end="1"/>
+                                            </p:txEl>
+                                          </p:spTgt>
+                                        </p:tgtEl>
+                                        <p:attrNameLst>
+                                          <p:attrName>style.visibility</p:attrName>
+                                        </p:attrNameLst>
+                                      </p:cBhvr>
+                                      <p:to>
+                                        <p:strVal val="visible"/>
+                                      </p:to>
+                                    </p:set>
+                                  </p:childTnLst>
+                                </p:cTn>
+                              </p:par>
+                            </p:childTnLst>
+                          </p:cTn>
+                        </p:par>
+                      </p:childTnLst>
+                    </p:cTn>
+                  </p:par>
+                  <p:par>
+                    <p:cTn id="11" fill="hold">
+                      <p:stCondLst>
+                        <p:cond delay="indefinite"/>
+                      </p:stCondLst>
+                      <p:childTnLst>
+                        <p:par>
+                          <p:cTn id="12" fill="hold">
+                            <p:stCondLst>
+                              <p:cond delay="0"/>
+                            </p:stCondLst>
+                            <p:childTnLst>
+                              <p:par>
+                                <p:cTn id="13" presetID="31" presetClass="entr" presetSubtype="0" fill="hold" nodeType="clickEffect">
+                                  <p:stCondLst>
+                                    <p:cond delay="0"/>
+                                  </p:stCondLst>
+                                  <p:childTnLst>
+                                    <p:set>
+                                      <p:cBhvr>
+                                        <p:cTn id="14" dur="1" fill="hold">
+                                          <p:stCondLst>
+                                            <p:cond delay="0"/>
+                                          </p:stCondLst>
+                                        </p:cTn>
+                                        <p:tgtEl>
+                                          <p:spTgt spid="4"/>
+                                        </p:tgtEl>
+                                        <p:attrNameLst>
+                                          <p:attrName>style.visibility</p:attrName>
+                                        </p:attrNameLst>
+                                      </p:cBhvr>
+                                      <p:to>
+                                        <p:strVal val="visible"/>
+                                      </p:to>
+                                    </p:set>
+                                    <p:anim calcmode="lin" valueType="num">
+                                      <p:cBhvr>
+                                        <p:cTn id="15" dur="1000" fill="hold"/>
+                                        <p:tgtEl>
+                                          <p:spTgt spid="4"/>
+                                        </p:tgtEl>
+                                        <p:attrNameLst>
+                                          <p:attrName>ppt_w</p:attrName>
+                                        </p:attrNameLst>
+                                      </p:cBhvr>
+                                      <p:tavLst>
+                                        <p:tav tm="0">
+                                          <p:val>
+                                            <p:fltVal val="0"/>
+                                          </p:val>
+                                        </p:tav>
+                                        <p:tav tm="100000">
+                                          <p:val>
+                                            <p:strVal val="#ppt_w"/>
+                                          </p:val>
+                                        </p:tav>
+                                      </p:tavLst>
+                                    </p:anim>
+                                    <p:anim calcmode="lin" valueType="num">
+                                      <p:cBhvr>
+                                        <p:cTn id="16" dur="1000" fill="hold"/>
+                                        <p:tgtEl>
+                                          <p:spTgt spid="4"/>
+                                        </p:tgtEl>
+                                        <p:attrNameLst>
+                                          <p:attrName>ppt_h</p:attrName>
+                                        </p:attrNameLst>
+                                      </p:cBhvr>
+                                      <p:tavLst>
+                                        <p:tav tm="0">
+                                          <p:val>
+                                            <p:fltVal val="0"/>
+                                          </p:val>
+                                        </p:tav>
+                                        <p:tav tm="100000">
+                                          <p:val>
+                                            <p:strVal val="#ppt_h"/>
+                                          </p:val>
+                                        </p:tav>
+                                      </p:tavLst>
+                                    </p:anim>
+                                    <p:anim calcmode="lin" valueType="num">
+                                      <p:cBhvr>
+                                        <p:cTn id="17" dur="1000" fill="hold"/>
+                                        <p:tgtEl>
+                                          <p:spTgt spid="4"/>
+                                        </p:tgtEl>
+                                        <p:attrNameLst>
+                                          <p:attrName>style.rotation</p:attrName>
+                                        </p:attrNameLst>
+                                      </p:cBhvr>
+                                      <p:tavLst>
+                                        <p:tav tm="0">
+                                          <p:val>
+                                            <p:fltVal val="90"/>
+                                          </p:val>
+                                        </p:tav>
+                                        <p:tav tm="100000">
+                                          <p:val>
+                                            <p:fltVal val="0"/>
+                                          </p:val>
+                                        </p:tav>
+                                      </p:tavLst>
+                                    </p:anim>
+                                    <p:animEffect transition="in" filter="fade">
+                                      <p:cBhvr>
+                                        <p:cTn id="18" dur="1000"/>
+                                        <p:tgtEl>
+                                          <p:spTgt spid="4"/>
+                                        </p:tgtEl>
+                                      </p:cBhvr>
+                                    </p:animEffect>
+                                  </p:childTnLst>
+                                </p:cTn>
+                              </p:par>
+                            </p:childTnLst>
+                          </p:cTn>
+                        </p:par>
+                      </p:childTnLst>
+                    </p:cTn>
+                  </p:par>
+                  <p:par>
+                    <p:cTn id="19" fill="hold">
+                      <p:stCondLst>
+                        <p:cond delay="indefinite"/>
+                      </p:stCondLst>
+                      <p:childTnLst>
+                        <p:par>
+                          <p:cTn id="20" fill="hold">
+                            <p:stCondLst>
+                              <p:cond delay="0"/>
+                            </p:stCondLst>
+                            <p:childTnLst>
+                              <p:par>
+                                <p:cTn id="21" presetID="21" presetClass="entr" presetSubtype="1" fill="hold" grpId="0" nodeType="clickEffect">
+                                  <p:stCondLst>
+                                    <p:cond delay="0"/>
+                                  </p:stCondLst>
+                                  <p:childTnLst>
+                                    <p:set>
+                                      <p:cBhvr>
+                                        <p:cTn id="22" dur="1" fill="hold">
+                                          <p:stCondLst>
+                                            <p:cond delay="0"/>
+                                          </p:stCondLst>
+                                        </p:cTn>
+                                        <p:tgtEl>
+                                          <p:spTgt spid="3"/>
+                                        </p:tgtEl>
+                                        <p:attrNameLst>
+                                          <p:attrName>style.visibility</p:attrName>
+                                        </p:attrNameLst>
+                                      </p:cBhvr>
+                                      <p:to>
+                                        <p:strVal val="visible"/>
+                                      </p:to>
+                                    </p:set>
+                                    <p:animEffect transition="in" filter="wheel(1)">
+                                      <p:cBhvr>
+                                        <p:cTn id="23" dur="2000"/>
+                                        <p:tgtEl>
+                                          <p:spTgt spid="3"/>
+                                        </p:tgtEl>
+                                      </p:cBhvr>
+                                    </p:animEffect>
+                                  </p:childTnLst>
+                                </p:cTn>
+                              </p:par>
+                            </p:childTnLst>
+                          </p:cTn>
+                        </p:par>
+                      </p:childTnLst>
+                    </p:cTn>
+                  </p:par>
+                </p:childTnLst>
+              </p:cTn>
+              <p:prevCondLst>
+                <p:cond evt="onPrev" delay="0">
+                  <p:tgtEl>
+                    <p:sldTgt/>
+                  </p:tgtEl>
+                </p:cond>
+              </p:prevCondLst>
+              <p:nextCondLst>
+                <p:cond evt="onNext" delay="0">
+                  <p:tgtEl>
+                    <p:sldTgt/>
+                  </p:tgtEl>
+                </p:cond>
+              </p:nextCondLst>
+            </p:seq>
+          </p:childTnLst>
+        </p:cTn>
+      </p:par>
+    </p:tnLst>
+    <p:bldLst>
+      <p:bldP spid="7" grpId="0" build="p"/>
+      <p:bldP spid="3" grpId="0" animBg="1"/>
+    </p:bldLst>
+  </p:timing>
+</p:sld>
+</file>
+
+<file path=ppt/slides/slide16.xml><?xml version="1.0" encoding="utf-8"?>
+<p:sld xmlns:a="http://schemas.openxmlformats.org/drawingml/2006/main" xmlns:r="http://schemas.openxmlformats.org/officeDocument/2006/relationships" xmlns:p="http://schemas.openxmlformats.org/presentationml/2006/main">
+  <p:cSld>
+    <p:spTree>
+      <p:nvGrpSpPr>
+        <p:cNvPr id="1" name=""/>
+        <p:cNvGrpSpPr/>
+        <p:nvPr/>
+      </p:nvGrpSpPr>
+      <p:grpSpPr>
+        <a:xfrm>
+          <a:off x="0" y="0"/>
+          <a:ext cx="0" cy="0"/>
+          <a:chOff x="0" y="0"/>
+          <a:chExt cx="0" cy="0"/>
+        </a:xfrm>
+      </p:grpSpPr>
+      <p:sp>
+        <p:nvSpPr>
+          <p:cNvPr id="7" name="Platshållare för innehåll 6">
+            <a:extLst>
+              <a:ext uri="{FF2B5EF4-FFF2-40B4-BE49-F238E27FC236}">
+                <a16:creationId xmlns:a16="http://schemas.microsoft.com/office/drawing/2014/main" id="{70C63E1D-970F-4A56-8DC8-29C0FFCE4B32}"/>
+              </a:ext>
+            </a:extLst>
+          </p:cNvPr>
+          <p:cNvSpPr>
+            <a:spLocks noGrp="1"/>
+          </p:cNvSpPr>
+          <p:nvPr>
+            <p:ph idx="1"/>
+          </p:nvPr>
+        </p:nvSpPr>
+        <p:spPr>
+          <a:xfrm>
+            <a:off x="369887" y="1404000"/>
+            <a:ext cx="10842609" cy="5148000"/>
+          </a:xfrm>
+        </p:spPr>
+        <p:txBody>
+          <a:bodyPr>
+            <a:normAutofit/>
+          </a:bodyPr>
+          <a:lstStyle/>
+          <a:p>
+            <a:r>
+              <a:rPr lang="en-US" dirty="0"/>
+              <a:t>Subscribe to show interest in event type</a:t>
+            </a:r>
+          </a:p>
+          <a:p>
+            <a:r>
+              <a:rPr lang="en-US" dirty="0"/>
+              <a:t>Use delegate to listen to events</a:t>
+            </a:r>
+          </a:p>
+          <a:p>
+            <a:endParaRPr lang="en-US" dirty="0"/>
+          </a:p>
+          <a:p>
+            <a:endParaRPr lang="en-US" dirty="0"/>
+          </a:p>
+        </p:txBody>
+      </p:sp>
+      <p:sp>
+        <p:nvSpPr>
+          <p:cNvPr id="5" name="Platshållare för bildnummer 4">
+            <a:extLst>
+              <a:ext uri="{FF2B5EF4-FFF2-40B4-BE49-F238E27FC236}">
+                <a16:creationId xmlns:a16="http://schemas.microsoft.com/office/drawing/2014/main" id="{A38D3D32-A6D4-4A54-B035-415C6738F63B}"/>
+              </a:ext>
+            </a:extLst>
+          </p:cNvPr>
+          <p:cNvSpPr>
+            <a:spLocks noGrp="1"/>
+          </p:cNvSpPr>
+          <p:nvPr>
+            <p:ph type="sldNum" sz="quarter" idx="4"/>
+          </p:nvPr>
+        </p:nvSpPr>
+        <p:spPr/>
+        <p:txBody>
+          <a:bodyPr/>
+          <a:lstStyle/>
+          <a:p>
+            <a:fld id="{9B02D930-DB44-4942-904E-E6F11B0F3050}" type="slidenum">
+              <a:rPr lang="en-GB" smtClean="0"/>
+              <a:pPr/>
+              <a:t>16</a:t>
+            </a:fld>
+            <a:endParaRPr lang="en-GB" dirty="0"/>
+          </a:p>
+        </p:txBody>
+      </p:sp>
+      <p:sp>
+        <p:nvSpPr>
+          <p:cNvPr id="6" name="Rubrik 5">
+            <a:extLst>
+              <a:ext uri="{FF2B5EF4-FFF2-40B4-BE49-F238E27FC236}">
+                <a16:creationId xmlns:a16="http://schemas.microsoft.com/office/drawing/2014/main" id="{956DB316-F455-4DE9-8D4D-E8E30BF76BA1}"/>
+              </a:ext>
+            </a:extLst>
+          </p:cNvPr>
+          <p:cNvSpPr>
+            <a:spLocks noGrp="1"/>
+          </p:cNvSpPr>
+          <p:nvPr>
+            <p:ph type="title"/>
+          </p:nvPr>
+        </p:nvSpPr>
+        <p:spPr/>
+        <p:txBody>
+          <a:bodyPr/>
+          <a:lstStyle/>
+          <a:p>
+            <a:r>
+              <a:rPr lang="en-US" dirty="0"/>
+              <a:t>Flow – Event Subscription</a:t>
+            </a:r>
+          </a:p>
+        </p:txBody>
+      </p:sp>
+      <p:sp>
+        <p:nvSpPr>
+          <p:cNvPr id="3" name="textruta 2">
+            <a:extLst>
+              <a:ext uri="{FF2B5EF4-FFF2-40B4-BE49-F238E27FC236}">
+                <a16:creationId xmlns:a16="http://schemas.microsoft.com/office/drawing/2014/main" id="{161F4AAD-F0E5-4CEC-B7A9-19B4E012CF41}"/>
+              </a:ext>
+            </a:extLst>
+          </p:cNvPr>
+          <p:cNvSpPr txBox="1"/>
+          <p:nvPr/>
+        </p:nvSpPr>
+        <p:spPr>
+          <a:xfrm>
+            <a:off x="369887" y="3470168"/>
+            <a:ext cx="8529596" cy="3231654"/>
+          </a:xfrm>
+          <a:prstGeom prst="rect">
+            <a:avLst/>
+          </a:prstGeom>
+          <a:noFill/>
+          <a:ln>
+            <a:solidFill>
+              <a:schemeClr val="accent1"/>
+            </a:solidFill>
+          </a:ln>
+        </p:spPr>
+        <p:txBody>
+          <a:bodyPr wrap="square" rtlCol="0">
+            <a:spAutoFit/>
+          </a:bodyPr>
+          <a:lstStyle/>
+          <a:p>
+            <a:r>
+              <a:rPr lang="en-US" sz="1200" dirty="0">
+                <a:solidFill>
+                  <a:srgbClr val="008000"/>
+                </a:solidFill>
+                <a:latin typeface="Consolas" panose="020B0609020204030204" pitchFamily="49" charset="0"/>
+              </a:rPr>
+              <a:t>// Subscribe standard events</a:t>
+            </a:r>
+            <a:endParaRPr lang="en-US" sz="1200" dirty="0">
+              <a:solidFill>
+                <a:srgbClr val="000000"/>
+              </a:solidFill>
+              <a:latin typeface="Consolas" panose="020B0609020204030204" pitchFamily="49" charset="0"/>
+            </a:endParaRPr>
+          </a:p>
+          <a:p>
+            <a:r>
+              <a:rPr lang="en-US" sz="1200" dirty="0" err="1">
+                <a:solidFill>
+                  <a:srgbClr val="000000"/>
+                </a:solidFill>
+                <a:latin typeface="Consolas" panose="020B0609020204030204" pitchFamily="49" charset="0"/>
+              </a:rPr>
+              <a:t>client.SubscribeEvents</a:t>
+            </a:r>
+            <a:r>
+              <a:rPr lang="en-US" sz="1200" dirty="0">
+                <a:solidFill>
+                  <a:srgbClr val="000000"/>
+                </a:solidFill>
+                <a:latin typeface="Consolas" panose="020B0609020204030204" pitchFamily="49" charset="0"/>
+              </a:rPr>
+              <a:t>(session);</a:t>
+            </a:r>
+          </a:p>
+          <a:p>
+            <a:endParaRPr lang="en-US" sz="1200" dirty="0">
+              <a:solidFill>
+                <a:srgbClr val="000000"/>
+              </a:solidFill>
+              <a:latin typeface="Consolas" panose="020B0609020204030204" pitchFamily="49" charset="0"/>
+            </a:endParaRPr>
+          </a:p>
+          <a:p>
+            <a:r>
+              <a:rPr lang="en-US" sz="1200" dirty="0">
+                <a:solidFill>
+                  <a:srgbClr val="008000"/>
+                </a:solidFill>
+                <a:latin typeface="Consolas" panose="020B0609020204030204" pitchFamily="49" charset="0"/>
+              </a:rPr>
+              <a:t>// Create a </a:t>
+            </a:r>
+            <a:r>
+              <a:rPr lang="en-US" sz="1200" dirty="0" err="1">
+                <a:solidFill>
+                  <a:srgbClr val="008000"/>
+                </a:solidFill>
+                <a:latin typeface="Consolas" panose="020B0609020204030204" pitchFamily="49" charset="0"/>
+              </a:rPr>
+              <a:t>delegete</a:t>
+            </a:r>
+            <a:endParaRPr lang="en-US" sz="1200" dirty="0">
+              <a:solidFill>
+                <a:srgbClr val="000000"/>
+              </a:solidFill>
+              <a:latin typeface="Consolas" panose="020B0609020204030204" pitchFamily="49" charset="0"/>
+            </a:endParaRPr>
+          </a:p>
+          <a:p>
+            <a:r>
+              <a:rPr lang="en-US" sz="1200" dirty="0" err="1">
+                <a:solidFill>
+                  <a:srgbClr val="000000"/>
+                </a:solidFill>
+                <a:latin typeface="Consolas" panose="020B0609020204030204" pitchFamily="49" charset="0"/>
+              </a:rPr>
+              <a:t>client.OnEvent</a:t>
+            </a:r>
+            <a:r>
+              <a:rPr lang="en-US" sz="1200" dirty="0">
+                <a:solidFill>
+                  <a:srgbClr val="000000"/>
+                </a:solidFill>
+                <a:latin typeface="Consolas" panose="020B0609020204030204" pitchFamily="49" charset="0"/>
+              </a:rPr>
+              <a:t> += </a:t>
+            </a:r>
+            <a:r>
+              <a:rPr lang="en-US" sz="1200" dirty="0" err="1">
+                <a:solidFill>
+                  <a:srgbClr val="000000"/>
+                </a:solidFill>
+                <a:latin typeface="Consolas" panose="020B0609020204030204" pitchFamily="49" charset="0"/>
+              </a:rPr>
+              <a:t>Client_OnEvent</a:t>
+            </a:r>
+            <a:r>
+              <a:rPr lang="en-US" sz="1200" dirty="0">
+                <a:solidFill>
+                  <a:srgbClr val="000000"/>
+                </a:solidFill>
+                <a:latin typeface="Consolas" panose="020B0609020204030204" pitchFamily="49" charset="0"/>
+              </a:rPr>
+              <a:t>;</a:t>
+            </a:r>
+          </a:p>
+          <a:p>
+            <a:endParaRPr lang="en-US" sz="1200" dirty="0">
+              <a:solidFill>
+                <a:srgbClr val="000000"/>
+              </a:solidFill>
+              <a:latin typeface="Consolas" panose="020B0609020204030204" pitchFamily="49" charset="0"/>
+              <a:cs typeface="Courier New" panose="02070309020205020404" pitchFamily="49" charset="0"/>
+            </a:endParaRPr>
+          </a:p>
+          <a:p>
+            <a:r>
+              <a:rPr lang="en-US" sz="1200" dirty="0">
+                <a:solidFill>
+                  <a:srgbClr val="000000"/>
+                </a:solidFill>
+                <a:latin typeface="Consolas" panose="020B0609020204030204" pitchFamily="49" charset="0"/>
+                <a:cs typeface="Courier New" panose="02070309020205020404" pitchFamily="49" charset="0"/>
+              </a:rPr>
+              <a:t>---------------------------------------------------</a:t>
+            </a:r>
+          </a:p>
+          <a:p>
+            <a:endParaRPr lang="en-US" sz="1200" dirty="0">
+              <a:solidFill>
+                <a:srgbClr val="000000"/>
+              </a:solidFill>
+              <a:latin typeface="Consolas" panose="020B0609020204030204" pitchFamily="49" charset="0"/>
+              <a:cs typeface="Courier New" panose="02070309020205020404" pitchFamily="49" charset="0"/>
+            </a:endParaRPr>
+          </a:p>
+          <a:p>
+            <a:endParaRPr lang="en-US" sz="1200" dirty="0">
+              <a:solidFill>
+                <a:srgbClr val="000000"/>
+              </a:solidFill>
+              <a:latin typeface="Consolas" panose="020B0609020204030204" pitchFamily="49" charset="0"/>
+              <a:cs typeface="Courier New" panose="02070309020205020404" pitchFamily="49" charset="0"/>
+            </a:endParaRPr>
+          </a:p>
+          <a:p>
+            <a:r>
+              <a:rPr lang="en-US" sz="1200" dirty="0">
+                <a:solidFill>
+                  <a:srgbClr val="0000FF"/>
+                </a:solidFill>
+                <a:latin typeface="Consolas" panose="020B0609020204030204" pitchFamily="49" charset="0"/>
+              </a:rPr>
+              <a:t>private</a:t>
+            </a:r>
+            <a:r>
+              <a:rPr lang="en-US" sz="1200" dirty="0">
+                <a:solidFill>
+                  <a:srgbClr val="000000"/>
+                </a:solidFill>
+                <a:latin typeface="Consolas" panose="020B0609020204030204" pitchFamily="49" charset="0"/>
+              </a:rPr>
+              <a:t> </a:t>
+            </a:r>
+            <a:r>
+              <a:rPr lang="en-US" sz="1200" dirty="0">
+                <a:solidFill>
+                  <a:srgbClr val="0000FF"/>
+                </a:solidFill>
+                <a:latin typeface="Consolas" panose="020B0609020204030204" pitchFamily="49" charset="0"/>
+              </a:rPr>
+              <a:t>static</a:t>
+            </a:r>
+            <a:r>
+              <a:rPr lang="en-US" sz="1200" dirty="0">
+                <a:solidFill>
+                  <a:srgbClr val="000000"/>
+                </a:solidFill>
+                <a:latin typeface="Consolas" panose="020B0609020204030204" pitchFamily="49" charset="0"/>
+              </a:rPr>
+              <a:t> </a:t>
+            </a:r>
+            <a:r>
+              <a:rPr lang="en-US" sz="1200" dirty="0">
+                <a:solidFill>
+                  <a:srgbClr val="0000FF"/>
+                </a:solidFill>
+                <a:latin typeface="Consolas" panose="020B0609020204030204" pitchFamily="49" charset="0"/>
+              </a:rPr>
+              <a:t>void</a:t>
+            </a:r>
+            <a:r>
+              <a:rPr lang="en-US" sz="1200" dirty="0">
+                <a:solidFill>
+                  <a:srgbClr val="000000"/>
+                </a:solidFill>
+                <a:latin typeface="Consolas" panose="020B0609020204030204" pitchFamily="49" charset="0"/>
+              </a:rPr>
+              <a:t> </a:t>
+            </a:r>
+            <a:r>
+              <a:rPr lang="en-US" sz="1200" dirty="0" err="1">
+                <a:solidFill>
+                  <a:srgbClr val="000000"/>
+                </a:solidFill>
+                <a:latin typeface="Consolas" panose="020B0609020204030204" pitchFamily="49" charset="0"/>
+              </a:rPr>
+              <a:t>Client_OnEvent</a:t>
+            </a:r>
+            <a:r>
+              <a:rPr lang="en-US" sz="1200" dirty="0">
+                <a:solidFill>
+                  <a:srgbClr val="000000"/>
+                </a:solidFill>
+                <a:latin typeface="Consolas" panose="020B0609020204030204" pitchFamily="49" charset="0"/>
+              </a:rPr>
+              <a:t>(</a:t>
+            </a:r>
+            <a:r>
+              <a:rPr lang="en-US" sz="1200" dirty="0" err="1">
+                <a:solidFill>
+                  <a:srgbClr val="000000"/>
+                </a:solidFill>
+                <a:latin typeface="Consolas" panose="020B0609020204030204" pitchFamily="49" charset="0"/>
+              </a:rPr>
+              <a:t>DistClient</a:t>
+            </a:r>
+            <a:r>
+              <a:rPr lang="en-US" sz="1200" dirty="0">
+                <a:solidFill>
+                  <a:srgbClr val="000000"/>
+                </a:solidFill>
+                <a:latin typeface="Consolas" panose="020B0609020204030204" pitchFamily="49" charset="0"/>
+              </a:rPr>
+              <a:t> sender, </a:t>
+            </a:r>
+            <a:r>
+              <a:rPr lang="en-US" sz="1200" dirty="0" err="1">
+                <a:solidFill>
+                  <a:srgbClr val="000000"/>
+                </a:solidFill>
+                <a:latin typeface="Consolas" panose="020B0609020204030204" pitchFamily="49" charset="0"/>
+              </a:rPr>
+              <a:t>DistEvent</a:t>
+            </a:r>
+            <a:r>
+              <a:rPr lang="en-US" sz="1200" dirty="0">
+                <a:solidFill>
+                  <a:srgbClr val="000000"/>
+                </a:solidFill>
+                <a:latin typeface="Consolas" panose="020B0609020204030204" pitchFamily="49" charset="0"/>
+              </a:rPr>
+              <a:t> e)</a:t>
+            </a:r>
+          </a:p>
+          <a:p>
+            <a:r>
+              <a:rPr lang="en-US" sz="1200" dirty="0">
+                <a:solidFill>
+                  <a:srgbClr val="000000"/>
+                </a:solidFill>
+                <a:latin typeface="Consolas" panose="020B0609020204030204" pitchFamily="49" charset="0"/>
+              </a:rPr>
+              <a:t>{</a:t>
+            </a:r>
+          </a:p>
+          <a:p>
+            <a:r>
+              <a:rPr lang="en-US" sz="1200" dirty="0">
+                <a:solidFill>
+                  <a:srgbClr val="008000"/>
+                </a:solidFill>
+                <a:latin typeface="Consolas" panose="020B0609020204030204" pitchFamily="49" charset="0"/>
+              </a:rPr>
+              <a:t>    // Check if message is from us</a:t>
+            </a:r>
+            <a:endParaRPr lang="en-US" sz="1200" dirty="0">
+              <a:solidFill>
+                <a:srgbClr val="000000"/>
+              </a:solidFill>
+              <a:latin typeface="Consolas" panose="020B0609020204030204" pitchFamily="49" charset="0"/>
+            </a:endParaRPr>
+          </a:p>
+          <a:p>
+            <a:r>
+              <a:rPr lang="en-US" sz="1200" dirty="0">
+                <a:solidFill>
+                  <a:srgbClr val="000000"/>
+                </a:solidFill>
+                <a:latin typeface="Consolas" panose="020B0609020204030204" pitchFamily="49" charset="0"/>
+              </a:rPr>
+              <a:t>    </a:t>
+            </a:r>
+            <a:r>
+              <a:rPr lang="en-US" sz="1200" dirty="0">
+                <a:solidFill>
+                  <a:srgbClr val="0000FF"/>
+                </a:solidFill>
+                <a:latin typeface="Consolas" panose="020B0609020204030204" pitchFamily="49" charset="0"/>
+              </a:rPr>
+              <a:t>if</a:t>
+            </a:r>
+            <a:r>
+              <a:rPr lang="en-US" sz="1200" dirty="0">
+                <a:solidFill>
+                  <a:srgbClr val="000000"/>
+                </a:solidFill>
+                <a:latin typeface="Consolas" panose="020B0609020204030204" pitchFamily="49" charset="0"/>
+              </a:rPr>
+              <a:t> (</a:t>
+            </a:r>
+            <a:r>
+              <a:rPr lang="en-US" sz="1200" dirty="0" err="1">
+                <a:solidFill>
+                  <a:srgbClr val="000000"/>
+                </a:solidFill>
+                <a:latin typeface="Consolas" panose="020B0609020204030204" pitchFamily="49" charset="0"/>
+              </a:rPr>
+              <a:t>e.GetSource</a:t>
+            </a:r>
+            <a:r>
+              <a:rPr lang="en-US" sz="1200" dirty="0">
+                <a:solidFill>
+                  <a:srgbClr val="000000"/>
+                </a:solidFill>
+                <a:latin typeface="Consolas" panose="020B0609020204030204" pitchFamily="49" charset="0"/>
+              </a:rPr>
+              <a:t>() == </a:t>
+            </a:r>
+            <a:r>
+              <a:rPr lang="en-US" sz="1200" dirty="0" err="1">
+                <a:solidFill>
+                  <a:srgbClr val="000000"/>
+                </a:solidFill>
+                <a:latin typeface="Consolas" panose="020B0609020204030204" pitchFamily="49" charset="0"/>
+              </a:rPr>
+              <a:t>sender.GetClientID</a:t>
+            </a:r>
+            <a:r>
+              <a:rPr lang="en-US" sz="1200" dirty="0">
+                <a:solidFill>
+                  <a:srgbClr val="000000"/>
+                </a:solidFill>
+                <a:latin typeface="Consolas" panose="020B0609020204030204" pitchFamily="49" charset="0"/>
+              </a:rPr>
+              <a:t>().</a:t>
+            </a:r>
+            <a:r>
+              <a:rPr lang="en-US" sz="1200" dirty="0" err="1">
+                <a:solidFill>
+                  <a:srgbClr val="000000"/>
+                </a:solidFill>
+                <a:latin typeface="Consolas" panose="020B0609020204030204" pitchFamily="49" charset="0"/>
+              </a:rPr>
+              <a:t>InstanceID</a:t>
+            </a:r>
+            <a:r>
+              <a:rPr lang="en-US" sz="1200" dirty="0">
+                <a:solidFill>
+                  <a:srgbClr val="000000"/>
+                </a:solidFill>
+                <a:latin typeface="Consolas" panose="020B0609020204030204" pitchFamily="49" charset="0"/>
+              </a:rPr>
+              <a:t>)</a:t>
+            </a:r>
+          </a:p>
+          <a:p>
+            <a:r>
+              <a:rPr lang="en-US" sz="1200" dirty="0">
+                <a:solidFill>
+                  <a:srgbClr val="000000"/>
+                </a:solidFill>
+                <a:latin typeface="Consolas" panose="020B0609020204030204" pitchFamily="49" charset="0"/>
+              </a:rPr>
+              <a:t>        </a:t>
+            </a:r>
+            <a:r>
+              <a:rPr lang="en-US" sz="1200" dirty="0">
+                <a:solidFill>
+                  <a:srgbClr val="0000FF"/>
+                </a:solidFill>
+                <a:latin typeface="Consolas" panose="020B0609020204030204" pitchFamily="49" charset="0"/>
+              </a:rPr>
+              <a:t>return</a:t>
+            </a:r>
+            <a:r>
+              <a:rPr lang="en-US" sz="1200" dirty="0">
+                <a:solidFill>
+                  <a:srgbClr val="000000"/>
+                </a:solidFill>
+                <a:latin typeface="Consolas" panose="020B0609020204030204" pitchFamily="49" charset="0"/>
+              </a:rPr>
+              <a:t>;</a:t>
+            </a:r>
+          </a:p>
+          <a:p>
+            <a:endParaRPr lang="en-US" sz="1200" dirty="0">
+              <a:solidFill>
+                <a:srgbClr val="000000"/>
+              </a:solidFill>
+              <a:latin typeface="Consolas" panose="020B0609020204030204" pitchFamily="49" charset="0"/>
+            </a:endParaRPr>
+          </a:p>
+          <a:p>
+            <a:r>
+              <a:rPr lang="en-US" sz="1200" dirty="0">
+                <a:solidFill>
+                  <a:srgbClr val="000000"/>
+                </a:solidFill>
+                <a:latin typeface="Consolas" panose="020B0609020204030204" pitchFamily="49" charset="0"/>
+              </a:rPr>
+              <a:t>    </a:t>
+            </a:r>
+            <a:r>
+              <a:rPr lang="en-US" sz="1200" dirty="0" err="1">
+                <a:solidFill>
+                  <a:srgbClr val="000000"/>
+                </a:solidFill>
+                <a:latin typeface="Consolas" panose="020B0609020204030204" pitchFamily="49" charset="0"/>
+              </a:rPr>
+              <a:t>System.Console.WriteLine</a:t>
+            </a:r>
+            <a:r>
+              <a:rPr lang="en-US" sz="1200" dirty="0">
+                <a:solidFill>
+                  <a:srgbClr val="000000"/>
+                </a:solidFill>
+                <a:latin typeface="Consolas" panose="020B0609020204030204" pitchFamily="49" charset="0"/>
+              </a:rPr>
+              <a:t>(</a:t>
+            </a:r>
+            <a:r>
+              <a:rPr lang="en-US" sz="1200" dirty="0" err="1">
+                <a:solidFill>
+                  <a:srgbClr val="000000"/>
+                </a:solidFill>
+                <a:latin typeface="Consolas" panose="020B0609020204030204" pitchFamily="49" charset="0"/>
+              </a:rPr>
+              <a:t>e.ToString</a:t>
+            </a:r>
+            <a:r>
+              <a:rPr lang="en-US" sz="1200" dirty="0">
+                <a:solidFill>
+                  <a:srgbClr val="000000"/>
+                </a:solidFill>
+                <a:latin typeface="Consolas" panose="020B0609020204030204" pitchFamily="49" charset="0"/>
+              </a:rPr>
+              <a:t>());</a:t>
+            </a:r>
+          </a:p>
+          <a:p>
+            <a:r>
+              <a:rPr lang="en-US" sz="1200" dirty="0">
+                <a:solidFill>
+                  <a:srgbClr val="000000"/>
+                </a:solidFill>
+                <a:latin typeface="Consolas" panose="020B0609020204030204" pitchFamily="49" charset="0"/>
+              </a:rPr>
+              <a:t>}</a:t>
+            </a:r>
+            <a:endParaRPr lang="en-US" sz="1200" dirty="0">
+              <a:latin typeface="Courier New" panose="02070309020205020404" pitchFamily="49" charset="0"/>
+              <a:cs typeface="Courier New" panose="02070309020205020404" pitchFamily="49" charset="0"/>
+            </a:endParaRPr>
+          </a:p>
+        </p:txBody>
+      </p:sp>
+      <p:pic>
+        <p:nvPicPr>
+          <p:cNvPr id="2" name="Bildobjekt 1">
+            <a:extLst>
+              <a:ext uri="{FF2B5EF4-FFF2-40B4-BE49-F238E27FC236}">
+                <a16:creationId xmlns:a16="http://schemas.microsoft.com/office/drawing/2014/main" id="{B97F4557-5B50-49D4-9501-F8057ECDB286}"/>
+              </a:ext>
+            </a:extLst>
+          </p:cNvPr>
+          <p:cNvPicPr>
+            <a:picLocks noChangeAspect="1"/>
+          </p:cNvPicPr>
+          <p:nvPr/>
+        </p:nvPicPr>
+        <p:blipFill>
+          <a:blip r:embed="rId2"/>
+          <a:stretch>
+            <a:fillRect/>
+          </a:stretch>
+        </p:blipFill>
+        <p:spPr>
+          <a:xfrm>
+            <a:off x="8224290" y="1698363"/>
+            <a:ext cx="1713530" cy="1206749"/>
+          </a:xfrm>
+          <a:prstGeom prst="rect">
+            <a:avLst/>
+          </a:prstGeom>
+        </p:spPr>
+      </p:pic>
+    </p:spTree>
+    <p:extLst>
+      <p:ext uri="{BB962C8B-B14F-4D97-AF65-F5344CB8AC3E}">
+        <p14:creationId xmlns:p14="http://schemas.microsoft.com/office/powerpoint/2010/main" val="1334439937"/>
+      </p:ext>
+    </p:extLst>
+  </p:cSld>
+  <p:clrMapOvr>
+    <a:masterClrMapping/>
+  </p:clrMapOvr>
+  <mc:AlternateContent xmlns:mc="http://schemas.openxmlformats.org/markup-compatibility/2006" xmlns:p14="http://schemas.microsoft.com/office/powerpoint/2010/main">
+    <mc:Choice Requires="p14">
+      <p:transition spd="slow" p14:dur="6750" advClick="0"/>
+    </mc:Choice>
+    <mc:Fallback xmlns="">
+      <p:transition spd="slow" advClick="0"/>
+    </mc:Fallback>
+  </mc:AlternateContent>
+  <p:timing>
+    <p:tnLst>
+      <p:par>
+        <p:cTn id="1" dur="indefinite" restart="never" nodeType="tmRoot">
+          <p:childTnLst>
+            <p:seq concurrent="1" nextAc="seek">
+              <p:cTn id="2" dur="indefinite" nodeType="mainSeq">
+                <p:childTnLst>
+                  <p:par>
+                    <p:cTn id="3" fill="hold">
+                      <p:stCondLst>
+                        <p:cond delay="indefinite"/>
+                      </p:stCondLst>
+                      <p:childTnLst>
+                        <p:par>
+                          <p:cTn id="4" fill="hold">
+                            <p:stCondLst>
+                              <p:cond delay="0"/>
+                            </p:stCondLst>
+                            <p:childTnLst>
+                              <p:par>
+                                <p:cTn id="5" presetID="1" presetClass="entr" presetSubtype="0" fill="hold" grpId="0" nodeType="clickEffect">
+                                  <p:stCondLst>
+                                    <p:cond delay="0"/>
+                                  </p:stCondLst>
+                                  <p:childTnLst>
+                                    <p:set>
+                                      <p:cBhvr>
+                                        <p:cTn id="6" dur="1" fill="hold">
+                                          <p:stCondLst>
+                                            <p:cond delay="0"/>
+                                          </p:stCondLst>
+                                        </p:cTn>
+                                        <p:tgtEl>
+                                          <p:spTgt spid="7">
+                                            <p:txEl>
+                                              <p:pRg st="0" end="0"/>
+                                            </p:txEl>
+                                          </p:spTgt>
+                                        </p:tgtEl>
+                                        <p:attrNameLst>
+                                          <p:attrName>style.visibility</p:attrName>
+                                        </p:attrNameLst>
+                                      </p:cBhvr>
+                                      <p:to>
+                                        <p:strVal val="visible"/>
+                                      </p:to>
+                                    </p:set>
+                                  </p:childTnLst>
+                                </p:cTn>
+                              </p:par>
+                            </p:childTnLst>
+                          </p:cTn>
+                        </p:par>
+                      </p:childTnLst>
+                    </p:cTn>
+                  </p:par>
+                  <p:par>
+                    <p:cTn id="7" fill="hold">
+                      <p:stCondLst>
+                        <p:cond delay="indefinite"/>
+                      </p:stCondLst>
+                      <p:childTnLst>
+                        <p:par>
+                          <p:cTn id="8" fill="hold">
+                            <p:stCondLst>
+                              <p:cond delay="0"/>
+                            </p:stCondLst>
+                            <p:childTnLst>
+                              <p:par>
+                                <p:cTn id="9" presetID="1" presetClass="entr" presetSubtype="0" fill="hold" grpId="0" nodeType="clickEffect">
+                                  <p:stCondLst>
+                                    <p:cond delay="0"/>
+                                  </p:stCondLst>
+                                  <p:childTnLst>
+                                    <p:set>
+                                      <p:cBhvr>
+                                        <p:cTn id="10" dur="1" fill="hold">
+                                          <p:stCondLst>
+                                            <p:cond delay="0"/>
+                                          </p:stCondLst>
+                                        </p:cTn>
+                                        <p:tgtEl>
+                                          <p:spTgt spid="7">
+                                            <p:txEl>
+                                              <p:pRg st="1" end="1"/>
+                                            </p:txEl>
+                                          </p:spTgt>
+                                        </p:tgtEl>
+                                        <p:attrNameLst>
+                                          <p:attrName>style.visibility</p:attrName>
+                                        </p:attrNameLst>
+                                      </p:cBhvr>
+                                      <p:to>
+                                        <p:strVal val="visible"/>
+                                      </p:to>
+                                    </p:set>
+                                  </p:childTnLst>
+                                </p:cTn>
+                              </p:par>
+                              <p:par>
+                                <p:cTn id="11" presetID="1" presetClass="entr" presetSubtype="0" fill="hold" nodeType="withEffect">
+                                  <p:stCondLst>
+                                    <p:cond delay="0"/>
+                                  </p:stCondLst>
+                                  <p:childTnLst>
+                                    <p:set>
+                                      <p:cBhvr>
+                                        <p:cTn id="12" dur="1" fill="hold">
+                                          <p:stCondLst>
+                                            <p:cond delay="0"/>
+                                          </p:stCondLst>
+                                        </p:cTn>
+                                        <p:tgtEl>
+                                          <p:spTgt spid="2"/>
+                                        </p:tgtEl>
+                                        <p:attrNameLst>
+                                          <p:attrName>style.visibility</p:attrName>
+                                        </p:attrNameLst>
+                                      </p:cBhvr>
+                                      <p:to>
+                                        <p:strVal val="visible"/>
+                                      </p:to>
+                                    </p:set>
+                                  </p:childTnLst>
+                                </p:cTn>
+                              </p:par>
+                            </p:childTnLst>
+                          </p:cTn>
+                        </p:par>
+                      </p:childTnLst>
+                    </p:cTn>
+                  </p:par>
+                  <p:par>
+                    <p:cTn id="13" fill="hold">
+                      <p:stCondLst>
+                        <p:cond delay="indefinite"/>
+                      </p:stCondLst>
+                      <p:childTnLst>
+                        <p:par>
+                          <p:cTn id="14" fill="hold">
+                            <p:stCondLst>
+                              <p:cond delay="0"/>
+                            </p:stCondLst>
+                            <p:childTnLst>
+                              <p:par>
+                                <p:cTn id="15" presetID="21" presetClass="entr" presetSubtype="1" fill="hold" grpId="0" nodeType="clickEffect">
+                                  <p:stCondLst>
+                                    <p:cond delay="0"/>
+                                  </p:stCondLst>
+                                  <p:childTnLst>
+                                    <p:set>
+                                      <p:cBhvr>
+                                        <p:cTn id="16" dur="1" fill="hold">
+                                          <p:stCondLst>
+                                            <p:cond delay="0"/>
+                                          </p:stCondLst>
+                                        </p:cTn>
+                                        <p:tgtEl>
+                                          <p:spTgt spid="3"/>
+                                        </p:tgtEl>
+                                        <p:attrNameLst>
+                                          <p:attrName>style.visibility</p:attrName>
+                                        </p:attrNameLst>
+                                      </p:cBhvr>
+                                      <p:to>
+                                        <p:strVal val="visible"/>
+                                      </p:to>
+                                    </p:set>
+                                    <p:animEffect transition="in" filter="wheel(1)">
+                                      <p:cBhvr>
+                                        <p:cTn id="17" dur="2000"/>
+                                        <p:tgtEl>
+                                          <p:spTgt spid="3"/>
+                                        </p:tgtEl>
+                                      </p:cBhvr>
+                                    </p:animEffect>
+                                  </p:childTnLst>
+                                </p:cTn>
+                              </p:par>
+                            </p:childTnLst>
+                          </p:cTn>
+                        </p:par>
+                      </p:childTnLst>
+                    </p:cTn>
+                  </p:par>
+                </p:childTnLst>
+              </p:cTn>
+              <p:prevCondLst>
+                <p:cond evt="onPrev" delay="0">
+                  <p:tgtEl>
+                    <p:sldTgt/>
+                  </p:tgtEl>
+                </p:cond>
+              </p:prevCondLst>
+              <p:nextCondLst>
+                <p:cond evt="onNext" delay="0">
+                  <p:tgtEl>
+                    <p:sldTgt/>
+                  </p:tgtEl>
+                </p:cond>
+              </p:nextCondLst>
+            </p:seq>
+          </p:childTnLst>
+        </p:cTn>
+      </p:par>
+    </p:tnLst>
+    <p:bldLst>
+      <p:bldP spid="7" grpId="0" uiExpand="1" build="p"/>
+      <p:bldP spid="3" grpId="0" animBg="1"/>
+    </p:bldLst>
+  </p:timing>
+</p:sld>
+</file>
+
+<file path=ppt/slides/slide17.xml><?xml version="1.0" encoding="utf-8"?>
+<p:sld xmlns:a="http://schemas.openxmlformats.org/drawingml/2006/main" xmlns:r="http://schemas.openxmlformats.org/officeDocument/2006/relationships" xmlns:p="http://schemas.openxmlformats.org/presentationml/2006/main">
+  <p:cSld>
+    <p:spTree>
+      <p:nvGrpSpPr>
+        <p:cNvPr id="1" name=""/>
+        <p:cNvGrpSpPr/>
+        <p:nvPr/>
+      </p:nvGrpSpPr>
+      <p:grpSpPr>
+        <a:xfrm>
+          <a:off x="0" y="0"/>
+          <a:ext cx="0" cy="0"/>
+          <a:chOff x="0" y="0"/>
+          <a:chExt cx="0" cy="0"/>
+        </a:xfrm>
+      </p:grpSpPr>
+      <p:sp>
+        <p:nvSpPr>
+          <p:cNvPr id="7" name="Platshållare för innehåll 6">
+            <a:extLst>
+              <a:ext uri="{FF2B5EF4-FFF2-40B4-BE49-F238E27FC236}">
+                <a16:creationId xmlns:a16="http://schemas.microsoft.com/office/drawing/2014/main" id="{70C63E1D-970F-4A56-8DC8-29C0FFCE4B32}"/>
+              </a:ext>
+            </a:extLst>
+          </p:cNvPr>
+          <p:cNvSpPr>
+            <a:spLocks noGrp="1"/>
+          </p:cNvSpPr>
+          <p:nvPr>
+            <p:ph idx="1"/>
+          </p:nvPr>
+        </p:nvSpPr>
+        <p:spPr>
+          <a:xfrm>
+            <a:off x="369887" y="1404000"/>
+            <a:ext cx="10842609" cy="5148000"/>
+          </a:xfrm>
+        </p:spPr>
+        <p:txBody>
+          <a:bodyPr>
+            <a:normAutofit/>
+          </a:bodyPr>
+          <a:lstStyle/>
+          <a:p>
+            <a:r>
+              <a:rPr lang="en-US" dirty="0"/>
+              <a:t>Subscribe to show interest in object type</a:t>
+            </a:r>
+          </a:p>
+          <a:p>
+            <a:r>
+              <a:rPr lang="en-US" dirty="0"/>
+              <a:t>Lots of freedom to configure subscriptions down to attributes</a:t>
+            </a:r>
+          </a:p>
+          <a:p>
+            <a:r>
+              <a:rPr lang="en-US" dirty="0"/>
+              <a:t>Use delegate to listen to different updates</a:t>
+            </a:r>
+          </a:p>
+          <a:p>
+            <a:r>
+              <a:rPr lang="en-US" dirty="0"/>
+              <a:t>Chain of subscriptions or just subscribe all</a:t>
+            </a:r>
+          </a:p>
+          <a:p>
+            <a:endParaRPr lang="en-US" dirty="0"/>
+          </a:p>
+          <a:p>
+            <a:endParaRPr lang="en-US" dirty="0"/>
+          </a:p>
+        </p:txBody>
+      </p:sp>
+      <p:sp>
+        <p:nvSpPr>
+          <p:cNvPr id="5" name="Platshållare för bildnummer 4">
+            <a:extLst>
+              <a:ext uri="{FF2B5EF4-FFF2-40B4-BE49-F238E27FC236}">
+                <a16:creationId xmlns:a16="http://schemas.microsoft.com/office/drawing/2014/main" id="{A38D3D32-A6D4-4A54-B035-415C6738F63B}"/>
+              </a:ext>
+            </a:extLst>
+          </p:cNvPr>
+          <p:cNvSpPr>
+            <a:spLocks noGrp="1"/>
+          </p:cNvSpPr>
+          <p:nvPr>
+            <p:ph type="sldNum" sz="quarter" idx="4"/>
+          </p:nvPr>
+        </p:nvSpPr>
+        <p:spPr/>
+        <p:txBody>
+          <a:bodyPr/>
+          <a:lstStyle/>
+          <a:p>
+            <a:fld id="{9B02D930-DB44-4942-904E-E6F11B0F3050}" type="slidenum">
+              <a:rPr lang="en-GB" smtClean="0"/>
+              <a:pPr/>
+              <a:t>17</a:t>
+            </a:fld>
+            <a:endParaRPr lang="en-GB" dirty="0"/>
+          </a:p>
+        </p:txBody>
+      </p:sp>
+      <p:sp>
+        <p:nvSpPr>
+          <p:cNvPr id="6" name="Rubrik 5">
+            <a:extLst>
+              <a:ext uri="{FF2B5EF4-FFF2-40B4-BE49-F238E27FC236}">
+                <a16:creationId xmlns:a16="http://schemas.microsoft.com/office/drawing/2014/main" id="{956DB316-F455-4DE9-8D4D-E8E30BF76BA1}"/>
+              </a:ext>
+            </a:extLst>
+          </p:cNvPr>
+          <p:cNvSpPr>
+            <a:spLocks noGrp="1"/>
+          </p:cNvSpPr>
+          <p:nvPr>
+            <p:ph type="title"/>
+          </p:nvPr>
+        </p:nvSpPr>
+        <p:spPr/>
+        <p:txBody>
+          <a:bodyPr/>
+          <a:lstStyle/>
+          <a:p>
+            <a:r>
+              <a:rPr lang="en-US" dirty="0"/>
+              <a:t>Flow – OBJECT Subscription</a:t>
+            </a:r>
+          </a:p>
+        </p:txBody>
+      </p:sp>
+      <p:pic>
+        <p:nvPicPr>
+          <p:cNvPr id="8" name="Bildobjekt 7">
+            <a:extLst>
+              <a:ext uri="{FF2B5EF4-FFF2-40B4-BE49-F238E27FC236}">
+                <a16:creationId xmlns:a16="http://schemas.microsoft.com/office/drawing/2014/main" id="{238F7B9A-A7D9-4199-84DE-8C8A169FF7BD}"/>
+              </a:ext>
+            </a:extLst>
+          </p:cNvPr>
+          <p:cNvPicPr>
+            <a:picLocks noChangeAspect="1"/>
+          </p:cNvPicPr>
+          <p:nvPr/>
+        </p:nvPicPr>
+        <p:blipFill>
+          <a:blip r:embed="rId2"/>
+          <a:stretch>
+            <a:fillRect/>
+          </a:stretch>
+        </p:blipFill>
+        <p:spPr>
+          <a:xfrm>
+            <a:off x="1388533" y="3834277"/>
+            <a:ext cx="6328602" cy="2717723"/>
+          </a:xfrm>
+          <a:prstGeom prst="rect">
+            <a:avLst/>
+          </a:prstGeom>
+        </p:spPr>
+      </p:pic>
+    </p:spTree>
+    <p:extLst>
+      <p:ext uri="{BB962C8B-B14F-4D97-AF65-F5344CB8AC3E}">
+        <p14:creationId xmlns:p14="http://schemas.microsoft.com/office/powerpoint/2010/main" val="332177988"/>
+      </p:ext>
+    </p:extLst>
+  </p:cSld>
+  <p:clrMapOvr>
+    <a:masterClrMapping/>
+  </p:clrMapOvr>
+  <mc:AlternateContent xmlns:mc="http://schemas.openxmlformats.org/markup-compatibility/2006" xmlns:p14="http://schemas.microsoft.com/office/powerpoint/2010/main">
+    <mc:Choice Requires="p14">
+      <p:transition spd="slow" p14:dur="6750" advClick="0"/>
+    </mc:Choice>
+    <mc:Fallback xmlns="">
+      <p:transition spd="slow" advClick="0"/>
+    </mc:Fallback>
+  </mc:AlternateContent>
+  <p:timing>
+    <p:tnLst>
+      <p:par>
+        <p:cTn id="1" dur="indefinite" restart="never" nodeType="tmRoot">
+          <p:childTnLst>
+            <p:seq concurrent="1" nextAc="seek">
+              <p:cTn id="2" dur="indefinite" nodeType="mainSeq">
+                <p:childTnLst>
+                  <p:par>
+                    <p:cTn id="3" fill="hold">
+                      <p:stCondLst>
+                        <p:cond delay="indefinite"/>
+                      </p:stCondLst>
+                      <p:childTnLst>
+                        <p:par>
+                          <p:cTn id="4" fill="hold">
+                            <p:stCondLst>
+                              <p:cond delay="0"/>
+                            </p:stCondLst>
+                            <p:childTnLst>
+                              <p:par>
+                                <p:cTn id="5" presetID="1" presetClass="entr" presetSubtype="0" fill="hold" grpId="0" nodeType="clickEffect">
+                                  <p:stCondLst>
+                                    <p:cond delay="0"/>
+                                  </p:stCondLst>
+                                  <p:childTnLst>
+                                    <p:set>
+                                      <p:cBhvr>
+                                        <p:cTn id="6" dur="1" fill="hold">
+                                          <p:stCondLst>
+                                            <p:cond delay="0"/>
+                                          </p:stCondLst>
+                                        </p:cTn>
+                                        <p:tgtEl>
+                                          <p:spTgt spid="7">
+                                            <p:txEl>
+                                              <p:pRg st="0" end="0"/>
+                                            </p:txEl>
+                                          </p:spTgt>
+                                        </p:tgtEl>
+                                        <p:attrNameLst>
+                                          <p:attrName>style.visibility</p:attrName>
+                                        </p:attrNameLst>
+                                      </p:cBhvr>
+                                      <p:to>
+                                        <p:strVal val="visible"/>
+                                      </p:to>
+                                    </p:set>
+                                  </p:childTnLst>
+                                </p:cTn>
+                              </p:par>
+                            </p:childTnLst>
+                          </p:cTn>
+                        </p:par>
+                      </p:childTnLst>
+                    </p:cTn>
+                  </p:par>
+                  <p:par>
+                    <p:cTn id="7" fill="hold">
+                      <p:stCondLst>
+                        <p:cond delay="indefinite"/>
+                      </p:stCondLst>
+                      <p:childTnLst>
+                        <p:par>
+                          <p:cTn id="8" fill="hold">
+                            <p:stCondLst>
+                              <p:cond delay="0"/>
+                            </p:stCondLst>
+                            <p:childTnLst>
+                              <p:par>
+                                <p:cTn id="9" presetID="1" presetClass="entr" presetSubtype="0" fill="hold" grpId="0" nodeType="clickEffect">
+                                  <p:stCondLst>
+                                    <p:cond delay="0"/>
+                                  </p:stCondLst>
+                                  <p:childTnLst>
+                                    <p:set>
+                                      <p:cBhvr>
+                                        <p:cTn id="10" dur="1" fill="hold">
+                                          <p:stCondLst>
+                                            <p:cond delay="0"/>
+                                          </p:stCondLst>
+                                        </p:cTn>
+                                        <p:tgtEl>
+                                          <p:spTgt spid="7">
+                                            <p:txEl>
+                                              <p:pRg st="1" end="1"/>
+                                            </p:txEl>
+                                          </p:spTgt>
+                                        </p:tgtEl>
+                                        <p:attrNameLst>
+                                          <p:attrName>style.visibility</p:attrName>
+                                        </p:attrNameLst>
+                                      </p:cBhvr>
+                                      <p:to>
+                                        <p:strVal val="visible"/>
+                                      </p:to>
+                                    </p:set>
+                                  </p:childTnLst>
+                                </p:cTn>
+                              </p:par>
+                            </p:childTnLst>
+                          </p:cTn>
+                        </p:par>
+                      </p:childTnLst>
+                    </p:cTn>
+                  </p:par>
+                  <p:par>
+                    <p:cTn id="11" fill="hold">
+                      <p:stCondLst>
+                        <p:cond delay="indefinite"/>
+                      </p:stCondLst>
+                      <p:childTnLst>
+                        <p:par>
+                          <p:cTn id="12" fill="hold">
+                            <p:stCondLst>
+                              <p:cond delay="0"/>
+                            </p:stCondLst>
+                            <p:childTnLst>
+                              <p:par>
+                                <p:cTn id="13" presetID="1" presetClass="entr" presetSubtype="0" fill="hold" grpId="0" nodeType="clickEffect">
+                                  <p:stCondLst>
+                                    <p:cond delay="0"/>
+                                  </p:stCondLst>
+                                  <p:childTnLst>
+                                    <p:set>
+                                      <p:cBhvr>
+                                        <p:cTn id="14" dur="1" fill="hold">
+                                          <p:stCondLst>
+                                            <p:cond delay="0"/>
+                                          </p:stCondLst>
+                                        </p:cTn>
+                                        <p:tgtEl>
+                                          <p:spTgt spid="7">
+                                            <p:txEl>
+                                              <p:pRg st="2" end="2"/>
+                                            </p:txEl>
+                                          </p:spTgt>
+                                        </p:tgtEl>
+                                        <p:attrNameLst>
+                                          <p:attrName>style.visibility</p:attrName>
+                                        </p:attrNameLst>
+                                      </p:cBhvr>
+                                      <p:to>
+                                        <p:strVal val="visible"/>
+                                      </p:to>
+                                    </p:set>
+                                  </p:childTnLst>
+                                </p:cTn>
+                              </p:par>
+                            </p:childTnLst>
+                          </p:cTn>
+                        </p:par>
+                      </p:childTnLst>
+                    </p:cTn>
+                  </p:par>
+                  <p:par>
+                    <p:cTn id="15" fill="hold">
+                      <p:stCondLst>
+                        <p:cond delay="indefinite"/>
+                      </p:stCondLst>
+                      <p:childTnLst>
+                        <p:par>
+                          <p:cTn id="16" fill="hold">
+                            <p:stCondLst>
+                              <p:cond delay="0"/>
+                            </p:stCondLst>
+                            <p:childTnLst>
+                              <p:par>
+                                <p:cTn id="17" presetID="1" presetClass="entr" presetSubtype="0" fill="hold" grpId="0" nodeType="clickEffect">
+                                  <p:stCondLst>
+                                    <p:cond delay="0"/>
+                                  </p:stCondLst>
+                                  <p:childTnLst>
+                                    <p:set>
+                                      <p:cBhvr>
+                                        <p:cTn id="18" dur="1" fill="hold">
+                                          <p:stCondLst>
+                                            <p:cond delay="0"/>
+                                          </p:stCondLst>
+                                        </p:cTn>
+                                        <p:tgtEl>
+                                          <p:spTgt spid="7">
+                                            <p:txEl>
+                                              <p:pRg st="3" end="3"/>
+                                            </p:txEl>
+                                          </p:spTgt>
+                                        </p:tgtEl>
+                                        <p:attrNameLst>
+                                          <p:attrName>style.visibility</p:attrName>
+                                        </p:attrNameLst>
+                                      </p:cBhvr>
+                                      <p:to>
+                                        <p:strVal val="visible"/>
+                                      </p:to>
+                                    </p:set>
+                                  </p:childTnLst>
+                                </p:cTn>
+                              </p:par>
+                            </p:childTnLst>
+                          </p:cTn>
+                        </p:par>
+                      </p:childTnLst>
+                    </p:cTn>
+                  </p:par>
+                  <p:par>
+                    <p:cTn id="19" fill="hold">
+                      <p:stCondLst>
+                        <p:cond delay="indefinite"/>
+                      </p:stCondLst>
+                      <p:childTnLst>
+                        <p:par>
+                          <p:cTn id="20" fill="hold">
+                            <p:stCondLst>
+                              <p:cond delay="0"/>
+                            </p:stCondLst>
+                            <p:childTnLst>
+                              <p:par>
+                                <p:cTn id="21" presetID="14" presetClass="entr" presetSubtype="10" fill="hold" nodeType="clickEffect">
+                                  <p:stCondLst>
+                                    <p:cond delay="0"/>
+                                  </p:stCondLst>
+                                  <p:childTnLst>
+                                    <p:set>
+                                      <p:cBhvr>
+                                        <p:cTn id="22" dur="1" fill="hold">
+                                          <p:stCondLst>
+                                            <p:cond delay="0"/>
+                                          </p:stCondLst>
+                                        </p:cTn>
+                                        <p:tgtEl>
+                                          <p:spTgt spid="8"/>
+                                        </p:tgtEl>
+                                        <p:attrNameLst>
+                                          <p:attrName>style.visibility</p:attrName>
+                                        </p:attrNameLst>
+                                      </p:cBhvr>
+                                      <p:to>
+                                        <p:strVal val="visible"/>
+                                      </p:to>
+                                    </p:set>
+                                    <p:animEffect transition="in" filter="randombar(horizontal)">
+                                      <p:cBhvr>
+                                        <p:cTn id="23" dur="500"/>
+                                        <p:tgtEl>
+                                          <p:spTgt spid="8"/>
+                                        </p:tgtEl>
+                                      </p:cBhvr>
+                                    </p:animEffect>
+                                  </p:childTnLst>
+                                </p:cTn>
+                              </p:par>
+                            </p:childTnLst>
+                          </p:cTn>
+                        </p:par>
+                      </p:childTnLst>
+                    </p:cTn>
+                  </p:par>
+                </p:childTnLst>
+              </p:cTn>
+              <p:prevCondLst>
+                <p:cond evt="onPrev" delay="0">
+                  <p:tgtEl>
+                    <p:sldTgt/>
+                  </p:tgtEl>
+                </p:cond>
+              </p:prevCondLst>
+              <p:nextCondLst>
+                <p:cond evt="onNext" delay="0">
+                  <p:tgtEl>
+                    <p:sldTgt/>
+                  </p:tgtEl>
+                </p:cond>
+              </p:nextCondLst>
+            </p:seq>
+          </p:childTnLst>
+        </p:cTn>
+      </p:par>
+    </p:tnLst>
+    <p:bldLst>
+      <p:bldP spid="7" grpId="0" build="p"/>
+    </p:bldLst>
+  </p:timing>
+</p:sld>
+</file>
+
+<file path=ppt/slides/slide18.xml><?xml version="1.0" encoding="utf-8"?>
+<p:sld xmlns:a="http://schemas.openxmlformats.org/drawingml/2006/main" xmlns:r="http://schemas.openxmlformats.org/officeDocument/2006/relationships" xmlns:p="http://schemas.openxmlformats.org/presentationml/2006/main">
+  <p:cSld>
+    <p:spTree>
+      <p:nvGrpSpPr>
+        <p:cNvPr id="1" name=""/>
+        <p:cNvGrpSpPr/>
+        <p:nvPr/>
+      </p:nvGrpSpPr>
+      <p:grpSpPr>
+        <a:xfrm>
+          <a:off x="0" y="0"/>
+          <a:ext cx="0" cy="0"/>
+          <a:chOff x="0" y="0"/>
+          <a:chExt cx="0" cy="0"/>
+        </a:xfrm>
+      </p:grpSpPr>
+      <p:sp>
+        <p:nvSpPr>
+          <p:cNvPr id="5" name="Platshållare för bildnummer 4">
+            <a:extLst>
+              <a:ext uri="{FF2B5EF4-FFF2-40B4-BE49-F238E27FC236}">
+                <a16:creationId xmlns:a16="http://schemas.microsoft.com/office/drawing/2014/main" id="{A38D3D32-A6D4-4A54-B035-415C6738F63B}"/>
+              </a:ext>
+            </a:extLst>
+          </p:cNvPr>
+          <p:cNvSpPr>
+            <a:spLocks noGrp="1"/>
+          </p:cNvSpPr>
+          <p:nvPr>
+            <p:ph type="sldNum" sz="quarter" idx="4"/>
+          </p:nvPr>
+        </p:nvSpPr>
+        <p:spPr/>
+        <p:txBody>
+          <a:bodyPr/>
+          <a:lstStyle/>
+          <a:p>
+            <a:fld id="{9B02D930-DB44-4942-904E-E6F11B0F3050}" type="slidenum">
+              <a:rPr lang="en-GB" smtClean="0"/>
+              <a:pPr/>
+              <a:t>18</a:t>
+            </a:fld>
+            <a:endParaRPr lang="en-GB" dirty="0"/>
+          </a:p>
+        </p:txBody>
+      </p:sp>
+      <p:sp>
+        <p:nvSpPr>
+          <p:cNvPr id="6" name="Rubrik 5">
+            <a:extLst>
+              <a:ext uri="{FF2B5EF4-FFF2-40B4-BE49-F238E27FC236}">
+                <a16:creationId xmlns:a16="http://schemas.microsoft.com/office/drawing/2014/main" id="{956DB316-F455-4DE9-8D4D-E8E30BF76BA1}"/>
+              </a:ext>
+            </a:extLst>
+          </p:cNvPr>
+          <p:cNvSpPr>
+            <a:spLocks noGrp="1"/>
+          </p:cNvSpPr>
+          <p:nvPr>
+            <p:ph type="title"/>
+          </p:nvPr>
+        </p:nvSpPr>
+        <p:spPr/>
+        <p:txBody>
+          <a:bodyPr/>
+          <a:lstStyle/>
+          <a:p>
+            <a:r>
+              <a:rPr lang="en-US" dirty="0"/>
+              <a:t>Flow – OBJECT Subscription</a:t>
+            </a:r>
+          </a:p>
+        </p:txBody>
+      </p:sp>
+      <p:sp>
+        <p:nvSpPr>
+          <p:cNvPr id="3" name="textruta 2">
+            <a:extLst>
+              <a:ext uri="{FF2B5EF4-FFF2-40B4-BE49-F238E27FC236}">
+                <a16:creationId xmlns:a16="http://schemas.microsoft.com/office/drawing/2014/main" id="{161F4AAD-F0E5-4CEC-B7A9-19B4E012CF41}"/>
+              </a:ext>
+            </a:extLst>
+          </p:cNvPr>
+          <p:cNvSpPr txBox="1"/>
+          <p:nvPr/>
+        </p:nvSpPr>
+        <p:spPr>
+          <a:xfrm>
+            <a:off x="373203" y="1529663"/>
+            <a:ext cx="11091426" cy="1384995"/>
+          </a:xfrm>
+          <a:prstGeom prst="rect">
+            <a:avLst/>
+          </a:prstGeom>
+          <a:noFill/>
+          <a:ln>
+            <a:solidFill>
+              <a:schemeClr val="accent1"/>
+            </a:solidFill>
+          </a:ln>
+        </p:spPr>
+        <p:txBody>
+          <a:bodyPr wrap="square" rtlCol="0">
+            <a:spAutoFit/>
+          </a:bodyPr>
+          <a:lstStyle/>
+          <a:p>
+            <a:r>
+              <a:rPr lang="en-US" sz="1200" dirty="0">
+                <a:solidFill>
+                  <a:srgbClr val="008000"/>
+                </a:solidFill>
+                <a:latin typeface="Consolas" panose="020B0609020204030204" pitchFamily="49" charset="0"/>
+              </a:rPr>
+              <a:t>// Subscribe standard events</a:t>
+            </a:r>
+            <a:endParaRPr lang="en-US" sz="1200" dirty="0">
+              <a:solidFill>
+                <a:srgbClr val="000000"/>
+              </a:solidFill>
+              <a:latin typeface="Consolas" panose="020B0609020204030204" pitchFamily="49" charset="0"/>
+            </a:endParaRPr>
+          </a:p>
+          <a:p>
+            <a:r>
+              <a:rPr lang="en-US" sz="1200" dirty="0" err="1">
+                <a:solidFill>
+                  <a:srgbClr val="000000"/>
+                </a:solidFill>
+                <a:latin typeface="Consolas" panose="020B0609020204030204" pitchFamily="49" charset="0"/>
+              </a:rPr>
+              <a:t>client.SubscribeObjects</a:t>
+            </a:r>
+            <a:r>
+              <a:rPr lang="en-US" sz="1200" dirty="0">
+                <a:solidFill>
+                  <a:srgbClr val="000000"/>
+                </a:solidFill>
+                <a:latin typeface="Consolas" panose="020B0609020204030204" pitchFamily="49" charset="0"/>
+              </a:rPr>
+              <a:t>(</a:t>
+            </a:r>
+            <a:r>
+              <a:rPr lang="en-US" sz="1200" dirty="0" err="1">
+                <a:solidFill>
+                  <a:srgbClr val="000000"/>
+                </a:solidFill>
+                <a:latin typeface="Consolas" panose="020B0609020204030204" pitchFamily="49" charset="0"/>
+              </a:rPr>
+              <a:t>session,</a:t>
+            </a:r>
+            <a:r>
+              <a:rPr lang="en-US" sz="1200" dirty="0" err="1">
+                <a:solidFill>
+                  <a:srgbClr val="0000FF"/>
+                </a:solidFill>
+                <a:latin typeface="Consolas" panose="020B0609020204030204" pitchFamily="49" charset="0"/>
+              </a:rPr>
+              <a:t>null</a:t>
+            </a:r>
+            <a:r>
+              <a:rPr lang="en-US" sz="1200" dirty="0" err="1">
+                <a:solidFill>
+                  <a:srgbClr val="000000"/>
+                </a:solidFill>
+                <a:latin typeface="Consolas" panose="020B0609020204030204" pitchFamily="49" charset="0"/>
+              </a:rPr>
+              <a:t>,</a:t>
+            </a:r>
+            <a:r>
+              <a:rPr lang="en-US" sz="1200" dirty="0" err="1">
+                <a:solidFill>
+                  <a:srgbClr val="0000FF"/>
+                </a:solidFill>
+                <a:latin typeface="Consolas" panose="020B0609020204030204" pitchFamily="49" charset="0"/>
+              </a:rPr>
+              <a:t>true</a:t>
+            </a:r>
+            <a:r>
+              <a:rPr lang="en-US" sz="1200" dirty="0">
+                <a:solidFill>
+                  <a:srgbClr val="000000"/>
+                </a:solidFill>
+                <a:latin typeface="Consolas" panose="020B0609020204030204" pitchFamily="49" charset="0"/>
+              </a:rPr>
+              <a:t>);</a:t>
+            </a:r>
+          </a:p>
+          <a:p>
+            <a:endParaRPr lang="en-US" sz="1200" dirty="0">
+              <a:solidFill>
+                <a:srgbClr val="000000"/>
+              </a:solidFill>
+              <a:latin typeface="Consolas" panose="020B0609020204030204" pitchFamily="49" charset="0"/>
+            </a:endParaRPr>
+          </a:p>
+          <a:p>
+            <a:r>
+              <a:rPr lang="en-US" sz="1200" dirty="0">
+                <a:solidFill>
+                  <a:srgbClr val="008000"/>
+                </a:solidFill>
+                <a:latin typeface="Consolas" panose="020B0609020204030204" pitchFamily="49" charset="0"/>
+              </a:rPr>
+              <a:t>// Create a </a:t>
+            </a:r>
+            <a:r>
+              <a:rPr lang="en-US" sz="1200" dirty="0" err="1">
+                <a:solidFill>
+                  <a:srgbClr val="008000"/>
+                </a:solidFill>
+                <a:latin typeface="Consolas" panose="020B0609020204030204" pitchFamily="49" charset="0"/>
+              </a:rPr>
+              <a:t>delegete</a:t>
+            </a:r>
+            <a:endParaRPr lang="en-US" sz="1200" dirty="0">
+              <a:solidFill>
+                <a:srgbClr val="000000"/>
+              </a:solidFill>
+              <a:latin typeface="Consolas" panose="020B0609020204030204" pitchFamily="49" charset="0"/>
+            </a:endParaRPr>
+          </a:p>
+          <a:p>
+            <a:r>
+              <a:rPr lang="en-US" sz="1200" dirty="0" err="1">
+                <a:solidFill>
+                  <a:srgbClr val="000000"/>
+                </a:solidFill>
+                <a:latin typeface="Consolas" panose="020B0609020204030204" pitchFamily="49" charset="0"/>
+              </a:rPr>
+              <a:t>client.OnNewObject</a:t>
+            </a:r>
+            <a:r>
+              <a:rPr lang="en-US" sz="1200" dirty="0">
+                <a:solidFill>
+                  <a:srgbClr val="000000"/>
+                </a:solidFill>
+                <a:latin typeface="Consolas" panose="020B0609020204030204" pitchFamily="49" charset="0"/>
+              </a:rPr>
+              <a:t> += </a:t>
+            </a:r>
+            <a:r>
+              <a:rPr lang="en-US" sz="1200" dirty="0" err="1">
+                <a:solidFill>
+                  <a:srgbClr val="000000"/>
+                </a:solidFill>
+                <a:latin typeface="Consolas" panose="020B0609020204030204" pitchFamily="49" charset="0"/>
+              </a:rPr>
+              <a:t>Client_OnNewObject</a:t>
+            </a:r>
+            <a:r>
+              <a:rPr lang="en-US" sz="1200" dirty="0">
+                <a:solidFill>
+                  <a:srgbClr val="000000"/>
+                </a:solidFill>
+                <a:latin typeface="Consolas" panose="020B0609020204030204" pitchFamily="49" charset="0"/>
+              </a:rPr>
+              <a:t>;</a:t>
+            </a:r>
+          </a:p>
+          <a:p>
+            <a:r>
+              <a:rPr lang="en-US" sz="1200" dirty="0" err="1">
+                <a:solidFill>
+                  <a:srgbClr val="000000"/>
+                </a:solidFill>
+                <a:latin typeface="Consolas" panose="020B0609020204030204" pitchFamily="49" charset="0"/>
+              </a:rPr>
+              <a:t>client.OnNewAttributes</a:t>
+            </a:r>
+            <a:r>
+              <a:rPr lang="en-US" sz="1200" dirty="0">
+                <a:solidFill>
+                  <a:srgbClr val="000000"/>
+                </a:solidFill>
+                <a:latin typeface="Consolas" panose="020B0609020204030204" pitchFamily="49" charset="0"/>
+              </a:rPr>
+              <a:t> += </a:t>
+            </a:r>
+            <a:r>
+              <a:rPr lang="en-US" sz="1200" dirty="0" err="1">
+                <a:solidFill>
+                  <a:srgbClr val="000000"/>
+                </a:solidFill>
+                <a:latin typeface="Consolas" panose="020B0609020204030204" pitchFamily="49" charset="0"/>
+              </a:rPr>
+              <a:t>Client_OnNewAttributes</a:t>
+            </a:r>
+            <a:r>
+              <a:rPr lang="en-US" sz="1200" dirty="0">
+                <a:solidFill>
+                  <a:srgbClr val="000000"/>
+                </a:solidFill>
+                <a:latin typeface="Consolas" panose="020B0609020204030204" pitchFamily="49" charset="0"/>
+              </a:rPr>
+              <a:t>;</a:t>
+            </a:r>
+          </a:p>
+          <a:p>
+            <a:r>
+              <a:rPr lang="en-US" sz="1200" dirty="0" err="1">
+                <a:solidFill>
+                  <a:srgbClr val="000000"/>
+                </a:solidFill>
+                <a:latin typeface="Consolas" panose="020B0609020204030204" pitchFamily="49" charset="0"/>
+              </a:rPr>
+              <a:t>client.OnUpdateAttributes</a:t>
+            </a:r>
+            <a:r>
+              <a:rPr lang="en-US" sz="1200" dirty="0">
+                <a:solidFill>
+                  <a:srgbClr val="000000"/>
+                </a:solidFill>
+                <a:latin typeface="Consolas" panose="020B0609020204030204" pitchFamily="49" charset="0"/>
+              </a:rPr>
+              <a:t> += </a:t>
+            </a:r>
+            <a:r>
+              <a:rPr lang="en-US" sz="1200" dirty="0" err="1">
+                <a:solidFill>
+                  <a:srgbClr val="000000"/>
+                </a:solidFill>
+                <a:latin typeface="Consolas" panose="020B0609020204030204" pitchFamily="49" charset="0"/>
+              </a:rPr>
+              <a:t>Client_OnUpdateAttributes</a:t>
+            </a:r>
+            <a:r>
+              <a:rPr lang="en-US" sz="1200" dirty="0">
+                <a:solidFill>
+                  <a:srgbClr val="000000"/>
+                </a:solidFill>
+                <a:latin typeface="Consolas" panose="020B0609020204030204" pitchFamily="49" charset="0"/>
+              </a:rPr>
+              <a:t>;</a:t>
+            </a:r>
+            <a:endParaRPr lang="en-US" sz="1200" dirty="0">
+              <a:latin typeface="Courier New" panose="02070309020205020404" pitchFamily="49" charset="0"/>
+              <a:cs typeface="Courier New" panose="02070309020205020404" pitchFamily="49" charset="0"/>
+            </a:endParaRPr>
+          </a:p>
+        </p:txBody>
+      </p:sp>
+      <p:sp>
+        <p:nvSpPr>
+          <p:cNvPr id="9" name="textruta 8">
+            <a:extLst>
+              <a:ext uri="{FF2B5EF4-FFF2-40B4-BE49-F238E27FC236}">
+                <a16:creationId xmlns:a16="http://schemas.microsoft.com/office/drawing/2014/main" id="{F3F8E288-F976-43FF-8C37-7A3A075AD141}"/>
+              </a:ext>
+            </a:extLst>
+          </p:cNvPr>
+          <p:cNvSpPr txBox="1"/>
+          <p:nvPr/>
+        </p:nvSpPr>
+        <p:spPr>
+          <a:xfrm>
+            <a:off x="369887" y="3051416"/>
+            <a:ext cx="11091427" cy="830997"/>
+          </a:xfrm>
+          <a:prstGeom prst="rect">
+            <a:avLst/>
+          </a:prstGeom>
+          <a:noFill/>
+          <a:ln>
+            <a:solidFill>
+              <a:schemeClr val="accent1"/>
+            </a:solidFill>
+          </a:ln>
+        </p:spPr>
+        <p:txBody>
+          <a:bodyPr wrap="square" rtlCol="0">
+            <a:spAutoFit/>
+          </a:bodyPr>
+          <a:lstStyle/>
+          <a:p>
+            <a:r>
+              <a:rPr lang="en-US" sz="1200" dirty="0">
+                <a:solidFill>
+                  <a:srgbClr val="0000FF"/>
+                </a:solidFill>
+                <a:latin typeface="Consolas" panose="020B0609020204030204" pitchFamily="49" charset="0"/>
+              </a:rPr>
+              <a:t>private</a:t>
+            </a:r>
+            <a:r>
+              <a:rPr lang="en-US" sz="1200" dirty="0">
+                <a:solidFill>
+                  <a:srgbClr val="000000"/>
+                </a:solidFill>
+                <a:latin typeface="Consolas" panose="020B0609020204030204" pitchFamily="49" charset="0"/>
+              </a:rPr>
+              <a:t> </a:t>
+            </a:r>
+            <a:r>
+              <a:rPr lang="en-US" sz="1200" dirty="0">
+                <a:solidFill>
+                  <a:srgbClr val="0000FF"/>
+                </a:solidFill>
+                <a:latin typeface="Consolas" panose="020B0609020204030204" pitchFamily="49" charset="0"/>
+              </a:rPr>
+              <a:t>static</a:t>
+            </a:r>
+            <a:r>
+              <a:rPr lang="en-US" sz="1200" dirty="0">
+                <a:solidFill>
+                  <a:srgbClr val="000000"/>
+                </a:solidFill>
+                <a:latin typeface="Consolas" panose="020B0609020204030204" pitchFamily="49" charset="0"/>
+              </a:rPr>
+              <a:t> </a:t>
+            </a:r>
+            <a:r>
+              <a:rPr lang="en-US" sz="1200" dirty="0">
+                <a:solidFill>
+                  <a:srgbClr val="0000FF"/>
+                </a:solidFill>
+                <a:latin typeface="Consolas" panose="020B0609020204030204" pitchFamily="49" charset="0"/>
+              </a:rPr>
+              <a:t>void</a:t>
+            </a:r>
+            <a:r>
+              <a:rPr lang="en-US" sz="1200" dirty="0">
+                <a:solidFill>
+                  <a:srgbClr val="000000"/>
+                </a:solidFill>
+                <a:latin typeface="Consolas" panose="020B0609020204030204" pitchFamily="49" charset="0"/>
+              </a:rPr>
+              <a:t> </a:t>
+            </a:r>
+            <a:r>
+              <a:rPr lang="en-US" sz="1200" dirty="0" err="1">
+                <a:solidFill>
+                  <a:srgbClr val="000000"/>
+                </a:solidFill>
+                <a:latin typeface="Consolas" panose="020B0609020204030204" pitchFamily="49" charset="0"/>
+              </a:rPr>
+              <a:t>Client_OnNewObject</a:t>
+            </a:r>
+            <a:r>
+              <a:rPr lang="en-US" sz="1200" dirty="0">
+                <a:solidFill>
+                  <a:srgbClr val="000000"/>
+                </a:solidFill>
+                <a:latin typeface="Consolas" panose="020B0609020204030204" pitchFamily="49" charset="0"/>
+              </a:rPr>
+              <a:t>(</a:t>
+            </a:r>
+            <a:r>
+              <a:rPr lang="en-US" sz="1200" dirty="0" err="1">
+                <a:solidFill>
+                  <a:srgbClr val="000000"/>
+                </a:solidFill>
+                <a:latin typeface="Consolas" panose="020B0609020204030204" pitchFamily="49" charset="0"/>
+              </a:rPr>
+              <a:t>DistClient</a:t>
+            </a:r>
+            <a:r>
+              <a:rPr lang="en-US" sz="1200" dirty="0">
+                <a:solidFill>
+                  <a:srgbClr val="000000"/>
+                </a:solidFill>
+                <a:latin typeface="Consolas" panose="020B0609020204030204" pitchFamily="49" charset="0"/>
+              </a:rPr>
+              <a:t> sender, </a:t>
+            </a:r>
+            <a:r>
+              <a:rPr lang="en-US" sz="1200" dirty="0" err="1">
+                <a:solidFill>
+                  <a:srgbClr val="000000"/>
+                </a:solidFill>
+                <a:latin typeface="Consolas" panose="020B0609020204030204" pitchFamily="49" charset="0"/>
+              </a:rPr>
+              <a:t>DistObject</a:t>
+            </a:r>
+            <a:r>
+              <a:rPr lang="en-US" sz="1200" dirty="0">
+                <a:solidFill>
+                  <a:srgbClr val="000000"/>
+                </a:solidFill>
+                <a:latin typeface="Consolas" panose="020B0609020204030204" pitchFamily="49" charset="0"/>
+              </a:rPr>
+              <a:t> o, </a:t>
+            </a:r>
+            <a:r>
+              <a:rPr lang="en-US" sz="1200" dirty="0" err="1">
+                <a:solidFill>
+                  <a:srgbClr val="000000"/>
+                </a:solidFill>
+                <a:latin typeface="Consolas" panose="020B0609020204030204" pitchFamily="49" charset="0"/>
+              </a:rPr>
+              <a:t>DistSession</a:t>
+            </a:r>
+            <a:r>
+              <a:rPr lang="en-US" sz="1200" dirty="0">
+                <a:solidFill>
+                  <a:srgbClr val="000000"/>
+                </a:solidFill>
+                <a:latin typeface="Consolas" panose="020B0609020204030204" pitchFamily="49" charset="0"/>
+              </a:rPr>
+              <a:t> session)</a:t>
+            </a:r>
+          </a:p>
+          <a:p>
+            <a:r>
+              <a:rPr lang="en-US" sz="1200" dirty="0">
+                <a:solidFill>
+                  <a:srgbClr val="000000"/>
+                </a:solidFill>
+                <a:latin typeface="Consolas" panose="020B0609020204030204" pitchFamily="49" charset="0"/>
+              </a:rPr>
+              <a:t>{</a:t>
+            </a:r>
+          </a:p>
+          <a:p>
+            <a:r>
+              <a:rPr lang="en-US" sz="1200" dirty="0">
+                <a:solidFill>
+                  <a:srgbClr val="000000"/>
+                </a:solidFill>
+                <a:latin typeface="Consolas" panose="020B0609020204030204" pitchFamily="49" charset="0"/>
+              </a:rPr>
+              <a:t>    </a:t>
+            </a:r>
+            <a:r>
+              <a:rPr lang="en-US" sz="1200" dirty="0" err="1">
+                <a:solidFill>
+                  <a:srgbClr val="000000"/>
+                </a:solidFill>
+                <a:latin typeface="Consolas" panose="020B0609020204030204" pitchFamily="49" charset="0"/>
+              </a:rPr>
+              <a:t>sender.SubscribeAttributes</a:t>
+            </a:r>
+            <a:r>
+              <a:rPr lang="en-US" sz="1200" dirty="0">
+                <a:solidFill>
+                  <a:srgbClr val="000000"/>
+                </a:solidFill>
+                <a:latin typeface="Consolas" panose="020B0609020204030204" pitchFamily="49" charset="0"/>
+              </a:rPr>
+              <a:t>(o, </a:t>
+            </a:r>
+            <a:r>
+              <a:rPr lang="en-US" sz="1200" dirty="0">
+                <a:solidFill>
+                  <a:srgbClr val="0000FF"/>
+                </a:solidFill>
+                <a:latin typeface="Consolas" panose="020B0609020204030204" pitchFamily="49" charset="0"/>
+              </a:rPr>
+              <a:t>true</a:t>
+            </a:r>
+            <a:r>
+              <a:rPr lang="en-US" sz="1200" dirty="0">
+                <a:solidFill>
+                  <a:srgbClr val="000000"/>
+                </a:solidFill>
+                <a:latin typeface="Consolas" panose="020B0609020204030204" pitchFamily="49" charset="0"/>
+              </a:rPr>
+              <a:t>);</a:t>
+            </a:r>
+          </a:p>
+          <a:p>
+            <a:r>
+              <a:rPr lang="en-US" sz="1200" dirty="0">
+                <a:solidFill>
+                  <a:srgbClr val="000000"/>
+                </a:solidFill>
+                <a:latin typeface="Consolas" panose="020B0609020204030204" pitchFamily="49" charset="0"/>
+              </a:rPr>
+              <a:t>}</a:t>
+            </a:r>
+            <a:endParaRPr lang="en-US" sz="1200" dirty="0">
+              <a:latin typeface="Courier New" panose="02070309020205020404" pitchFamily="49" charset="0"/>
+              <a:cs typeface="Courier New" panose="02070309020205020404" pitchFamily="49" charset="0"/>
+            </a:endParaRPr>
+          </a:p>
+        </p:txBody>
+      </p:sp>
+      <p:sp>
+        <p:nvSpPr>
+          <p:cNvPr id="10" name="textruta 9">
+            <a:extLst>
+              <a:ext uri="{FF2B5EF4-FFF2-40B4-BE49-F238E27FC236}">
+                <a16:creationId xmlns:a16="http://schemas.microsoft.com/office/drawing/2014/main" id="{899E38C6-B0FC-43A3-B3FF-86ACEC065D43}"/>
+              </a:ext>
+            </a:extLst>
+          </p:cNvPr>
+          <p:cNvSpPr txBox="1"/>
+          <p:nvPr/>
+        </p:nvSpPr>
+        <p:spPr>
+          <a:xfrm>
+            <a:off x="369886" y="4038193"/>
+            <a:ext cx="11091428" cy="830997"/>
+          </a:xfrm>
+          <a:prstGeom prst="rect">
+            <a:avLst/>
+          </a:prstGeom>
+          <a:noFill/>
+          <a:ln>
+            <a:solidFill>
+              <a:schemeClr val="accent1"/>
+            </a:solidFill>
+          </a:ln>
+        </p:spPr>
+        <p:txBody>
+          <a:bodyPr wrap="square" rtlCol="0">
+            <a:spAutoFit/>
+          </a:bodyPr>
+          <a:lstStyle/>
+          <a:p>
+            <a:r>
+              <a:rPr lang="en-US" sz="1200" dirty="0">
+                <a:solidFill>
+                  <a:srgbClr val="0000FF"/>
+                </a:solidFill>
+                <a:latin typeface="Consolas" panose="020B0609020204030204" pitchFamily="49" charset="0"/>
+              </a:rPr>
+              <a:t>private</a:t>
+            </a:r>
+            <a:r>
+              <a:rPr lang="en-US" sz="1200" dirty="0">
+                <a:solidFill>
+                  <a:srgbClr val="000000"/>
+                </a:solidFill>
+                <a:latin typeface="Consolas" panose="020B0609020204030204" pitchFamily="49" charset="0"/>
+              </a:rPr>
+              <a:t> </a:t>
+            </a:r>
+            <a:r>
+              <a:rPr lang="en-US" sz="1200" dirty="0">
+                <a:solidFill>
+                  <a:srgbClr val="0000FF"/>
+                </a:solidFill>
+                <a:latin typeface="Consolas" panose="020B0609020204030204" pitchFamily="49" charset="0"/>
+              </a:rPr>
+              <a:t>static</a:t>
+            </a:r>
+            <a:r>
+              <a:rPr lang="en-US" sz="1200" dirty="0">
+                <a:solidFill>
+                  <a:srgbClr val="000000"/>
+                </a:solidFill>
+                <a:latin typeface="Consolas" panose="020B0609020204030204" pitchFamily="49" charset="0"/>
+              </a:rPr>
+              <a:t> </a:t>
+            </a:r>
+            <a:r>
+              <a:rPr lang="en-US" sz="1200" dirty="0">
+                <a:solidFill>
+                  <a:srgbClr val="0000FF"/>
+                </a:solidFill>
+                <a:latin typeface="Consolas" panose="020B0609020204030204" pitchFamily="49" charset="0"/>
+              </a:rPr>
+              <a:t>void</a:t>
+            </a:r>
+            <a:r>
+              <a:rPr lang="en-US" sz="1200" dirty="0">
+                <a:solidFill>
+                  <a:srgbClr val="000000"/>
+                </a:solidFill>
+                <a:latin typeface="Consolas" panose="020B0609020204030204" pitchFamily="49" charset="0"/>
+              </a:rPr>
+              <a:t> </a:t>
+            </a:r>
+            <a:r>
+              <a:rPr lang="en-US" sz="1200" dirty="0" err="1">
+                <a:solidFill>
+                  <a:srgbClr val="000000"/>
+                </a:solidFill>
+                <a:latin typeface="Consolas" panose="020B0609020204030204" pitchFamily="49" charset="0"/>
+              </a:rPr>
+              <a:t>Client_OnNewAttributes</a:t>
+            </a:r>
+            <a:r>
+              <a:rPr lang="en-US" sz="1200" dirty="0">
+                <a:solidFill>
+                  <a:srgbClr val="000000"/>
+                </a:solidFill>
+                <a:latin typeface="Consolas" panose="020B0609020204030204" pitchFamily="49" charset="0"/>
+              </a:rPr>
+              <a:t>(</a:t>
+            </a:r>
+            <a:r>
+              <a:rPr lang="en-US" sz="1200" dirty="0" err="1">
+                <a:solidFill>
+                  <a:srgbClr val="000000"/>
+                </a:solidFill>
+                <a:latin typeface="Consolas" panose="020B0609020204030204" pitchFamily="49" charset="0"/>
+              </a:rPr>
+              <a:t>DistClient</a:t>
+            </a:r>
+            <a:r>
+              <a:rPr lang="en-US" sz="1200" dirty="0">
+                <a:solidFill>
+                  <a:srgbClr val="000000"/>
+                </a:solidFill>
+                <a:latin typeface="Consolas" panose="020B0609020204030204" pitchFamily="49" charset="0"/>
+              </a:rPr>
+              <a:t> sender, </a:t>
+            </a:r>
+            <a:r>
+              <a:rPr lang="en-US" sz="1200" dirty="0" err="1">
+                <a:solidFill>
+                  <a:srgbClr val="000000"/>
+                </a:solidFill>
+                <a:latin typeface="Consolas" panose="020B0609020204030204" pitchFamily="49" charset="0"/>
+              </a:rPr>
+              <a:t>DistNotificationSet</a:t>
+            </a:r>
+            <a:r>
+              <a:rPr lang="en-US" sz="1200" dirty="0">
+                <a:solidFill>
+                  <a:srgbClr val="000000"/>
+                </a:solidFill>
+                <a:latin typeface="Consolas" panose="020B0609020204030204" pitchFamily="49" charset="0"/>
+              </a:rPr>
+              <a:t> </a:t>
+            </a:r>
+            <a:r>
+              <a:rPr lang="en-US" sz="1200" dirty="0" err="1">
+                <a:solidFill>
+                  <a:srgbClr val="000000"/>
+                </a:solidFill>
+                <a:latin typeface="Consolas" panose="020B0609020204030204" pitchFamily="49" charset="0"/>
+              </a:rPr>
+              <a:t>notif</a:t>
+            </a:r>
+            <a:r>
+              <a:rPr lang="en-US" sz="1200" dirty="0">
+                <a:solidFill>
+                  <a:srgbClr val="000000"/>
+                </a:solidFill>
+                <a:latin typeface="Consolas" panose="020B0609020204030204" pitchFamily="49" charset="0"/>
+              </a:rPr>
+              <a:t>, </a:t>
+            </a:r>
+            <a:r>
+              <a:rPr lang="en-US" sz="1200" dirty="0" err="1">
+                <a:solidFill>
+                  <a:srgbClr val="000000"/>
+                </a:solidFill>
+                <a:latin typeface="Consolas" panose="020B0609020204030204" pitchFamily="49" charset="0"/>
+              </a:rPr>
+              <a:t>DistObject</a:t>
+            </a:r>
+            <a:r>
+              <a:rPr lang="en-US" sz="1200" dirty="0">
+                <a:solidFill>
+                  <a:srgbClr val="000000"/>
+                </a:solidFill>
+                <a:latin typeface="Consolas" panose="020B0609020204030204" pitchFamily="49" charset="0"/>
+              </a:rPr>
+              <a:t> o, </a:t>
+            </a:r>
+            <a:r>
+              <a:rPr lang="en-US" sz="1200" dirty="0" err="1">
+                <a:solidFill>
+                  <a:srgbClr val="000000"/>
+                </a:solidFill>
+                <a:latin typeface="Consolas" panose="020B0609020204030204" pitchFamily="49" charset="0"/>
+              </a:rPr>
+              <a:t>DistSession</a:t>
+            </a:r>
+            <a:r>
+              <a:rPr lang="en-US" sz="1200" dirty="0">
+                <a:solidFill>
+                  <a:srgbClr val="000000"/>
+                </a:solidFill>
+                <a:latin typeface="Consolas" panose="020B0609020204030204" pitchFamily="49" charset="0"/>
+              </a:rPr>
+              <a:t> session)</a:t>
+            </a:r>
+          </a:p>
+          <a:p>
+            <a:r>
+              <a:rPr lang="en-US" sz="1200" dirty="0">
+                <a:solidFill>
+                  <a:srgbClr val="000000"/>
+                </a:solidFill>
+                <a:latin typeface="Consolas" panose="020B0609020204030204" pitchFamily="49" charset="0"/>
+              </a:rPr>
+              <a:t>{</a:t>
+            </a:r>
+          </a:p>
+          <a:p>
+            <a:r>
+              <a:rPr lang="en-US" sz="1200" dirty="0">
+                <a:solidFill>
+                  <a:srgbClr val="000000"/>
+                </a:solidFill>
+                <a:latin typeface="Consolas" panose="020B0609020204030204" pitchFamily="49" charset="0"/>
+              </a:rPr>
+              <a:t>    </a:t>
+            </a:r>
+            <a:r>
+              <a:rPr lang="en-US" sz="1200" dirty="0" err="1">
+                <a:solidFill>
+                  <a:srgbClr val="000000"/>
+                </a:solidFill>
+                <a:latin typeface="Consolas" panose="020B0609020204030204" pitchFamily="49" charset="0"/>
+              </a:rPr>
+              <a:t>sender.SubscribeAttributeValue</a:t>
+            </a:r>
+            <a:r>
+              <a:rPr lang="en-US" sz="1200" dirty="0">
+                <a:solidFill>
+                  <a:srgbClr val="000000"/>
+                </a:solidFill>
+                <a:latin typeface="Consolas" panose="020B0609020204030204" pitchFamily="49" charset="0"/>
+              </a:rPr>
+              <a:t>(</a:t>
+            </a:r>
+            <a:r>
+              <a:rPr lang="en-US" sz="1200" dirty="0" err="1">
+                <a:solidFill>
+                  <a:srgbClr val="000000"/>
+                </a:solidFill>
+                <a:latin typeface="Consolas" panose="020B0609020204030204" pitchFamily="49" charset="0"/>
+              </a:rPr>
+              <a:t>notif</a:t>
+            </a:r>
+            <a:r>
+              <a:rPr lang="en-US" sz="1200" dirty="0">
+                <a:solidFill>
+                  <a:srgbClr val="000000"/>
+                </a:solidFill>
+                <a:latin typeface="Consolas" panose="020B0609020204030204" pitchFamily="49" charset="0"/>
+              </a:rPr>
+              <a:t>, o, </a:t>
+            </a:r>
+            <a:r>
+              <a:rPr lang="en-US" sz="1200" dirty="0">
+                <a:solidFill>
+                  <a:srgbClr val="0000FF"/>
+                </a:solidFill>
+                <a:latin typeface="Consolas" panose="020B0609020204030204" pitchFamily="49" charset="0"/>
+              </a:rPr>
+              <a:t>true</a:t>
+            </a:r>
+            <a:r>
+              <a:rPr lang="en-US" sz="1200" dirty="0">
+                <a:solidFill>
+                  <a:srgbClr val="000000"/>
+                </a:solidFill>
+                <a:latin typeface="Consolas" panose="020B0609020204030204" pitchFamily="49" charset="0"/>
+              </a:rPr>
+              <a:t>);</a:t>
+            </a:r>
+          </a:p>
+          <a:p>
+            <a:r>
+              <a:rPr lang="en-US" sz="1200" dirty="0">
+                <a:solidFill>
+                  <a:srgbClr val="000000"/>
+                </a:solidFill>
+                <a:latin typeface="Consolas" panose="020B0609020204030204" pitchFamily="49" charset="0"/>
+              </a:rPr>
+              <a:t>}</a:t>
+            </a:r>
+            <a:endParaRPr lang="en-US" sz="1200" dirty="0">
+              <a:latin typeface="Courier New" panose="02070309020205020404" pitchFamily="49" charset="0"/>
+              <a:cs typeface="Courier New" panose="02070309020205020404" pitchFamily="49" charset="0"/>
+            </a:endParaRPr>
+          </a:p>
+        </p:txBody>
+      </p:sp>
+      <p:sp>
+        <p:nvSpPr>
+          <p:cNvPr id="11" name="textruta 10">
+            <a:extLst>
+              <a:ext uri="{FF2B5EF4-FFF2-40B4-BE49-F238E27FC236}">
+                <a16:creationId xmlns:a16="http://schemas.microsoft.com/office/drawing/2014/main" id="{8C9B74A0-214B-4EE5-BEAB-B61FBFCB9431}"/>
+              </a:ext>
+            </a:extLst>
+          </p:cNvPr>
+          <p:cNvSpPr txBox="1"/>
+          <p:nvPr/>
+        </p:nvSpPr>
+        <p:spPr>
+          <a:xfrm>
+            <a:off x="369886" y="5126698"/>
+            <a:ext cx="11091428" cy="1384995"/>
+          </a:xfrm>
+          <a:prstGeom prst="rect">
+            <a:avLst/>
+          </a:prstGeom>
+          <a:noFill/>
+          <a:ln>
+            <a:solidFill>
+              <a:schemeClr val="accent1"/>
+            </a:solidFill>
+          </a:ln>
+        </p:spPr>
+        <p:txBody>
+          <a:bodyPr wrap="square" rtlCol="0">
+            <a:spAutoFit/>
+          </a:bodyPr>
+          <a:lstStyle/>
+          <a:p>
+            <a:r>
+              <a:rPr lang="en-US" sz="1200" dirty="0">
+                <a:solidFill>
+                  <a:srgbClr val="0000FF"/>
+                </a:solidFill>
+                <a:latin typeface="Consolas" panose="020B0609020204030204" pitchFamily="49" charset="0"/>
+              </a:rPr>
+              <a:t>private</a:t>
+            </a:r>
+            <a:r>
+              <a:rPr lang="en-US" sz="1200" dirty="0">
+                <a:solidFill>
+                  <a:srgbClr val="000000"/>
+                </a:solidFill>
+                <a:latin typeface="Consolas" panose="020B0609020204030204" pitchFamily="49" charset="0"/>
+              </a:rPr>
+              <a:t> </a:t>
+            </a:r>
+            <a:r>
+              <a:rPr lang="en-US" sz="1200" dirty="0">
+                <a:solidFill>
+                  <a:srgbClr val="0000FF"/>
+                </a:solidFill>
+                <a:latin typeface="Consolas" panose="020B0609020204030204" pitchFamily="49" charset="0"/>
+              </a:rPr>
+              <a:t>static</a:t>
+            </a:r>
+            <a:r>
+              <a:rPr lang="en-US" sz="1200" dirty="0">
+                <a:solidFill>
+                  <a:srgbClr val="000000"/>
+                </a:solidFill>
+                <a:latin typeface="Consolas" panose="020B0609020204030204" pitchFamily="49" charset="0"/>
+              </a:rPr>
+              <a:t> </a:t>
+            </a:r>
+            <a:r>
+              <a:rPr lang="en-US" sz="1200" dirty="0">
+                <a:solidFill>
+                  <a:srgbClr val="0000FF"/>
+                </a:solidFill>
+                <a:latin typeface="Consolas" panose="020B0609020204030204" pitchFamily="49" charset="0"/>
+              </a:rPr>
+              <a:t>void</a:t>
+            </a:r>
+            <a:r>
+              <a:rPr lang="en-US" sz="1200" dirty="0">
+                <a:solidFill>
+                  <a:srgbClr val="000000"/>
+                </a:solidFill>
+                <a:latin typeface="Consolas" panose="020B0609020204030204" pitchFamily="49" charset="0"/>
+              </a:rPr>
+              <a:t> </a:t>
+            </a:r>
+            <a:r>
+              <a:rPr lang="en-US" sz="1200" dirty="0" err="1">
+                <a:solidFill>
+                  <a:srgbClr val="000000"/>
+                </a:solidFill>
+                <a:latin typeface="Consolas" panose="020B0609020204030204" pitchFamily="49" charset="0"/>
+              </a:rPr>
+              <a:t>Client_OnUpdateAttributes</a:t>
+            </a:r>
+            <a:r>
+              <a:rPr lang="en-US" sz="1200" dirty="0">
+                <a:solidFill>
+                  <a:srgbClr val="000000"/>
+                </a:solidFill>
+                <a:latin typeface="Consolas" panose="020B0609020204030204" pitchFamily="49" charset="0"/>
+              </a:rPr>
+              <a:t>(</a:t>
+            </a:r>
+            <a:r>
+              <a:rPr lang="en-US" sz="1200" dirty="0" err="1">
+                <a:solidFill>
+                  <a:srgbClr val="000000"/>
+                </a:solidFill>
+                <a:latin typeface="Consolas" panose="020B0609020204030204" pitchFamily="49" charset="0"/>
+              </a:rPr>
+              <a:t>DistClient</a:t>
+            </a:r>
+            <a:r>
+              <a:rPr lang="en-US" sz="1200" dirty="0">
+                <a:solidFill>
+                  <a:srgbClr val="000000"/>
+                </a:solidFill>
+                <a:latin typeface="Consolas" panose="020B0609020204030204" pitchFamily="49" charset="0"/>
+              </a:rPr>
+              <a:t> sender, </a:t>
+            </a:r>
+            <a:r>
+              <a:rPr lang="en-US" sz="1200" dirty="0" err="1">
+                <a:solidFill>
+                  <a:srgbClr val="000000"/>
+                </a:solidFill>
+                <a:latin typeface="Consolas" panose="020B0609020204030204" pitchFamily="49" charset="0"/>
+              </a:rPr>
+              <a:t>DistNotificationSet</a:t>
+            </a:r>
+            <a:r>
+              <a:rPr lang="en-US" sz="1200" dirty="0">
+                <a:solidFill>
+                  <a:srgbClr val="000000"/>
+                </a:solidFill>
+                <a:latin typeface="Consolas" panose="020B0609020204030204" pitchFamily="49" charset="0"/>
+              </a:rPr>
+              <a:t> </a:t>
+            </a:r>
+            <a:r>
+              <a:rPr lang="en-US" sz="1200" dirty="0" err="1">
+                <a:solidFill>
+                  <a:srgbClr val="000000"/>
+                </a:solidFill>
+                <a:latin typeface="Consolas" panose="020B0609020204030204" pitchFamily="49" charset="0"/>
+              </a:rPr>
+              <a:t>notif</a:t>
+            </a:r>
+            <a:r>
+              <a:rPr lang="en-US" sz="1200" dirty="0">
+                <a:solidFill>
+                  <a:srgbClr val="000000"/>
+                </a:solidFill>
+                <a:latin typeface="Consolas" panose="020B0609020204030204" pitchFamily="49" charset="0"/>
+              </a:rPr>
+              <a:t>, </a:t>
+            </a:r>
+            <a:r>
+              <a:rPr lang="en-US" sz="1200" dirty="0" err="1">
+                <a:solidFill>
+                  <a:srgbClr val="000000"/>
+                </a:solidFill>
+                <a:latin typeface="Consolas" panose="020B0609020204030204" pitchFamily="49" charset="0"/>
+              </a:rPr>
+              <a:t>DistObject</a:t>
+            </a:r>
+            <a:r>
+              <a:rPr lang="en-US" sz="1200" dirty="0">
+                <a:solidFill>
+                  <a:srgbClr val="000000"/>
+                </a:solidFill>
+                <a:latin typeface="Consolas" panose="020B0609020204030204" pitchFamily="49" charset="0"/>
+              </a:rPr>
+              <a:t> o, </a:t>
+            </a:r>
+            <a:r>
+              <a:rPr lang="en-US" sz="1200" dirty="0" err="1">
+                <a:solidFill>
+                  <a:srgbClr val="000000"/>
+                </a:solidFill>
+                <a:latin typeface="Consolas" panose="020B0609020204030204" pitchFamily="49" charset="0"/>
+              </a:rPr>
+              <a:t>DistSession</a:t>
+            </a:r>
+            <a:r>
+              <a:rPr lang="en-US" sz="1200" dirty="0">
+                <a:solidFill>
+                  <a:srgbClr val="000000"/>
+                </a:solidFill>
+                <a:latin typeface="Consolas" panose="020B0609020204030204" pitchFamily="49" charset="0"/>
+              </a:rPr>
+              <a:t> session)</a:t>
+            </a:r>
+          </a:p>
+          <a:p>
+            <a:r>
+              <a:rPr lang="en-US" sz="1200" dirty="0">
+                <a:solidFill>
+                  <a:srgbClr val="000000"/>
+                </a:solidFill>
+                <a:latin typeface="Consolas" panose="020B0609020204030204" pitchFamily="49" charset="0"/>
+              </a:rPr>
+              <a:t>{</a:t>
+            </a:r>
+          </a:p>
+          <a:p>
+            <a:r>
+              <a:rPr lang="en-US" sz="1200" dirty="0">
+                <a:solidFill>
+                  <a:srgbClr val="000000"/>
+                </a:solidFill>
+                <a:latin typeface="Consolas" panose="020B0609020204030204" pitchFamily="49" charset="0"/>
+              </a:rPr>
+              <a:t>    </a:t>
+            </a:r>
+            <a:r>
+              <a:rPr lang="en-US" sz="1200" dirty="0">
+                <a:solidFill>
+                  <a:srgbClr val="0000FF"/>
+                </a:solidFill>
+                <a:latin typeface="Consolas" panose="020B0609020204030204" pitchFamily="49" charset="0"/>
+              </a:rPr>
+              <a:t>foreach</a:t>
+            </a:r>
+            <a:r>
+              <a:rPr lang="en-US" sz="1200" dirty="0">
+                <a:solidFill>
+                  <a:srgbClr val="000000"/>
+                </a:solidFill>
+                <a:latin typeface="Consolas" panose="020B0609020204030204" pitchFamily="49" charset="0"/>
+              </a:rPr>
+              <a:t>(</a:t>
+            </a:r>
+            <a:r>
+              <a:rPr lang="en-US" sz="1200" dirty="0" err="1">
+                <a:solidFill>
+                  <a:srgbClr val="000000"/>
+                </a:solidFill>
+                <a:latin typeface="Consolas" panose="020B0609020204030204" pitchFamily="49" charset="0"/>
+              </a:rPr>
+              <a:t>DistAttribute</a:t>
+            </a:r>
+            <a:r>
+              <a:rPr lang="en-US" sz="1200" dirty="0">
+                <a:solidFill>
+                  <a:srgbClr val="000000"/>
+                </a:solidFill>
+                <a:latin typeface="Consolas" panose="020B0609020204030204" pitchFamily="49" charset="0"/>
+              </a:rPr>
+              <a:t> </a:t>
+            </a:r>
+            <a:r>
+              <a:rPr lang="en-US" sz="1200" dirty="0" err="1">
+                <a:solidFill>
+                  <a:srgbClr val="000000"/>
+                </a:solidFill>
+                <a:latin typeface="Consolas" panose="020B0609020204030204" pitchFamily="49" charset="0"/>
+              </a:rPr>
+              <a:t>attr</a:t>
+            </a:r>
+            <a:r>
+              <a:rPr lang="en-US" sz="1200" dirty="0">
+                <a:solidFill>
+                  <a:srgbClr val="000000"/>
+                </a:solidFill>
+                <a:latin typeface="Consolas" panose="020B0609020204030204" pitchFamily="49" charset="0"/>
+              </a:rPr>
+              <a:t> </a:t>
+            </a:r>
+            <a:r>
+              <a:rPr lang="en-US" sz="1200" dirty="0">
+                <a:solidFill>
+                  <a:srgbClr val="0000FF"/>
+                </a:solidFill>
+                <a:latin typeface="Consolas" panose="020B0609020204030204" pitchFamily="49" charset="0"/>
+              </a:rPr>
+              <a:t>in</a:t>
+            </a:r>
+            <a:r>
+              <a:rPr lang="en-US" sz="1200" dirty="0">
+                <a:solidFill>
+                  <a:srgbClr val="000000"/>
+                </a:solidFill>
+                <a:latin typeface="Consolas" panose="020B0609020204030204" pitchFamily="49" charset="0"/>
+              </a:rPr>
+              <a:t> </a:t>
+            </a:r>
+            <a:r>
+              <a:rPr lang="en-US" sz="1200" dirty="0" err="1">
+                <a:solidFill>
+                  <a:srgbClr val="000000"/>
+                </a:solidFill>
+                <a:latin typeface="Consolas" panose="020B0609020204030204" pitchFamily="49" charset="0"/>
+              </a:rPr>
+              <a:t>notif</a:t>
+            </a:r>
+            <a:r>
+              <a:rPr lang="en-US" sz="1200" dirty="0">
+                <a:solidFill>
+                  <a:srgbClr val="000000"/>
+                </a:solidFill>
+                <a:latin typeface="Consolas" panose="020B0609020204030204" pitchFamily="49" charset="0"/>
+              </a:rPr>
+              <a:t>)</a:t>
+            </a:r>
+          </a:p>
+          <a:p>
+            <a:r>
+              <a:rPr lang="en-US" sz="1200" dirty="0">
+                <a:solidFill>
+                  <a:srgbClr val="000000"/>
+                </a:solidFill>
+                <a:latin typeface="Consolas" panose="020B0609020204030204" pitchFamily="49" charset="0"/>
+              </a:rPr>
+              <a:t>    {</a:t>
+            </a:r>
+          </a:p>
+          <a:p>
+            <a:r>
+              <a:rPr lang="en-US" sz="1200" dirty="0">
+                <a:solidFill>
+                  <a:srgbClr val="000000"/>
+                </a:solidFill>
+                <a:latin typeface="Consolas" panose="020B0609020204030204" pitchFamily="49" charset="0"/>
+              </a:rPr>
+              <a:t>        </a:t>
+            </a:r>
+            <a:r>
+              <a:rPr lang="en-US" sz="1200" dirty="0" err="1">
+                <a:solidFill>
+                  <a:srgbClr val="000000"/>
+                </a:solidFill>
+                <a:latin typeface="Consolas" panose="020B0609020204030204" pitchFamily="49" charset="0"/>
+              </a:rPr>
+              <a:t>System.Console.WriteLine</a:t>
+            </a:r>
+            <a:r>
+              <a:rPr lang="en-US" sz="1200" dirty="0">
+                <a:solidFill>
+                  <a:srgbClr val="000000"/>
+                </a:solidFill>
+                <a:latin typeface="Consolas" panose="020B0609020204030204" pitchFamily="49" charset="0"/>
+              </a:rPr>
+              <a:t>(</a:t>
+            </a:r>
+            <a:r>
+              <a:rPr lang="en-US" sz="1200" dirty="0" err="1">
+                <a:solidFill>
+                  <a:srgbClr val="000000"/>
+                </a:solidFill>
+                <a:latin typeface="Consolas" panose="020B0609020204030204" pitchFamily="49" charset="0"/>
+              </a:rPr>
+              <a:t>attr.ToString</a:t>
+            </a:r>
+            <a:r>
+              <a:rPr lang="en-US" sz="1200" dirty="0">
+                <a:solidFill>
+                  <a:srgbClr val="000000"/>
+                </a:solidFill>
+                <a:latin typeface="Consolas" panose="020B0609020204030204" pitchFamily="49" charset="0"/>
+              </a:rPr>
+              <a:t>());</a:t>
+            </a:r>
+          </a:p>
+          <a:p>
+            <a:r>
+              <a:rPr lang="en-US" sz="1200" dirty="0">
+                <a:solidFill>
+                  <a:srgbClr val="000000"/>
+                </a:solidFill>
+                <a:latin typeface="Consolas" panose="020B0609020204030204" pitchFamily="49" charset="0"/>
+              </a:rPr>
+              <a:t>    }</a:t>
+            </a:r>
+          </a:p>
+          <a:p>
+            <a:r>
+              <a:rPr lang="en-US" sz="1200" dirty="0">
+                <a:solidFill>
+                  <a:srgbClr val="000000"/>
+                </a:solidFill>
+                <a:latin typeface="Consolas" panose="020B0609020204030204" pitchFamily="49" charset="0"/>
+              </a:rPr>
+              <a:t>}</a:t>
+            </a:r>
+            <a:endParaRPr lang="en-US" sz="1200" dirty="0">
+              <a:latin typeface="Courier New" panose="02070309020205020404" pitchFamily="49" charset="0"/>
+              <a:cs typeface="Courier New" panose="02070309020205020404" pitchFamily="49" charset="0"/>
+            </a:endParaRPr>
+          </a:p>
+        </p:txBody>
+      </p:sp>
+    </p:spTree>
+    <p:extLst>
+      <p:ext uri="{BB962C8B-B14F-4D97-AF65-F5344CB8AC3E}">
+        <p14:creationId xmlns:p14="http://schemas.microsoft.com/office/powerpoint/2010/main" val="1685563034"/>
+      </p:ext>
+    </p:extLst>
+  </p:cSld>
+  <p:clrMapOvr>
+    <a:masterClrMapping/>
+  </p:clrMapOvr>
+  <mc:AlternateContent xmlns:mc="http://schemas.openxmlformats.org/markup-compatibility/2006" xmlns:p14="http://schemas.microsoft.com/office/powerpoint/2010/main">
+    <mc:Choice Requires="p14">
+      <p:transition spd="slow" p14:dur="6750" advClick="0"/>
+    </mc:Choice>
+    <mc:Fallback xmlns="">
+      <p:transition spd="slow" advClick="0"/>
+    </mc:Fallback>
+  </mc:AlternateContent>
+  <p:timing>
+    <p:tnLst>
+      <p:par>
+        <p:cTn id="1" dur="indefinite" restart="never" nodeType="tmRoot">
+          <p:childTnLst>
+            <p:seq concurrent="1" nextAc="seek">
+              <p:cTn id="2" dur="indefinite" nodeType="mainSeq">
+                <p:childTnLst>
+                  <p:par>
+                    <p:cTn id="3" fill="hold">
+                      <p:stCondLst>
+                        <p:cond delay="indefinite"/>
+                      </p:stCondLst>
+                      <p:childTnLst>
+                        <p:par>
+                          <p:cTn id="4" fill="hold">
+                            <p:stCondLst>
+                              <p:cond delay="0"/>
+                            </p:stCondLst>
+                            <p:childTnLst>
+                              <p:par>
+                                <p:cTn id="5" presetID="14" presetClass="entr" presetSubtype="10" fill="hold" grpId="0" nodeType="clickEffect">
+                                  <p:stCondLst>
+                                    <p:cond delay="0"/>
+                                  </p:stCondLst>
+                                  <p:childTnLst>
+                                    <p:set>
+                                      <p:cBhvr>
+                                        <p:cTn id="6" dur="1" fill="hold">
+                                          <p:stCondLst>
+                                            <p:cond delay="0"/>
+                                          </p:stCondLst>
+                                        </p:cTn>
+                                        <p:tgtEl>
+                                          <p:spTgt spid="3"/>
+                                        </p:tgtEl>
+                                        <p:attrNameLst>
+                                          <p:attrName>style.visibility</p:attrName>
+                                        </p:attrNameLst>
+                                      </p:cBhvr>
+                                      <p:to>
+                                        <p:strVal val="visible"/>
+                                      </p:to>
+                                    </p:set>
+                                    <p:animEffect transition="in" filter="randombar(horizontal)">
+                                      <p:cBhvr>
+                                        <p:cTn id="7" dur="500"/>
+                                        <p:tgtEl>
+                                          <p:spTgt spid="3"/>
+                                        </p:tgtEl>
+                                      </p:cBhvr>
+                                    </p:animEffect>
+                                  </p:childTnLst>
+                                </p:cTn>
+                              </p:par>
+                            </p:childTnLst>
+                          </p:cTn>
+                        </p:par>
+                      </p:childTnLst>
+                    </p:cTn>
+                  </p:par>
+                  <p:par>
+                    <p:cTn id="8" fill="hold">
+                      <p:stCondLst>
+                        <p:cond delay="indefinite"/>
+                      </p:stCondLst>
+                      <p:childTnLst>
+                        <p:par>
+                          <p:cTn id="9" fill="hold">
+                            <p:stCondLst>
+                              <p:cond delay="0"/>
+                            </p:stCondLst>
+                            <p:childTnLst>
+                              <p:par>
+                                <p:cTn id="10" presetID="14" presetClass="entr" presetSubtype="10" fill="hold" grpId="0" nodeType="clickEffect">
+                                  <p:stCondLst>
+                                    <p:cond delay="0"/>
+                                  </p:stCondLst>
+                                  <p:childTnLst>
+                                    <p:set>
+                                      <p:cBhvr>
+                                        <p:cTn id="11" dur="1" fill="hold">
+                                          <p:stCondLst>
+                                            <p:cond delay="0"/>
+                                          </p:stCondLst>
+                                        </p:cTn>
+                                        <p:tgtEl>
+                                          <p:spTgt spid="9"/>
+                                        </p:tgtEl>
+                                        <p:attrNameLst>
+                                          <p:attrName>style.visibility</p:attrName>
+                                        </p:attrNameLst>
+                                      </p:cBhvr>
+                                      <p:to>
+                                        <p:strVal val="visible"/>
+                                      </p:to>
+                                    </p:set>
+                                    <p:animEffect transition="in" filter="randombar(horizontal)">
+                                      <p:cBhvr>
+                                        <p:cTn id="12" dur="500"/>
+                                        <p:tgtEl>
+                                          <p:spTgt spid="9"/>
+                                        </p:tgtEl>
+                                      </p:cBhvr>
+                                    </p:animEffect>
+                                  </p:childTnLst>
+                                </p:cTn>
+                              </p:par>
+                            </p:childTnLst>
+                          </p:cTn>
+                        </p:par>
+                      </p:childTnLst>
+                    </p:cTn>
+                  </p:par>
+                  <p:par>
+                    <p:cTn id="13" fill="hold">
+                      <p:stCondLst>
+                        <p:cond delay="indefinite"/>
+                      </p:stCondLst>
+                      <p:childTnLst>
+                        <p:par>
+                          <p:cTn id="14" fill="hold">
+                            <p:stCondLst>
+                              <p:cond delay="0"/>
+                            </p:stCondLst>
+                            <p:childTnLst>
+                              <p:par>
+                                <p:cTn id="15" presetID="14" presetClass="entr" presetSubtype="10" fill="hold" grpId="0" nodeType="clickEffect">
+                                  <p:stCondLst>
+                                    <p:cond delay="0"/>
+                                  </p:stCondLst>
+                                  <p:childTnLst>
+                                    <p:set>
+                                      <p:cBhvr>
+                                        <p:cTn id="16" dur="1" fill="hold">
+                                          <p:stCondLst>
+                                            <p:cond delay="0"/>
+                                          </p:stCondLst>
+                                        </p:cTn>
+                                        <p:tgtEl>
+                                          <p:spTgt spid="10"/>
+                                        </p:tgtEl>
+                                        <p:attrNameLst>
+                                          <p:attrName>style.visibility</p:attrName>
+                                        </p:attrNameLst>
+                                      </p:cBhvr>
+                                      <p:to>
+                                        <p:strVal val="visible"/>
+                                      </p:to>
+                                    </p:set>
+                                    <p:animEffect transition="in" filter="randombar(horizontal)">
+                                      <p:cBhvr>
+                                        <p:cTn id="17" dur="500"/>
+                                        <p:tgtEl>
+                                          <p:spTgt spid="10"/>
+                                        </p:tgtEl>
+                                      </p:cBhvr>
+                                    </p:animEffect>
+                                  </p:childTnLst>
+                                </p:cTn>
+                              </p:par>
+                            </p:childTnLst>
+                          </p:cTn>
+                        </p:par>
+                      </p:childTnLst>
+                    </p:cTn>
+                  </p:par>
+                  <p:par>
+                    <p:cTn id="18" fill="hold">
+                      <p:stCondLst>
+                        <p:cond delay="indefinite"/>
+                      </p:stCondLst>
+                      <p:childTnLst>
+                        <p:par>
+                          <p:cTn id="19" fill="hold">
+                            <p:stCondLst>
+                              <p:cond delay="0"/>
+                            </p:stCondLst>
+                            <p:childTnLst>
+                              <p:par>
+                                <p:cTn id="20" presetID="14" presetClass="entr" presetSubtype="10" fill="hold" grpId="0" nodeType="clickEffect">
+                                  <p:stCondLst>
+                                    <p:cond delay="0"/>
+                                  </p:stCondLst>
+                                  <p:childTnLst>
+                                    <p:set>
+                                      <p:cBhvr>
+                                        <p:cTn id="21" dur="1" fill="hold">
+                                          <p:stCondLst>
+                                            <p:cond delay="0"/>
+                                          </p:stCondLst>
+                                        </p:cTn>
+                                        <p:tgtEl>
+                                          <p:spTgt spid="11"/>
+                                        </p:tgtEl>
+                                        <p:attrNameLst>
+                                          <p:attrName>style.visibility</p:attrName>
+                                        </p:attrNameLst>
+                                      </p:cBhvr>
+                                      <p:to>
+                                        <p:strVal val="visible"/>
+                                      </p:to>
+                                    </p:set>
+                                    <p:animEffect transition="in" filter="randombar(horizontal)">
+                                      <p:cBhvr>
+                                        <p:cTn id="22" dur="500"/>
+                                        <p:tgtEl>
+                                          <p:spTgt spid="11"/>
+                                        </p:tgtEl>
+                                      </p:cBhvr>
+                                    </p:animEffect>
+                                  </p:childTnLst>
+                                </p:cTn>
+                              </p:par>
+                            </p:childTnLst>
+                          </p:cTn>
+                        </p:par>
+                      </p:childTnLst>
+                    </p:cTn>
+                  </p:par>
+                </p:childTnLst>
+              </p:cTn>
+              <p:prevCondLst>
+                <p:cond evt="onPrev" delay="0">
+                  <p:tgtEl>
+                    <p:sldTgt/>
+                  </p:tgtEl>
+                </p:cond>
+              </p:prevCondLst>
+              <p:nextCondLst>
+                <p:cond evt="onNext" delay="0">
+                  <p:tgtEl>
+                    <p:sldTgt/>
+                  </p:tgtEl>
+                </p:cond>
+              </p:nextCondLst>
+            </p:seq>
+          </p:childTnLst>
+        </p:cTn>
+      </p:par>
+    </p:tnLst>
+    <p:bldLst>
+      <p:bldP spid="3" grpId="0" animBg="1"/>
+      <p:bldP spid="9" grpId="0" animBg="1"/>
+      <p:bldP spid="10" grpId="0" animBg="1"/>
+      <p:bldP spid="11" grpId="0" animBg="1"/>
+    </p:bldLst>
+  </p:timing>
+</p:sld>
+</file>
+
+<file path=ppt/slides/slide19.xml><?xml version="1.0" encoding="utf-8"?>
+<p:sld xmlns:a="http://schemas.openxmlformats.org/drawingml/2006/main" xmlns:r="http://schemas.openxmlformats.org/officeDocument/2006/relationships" xmlns:p="http://schemas.openxmlformats.org/presentationml/2006/main">
+  <p:cSld>
+    <p:spTree>
+      <p:nvGrpSpPr>
+        <p:cNvPr id="1" name=""/>
+        <p:cNvGrpSpPr/>
+        <p:nvPr/>
+      </p:nvGrpSpPr>
+      <p:grpSpPr>
+        <a:xfrm>
+          <a:off x="0" y="0"/>
+          <a:ext cx="0" cy="0"/>
+          <a:chOff x="0" y="0"/>
+          <a:chExt cx="0" cy="0"/>
+        </a:xfrm>
+      </p:grpSpPr>
+      <p:sp>
+        <p:nvSpPr>
+          <p:cNvPr id="2" name="Platshållare för innehåll 1">
+            <a:extLst>
+              <a:ext uri="{FF2B5EF4-FFF2-40B4-BE49-F238E27FC236}">
+                <a16:creationId xmlns:a16="http://schemas.microsoft.com/office/drawing/2014/main" id="{D2565F7D-88F3-4571-90DF-9102CA095CC2}"/>
+              </a:ext>
+            </a:extLst>
+          </p:cNvPr>
+          <p:cNvSpPr>
+            <a:spLocks noGrp="1"/>
+          </p:cNvSpPr>
+          <p:nvPr>
+            <p:ph idx="1"/>
+          </p:nvPr>
+        </p:nvSpPr>
+        <p:spPr/>
+        <p:txBody>
+          <a:bodyPr/>
+          <a:lstStyle/>
+          <a:p>
+            <a:r>
+              <a:rPr lang="en-US" dirty="0"/>
+              <a:t>We want C# objects and events</a:t>
+            </a:r>
+          </a:p>
+          <a:p>
+            <a:r>
+              <a:rPr lang="en-US" dirty="0"/>
+              <a:t>We want hierarchy</a:t>
+            </a:r>
+          </a:p>
+          <a:p>
+            <a:r>
+              <a:rPr lang="en-US" dirty="0"/>
+              <a:t>We need factories</a:t>
+            </a:r>
+          </a:p>
+          <a:p>
+            <a:pPr marL="3600" indent="0">
+              <a:buNone/>
+            </a:pPr>
+            <a:endParaRPr lang="en-US" dirty="0"/>
+          </a:p>
+        </p:txBody>
+      </p:sp>
+      <p:sp>
+        <p:nvSpPr>
+          <p:cNvPr id="5" name="Platshållare för bildnummer 4">
+            <a:extLst>
+              <a:ext uri="{FF2B5EF4-FFF2-40B4-BE49-F238E27FC236}">
+                <a16:creationId xmlns:a16="http://schemas.microsoft.com/office/drawing/2014/main" id="{A38D3D32-A6D4-4A54-B035-415C6738F63B}"/>
+              </a:ext>
+            </a:extLst>
+          </p:cNvPr>
+          <p:cNvSpPr>
+            <a:spLocks noGrp="1"/>
+          </p:cNvSpPr>
+          <p:nvPr>
+            <p:ph type="sldNum" sz="quarter" idx="4"/>
+          </p:nvPr>
+        </p:nvSpPr>
+        <p:spPr/>
+        <p:txBody>
+          <a:bodyPr/>
+          <a:lstStyle/>
+          <a:p>
+            <a:fld id="{9B02D930-DB44-4942-904E-E6F11B0F3050}" type="slidenum">
+              <a:rPr lang="en-GB" smtClean="0"/>
+              <a:pPr/>
+              <a:t>19</a:t>
+            </a:fld>
+            <a:endParaRPr lang="en-GB" dirty="0"/>
+          </a:p>
+        </p:txBody>
+      </p:sp>
+      <p:sp>
+        <p:nvSpPr>
+          <p:cNvPr id="6" name="Rubrik 5">
+            <a:extLst>
+              <a:ext uri="{FF2B5EF4-FFF2-40B4-BE49-F238E27FC236}">
+                <a16:creationId xmlns:a16="http://schemas.microsoft.com/office/drawing/2014/main" id="{956DB316-F455-4DE9-8D4D-E8E30BF76BA1}"/>
+              </a:ext>
+            </a:extLst>
+          </p:cNvPr>
+          <p:cNvSpPr>
+            <a:spLocks noGrp="1"/>
+          </p:cNvSpPr>
+          <p:nvPr>
+            <p:ph type="title"/>
+          </p:nvPr>
+        </p:nvSpPr>
+        <p:spPr/>
+        <p:txBody>
+          <a:bodyPr/>
+          <a:lstStyle/>
+          <a:p>
+            <a:r>
+              <a:rPr lang="en-US" dirty="0"/>
+              <a:t>Flow – Factories</a:t>
+            </a:r>
+          </a:p>
+        </p:txBody>
+      </p:sp>
+      <p:sp>
+        <p:nvSpPr>
+          <p:cNvPr id="9" name="textruta 8">
+            <a:extLst>
+              <a:ext uri="{FF2B5EF4-FFF2-40B4-BE49-F238E27FC236}">
+                <a16:creationId xmlns:a16="http://schemas.microsoft.com/office/drawing/2014/main" id="{F3F8E288-F976-43FF-8C37-7A3A075AD141}"/>
+              </a:ext>
+            </a:extLst>
+          </p:cNvPr>
+          <p:cNvSpPr txBox="1"/>
+          <p:nvPr/>
+        </p:nvSpPr>
+        <p:spPr>
+          <a:xfrm>
+            <a:off x="369888" y="3190452"/>
+            <a:ext cx="11091427" cy="3231654"/>
+          </a:xfrm>
+          <a:prstGeom prst="rect">
+            <a:avLst/>
+          </a:prstGeom>
+          <a:noFill/>
+          <a:ln>
+            <a:solidFill>
+              <a:schemeClr val="accent1"/>
+            </a:solidFill>
+          </a:ln>
+        </p:spPr>
+        <p:txBody>
+          <a:bodyPr wrap="square" rtlCol="0">
+            <a:spAutoFit/>
+          </a:bodyPr>
+          <a:lstStyle/>
+          <a:p>
+            <a:r>
+              <a:rPr lang="en-US" sz="1200" dirty="0">
+                <a:solidFill>
+                  <a:srgbClr val="000000"/>
+                </a:solidFill>
+                <a:latin typeface="Consolas" panose="020B0609020204030204" pitchFamily="49" charset="0"/>
+              </a:rPr>
+              <a:t>[</a:t>
+            </a:r>
+            <a:r>
+              <a:rPr lang="en-US" sz="1200" dirty="0" err="1">
+                <a:solidFill>
+                  <a:srgbClr val="000000"/>
+                </a:solidFill>
+                <a:latin typeface="Consolas" panose="020B0609020204030204" pitchFamily="49" charset="0"/>
+              </a:rPr>
+              <a:t>DistPropertyAutoStore</a:t>
+            </a:r>
+            <a:r>
+              <a:rPr lang="en-US" sz="1200" dirty="0">
+                <a:solidFill>
+                  <a:srgbClr val="000000"/>
+                </a:solidFill>
+                <a:latin typeface="Consolas" panose="020B0609020204030204" pitchFamily="49" charset="0"/>
+              </a:rPr>
+              <a:t>]         </a:t>
+            </a:r>
+            <a:r>
+              <a:rPr lang="en-US" sz="1200" dirty="0">
+                <a:solidFill>
+                  <a:srgbClr val="008000"/>
+                </a:solidFill>
+                <a:latin typeface="Consolas" panose="020B0609020204030204" pitchFamily="49" charset="0"/>
+              </a:rPr>
+              <a:t>// We will reflect our </a:t>
+            </a:r>
+            <a:r>
+              <a:rPr lang="en-US" sz="1200" dirty="0" err="1">
+                <a:solidFill>
+                  <a:srgbClr val="008000"/>
+                </a:solidFill>
+                <a:latin typeface="Consolas" panose="020B0609020204030204" pitchFamily="49" charset="0"/>
+              </a:rPr>
+              <a:t>dist</a:t>
+            </a:r>
+            <a:r>
+              <a:rPr lang="en-US" sz="1200" dirty="0">
+                <a:solidFill>
+                  <a:srgbClr val="008000"/>
+                </a:solidFill>
+                <a:latin typeface="Consolas" panose="020B0609020204030204" pitchFamily="49" charset="0"/>
+              </a:rPr>
+              <a:t> property attributes at send event</a:t>
+            </a:r>
+            <a:endParaRPr lang="en-US" sz="1200" dirty="0">
+              <a:solidFill>
+                <a:srgbClr val="000000"/>
+              </a:solidFill>
+              <a:latin typeface="Consolas" panose="020B0609020204030204" pitchFamily="49" charset="0"/>
+            </a:endParaRPr>
+          </a:p>
+          <a:p>
+            <a:r>
+              <a:rPr lang="en-US" sz="1200" dirty="0">
+                <a:solidFill>
+                  <a:srgbClr val="000000"/>
+                </a:solidFill>
+                <a:latin typeface="Consolas" panose="020B0609020204030204" pitchFamily="49" charset="0"/>
+              </a:rPr>
+              <a:t>[</a:t>
+            </a:r>
+            <a:r>
+              <a:rPr lang="en-US" sz="1200" dirty="0" err="1">
+                <a:solidFill>
+                  <a:srgbClr val="000000"/>
+                </a:solidFill>
+                <a:latin typeface="Consolas" panose="020B0609020204030204" pitchFamily="49" charset="0"/>
+              </a:rPr>
+              <a:t>DistPropertyAutoRestore</a:t>
+            </a:r>
+            <a:r>
+              <a:rPr lang="en-US" sz="1200" dirty="0">
+                <a:solidFill>
+                  <a:srgbClr val="000000"/>
+                </a:solidFill>
+                <a:latin typeface="Consolas" panose="020B0609020204030204" pitchFamily="49" charset="0"/>
+              </a:rPr>
+              <a:t>]       </a:t>
+            </a:r>
+            <a:r>
+              <a:rPr lang="en-US" sz="1200" dirty="0">
+                <a:solidFill>
+                  <a:srgbClr val="008000"/>
+                </a:solidFill>
+                <a:latin typeface="Consolas" panose="020B0609020204030204" pitchFamily="49" charset="0"/>
+              </a:rPr>
+              <a:t>// we will reflect our </a:t>
+            </a:r>
+            <a:r>
+              <a:rPr lang="en-US" sz="1200" dirty="0" err="1">
+                <a:solidFill>
+                  <a:srgbClr val="008000"/>
+                </a:solidFill>
+                <a:latin typeface="Consolas" panose="020B0609020204030204" pitchFamily="49" charset="0"/>
+              </a:rPr>
+              <a:t>dist</a:t>
+            </a:r>
+            <a:r>
+              <a:rPr lang="en-US" sz="1200" dirty="0">
+                <a:solidFill>
+                  <a:srgbClr val="008000"/>
+                </a:solidFill>
+                <a:latin typeface="Consolas" panose="020B0609020204030204" pitchFamily="49" charset="0"/>
+              </a:rPr>
+              <a:t> property attributes at </a:t>
+            </a:r>
+            <a:r>
+              <a:rPr lang="en-US" sz="1200" dirty="0" err="1">
+                <a:solidFill>
+                  <a:srgbClr val="008000"/>
+                </a:solidFill>
+                <a:latin typeface="Consolas" panose="020B0609020204030204" pitchFamily="49" charset="0"/>
+              </a:rPr>
+              <a:t>OnEvent</a:t>
+            </a:r>
+            <a:endParaRPr lang="en-US" sz="1200" dirty="0">
+              <a:solidFill>
+                <a:srgbClr val="000000"/>
+              </a:solidFill>
+              <a:latin typeface="Consolas" panose="020B0609020204030204" pitchFamily="49" charset="0"/>
+            </a:endParaRPr>
+          </a:p>
+          <a:p>
+            <a:endParaRPr lang="en-US" sz="1200" dirty="0">
+              <a:solidFill>
+                <a:srgbClr val="000000"/>
+              </a:solidFill>
+              <a:latin typeface="Consolas" panose="020B0609020204030204" pitchFamily="49" charset="0"/>
+            </a:endParaRPr>
+          </a:p>
+          <a:p>
+            <a:r>
+              <a:rPr lang="en-US" sz="1200" dirty="0">
+                <a:solidFill>
+                  <a:srgbClr val="0000FF"/>
+                </a:solidFill>
+                <a:latin typeface="Consolas" panose="020B0609020204030204" pitchFamily="49" charset="0"/>
+              </a:rPr>
+              <a:t>class</a:t>
+            </a:r>
+            <a:r>
+              <a:rPr lang="en-US" sz="1200" dirty="0">
+                <a:solidFill>
+                  <a:srgbClr val="000000"/>
+                </a:solidFill>
+                <a:latin typeface="Consolas" panose="020B0609020204030204" pitchFamily="49" charset="0"/>
+              </a:rPr>
+              <a:t> </a:t>
+            </a:r>
+            <a:r>
+              <a:rPr lang="en-US" sz="1200" dirty="0" err="1">
+                <a:solidFill>
+                  <a:srgbClr val="2B91AF"/>
+                </a:solidFill>
+                <a:latin typeface="Consolas" panose="020B0609020204030204" pitchFamily="49" charset="0"/>
+              </a:rPr>
+              <a:t>MessageEvent</a:t>
+            </a:r>
+            <a:r>
+              <a:rPr lang="en-US" sz="1200" dirty="0">
+                <a:solidFill>
+                  <a:srgbClr val="000000"/>
+                </a:solidFill>
+                <a:latin typeface="Consolas" panose="020B0609020204030204" pitchFamily="49" charset="0"/>
+              </a:rPr>
+              <a:t> : </a:t>
+            </a:r>
+            <a:r>
+              <a:rPr lang="en-US" sz="1200" dirty="0" err="1">
+                <a:solidFill>
+                  <a:srgbClr val="000000"/>
+                </a:solidFill>
+                <a:latin typeface="Consolas" panose="020B0609020204030204" pitchFamily="49" charset="0"/>
+              </a:rPr>
+              <a:t>DistEvent</a:t>
+            </a:r>
+            <a:endParaRPr lang="en-US" sz="1200" dirty="0">
+              <a:solidFill>
+                <a:srgbClr val="000000"/>
+              </a:solidFill>
+              <a:latin typeface="Consolas" panose="020B0609020204030204" pitchFamily="49" charset="0"/>
+            </a:endParaRPr>
+          </a:p>
+          <a:p>
+            <a:r>
+              <a:rPr lang="en-US" sz="1200" dirty="0">
+                <a:solidFill>
+                  <a:srgbClr val="000000"/>
+                </a:solidFill>
+                <a:latin typeface="Consolas" panose="020B0609020204030204" pitchFamily="49" charset="0"/>
+              </a:rPr>
+              <a:t>{</a:t>
+            </a:r>
+          </a:p>
+          <a:p>
+            <a:r>
+              <a:rPr lang="en-US" sz="1200" dirty="0">
+                <a:solidFill>
+                  <a:srgbClr val="008000"/>
+                </a:solidFill>
+                <a:latin typeface="Consolas" panose="020B0609020204030204" pitchFamily="49" charset="0"/>
+              </a:rPr>
+              <a:t>    // Let the constructor be private or internal so we </a:t>
+            </a:r>
+            <a:r>
+              <a:rPr lang="en-US" sz="1200" dirty="0" err="1">
+                <a:solidFill>
+                  <a:srgbClr val="008000"/>
+                </a:solidFill>
+                <a:latin typeface="Consolas" panose="020B0609020204030204" pitchFamily="49" charset="0"/>
+              </a:rPr>
+              <a:t>dont</a:t>
+            </a:r>
+            <a:r>
+              <a:rPr lang="en-US" sz="1200" dirty="0">
+                <a:solidFill>
+                  <a:srgbClr val="008000"/>
+                </a:solidFill>
+                <a:latin typeface="Consolas" panose="020B0609020204030204" pitchFamily="49" charset="0"/>
+              </a:rPr>
+              <a:t> expose this by mistake</a:t>
+            </a:r>
+            <a:endParaRPr lang="en-US" sz="1200" dirty="0">
+              <a:solidFill>
+                <a:srgbClr val="000000"/>
+              </a:solidFill>
+              <a:latin typeface="Consolas" panose="020B0609020204030204" pitchFamily="49" charset="0"/>
+            </a:endParaRPr>
+          </a:p>
+          <a:p>
+            <a:r>
+              <a:rPr lang="en-US" sz="1200" dirty="0">
+                <a:solidFill>
+                  <a:srgbClr val="000000"/>
+                </a:solidFill>
+                <a:latin typeface="Consolas" panose="020B0609020204030204" pitchFamily="49" charset="0"/>
+              </a:rPr>
+              <a:t>    </a:t>
+            </a:r>
+            <a:r>
+              <a:rPr lang="en-US" sz="1200" dirty="0">
+                <a:solidFill>
+                  <a:srgbClr val="0000FF"/>
+                </a:solidFill>
+                <a:latin typeface="Consolas" panose="020B0609020204030204" pitchFamily="49" charset="0"/>
+              </a:rPr>
+              <a:t>protected</a:t>
+            </a:r>
+            <a:r>
+              <a:rPr lang="en-US" sz="1200" dirty="0">
+                <a:solidFill>
+                  <a:srgbClr val="000000"/>
+                </a:solidFill>
+                <a:latin typeface="Consolas" panose="020B0609020204030204" pitchFamily="49" charset="0"/>
+              </a:rPr>
+              <a:t>  </a:t>
+            </a:r>
+            <a:r>
+              <a:rPr lang="en-US" sz="1200" dirty="0" err="1">
+                <a:solidFill>
+                  <a:srgbClr val="000000"/>
+                </a:solidFill>
+                <a:latin typeface="Consolas" panose="020B0609020204030204" pitchFamily="49" charset="0"/>
+              </a:rPr>
+              <a:t>MessageEvent</a:t>
+            </a:r>
+            <a:r>
+              <a:rPr lang="en-US" sz="1200" dirty="0">
+                <a:solidFill>
+                  <a:srgbClr val="000000"/>
+                </a:solidFill>
+                <a:latin typeface="Consolas" panose="020B0609020204030204" pitchFamily="49" charset="0"/>
+              </a:rPr>
+              <a:t>(</a:t>
+            </a:r>
+            <a:r>
+              <a:rPr lang="en-US" sz="1200" dirty="0" err="1">
+                <a:solidFill>
+                  <a:srgbClr val="000000"/>
+                </a:solidFill>
+                <a:latin typeface="Consolas" panose="020B0609020204030204" pitchFamily="49" charset="0"/>
+              </a:rPr>
+              <a:t>IntPtr</a:t>
+            </a:r>
+            <a:r>
+              <a:rPr lang="en-US" sz="1200" dirty="0">
+                <a:solidFill>
+                  <a:srgbClr val="000000"/>
+                </a:solidFill>
+                <a:latin typeface="Consolas" panose="020B0609020204030204" pitchFamily="49" charset="0"/>
+              </a:rPr>
+              <a:t> </a:t>
+            </a:r>
+            <a:r>
+              <a:rPr lang="en-US" sz="1200" dirty="0" err="1">
+                <a:solidFill>
+                  <a:srgbClr val="000000"/>
+                </a:solidFill>
+                <a:latin typeface="Consolas" panose="020B0609020204030204" pitchFamily="49" charset="0"/>
+              </a:rPr>
+              <a:t>nativeReference</a:t>
+            </a:r>
+            <a:r>
+              <a:rPr lang="en-US" sz="1200" dirty="0">
+                <a:solidFill>
+                  <a:srgbClr val="000000"/>
+                </a:solidFill>
+                <a:latin typeface="Consolas" panose="020B0609020204030204" pitchFamily="49" charset="0"/>
+              </a:rPr>
+              <a:t>) : </a:t>
+            </a:r>
+            <a:r>
+              <a:rPr lang="en-US" sz="1200" dirty="0">
+                <a:solidFill>
+                  <a:srgbClr val="0000FF"/>
+                </a:solidFill>
+                <a:latin typeface="Consolas" panose="020B0609020204030204" pitchFamily="49" charset="0"/>
+              </a:rPr>
+              <a:t>base</a:t>
+            </a:r>
+            <a:r>
+              <a:rPr lang="en-US" sz="1200" dirty="0">
+                <a:solidFill>
+                  <a:srgbClr val="000000"/>
+                </a:solidFill>
+                <a:latin typeface="Consolas" panose="020B0609020204030204" pitchFamily="49" charset="0"/>
+              </a:rPr>
+              <a:t>(</a:t>
+            </a:r>
+            <a:r>
+              <a:rPr lang="en-US" sz="1200" dirty="0" err="1">
+                <a:solidFill>
+                  <a:srgbClr val="000000"/>
+                </a:solidFill>
+                <a:latin typeface="Consolas" panose="020B0609020204030204" pitchFamily="49" charset="0"/>
+              </a:rPr>
+              <a:t>nativeReference</a:t>
+            </a:r>
+            <a:r>
+              <a:rPr lang="en-US" sz="1200" dirty="0">
+                <a:solidFill>
+                  <a:srgbClr val="000000"/>
+                </a:solidFill>
+                <a:latin typeface="Consolas" panose="020B0609020204030204" pitchFamily="49" charset="0"/>
+              </a:rPr>
+              <a:t>)</a:t>
+            </a:r>
+          </a:p>
+          <a:p>
+            <a:r>
+              <a:rPr lang="en-US" sz="1200" dirty="0">
+                <a:solidFill>
+                  <a:srgbClr val="000000"/>
+                </a:solidFill>
+                <a:latin typeface="Consolas" panose="020B0609020204030204" pitchFamily="49" charset="0"/>
+              </a:rPr>
+              <a:t>    {</a:t>
+            </a:r>
+          </a:p>
+          <a:p>
+            <a:r>
+              <a:rPr lang="en-US" sz="1200" dirty="0">
+                <a:solidFill>
+                  <a:srgbClr val="000000"/>
+                </a:solidFill>
+                <a:latin typeface="Consolas" panose="020B0609020204030204" pitchFamily="49" charset="0"/>
+              </a:rPr>
+              <a:t>    }</a:t>
+            </a:r>
+          </a:p>
+          <a:p>
+            <a:endParaRPr lang="en-US" sz="1200" dirty="0">
+              <a:solidFill>
+                <a:srgbClr val="000000"/>
+              </a:solidFill>
+              <a:latin typeface="Consolas" panose="020B0609020204030204" pitchFamily="49" charset="0"/>
+            </a:endParaRPr>
+          </a:p>
+          <a:p>
+            <a:r>
+              <a:rPr lang="en-US" sz="1200" dirty="0">
+                <a:solidFill>
+                  <a:srgbClr val="000000"/>
+                </a:solidFill>
+                <a:latin typeface="Consolas" panose="020B0609020204030204" pitchFamily="49" charset="0"/>
+              </a:rPr>
+              <a:t>    </a:t>
+            </a:r>
+            <a:r>
+              <a:rPr lang="en-US" sz="1200" dirty="0">
+                <a:solidFill>
+                  <a:srgbClr val="008000"/>
+                </a:solidFill>
+                <a:latin typeface="Consolas" panose="020B0609020204030204" pitchFamily="49" charset="0"/>
+              </a:rPr>
+              <a:t>// a factory design pattern for this class</a:t>
+            </a:r>
+            <a:endParaRPr lang="en-US" sz="1200" dirty="0">
+              <a:solidFill>
+                <a:srgbClr val="000000"/>
+              </a:solidFill>
+              <a:latin typeface="Consolas" panose="020B0609020204030204" pitchFamily="49" charset="0"/>
+            </a:endParaRPr>
+          </a:p>
+          <a:p>
+            <a:r>
+              <a:rPr lang="en-US" sz="1200" dirty="0">
+                <a:solidFill>
+                  <a:srgbClr val="000000"/>
+                </a:solidFill>
+                <a:latin typeface="Consolas" panose="020B0609020204030204" pitchFamily="49" charset="0"/>
+              </a:rPr>
+              <a:t>    </a:t>
+            </a:r>
+            <a:r>
+              <a:rPr lang="en-US" sz="1200" dirty="0">
+                <a:solidFill>
+                  <a:srgbClr val="0000FF"/>
+                </a:solidFill>
+                <a:latin typeface="Consolas" panose="020B0609020204030204" pitchFamily="49" charset="0"/>
+              </a:rPr>
+              <a:t>public</a:t>
+            </a:r>
+            <a:r>
+              <a:rPr lang="en-US" sz="1200" dirty="0">
+                <a:solidFill>
+                  <a:srgbClr val="000000"/>
+                </a:solidFill>
+                <a:latin typeface="Consolas" panose="020B0609020204030204" pitchFamily="49" charset="0"/>
+              </a:rPr>
+              <a:t> </a:t>
+            </a:r>
+            <a:r>
+              <a:rPr lang="en-US" sz="1200" dirty="0">
+                <a:solidFill>
+                  <a:srgbClr val="0000FF"/>
+                </a:solidFill>
+                <a:latin typeface="Consolas" panose="020B0609020204030204" pitchFamily="49" charset="0"/>
+              </a:rPr>
+              <a:t>override</a:t>
+            </a:r>
+            <a:r>
+              <a:rPr lang="en-US" sz="1200" dirty="0">
+                <a:solidFill>
+                  <a:srgbClr val="000000"/>
+                </a:solidFill>
+                <a:latin typeface="Consolas" panose="020B0609020204030204" pitchFamily="49" charset="0"/>
+              </a:rPr>
+              <a:t> Reference Create(</a:t>
+            </a:r>
+            <a:r>
+              <a:rPr lang="en-US" sz="1200" dirty="0" err="1">
+                <a:solidFill>
+                  <a:srgbClr val="000000"/>
+                </a:solidFill>
+                <a:latin typeface="Consolas" panose="020B0609020204030204" pitchFamily="49" charset="0"/>
+              </a:rPr>
+              <a:t>IntPtr</a:t>
+            </a:r>
+            <a:r>
+              <a:rPr lang="en-US" sz="1200" dirty="0">
+                <a:solidFill>
+                  <a:srgbClr val="000000"/>
+                </a:solidFill>
+                <a:latin typeface="Consolas" panose="020B0609020204030204" pitchFamily="49" charset="0"/>
+              </a:rPr>
+              <a:t> </a:t>
+            </a:r>
+            <a:r>
+              <a:rPr lang="en-US" sz="1200" dirty="0" err="1">
+                <a:solidFill>
+                  <a:srgbClr val="000000"/>
+                </a:solidFill>
+                <a:latin typeface="Consolas" panose="020B0609020204030204" pitchFamily="49" charset="0"/>
+              </a:rPr>
+              <a:t>nativeReference</a:t>
+            </a:r>
+            <a:r>
+              <a:rPr lang="en-US" sz="1200" dirty="0">
+                <a:solidFill>
+                  <a:srgbClr val="000000"/>
+                </a:solidFill>
+                <a:latin typeface="Consolas" panose="020B0609020204030204" pitchFamily="49" charset="0"/>
+              </a:rPr>
+              <a:t>)</a:t>
+            </a:r>
+          </a:p>
+          <a:p>
+            <a:r>
+              <a:rPr lang="en-US" sz="1200" dirty="0">
+                <a:solidFill>
+                  <a:srgbClr val="000000"/>
+                </a:solidFill>
+                <a:latin typeface="Consolas" panose="020B0609020204030204" pitchFamily="49" charset="0"/>
+              </a:rPr>
+              <a:t>    {</a:t>
+            </a:r>
+          </a:p>
+          <a:p>
+            <a:r>
+              <a:rPr lang="en-US" sz="1200" dirty="0">
+                <a:solidFill>
+                  <a:srgbClr val="000000"/>
+                </a:solidFill>
+                <a:latin typeface="Consolas" panose="020B0609020204030204" pitchFamily="49" charset="0"/>
+              </a:rPr>
+              <a:t>        </a:t>
+            </a:r>
+            <a:r>
+              <a:rPr lang="en-US" sz="1200" dirty="0">
+                <a:solidFill>
+                  <a:srgbClr val="0000FF"/>
+                </a:solidFill>
+                <a:latin typeface="Consolas" panose="020B0609020204030204" pitchFamily="49" charset="0"/>
+              </a:rPr>
+              <a:t>return</a:t>
+            </a:r>
+            <a:r>
+              <a:rPr lang="en-US" sz="1200" dirty="0">
+                <a:solidFill>
+                  <a:srgbClr val="000000"/>
+                </a:solidFill>
+                <a:latin typeface="Consolas" panose="020B0609020204030204" pitchFamily="49" charset="0"/>
+              </a:rPr>
+              <a:t> </a:t>
+            </a:r>
+            <a:r>
+              <a:rPr lang="en-US" sz="1200" dirty="0">
+                <a:solidFill>
+                  <a:srgbClr val="0000FF"/>
+                </a:solidFill>
+                <a:latin typeface="Consolas" panose="020B0609020204030204" pitchFamily="49" charset="0"/>
+              </a:rPr>
+              <a:t>new</a:t>
+            </a:r>
+            <a:r>
+              <a:rPr lang="en-US" sz="1200" dirty="0">
+                <a:solidFill>
+                  <a:srgbClr val="000000"/>
+                </a:solidFill>
+                <a:latin typeface="Consolas" panose="020B0609020204030204" pitchFamily="49" charset="0"/>
+              </a:rPr>
+              <a:t> </a:t>
+            </a:r>
+            <a:r>
+              <a:rPr lang="en-US" sz="1200" dirty="0" err="1">
+                <a:solidFill>
+                  <a:srgbClr val="000000"/>
+                </a:solidFill>
+                <a:latin typeface="Consolas" panose="020B0609020204030204" pitchFamily="49" charset="0"/>
+              </a:rPr>
+              <a:t>MessageEvent</a:t>
+            </a:r>
+            <a:r>
+              <a:rPr lang="en-US" sz="1200" dirty="0">
+                <a:solidFill>
+                  <a:srgbClr val="000000"/>
+                </a:solidFill>
+                <a:latin typeface="Consolas" panose="020B0609020204030204" pitchFamily="49" charset="0"/>
+              </a:rPr>
+              <a:t>(</a:t>
+            </a:r>
+            <a:r>
+              <a:rPr lang="en-US" sz="1200" dirty="0" err="1">
+                <a:solidFill>
+                  <a:srgbClr val="000000"/>
+                </a:solidFill>
+                <a:latin typeface="Consolas" panose="020B0609020204030204" pitchFamily="49" charset="0"/>
+              </a:rPr>
+              <a:t>nativeReference</a:t>
+            </a:r>
+            <a:r>
+              <a:rPr lang="en-US" sz="1200" dirty="0">
+                <a:solidFill>
+                  <a:srgbClr val="000000"/>
+                </a:solidFill>
+                <a:latin typeface="Consolas" panose="020B0609020204030204" pitchFamily="49" charset="0"/>
+              </a:rPr>
+              <a:t>) </a:t>
+            </a:r>
+            <a:r>
+              <a:rPr lang="en-US" sz="1200" dirty="0">
+                <a:solidFill>
+                  <a:srgbClr val="0000FF"/>
+                </a:solidFill>
+                <a:latin typeface="Consolas" panose="020B0609020204030204" pitchFamily="49" charset="0"/>
+              </a:rPr>
+              <a:t>as</a:t>
+            </a:r>
+            <a:r>
+              <a:rPr lang="en-US" sz="1200" dirty="0">
+                <a:solidFill>
+                  <a:srgbClr val="000000"/>
+                </a:solidFill>
+                <a:latin typeface="Consolas" panose="020B0609020204030204" pitchFamily="49" charset="0"/>
+              </a:rPr>
+              <a:t> Reference;</a:t>
+            </a:r>
+          </a:p>
+          <a:p>
+            <a:r>
+              <a:rPr lang="en-US" sz="1200" dirty="0">
+                <a:solidFill>
+                  <a:srgbClr val="000000"/>
+                </a:solidFill>
+                <a:latin typeface="Consolas" panose="020B0609020204030204" pitchFamily="49" charset="0"/>
+              </a:rPr>
+              <a:t>    }</a:t>
+            </a:r>
+          </a:p>
+          <a:p>
+            <a:endParaRPr lang="en-US" sz="1200" dirty="0">
+              <a:solidFill>
+                <a:srgbClr val="000000"/>
+              </a:solidFill>
+              <a:latin typeface="Consolas" panose="020B0609020204030204" pitchFamily="49" charset="0"/>
+            </a:endParaRPr>
+          </a:p>
+          <a:p>
+            <a:r>
+              <a:rPr lang="en-US" sz="1200" dirty="0">
+                <a:solidFill>
+                  <a:srgbClr val="000000"/>
+                </a:solidFill>
+                <a:latin typeface="Consolas" panose="020B0609020204030204" pitchFamily="49" charset="0"/>
+              </a:rPr>
+              <a:t>}</a:t>
+            </a:r>
+            <a:endParaRPr lang="en-US" sz="1200" dirty="0">
+              <a:latin typeface="Courier New" panose="02070309020205020404" pitchFamily="49" charset="0"/>
+              <a:cs typeface="Courier New" panose="02070309020205020404" pitchFamily="49" charset="0"/>
+            </a:endParaRPr>
+          </a:p>
+        </p:txBody>
+      </p:sp>
+      <p:sp>
+        <p:nvSpPr>
+          <p:cNvPr id="12" name="textruta 11">
+            <a:extLst>
+              <a:ext uri="{FF2B5EF4-FFF2-40B4-BE49-F238E27FC236}">
+                <a16:creationId xmlns:a16="http://schemas.microsoft.com/office/drawing/2014/main" id="{A8DD2482-F0F5-42B4-96AA-3E795058A0BC}"/>
+              </a:ext>
+            </a:extLst>
+          </p:cNvPr>
+          <p:cNvSpPr txBox="1"/>
+          <p:nvPr/>
+        </p:nvSpPr>
+        <p:spPr>
+          <a:xfrm>
+            <a:off x="5697793" y="2039393"/>
+            <a:ext cx="4506912" cy="461665"/>
+          </a:xfrm>
+          <a:prstGeom prst="rect">
+            <a:avLst/>
+          </a:prstGeom>
+          <a:noFill/>
+          <a:ln>
+            <a:solidFill>
+              <a:schemeClr val="accent1"/>
+            </a:solidFill>
+          </a:ln>
+        </p:spPr>
+        <p:txBody>
+          <a:bodyPr wrap="square" rtlCol="0">
+            <a:spAutoFit/>
+          </a:bodyPr>
+          <a:lstStyle/>
+          <a:p>
+            <a:r>
+              <a:rPr lang="en-US" sz="1200" dirty="0">
+                <a:solidFill>
+                  <a:srgbClr val="008000"/>
+                </a:solidFill>
+                <a:latin typeface="Consolas" panose="020B0609020204030204" pitchFamily="49" charset="0"/>
+              </a:rPr>
+              <a:t>// get a new empty event from manager</a:t>
+            </a:r>
+            <a:endParaRPr lang="en-US" sz="1200" dirty="0">
+              <a:solidFill>
+                <a:srgbClr val="000000"/>
+              </a:solidFill>
+              <a:latin typeface="Consolas" panose="020B0609020204030204" pitchFamily="49" charset="0"/>
+            </a:endParaRPr>
+          </a:p>
+          <a:p>
+            <a:r>
+              <a:rPr lang="en-US" sz="1200" dirty="0" err="1">
+                <a:solidFill>
+                  <a:srgbClr val="000000"/>
+                </a:solidFill>
+                <a:latin typeface="Consolas" panose="020B0609020204030204" pitchFamily="49" charset="0"/>
+              </a:rPr>
+              <a:t>MessageEvent</a:t>
+            </a:r>
+            <a:r>
+              <a:rPr lang="en-US" sz="1200" dirty="0">
+                <a:solidFill>
+                  <a:srgbClr val="000000"/>
+                </a:solidFill>
+                <a:latin typeface="Consolas" panose="020B0609020204030204" pitchFamily="49" charset="0"/>
+              </a:rPr>
+              <a:t> e = </a:t>
+            </a:r>
+            <a:r>
+              <a:rPr lang="en-US" sz="1200" dirty="0" err="1">
+                <a:solidFill>
+                  <a:srgbClr val="000000"/>
+                </a:solidFill>
+                <a:latin typeface="Consolas" panose="020B0609020204030204" pitchFamily="49" charset="0"/>
+              </a:rPr>
+              <a:t>manager.GetEvent</a:t>
+            </a:r>
+            <a:r>
+              <a:rPr lang="en-US" sz="1200" dirty="0">
+                <a:solidFill>
+                  <a:srgbClr val="000000"/>
+                </a:solidFill>
+                <a:latin typeface="Consolas" panose="020B0609020204030204" pitchFamily="49" charset="0"/>
+              </a:rPr>
+              <a:t>&lt;</a:t>
+            </a:r>
+            <a:r>
+              <a:rPr lang="en-US" sz="1200" dirty="0" err="1">
+                <a:solidFill>
+                  <a:srgbClr val="000000"/>
+                </a:solidFill>
+                <a:latin typeface="Consolas" panose="020B0609020204030204" pitchFamily="49" charset="0"/>
+              </a:rPr>
+              <a:t>MessageEvent</a:t>
+            </a:r>
+            <a:r>
+              <a:rPr lang="en-US" sz="1200" dirty="0">
+                <a:solidFill>
+                  <a:srgbClr val="000000"/>
+                </a:solidFill>
+                <a:latin typeface="Consolas" panose="020B0609020204030204" pitchFamily="49" charset="0"/>
+              </a:rPr>
+              <a:t>&gt;();</a:t>
+            </a:r>
+            <a:endParaRPr lang="en-US" sz="1200" dirty="0">
+              <a:latin typeface="Courier New" panose="02070309020205020404" pitchFamily="49" charset="0"/>
+              <a:cs typeface="Courier New" panose="02070309020205020404" pitchFamily="49" charset="0"/>
+            </a:endParaRPr>
+          </a:p>
+        </p:txBody>
+      </p:sp>
+    </p:spTree>
+    <p:extLst>
+      <p:ext uri="{BB962C8B-B14F-4D97-AF65-F5344CB8AC3E}">
+        <p14:creationId xmlns:p14="http://schemas.microsoft.com/office/powerpoint/2010/main" val="87916365"/>
+      </p:ext>
+    </p:extLst>
+  </p:cSld>
+  <p:clrMapOvr>
+    <a:masterClrMapping/>
+  </p:clrMapOvr>
+  <mc:AlternateContent xmlns:mc="http://schemas.openxmlformats.org/markup-compatibility/2006" xmlns:p14="http://schemas.microsoft.com/office/powerpoint/2010/main">
+    <mc:Choice Requires="p14">
+      <p:transition spd="slow" p14:dur="6750" advClick="0"/>
+    </mc:Choice>
+    <mc:Fallback xmlns="">
+      <p:transition spd="slow" advClick="0"/>
+    </mc:Fallback>
+  </mc:AlternateContent>
+  <p:timing>
+    <p:tnLst>
+      <p:par>
+        <p:cTn id="1" dur="indefinite" restart="never" nodeType="tmRoot">
+          <p:childTnLst>
+            <p:seq concurrent="1" nextAc="seek">
+              <p:cTn id="2" dur="indefinite" nodeType="mainSeq">
+                <p:childTnLst>
+                  <p:par>
+                    <p:cTn id="3" fill="hold">
+                      <p:stCondLst>
+                        <p:cond delay="indefinite"/>
+                      </p:stCondLst>
+                      <p:childTnLst>
+                        <p:par>
+                          <p:cTn id="4" fill="hold">
+                            <p:stCondLst>
+                              <p:cond delay="0"/>
+                            </p:stCondLst>
+                            <p:childTnLst>
+                              <p:par>
+                                <p:cTn id="5" presetID="1" presetClass="entr" presetSubtype="0" fill="hold" grpId="0" nodeType="clickEffect">
+                                  <p:stCondLst>
+                                    <p:cond delay="0"/>
+                                  </p:stCondLst>
+                                  <p:childTnLst>
+                                    <p:set>
+                                      <p:cBhvr>
+                                        <p:cTn id="6" dur="1" fill="hold">
+                                          <p:stCondLst>
+                                            <p:cond delay="0"/>
+                                          </p:stCondLst>
+                                        </p:cTn>
+                                        <p:tgtEl>
+                                          <p:spTgt spid="2">
+                                            <p:txEl>
+                                              <p:pRg st="0" end="0"/>
+                                            </p:txEl>
+                                          </p:spTgt>
+                                        </p:tgtEl>
+                                        <p:attrNameLst>
+                                          <p:attrName>style.visibility</p:attrName>
+                                        </p:attrNameLst>
+                                      </p:cBhvr>
+                                      <p:to>
+                                        <p:strVal val="visible"/>
+                                      </p:to>
+                                    </p:set>
+                                  </p:childTnLst>
+                                </p:cTn>
+                              </p:par>
+                            </p:childTnLst>
+                          </p:cTn>
+                        </p:par>
+                      </p:childTnLst>
+                    </p:cTn>
+                  </p:par>
+                  <p:par>
+                    <p:cTn id="7" fill="hold">
+                      <p:stCondLst>
+                        <p:cond delay="indefinite"/>
+                      </p:stCondLst>
+                      <p:childTnLst>
+                        <p:par>
+                          <p:cTn id="8" fill="hold">
+                            <p:stCondLst>
+                              <p:cond delay="0"/>
+                            </p:stCondLst>
+                            <p:childTnLst>
+                              <p:par>
+                                <p:cTn id="9" presetID="1" presetClass="entr" presetSubtype="0" fill="hold" grpId="0" nodeType="clickEffect">
+                                  <p:stCondLst>
+                                    <p:cond delay="0"/>
+                                  </p:stCondLst>
+                                  <p:childTnLst>
+                                    <p:set>
+                                      <p:cBhvr>
+                                        <p:cTn id="10" dur="1" fill="hold">
+                                          <p:stCondLst>
+                                            <p:cond delay="0"/>
+                                          </p:stCondLst>
+                                        </p:cTn>
+                                        <p:tgtEl>
+                                          <p:spTgt spid="2">
+                                            <p:txEl>
+                                              <p:pRg st="1" end="1"/>
+                                            </p:txEl>
+                                          </p:spTgt>
+                                        </p:tgtEl>
+                                        <p:attrNameLst>
+                                          <p:attrName>style.visibility</p:attrName>
+                                        </p:attrNameLst>
+                                      </p:cBhvr>
+                                      <p:to>
+                                        <p:strVal val="visible"/>
+                                      </p:to>
+                                    </p:set>
+                                  </p:childTnLst>
+                                </p:cTn>
+                              </p:par>
+                            </p:childTnLst>
+                          </p:cTn>
+                        </p:par>
+                      </p:childTnLst>
+                    </p:cTn>
+                  </p:par>
+                  <p:par>
+                    <p:cTn id="11" fill="hold">
+                      <p:stCondLst>
+                        <p:cond delay="indefinite"/>
+                      </p:stCondLst>
+                      <p:childTnLst>
+                        <p:par>
+                          <p:cTn id="12" fill="hold">
+                            <p:stCondLst>
+                              <p:cond delay="0"/>
+                            </p:stCondLst>
+                            <p:childTnLst>
+                              <p:par>
+                                <p:cTn id="13" presetID="1" presetClass="entr" presetSubtype="0" fill="hold" grpId="0" nodeType="clickEffect">
+                                  <p:stCondLst>
+                                    <p:cond delay="0"/>
+                                  </p:stCondLst>
+                                  <p:childTnLst>
+                                    <p:set>
+                                      <p:cBhvr>
+                                        <p:cTn id="14" dur="1" fill="hold">
+                                          <p:stCondLst>
+                                            <p:cond delay="0"/>
+                                          </p:stCondLst>
+                                        </p:cTn>
+                                        <p:tgtEl>
+                                          <p:spTgt spid="2">
+                                            <p:txEl>
+                                              <p:pRg st="2" end="2"/>
+                                            </p:txEl>
+                                          </p:spTgt>
+                                        </p:tgtEl>
+                                        <p:attrNameLst>
+                                          <p:attrName>style.visibility</p:attrName>
+                                        </p:attrNameLst>
+                                      </p:cBhvr>
+                                      <p:to>
+                                        <p:strVal val="visible"/>
+                                      </p:to>
+                                    </p:set>
+                                  </p:childTnLst>
+                                </p:cTn>
+                              </p:par>
+                            </p:childTnLst>
+                          </p:cTn>
+                        </p:par>
+                      </p:childTnLst>
+                    </p:cTn>
+                  </p:par>
+                  <p:par>
+                    <p:cTn id="15" fill="hold">
+                      <p:stCondLst>
+                        <p:cond delay="indefinite"/>
+                      </p:stCondLst>
+                      <p:childTnLst>
+                        <p:par>
+                          <p:cTn id="16" fill="hold">
+                            <p:stCondLst>
+                              <p:cond delay="0"/>
+                            </p:stCondLst>
+                            <p:childTnLst>
+                              <p:par>
+                                <p:cTn id="17" presetID="14" presetClass="entr" presetSubtype="10" fill="hold" grpId="0" nodeType="clickEffect">
+                                  <p:stCondLst>
+                                    <p:cond delay="0"/>
+                                  </p:stCondLst>
+                                  <p:childTnLst>
+                                    <p:set>
+                                      <p:cBhvr>
+                                        <p:cTn id="18" dur="1" fill="hold">
+                                          <p:stCondLst>
+                                            <p:cond delay="0"/>
+                                          </p:stCondLst>
+                                        </p:cTn>
+                                        <p:tgtEl>
+                                          <p:spTgt spid="9"/>
+                                        </p:tgtEl>
+                                        <p:attrNameLst>
+                                          <p:attrName>style.visibility</p:attrName>
+                                        </p:attrNameLst>
+                                      </p:cBhvr>
+                                      <p:to>
+                                        <p:strVal val="visible"/>
+                                      </p:to>
+                                    </p:set>
+                                    <p:animEffect transition="in" filter="randombar(horizontal)">
+                                      <p:cBhvr>
+                                        <p:cTn id="19" dur="500"/>
+                                        <p:tgtEl>
+                                          <p:spTgt spid="9"/>
+                                        </p:tgtEl>
+                                      </p:cBhvr>
+                                    </p:animEffect>
+                                  </p:childTnLst>
+                                </p:cTn>
+                              </p:par>
+                            </p:childTnLst>
+                          </p:cTn>
+                        </p:par>
+                      </p:childTnLst>
+                    </p:cTn>
+                  </p:par>
+                  <p:par>
+                    <p:cTn id="20" fill="hold">
+                      <p:stCondLst>
+                        <p:cond delay="indefinite"/>
+                      </p:stCondLst>
+                      <p:childTnLst>
+                        <p:par>
+                          <p:cTn id="21" fill="hold">
+                            <p:stCondLst>
+                              <p:cond delay="0"/>
+                            </p:stCondLst>
+                            <p:childTnLst>
+                              <p:par>
+                                <p:cTn id="22" presetID="14" presetClass="entr" presetSubtype="10" fill="hold" grpId="0" nodeType="clickEffect">
+                                  <p:stCondLst>
+                                    <p:cond delay="0"/>
+                                  </p:stCondLst>
+                                  <p:childTnLst>
+                                    <p:set>
+                                      <p:cBhvr>
+                                        <p:cTn id="23" dur="1" fill="hold">
+                                          <p:stCondLst>
+                                            <p:cond delay="0"/>
+                                          </p:stCondLst>
+                                        </p:cTn>
+                                        <p:tgtEl>
+                                          <p:spTgt spid="12"/>
+                                        </p:tgtEl>
+                                        <p:attrNameLst>
+                                          <p:attrName>style.visibility</p:attrName>
+                                        </p:attrNameLst>
+                                      </p:cBhvr>
+                                      <p:to>
+                                        <p:strVal val="visible"/>
+                                      </p:to>
+                                    </p:set>
+                                    <p:animEffect transition="in" filter="randombar(horizontal)">
+                                      <p:cBhvr>
+                                        <p:cTn id="24" dur="500"/>
+                                        <p:tgtEl>
+                                          <p:spTgt spid="12"/>
+                                        </p:tgtEl>
+                                      </p:cBhvr>
+                                    </p:animEffect>
+                                  </p:childTnLst>
+                                </p:cTn>
+                              </p:par>
+                            </p:childTnLst>
+                          </p:cTn>
+                        </p:par>
+                      </p:childTnLst>
+                    </p:cTn>
+                  </p:par>
+                </p:childTnLst>
+              </p:cTn>
+              <p:prevCondLst>
+                <p:cond evt="onPrev" delay="0">
+                  <p:tgtEl>
+                    <p:sldTgt/>
+                  </p:tgtEl>
+                </p:cond>
+              </p:prevCondLst>
+              <p:nextCondLst>
+                <p:cond evt="onNext" delay="0">
+                  <p:tgtEl>
+                    <p:sldTgt/>
+                  </p:tgtEl>
+                </p:cond>
+              </p:nextCondLst>
+            </p:seq>
+          </p:childTnLst>
+        </p:cTn>
+      </p:par>
+    </p:tnLst>
+    <p:bldLst>
+      <p:bldP spid="2" grpId="0" build="p"/>
+      <p:bldP spid="9" grpId="0" animBg="1"/>
+      <p:bldP spid="12" grpId="0" animBg="1"/>
+    </p:bldLst>
+  </p:timing>
 </p:sld>
 </file>
 
@@ -10774,6 +16436,94 @@
       </p:par>
     </p:tnLst>
   </p:timing>
+</p:sld>
+</file>
+
+<file path=ppt/slides/slide20.xml><?xml version="1.0" encoding="utf-8"?>
+<p:sld xmlns:a="http://schemas.openxmlformats.org/drawingml/2006/main" xmlns:r="http://schemas.openxmlformats.org/officeDocument/2006/relationships" xmlns:p="http://schemas.openxmlformats.org/presentationml/2006/main">
+  <p:cSld>
+    <p:spTree>
+      <p:nvGrpSpPr>
+        <p:cNvPr id="1" name=""/>
+        <p:cNvGrpSpPr/>
+        <p:nvPr/>
+      </p:nvGrpSpPr>
+      <p:grpSpPr>
+        <a:xfrm>
+          <a:off x="0" y="0"/>
+          <a:ext cx="0" cy="0"/>
+          <a:chOff x="0" y="0"/>
+          <a:chExt cx="0" cy="0"/>
+        </a:xfrm>
+      </p:grpSpPr>
+      <p:sp>
+        <p:nvSpPr>
+          <p:cNvPr id="6" name="Platshållare för text 5">
+            <a:extLst>
+              <a:ext uri="{FF2B5EF4-FFF2-40B4-BE49-F238E27FC236}">
+                <a16:creationId xmlns:a16="http://schemas.microsoft.com/office/drawing/2014/main" id="{35DC8D7F-1DFF-4787-A8FA-D07FE6B6FC69}"/>
+              </a:ext>
+            </a:extLst>
+          </p:cNvPr>
+          <p:cNvSpPr>
+            <a:spLocks noGrp="1"/>
+          </p:cNvSpPr>
+          <p:nvPr>
+            <p:ph type="body" sz="quarter" idx="14"/>
+          </p:nvPr>
+        </p:nvSpPr>
+        <p:spPr/>
+        <p:txBody>
+          <a:bodyPr/>
+          <a:lstStyle/>
+          <a:p>
+            <a:r>
+              <a:rPr lang="en-US" dirty="0"/>
+              <a:t>anders.moden@saabgroup.com</a:t>
+            </a:r>
+          </a:p>
+        </p:txBody>
+      </p:sp>
+      <p:sp>
+        <p:nvSpPr>
+          <p:cNvPr id="3" name="Platshållare för bildnummer 2">
+            <a:extLst>
+              <a:ext uri="{FF2B5EF4-FFF2-40B4-BE49-F238E27FC236}">
+                <a16:creationId xmlns:a16="http://schemas.microsoft.com/office/drawing/2014/main" id="{A6D496AF-3BEE-4BF1-9300-2BCA720DECFB}"/>
+              </a:ext>
+            </a:extLst>
+          </p:cNvPr>
+          <p:cNvSpPr>
+            <a:spLocks noGrp="1"/>
+          </p:cNvSpPr>
+          <p:nvPr>
+            <p:ph type="sldNum" sz="quarter" idx="4"/>
+          </p:nvPr>
+        </p:nvSpPr>
+        <p:spPr/>
+        <p:txBody>
+          <a:bodyPr/>
+          <a:lstStyle/>
+          <a:p>
+            <a:fld id="{9B02D930-DB44-4942-904E-E6F11B0F3050}" type="slidenum">
+              <a:rPr lang="en-GB" smtClean="0"/>
+              <a:pPr/>
+              <a:t>20</a:t>
+            </a:fld>
+            <a:endParaRPr lang="en-GB" dirty="0"/>
+          </a:p>
+        </p:txBody>
+      </p:sp>
+    </p:spTree>
+    <p:extLst>
+      <p:ext uri="{BB962C8B-B14F-4D97-AF65-F5344CB8AC3E}">
+        <p14:creationId xmlns:p14="http://schemas.microsoft.com/office/powerpoint/2010/main" val="2332896843"/>
+      </p:ext>
+    </p:extLst>
+  </p:cSld>
+  <p:clrMapOvr>
+    <a:masterClrMapping/>
+  </p:clrMapOvr>
 </p:sld>
 </file>
 

--- a/Tutorial/Distribution Tutorial.pptx
+++ b/Tutorial/Distribution Tutorial.pptx
@@ -5,10 +5,10 @@
     <p:sldMasterId id="2147483648" r:id="rId1"/>
   </p:sldMasterIdLst>
   <p:notesMasterIdLst>
-    <p:notesMasterId r:id="rId22"/>
+    <p:notesMasterId r:id="rId23"/>
   </p:notesMasterIdLst>
   <p:handoutMasterIdLst>
-    <p:handoutMasterId r:id="rId23"/>
+    <p:handoutMasterId r:id="rId24"/>
   </p:handoutMasterIdLst>
   <p:sldIdLst>
     <p:sldId id="256" r:id="rId2"/>
@@ -30,7 +30,8 @@
     <p:sldId id="308" r:id="rId18"/>
     <p:sldId id="309" r:id="rId19"/>
     <p:sldId id="310" r:id="rId20"/>
-    <p:sldId id="292" r:id="rId21"/>
+    <p:sldId id="311" r:id="rId21"/>
+    <p:sldId id="292" r:id="rId22"/>
   </p:sldIdLst>
   <p:sldSz cx="12192000" cy="6858000"/>
   <p:notesSz cx="6794500" cy="9906000"/>
@@ -16458,6 +16459,468 @@
       </p:grpSpPr>
       <p:sp>
         <p:nvSpPr>
+          <p:cNvPr id="2" name="Platshållare för innehåll 1">
+            <a:extLst>
+              <a:ext uri="{FF2B5EF4-FFF2-40B4-BE49-F238E27FC236}">
+                <a16:creationId xmlns:a16="http://schemas.microsoft.com/office/drawing/2014/main" id="{D2565F7D-88F3-4571-90DF-9102CA095CC2}"/>
+              </a:ext>
+            </a:extLst>
+          </p:cNvPr>
+          <p:cNvSpPr>
+            <a:spLocks noGrp="1"/>
+          </p:cNvSpPr>
+          <p:nvPr>
+            <p:ph idx="1"/>
+          </p:nvPr>
+        </p:nvSpPr>
+        <p:spPr/>
+        <p:txBody>
+          <a:bodyPr/>
+          <a:lstStyle/>
+          <a:p>
+            <a:r>
+              <a:rPr lang="en-US" dirty="0"/>
+              <a:t>We need a good way to debug objects and events</a:t>
+            </a:r>
+          </a:p>
+          <a:p>
+            <a:r>
+              <a:rPr lang="en-US" dirty="0"/>
+              <a:t>Inspect Subscriptions</a:t>
+            </a:r>
+          </a:p>
+          <a:p>
+            <a:r>
+              <a:rPr lang="en-US" dirty="0"/>
+              <a:t>Inspect Objects</a:t>
+            </a:r>
+          </a:p>
+          <a:p>
+            <a:r>
+              <a:rPr lang="en-US" dirty="0"/>
+              <a:t>Inspect Attributes</a:t>
+            </a:r>
+          </a:p>
+          <a:p>
+            <a:r>
+              <a:rPr lang="en-US" dirty="0"/>
+              <a:t>Follow Events</a:t>
+            </a:r>
+          </a:p>
+          <a:p>
+            <a:pPr marL="3600" indent="0">
+              <a:buNone/>
+            </a:pPr>
+            <a:endParaRPr lang="en-US" dirty="0"/>
+          </a:p>
+        </p:txBody>
+      </p:sp>
+      <p:sp>
+        <p:nvSpPr>
+          <p:cNvPr id="5" name="Platshållare för bildnummer 4">
+            <a:extLst>
+              <a:ext uri="{FF2B5EF4-FFF2-40B4-BE49-F238E27FC236}">
+                <a16:creationId xmlns:a16="http://schemas.microsoft.com/office/drawing/2014/main" id="{A38D3D32-A6D4-4A54-B035-415C6738F63B}"/>
+              </a:ext>
+            </a:extLst>
+          </p:cNvPr>
+          <p:cNvSpPr>
+            <a:spLocks noGrp="1"/>
+          </p:cNvSpPr>
+          <p:nvPr>
+            <p:ph type="sldNum" sz="quarter" idx="4"/>
+          </p:nvPr>
+        </p:nvSpPr>
+        <p:spPr/>
+        <p:txBody>
+          <a:bodyPr/>
+          <a:lstStyle/>
+          <a:p>
+            <a:fld id="{9B02D930-DB44-4942-904E-E6F11B0F3050}" type="slidenum">
+              <a:rPr lang="en-GB" smtClean="0"/>
+              <a:pPr/>
+              <a:t>20</a:t>
+            </a:fld>
+            <a:endParaRPr lang="en-GB" dirty="0"/>
+          </a:p>
+        </p:txBody>
+      </p:sp>
+      <p:sp>
+        <p:nvSpPr>
+          <p:cNvPr id="6" name="Rubrik 5">
+            <a:extLst>
+              <a:ext uri="{FF2B5EF4-FFF2-40B4-BE49-F238E27FC236}">
+                <a16:creationId xmlns:a16="http://schemas.microsoft.com/office/drawing/2014/main" id="{956DB316-F455-4DE9-8D4D-E8E30BF76BA1}"/>
+              </a:ext>
+            </a:extLst>
+          </p:cNvPr>
+          <p:cNvSpPr>
+            <a:spLocks noGrp="1"/>
+          </p:cNvSpPr>
+          <p:nvPr>
+            <p:ph type="title"/>
+          </p:nvPr>
+        </p:nvSpPr>
+        <p:spPr/>
+        <p:txBody>
+          <a:bodyPr/>
+          <a:lstStyle/>
+          <a:p>
+            <a:r>
+              <a:rPr lang="en-US" dirty="0"/>
+              <a:t>Tools - Debugging</a:t>
+            </a:r>
+          </a:p>
+        </p:txBody>
+      </p:sp>
+      <p:pic>
+        <p:nvPicPr>
+          <p:cNvPr id="3" name="Bildobjekt 2">
+            <a:extLst>
+              <a:ext uri="{FF2B5EF4-FFF2-40B4-BE49-F238E27FC236}">
+                <a16:creationId xmlns:a16="http://schemas.microsoft.com/office/drawing/2014/main" id="{3722CC08-D7CD-4A11-8BD7-AA28C531BDB7}"/>
+              </a:ext>
+            </a:extLst>
+          </p:cNvPr>
+          <p:cNvPicPr>
+            <a:picLocks noChangeAspect="1"/>
+          </p:cNvPicPr>
+          <p:nvPr/>
+        </p:nvPicPr>
+        <p:blipFill>
+          <a:blip r:embed="rId2"/>
+          <a:stretch>
+            <a:fillRect/>
+          </a:stretch>
+        </p:blipFill>
+        <p:spPr>
+          <a:xfrm>
+            <a:off x="6541979" y="2050075"/>
+            <a:ext cx="5280133" cy="4555925"/>
+          </a:xfrm>
+          <a:prstGeom prst="rect">
+            <a:avLst/>
+          </a:prstGeom>
+        </p:spPr>
+      </p:pic>
+    </p:spTree>
+    <p:extLst>
+      <p:ext uri="{BB962C8B-B14F-4D97-AF65-F5344CB8AC3E}">
+        <p14:creationId xmlns:p14="http://schemas.microsoft.com/office/powerpoint/2010/main" val="1527603095"/>
+      </p:ext>
+    </p:extLst>
+  </p:cSld>
+  <p:clrMapOvr>
+    <a:masterClrMapping/>
+  </p:clrMapOvr>
+  <mc:AlternateContent xmlns:mc="http://schemas.openxmlformats.org/markup-compatibility/2006" xmlns:p14="http://schemas.microsoft.com/office/powerpoint/2010/main">
+    <mc:Choice Requires="p14">
+      <p:transition spd="slow" p14:dur="6750" advClick="0"/>
+    </mc:Choice>
+    <mc:Fallback xmlns="">
+      <p:transition spd="slow" advClick="0"/>
+    </mc:Fallback>
+  </mc:AlternateContent>
+  <p:timing>
+    <p:tnLst>
+      <p:par>
+        <p:cTn id="1" dur="indefinite" restart="never" nodeType="tmRoot">
+          <p:childTnLst>
+            <p:seq concurrent="1" nextAc="seek">
+              <p:cTn id="2" dur="indefinite" nodeType="mainSeq">
+                <p:childTnLst>
+                  <p:par>
+                    <p:cTn id="3" fill="hold">
+                      <p:stCondLst>
+                        <p:cond delay="indefinite"/>
+                      </p:stCondLst>
+                      <p:childTnLst>
+                        <p:par>
+                          <p:cTn id="4" fill="hold">
+                            <p:stCondLst>
+                              <p:cond delay="0"/>
+                            </p:stCondLst>
+                            <p:childTnLst>
+                              <p:par>
+                                <p:cTn id="5" presetID="1" presetClass="entr" presetSubtype="0" fill="hold" grpId="0" nodeType="clickEffect">
+                                  <p:stCondLst>
+                                    <p:cond delay="0"/>
+                                  </p:stCondLst>
+                                  <p:childTnLst>
+                                    <p:set>
+                                      <p:cBhvr>
+                                        <p:cTn id="6" dur="1" fill="hold">
+                                          <p:stCondLst>
+                                            <p:cond delay="0"/>
+                                          </p:stCondLst>
+                                        </p:cTn>
+                                        <p:tgtEl>
+                                          <p:spTgt spid="2">
+                                            <p:txEl>
+                                              <p:pRg st="0" end="0"/>
+                                            </p:txEl>
+                                          </p:spTgt>
+                                        </p:tgtEl>
+                                        <p:attrNameLst>
+                                          <p:attrName>style.visibility</p:attrName>
+                                        </p:attrNameLst>
+                                      </p:cBhvr>
+                                      <p:to>
+                                        <p:strVal val="visible"/>
+                                      </p:to>
+                                    </p:set>
+                                  </p:childTnLst>
+                                </p:cTn>
+                              </p:par>
+                            </p:childTnLst>
+                          </p:cTn>
+                        </p:par>
+                      </p:childTnLst>
+                    </p:cTn>
+                  </p:par>
+                  <p:par>
+                    <p:cTn id="7" fill="hold">
+                      <p:stCondLst>
+                        <p:cond delay="indefinite"/>
+                      </p:stCondLst>
+                      <p:childTnLst>
+                        <p:par>
+                          <p:cTn id="8" fill="hold">
+                            <p:stCondLst>
+                              <p:cond delay="0"/>
+                            </p:stCondLst>
+                            <p:childTnLst>
+                              <p:par>
+                                <p:cTn id="9" presetID="1" presetClass="entr" presetSubtype="0" fill="hold" grpId="0" nodeType="clickEffect">
+                                  <p:stCondLst>
+                                    <p:cond delay="0"/>
+                                  </p:stCondLst>
+                                  <p:childTnLst>
+                                    <p:set>
+                                      <p:cBhvr>
+                                        <p:cTn id="10" dur="1" fill="hold">
+                                          <p:stCondLst>
+                                            <p:cond delay="0"/>
+                                          </p:stCondLst>
+                                        </p:cTn>
+                                        <p:tgtEl>
+                                          <p:spTgt spid="2">
+                                            <p:txEl>
+                                              <p:pRg st="1" end="1"/>
+                                            </p:txEl>
+                                          </p:spTgt>
+                                        </p:tgtEl>
+                                        <p:attrNameLst>
+                                          <p:attrName>style.visibility</p:attrName>
+                                        </p:attrNameLst>
+                                      </p:cBhvr>
+                                      <p:to>
+                                        <p:strVal val="visible"/>
+                                      </p:to>
+                                    </p:set>
+                                  </p:childTnLst>
+                                </p:cTn>
+                              </p:par>
+                            </p:childTnLst>
+                          </p:cTn>
+                        </p:par>
+                      </p:childTnLst>
+                    </p:cTn>
+                  </p:par>
+                  <p:par>
+                    <p:cTn id="11" fill="hold">
+                      <p:stCondLst>
+                        <p:cond delay="indefinite"/>
+                      </p:stCondLst>
+                      <p:childTnLst>
+                        <p:par>
+                          <p:cTn id="12" fill="hold">
+                            <p:stCondLst>
+                              <p:cond delay="0"/>
+                            </p:stCondLst>
+                            <p:childTnLst>
+                              <p:par>
+                                <p:cTn id="13" presetID="1" presetClass="entr" presetSubtype="0" fill="hold" grpId="0" nodeType="clickEffect">
+                                  <p:stCondLst>
+                                    <p:cond delay="0"/>
+                                  </p:stCondLst>
+                                  <p:childTnLst>
+                                    <p:set>
+                                      <p:cBhvr>
+                                        <p:cTn id="14" dur="1" fill="hold">
+                                          <p:stCondLst>
+                                            <p:cond delay="0"/>
+                                          </p:stCondLst>
+                                        </p:cTn>
+                                        <p:tgtEl>
+                                          <p:spTgt spid="2">
+                                            <p:txEl>
+                                              <p:pRg st="2" end="2"/>
+                                            </p:txEl>
+                                          </p:spTgt>
+                                        </p:tgtEl>
+                                        <p:attrNameLst>
+                                          <p:attrName>style.visibility</p:attrName>
+                                        </p:attrNameLst>
+                                      </p:cBhvr>
+                                      <p:to>
+                                        <p:strVal val="visible"/>
+                                      </p:to>
+                                    </p:set>
+                                  </p:childTnLst>
+                                </p:cTn>
+                              </p:par>
+                            </p:childTnLst>
+                          </p:cTn>
+                        </p:par>
+                      </p:childTnLst>
+                    </p:cTn>
+                  </p:par>
+                  <p:par>
+                    <p:cTn id="15" fill="hold">
+                      <p:stCondLst>
+                        <p:cond delay="indefinite"/>
+                      </p:stCondLst>
+                      <p:childTnLst>
+                        <p:par>
+                          <p:cTn id="16" fill="hold">
+                            <p:stCondLst>
+                              <p:cond delay="0"/>
+                            </p:stCondLst>
+                            <p:childTnLst>
+                              <p:par>
+                                <p:cTn id="17" presetID="1" presetClass="entr" presetSubtype="0" fill="hold" grpId="0" nodeType="clickEffect">
+                                  <p:stCondLst>
+                                    <p:cond delay="0"/>
+                                  </p:stCondLst>
+                                  <p:childTnLst>
+                                    <p:set>
+                                      <p:cBhvr>
+                                        <p:cTn id="18" dur="1" fill="hold">
+                                          <p:stCondLst>
+                                            <p:cond delay="0"/>
+                                          </p:stCondLst>
+                                        </p:cTn>
+                                        <p:tgtEl>
+                                          <p:spTgt spid="2">
+                                            <p:txEl>
+                                              <p:pRg st="3" end="3"/>
+                                            </p:txEl>
+                                          </p:spTgt>
+                                        </p:tgtEl>
+                                        <p:attrNameLst>
+                                          <p:attrName>style.visibility</p:attrName>
+                                        </p:attrNameLst>
+                                      </p:cBhvr>
+                                      <p:to>
+                                        <p:strVal val="visible"/>
+                                      </p:to>
+                                    </p:set>
+                                  </p:childTnLst>
+                                </p:cTn>
+                              </p:par>
+                            </p:childTnLst>
+                          </p:cTn>
+                        </p:par>
+                      </p:childTnLst>
+                    </p:cTn>
+                  </p:par>
+                  <p:par>
+                    <p:cTn id="19" fill="hold">
+                      <p:stCondLst>
+                        <p:cond delay="indefinite"/>
+                      </p:stCondLst>
+                      <p:childTnLst>
+                        <p:par>
+                          <p:cTn id="20" fill="hold">
+                            <p:stCondLst>
+                              <p:cond delay="0"/>
+                            </p:stCondLst>
+                            <p:childTnLst>
+                              <p:par>
+                                <p:cTn id="21" presetID="1" presetClass="entr" presetSubtype="0" fill="hold" grpId="0" nodeType="clickEffect">
+                                  <p:stCondLst>
+                                    <p:cond delay="0"/>
+                                  </p:stCondLst>
+                                  <p:childTnLst>
+                                    <p:set>
+                                      <p:cBhvr>
+                                        <p:cTn id="22" dur="1" fill="hold">
+                                          <p:stCondLst>
+                                            <p:cond delay="0"/>
+                                          </p:stCondLst>
+                                        </p:cTn>
+                                        <p:tgtEl>
+                                          <p:spTgt spid="2">
+                                            <p:txEl>
+                                              <p:pRg st="4" end="4"/>
+                                            </p:txEl>
+                                          </p:spTgt>
+                                        </p:tgtEl>
+                                        <p:attrNameLst>
+                                          <p:attrName>style.visibility</p:attrName>
+                                        </p:attrNameLst>
+                                      </p:cBhvr>
+                                      <p:to>
+                                        <p:strVal val="visible"/>
+                                      </p:to>
+                                    </p:set>
+                                  </p:childTnLst>
+                                </p:cTn>
+                              </p:par>
+                            </p:childTnLst>
+                          </p:cTn>
+                        </p:par>
+                      </p:childTnLst>
+                    </p:cTn>
+                  </p:par>
+                </p:childTnLst>
+              </p:cTn>
+              <p:prevCondLst>
+                <p:cond evt="onPrev" delay="0">
+                  <p:tgtEl>
+                    <p:sldTgt/>
+                  </p:tgtEl>
+                </p:cond>
+              </p:prevCondLst>
+              <p:nextCondLst>
+                <p:cond evt="onNext" delay="0">
+                  <p:tgtEl>
+                    <p:sldTgt/>
+                  </p:tgtEl>
+                </p:cond>
+              </p:nextCondLst>
+            </p:seq>
+          </p:childTnLst>
+        </p:cTn>
+      </p:par>
+    </p:tnLst>
+    <p:bldLst>
+      <p:bldP spid="2" grpId="0" build="p"/>
+    </p:bldLst>
+  </p:timing>
+</p:sld>
+</file>
+
+<file path=ppt/slides/slide21.xml><?xml version="1.0" encoding="utf-8"?>
+<p:sld xmlns:a="http://schemas.openxmlformats.org/drawingml/2006/main" xmlns:r="http://schemas.openxmlformats.org/officeDocument/2006/relationships" xmlns:p="http://schemas.openxmlformats.org/presentationml/2006/main">
+  <p:cSld>
+    <p:spTree>
+      <p:nvGrpSpPr>
+        <p:cNvPr id="1" name=""/>
+        <p:cNvGrpSpPr/>
+        <p:nvPr/>
+      </p:nvGrpSpPr>
+      <p:grpSpPr>
+        <a:xfrm>
+          <a:off x="0" y="0"/>
+          <a:ext cx="0" cy="0"/>
+          <a:chOff x="0" y="0"/>
+          <a:chExt cx="0" cy="0"/>
+        </a:xfrm>
+      </p:grpSpPr>
+      <p:sp>
+        <p:nvSpPr>
           <p:cNvPr id="6" name="Platshållare för text 5">
             <a:extLst>
               <a:ext uri="{FF2B5EF4-FFF2-40B4-BE49-F238E27FC236}">
@@ -16508,7 +16971,7 @@
             <a:fld id="{9B02D930-DB44-4942-904E-E6F11B0F3050}" type="slidenum">
               <a:rPr lang="en-GB" smtClean="0"/>
               <a:pPr/>
-              <a:t>20</a:t>
+              <a:t>21</a:t>
             </a:fld>
             <a:endParaRPr lang="en-GB" dirty="0"/>
           </a:p>

--- a/Tutorial/Distribution Tutorial.pptx
+++ b/Tutorial/Distribution Tutorial.pptx
@@ -5,33 +5,34 @@
     <p:sldMasterId id="2147483648" r:id="rId1"/>
   </p:sldMasterIdLst>
   <p:notesMasterIdLst>
-    <p:notesMasterId r:id="rId23"/>
+    <p:notesMasterId r:id="rId24"/>
   </p:notesMasterIdLst>
   <p:handoutMasterIdLst>
-    <p:handoutMasterId r:id="rId24"/>
+    <p:handoutMasterId r:id="rId25"/>
   </p:handoutMasterIdLst>
   <p:sldIdLst>
     <p:sldId id="256" r:id="rId2"/>
     <p:sldId id="293" r:id="rId3"/>
-    <p:sldId id="294" r:id="rId4"/>
-    <p:sldId id="295" r:id="rId5"/>
-    <p:sldId id="296" r:id="rId6"/>
-    <p:sldId id="297" r:id="rId7"/>
-    <p:sldId id="298" r:id="rId8"/>
-    <p:sldId id="299" r:id="rId9"/>
-    <p:sldId id="300" r:id="rId10"/>
-    <p:sldId id="303" r:id="rId11"/>
-    <p:sldId id="302" r:id="rId12"/>
-    <p:sldId id="301" r:id="rId13"/>
-    <p:sldId id="304" r:id="rId14"/>
-    <p:sldId id="305" r:id="rId15"/>
-    <p:sldId id="306" r:id="rId16"/>
-    <p:sldId id="307" r:id="rId17"/>
-    <p:sldId id="308" r:id="rId18"/>
-    <p:sldId id="309" r:id="rId19"/>
-    <p:sldId id="310" r:id="rId20"/>
-    <p:sldId id="311" r:id="rId21"/>
-    <p:sldId id="292" r:id="rId22"/>
+    <p:sldId id="312" r:id="rId4"/>
+    <p:sldId id="294" r:id="rId5"/>
+    <p:sldId id="295" r:id="rId6"/>
+    <p:sldId id="296" r:id="rId7"/>
+    <p:sldId id="297" r:id="rId8"/>
+    <p:sldId id="298" r:id="rId9"/>
+    <p:sldId id="299" r:id="rId10"/>
+    <p:sldId id="300" r:id="rId11"/>
+    <p:sldId id="303" r:id="rId12"/>
+    <p:sldId id="302" r:id="rId13"/>
+    <p:sldId id="301" r:id="rId14"/>
+    <p:sldId id="304" r:id="rId15"/>
+    <p:sldId id="305" r:id="rId16"/>
+    <p:sldId id="306" r:id="rId17"/>
+    <p:sldId id="307" r:id="rId18"/>
+    <p:sldId id="308" r:id="rId19"/>
+    <p:sldId id="309" r:id="rId20"/>
+    <p:sldId id="310" r:id="rId21"/>
+    <p:sldId id="311" r:id="rId22"/>
+    <p:sldId id="292" r:id="rId23"/>
   </p:sldIdLst>
   <p:sldSz cx="12192000" cy="6858000"/>
   <p:notesSz cx="6794500" cy="9906000"/>
@@ -297,7 +298,7 @@
           <a:p>
             <a:fld id="{A1936DF5-8C83-46C7-B4CE-7755EBF09CC2}" type="datetimeFigureOut">
               <a:rPr lang="en-GB" smtClean="0"/>
-              <a:t>24/09/2019</a:t>
+              <a:t>25/09/2019</a:t>
             </a:fld>
             <a:endParaRPr lang="en-GB"/>
           </a:p>
@@ -462,7 +463,7 @@
           <a:p>
             <a:fld id="{65316BF1-A640-401D-9D90-F8D7D6E6B6BA}" type="datetimeFigureOut">
               <a:rPr lang="en-US" smtClean="0"/>
-              <a:t>9/24/2019</a:t>
+              <a:t>9/25/2019</a:t>
             </a:fld>
             <a:endParaRPr lang="en-US"/>
           </a:p>
@@ -8397,41 +8398,31 @@
           <a:p>
             <a:r>
               <a:rPr lang="en-US" dirty="0"/>
-              <a:t>An attribute is a named value</a:t>
+              <a:t>An object is a durable instance </a:t>
             </a:r>
           </a:p>
           <a:p>
             <a:r>
               <a:rPr lang="en-US" dirty="0"/>
-              <a:t>Attributes are located in objects and events</a:t>
+              <a:t>It can contain attributes and values</a:t>
             </a:r>
           </a:p>
           <a:p>
             <a:r>
               <a:rPr lang="en-US" dirty="0"/>
-              <a:t>Attributes have unique names in an object instance or event instance</a:t>
+              <a:t>It can be of a certain type</a:t>
             </a:r>
           </a:p>
           <a:p>
             <a:r>
               <a:rPr lang="en-US" dirty="0"/>
-              <a:t>The value of an attribute can be any type of data that can be serialized by </a:t>
-            </a:r>
-            <a:r>
-              <a:rPr lang="en-US" dirty="0" err="1"/>
-              <a:t>DynamicType</a:t>
-            </a:r>
+              <a:t>An object has a life span from creation until destruction</a:t>
+            </a:r>
+          </a:p>
+          <a:p>
             <a:r>
               <a:rPr lang="en-US" dirty="0"/>
-              <a:t> (number, string, </a:t>
-            </a:r>
-            <a:r>
-              <a:rPr lang="en-US" dirty="0" err="1"/>
-              <a:t>guid</a:t>
-            </a:r>
-            <a:r>
-              <a:rPr lang="en-US" dirty="0"/>
-              <a:t> etc..)</a:t>
+              <a:t>Only subscribed object types are notified</a:t>
             </a:r>
           </a:p>
         </p:txBody>
@@ -8461,6 +8452,534 @@
               <a:rPr lang="en-GB" smtClean="0"/>
               <a:pPr/>
               <a:t>10</a:t>
+            </a:fld>
+            <a:endParaRPr lang="en-GB" dirty="0"/>
+          </a:p>
+        </p:txBody>
+      </p:sp>
+      <p:sp>
+        <p:nvSpPr>
+          <p:cNvPr id="6" name="Rubrik 5">
+            <a:extLst>
+              <a:ext uri="{FF2B5EF4-FFF2-40B4-BE49-F238E27FC236}">
+                <a16:creationId xmlns:a16="http://schemas.microsoft.com/office/drawing/2014/main" id="{956DB316-F455-4DE9-8D4D-E8E30BF76BA1}"/>
+              </a:ext>
+            </a:extLst>
+          </p:cNvPr>
+          <p:cNvSpPr>
+            <a:spLocks noGrp="1"/>
+          </p:cNvSpPr>
+          <p:nvPr>
+            <p:ph type="title"/>
+          </p:nvPr>
+        </p:nvSpPr>
+        <p:spPr/>
+        <p:txBody>
+          <a:bodyPr/>
+          <a:lstStyle/>
+          <a:p>
+            <a:r>
+              <a:rPr lang="en-US" dirty="0"/>
+              <a:t>Objects</a:t>
+            </a:r>
+          </a:p>
+        </p:txBody>
+      </p:sp>
+      <p:pic>
+        <p:nvPicPr>
+          <p:cNvPr id="4" name="Bildobjekt 3">
+            <a:extLst>
+              <a:ext uri="{FF2B5EF4-FFF2-40B4-BE49-F238E27FC236}">
+                <a16:creationId xmlns:a16="http://schemas.microsoft.com/office/drawing/2014/main" id="{AA1B0C1B-979E-4CBB-9A92-38A12167C74B}"/>
+              </a:ext>
+            </a:extLst>
+          </p:cNvPr>
+          <p:cNvPicPr>
+            <a:picLocks noChangeAspect="1"/>
+          </p:cNvPicPr>
+          <p:nvPr/>
+        </p:nvPicPr>
+        <p:blipFill>
+          <a:blip r:embed="rId2"/>
+          <a:stretch>
+            <a:fillRect/>
+          </a:stretch>
+        </p:blipFill>
+        <p:spPr>
+          <a:xfrm>
+            <a:off x="8423879" y="3410540"/>
+            <a:ext cx="2398988" cy="738720"/>
+          </a:xfrm>
+          <a:prstGeom prst="rect">
+            <a:avLst/>
+          </a:prstGeom>
+        </p:spPr>
+      </p:pic>
+      <p:pic>
+        <p:nvPicPr>
+          <p:cNvPr id="8" name="Bildobjekt 7">
+            <a:extLst>
+              <a:ext uri="{FF2B5EF4-FFF2-40B4-BE49-F238E27FC236}">
+                <a16:creationId xmlns:a16="http://schemas.microsoft.com/office/drawing/2014/main" id="{F75C1610-2CA8-4FE9-B0B4-2B7EA0B81679}"/>
+              </a:ext>
+            </a:extLst>
+          </p:cNvPr>
+          <p:cNvPicPr>
+            <a:picLocks noChangeAspect="1"/>
+          </p:cNvPicPr>
+          <p:nvPr/>
+        </p:nvPicPr>
+        <p:blipFill>
+          <a:blip r:embed="rId3"/>
+          <a:stretch>
+            <a:fillRect/>
+          </a:stretch>
+        </p:blipFill>
+        <p:spPr>
+          <a:xfrm>
+            <a:off x="8423879" y="4149260"/>
+            <a:ext cx="2398988" cy="738720"/>
+          </a:xfrm>
+          <a:prstGeom prst="rect">
+            <a:avLst/>
+          </a:prstGeom>
+        </p:spPr>
+      </p:pic>
+      <p:pic>
+        <p:nvPicPr>
+          <p:cNvPr id="3" name="Bildobjekt 2">
+            <a:extLst>
+              <a:ext uri="{FF2B5EF4-FFF2-40B4-BE49-F238E27FC236}">
+                <a16:creationId xmlns:a16="http://schemas.microsoft.com/office/drawing/2014/main" id="{DCDEC1DE-B740-469C-B11B-1126BA9A9570}"/>
+              </a:ext>
+            </a:extLst>
+          </p:cNvPr>
+          <p:cNvPicPr>
+            <a:picLocks noChangeAspect="1"/>
+          </p:cNvPicPr>
+          <p:nvPr/>
+        </p:nvPicPr>
+        <p:blipFill>
+          <a:blip r:embed="rId4"/>
+          <a:stretch>
+            <a:fillRect/>
+          </a:stretch>
+        </p:blipFill>
+        <p:spPr>
+          <a:xfrm>
+            <a:off x="8791135" y="1745589"/>
+            <a:ext cx="1664475" cy="1295591"/>
+          </a:xfrm>
+          <a:prstGeom prst="rect">
+            <a:avLst/>
+          </a:prstGeom>
+        </p:spPr>
+      </p:pic>
+    </p:spTree>
+    <p:extLst>
+      <p:ext uri="{BB962C8B-B14F-4D97-AF65-F5344CB8AC3E}">
+        <p14:creationId xmlns:p14="http://schemas.microsoft.com/office/powerpoint/2010/main" val="1469742789"/>
+      </p:ext>
+    </p:extLst>
+  </p:cSld>
+  <p:clrMapOvr>
+    <a:masterClrMapping/>
+  </p:clrMapOvr>
+  <mc:AlternateContent xmlns:mc="http://schemas.openxmlformats.org/markup-compatibility/2006" xmlns:p14="http://schemas.microsoft.com/office/powerpoint/2010/main">
+    <mc:Choice Requires="p14">
+      <p:transition spd="slow" p14:dur="6750" advClick="0"/>
+    </mc:Choice>
+    <mc:Fallback xmlns="">
+      <p:transition spd="slow" advClick="0"/>
+    </mc:Fallback>
+  </mc:AlternateContent>
+  <p:timing>
+    <p:tnLst>
+      <p:par>
+        <p:cTn id="1" dur="indefinite" restart="never" nodeType="tmRoot">
+          <p:childTnLst>
+            <p:seq concurrent="1" nextAc="seek">
+              <p:cTn id="2" dur="indefinite" nodeType="mainSeq">
+                <p:childTnLst>
+                  <p:par>
+                    <p:cTn id="3" fill="hold">
+                      <p:stCondLst>
+                        <p:cond delay="indefinite"/>
+                      </p:stCondLst>
+                      <p:childTnLst>
+                        <p:par>
+                          <p:cTn id="4" fill="hold">
+                            <p:stCondLst>
+                              <p:cond delay="0"/>
+                            </p:stCondLst>
+                            <p:childTnLst>
+                              <p:par>
+                                <p:cTn id="5" presetID="1" presetClass="entr" presetSubtype="0" fill="hold" grpId="0" nodeType="clickEffect">
+                                  <p:stCondLst>
+                                    <p:cond delay="0"/>
+                                  </p:stCondLst>
+                                  <p:childTnLst>
+                                    <p:set>
+                                      <p:cBhvr>
+                                        <p:cTn id="6" dur="1" fill="hold">
+                                          <p:stCondLst>
+                                            <p:cond delay="0"/>
+                                          </p:stCondLst>
+                                        </p:cTn>
+                                        <p:tgtEl>
+                                          <p:spTgt spid="7">
+                                            <p:txEl>
+                                              <p:pRg st="0" end="0"/>
+                                            </p:txEl>
+                                          </p:spTgt>
+                                        </p:tgtEl>
+                                        <p:attrNameLst>
+                                          <p:attrName>style.visibility</p:attrName>
+                                        </p:attrNameLst>
+                                      </p:cBhvr>
+                                      <p:to>
+                                        <p:strVal val="visible"/>
+                                      </p:to>
+                                    </p:set>
+                                  </p:childTnLst>
+                                </p:cTn>
+                              </p:par>
+                            </p:childTnLst>
+                          </p:cTn>
+                        </p:par>
+                      </p:childTnLst>
+                    </p:cTn>
+                  </p:par>
+                  <p:par>
+                    <p:cTn id="7" fill="hold">
+                      <p:stCondLst>
+                        <p:cond delay="indefinite"/>
+                      </p:stCondLst>
+                      <p:childTnLst>
+                        <p:par>
+                          <p:cTn id="8" fill="hold">
+                            <p:stCondLst>
+                              <p:cond delay="0"/>
+                            </p:stCondLst>
+                            <p:childTnLst>
+                              <p:par>
+                                <p:cTn id="9" presetID="1" presetClass="entr" presetSubtype="0" fill="hold" grpId="0" nodeType="clickEffect">
+                                  <p:stCondLst>
+                                    <p:cond delay="0"/>
+                                  </p:stCondLst>
+                                  <p:childTnLst>
+                                    <p:set>
+                                      <p:cBhvr>
+                                        <p:cTn id="10" dur="1" fill="hold">
+                                          <p:stCondLst>
+                                            <p:cond delay="0"/>
+                                          </p:stCondLst>
+                                        </p:cTn>
+                                        <p:tgtEl>
+                                          <p:spTgt spid="7">
+                                            <p:txEl>
+                                              <p:pRg st="1" end="1"/>
+                                            </p:txEl>
+                                          </p:spTgt>
+                                        </p:tgtEl>
+                                        <p:attrNameLst>
+                                          <p:attrName>style.visibility</p:attrName>
+                                        </p:attrNameLst>
+                                      </p:cBhvr>
+                                      <p:to>
+                                        <p:strVal val="visible"/>
+                                      </p:to>
+                                    </p:set>
+                                  </p:childTnLst>
+                                </p:cTn>
+                              </p:par>
+                            </p:childTnLst>
+                          </p:cTn>
+                        </p:par>
+                      </p:childTnLst>
+                    </p:cTn>
+                  </p:par>
+                  <p:par>
+                    <p:cTn id="11" fill="hold">
+                      <p:stCondLst>
+                        <p:cond delay="indefinite"/>
+                      </p:stCondLst>
+                      <p:childTnLst>
+                        <p:par>
+                          <p:cTn id="12" fill="hold">
+                            <p:stCondLst>
+                              <p:cond delay="0"/>
+                            </p:stCondLst>
+                            <p:childTnLst>
+                              <p:par>
+                                <p:cTn id="13" presetID="1" presetClass="entr" presetSubtype="0" fill="hold" grpId="0" nodeType="clickEffect">
+                                  <p:stCondLst>
+                                    <p:cond delay="0"/>
+                                  </p:stCondLst>
+                                  <p:childTnLst>
+                                    <p:set>
+                                      <p:cBhvr>
+                                        <p:cTn id="14" dur="1" fill="hold">
+                                          <p:stCondLst>
+                                            <p:cond delay="0"/>
+                                          </p:stCondLst>
+                                        </p:cTn>
+                                        <p:tgtEl>
+                                          <p:spTgt spid="7">
+                                            <p:txEl>
+                                              <p:pRg st="2" end="2"/>
+                                            </p:txEl>
+                                          </p:spTgt>
+                                        </p:tgtEl>
+                                        <p:attrNameLst>
+                                          <p:attrName>style.visibility</p:attrName>
+                                        </p:attrNameLst>
+                                      </p:cBhvr>
+                                      <p:to>
+                                        <p:strVal val="visible"/>
+                                      </p:to>
+                                    </p:set>
+                                  </p:childTnLst>
+                                </p:cTn>
+                              </p:par>
+                            </p:childTnLst>
+                          </p:cTn>
+                        </p:par>
+                      </p:childTnLst>
+                    </p:cTn>
+                  </p:par>
+                  <p:par>
+                    <p:cTn id="15" fill="hold">
+                      <p:stCondLst>
+                        <p:cond delay="indefinite"/>
+                      </p:stCondLst>
+                      <p:childTnLst>
+                        <p:par>
+                          <p:cTn id="16" fill="hold">
+                            <p:stCondLst>
+                              <p:cond delay="0"/>
+                            </p:stCondLst>
+                            <p:childTnLst>
+                              <p:par>
+                                <p:cTn id="17" presetID="1" presetClass="entr" presetSubtype="0" fill="hold" grpId="0" nodeType="clickEffect">
+                                  <p:stCondLst>
+                                    <p:cond delay="0"/>
+                                  </p:stCondLst>
+                                  <p:childTnLst>
+                                    <p:set>
+                                      <p:cBhvr>
+                                        <p:cTn id="18" dur="1" fill="hold">
+                                          <p:stCondLst>
+                                            <p:cond delay="0"/>
+                                          </p:stCondLst>
+                                        </p:cTn>
+                                        <p:tgtEl>
+                                          <p:spTgt spid="7">
+                                            <p:txEl>
+                                              <p:pRg st="3" end="3"/>
+                                            </p:txEl>
+                                          </p:spTgt>
+                                        </p:tgtEl>
+                                        <p:attrNameLst>
+                                          <p:attrName>style.visibility</p:attrName>
+                                        </p:attrNameLst>
+                                      </p:cBhvr>
+                                      <p:to>
+                                        <p:strVal val="visible"/>
+                                      </p:to>
+                                    </p:set>
+                                  </p:childTnLst>
+                                </p:cTn>
+                              </p:par>
+                            </p:childTnLst>
+                          </p:cTn>
+                        </p:par>
+                      </p:childTnLst>
+                    </p:cTn>
+                  </p:par>
+                  <p:par>
+                    <p:cTn id="19" fill="hold">
+                      <p:stCondLst>
+                        <p:cond delay="indefinite"/>
+                      </p:stCondLst>
+                      <p:childTnLst>
+                        <p:par>
+                          <p:cTn id="20" fill="hold">
+                            <p:stCondLst>
+                              <p:cond delay="0"/>
+                            </p:stCondLst>
+                            <p:childTnLst>
+                              <p:par>
+                                <p:cTn id="21" presetID="1" presetClass="entr" presetSubtype="0" fill="hold" grpId="0" nodeType="clickEffect">
+                                  <p:stCondLst>
+                                    <p:cond delay="0"/>
+                                  </p:stCondLst>
+                                  <p:childTnLst>
+                                    <p:set>
+                                      <p:cBhvr>
+                                        <p:cTn id="22" dur="1" fill="hold">
+                                          <p:stCondLst>
+                                            <p:cond delay="0"/>
+                                          </p:stCondLst>
+                                        </p:cTn>
+                                        <p:tgtEl>
+                                          <p:spTgt spid="7">
+                                            <p:txEl>
+                                              <p:pRg st="4" end="4"/>
+                                            </p:txEl>
+                                          </p:spTgt>
+                                        </p:tgtEl>
+                                        <p:attrNameLst>
+                                          <p:attrName>style.visibility</p:attrName>
+                                        </p:attrNameLst>
+                                      </p:cBhvr>
+                                      <p:to>
+                                        <p:strVal val="visible"/>
+                                      </p:to>
+                                    </p:set>
+                                  </p:childTnLst>
+                                </p:cTn>
+                              </p:par>
+                            </p:childTnLst>
+                          </p:cTn>
+                        </p:par>
+                      </p:childTnLst>
+                    </p:cTn>
+                  </p:par>
+                </p:childTnLst>
+              </p:cTn>
+              <p:prevCondLst>
+                <p:cond evt="onPrev" delay="0">
+                  <p:tgtEl>
+                    <p:sldTgt/>
+                  </p:tgtEl>
+                </p:cond>
+              </p:prevCondLst>
+              <p:nextCondLst>
+                <p:cond evt="onNext" delay="0">
+                  <p:tgtEl>
+                    <p:sldTgt/>
+                  </p:tgtEl>
+                </p:cond>
+              </p:nextCondLst>
+            </p:seq>
+          </p:childTnLst>
+        </p:cTn>
+      </p:par>
+    </p:tnLst>
+    <p:bldLst>
+      <p:bldP spid="7" grpId="0" uiExpand="1" build="p"/>
+    </p:bldLst>
+  </p:timing>
+</p:sld>
+</file>
+
+<file path=ppt/slides/slide11.xml><?xml version="1.0" encoding="utf-8"?>
+<p:sld xmlns:a="http://schemas.openxmlformats.org/drawingml/2006/main" xmlns:r="http://schemas.openxmlformats.org/officeDocument/2006/relationships" xmlns:p="http://schemas.openxmlformats.org/presentationml/2006/main">
+  <p:cSld>
+    <p:spTree>
+      <p:nvGrpSpPr>
+        <p:cNvPr id="1" name=""/>
+        <p:cNvGrpSpPr/>
+        <p:nvPr/>
+      </p:nvGrpSpPr>
+      <p:grpSpPr>
+        <a:xfrm>
+          <a:off x="0" y="0"/>
+          <a:ext cx="0" cy="0"/>
+          <a:chOff x="0" y="0"/>
+          <a:chExt cx="0" cy="0"/>
+        </a:xfrm>
+      </p:grpSpPr>
+      <p:sp>
+        <p:nvSpPr>
+          <p:cNvPr id="7" name="Platshållare för innehåll 6">
+            <a:extLst>
+              <a:ext uri="{FF2B5EF4-FFF2-40B4-BE49-F238E27FC236}">
+                <a16:creationId xmlns:a16="http://schemas.microsoft.com/office/drawing/2014/main" id="{70C63E1D-970F-4A56-8DC8-29C0FFCE4B32}"/>
+              </a:ext>
+            </a:extLst>
+          </p:cNvPr>
+          <p:cNvSpPr>
+            <a:spLocks noGrp="1"/>
+          </p:cNvSpPr>
+          <p:nvPr>
+            <p:ph idx="1"/>
+          </p:nvPr>
+        </p:nvSpPr>
+        <p:spPr/>
+        <p:txBody>
+          <a:bodyPr>
+            <a:normAutofit/>
+          </a:bodyPr>
+          <a:lstStyle/>
+          <a:p>
+            <a:r>
+              <a:rPr lang="en-US" dirty="0"/>
+              <a:t>An attribute is a named value</a:t>
+            </a:r>
+          </a:p>
+          <a:p>
+            <a:r>
+              <a:rPr lang="en-US" dirty="0"/>
+              <a:t>Attributes are located in objects and events</a:t>
+            </a:r>
+          </a:p>
+          <a:p>
+            <a:r>
+              <a:rPr lang="en-US" dirty="0"/>
+              <a:t>Attributes have unique names in an object instance or event instance</a:t>
+            </a:r>
+          </a:p>
+          <a:p>
+            <a:r>
+              <a:rPr lang="en-US" dirty="0"/>
+              <a:t>The value of an attribute can be any type of data that can be serialized by </a:t>
+            </a:r>
+            <a:r>
+              <a:rPr lang="en-US" dirty="0" err="1"/>
+              <a:t>DynamicType</a:t>
+            </a:r>
+            <a:r>
+              <a:rPr lang="en-US" dirty="0"/>
+              <a:t> (number, string, </a:t>
+            </a:r>
+            <a:r>
+              <a:rPr lang="en-US" dirty="0" err="1"/>
+              <a:t>guid</a:t>
+            </a:r>
+            <a:r>
+              <a:rPr lang="en-US" dirty="0"/>
+              <a:t> etc..)</a:t>
+            </a:r>
+          </a:p>
+        </p:txBody>
+      </p:sp>
+      <p:sp>
+        <p:nvSpPr>
+          <p:cNvPr id="5" name="Platshållare för bildnummer 4">
+            <a:extLst>
+              <a:ext uri="{FF2B5EF4-FFF2-40B4-BE49-F238E27FC236}">
+                <a16:creationId xmlns:a16="http://schemas.microsoft.com/office/drawing/2014/main" id="{A38D3D32-A6D4-4A54-B035-415C6738F63B}"/>
+              </a:ext>
+            </a:extLst>
+          </p:cNvPr>
+          <p:cNvSpPr>
+            <a:spLocks noGrp="1"/>
+          </p:cNvSpPr>
+          <p:nvPr>
+            <p:ph type="sldNum" sz="quarter" idx="4"/>
+          </p:nvPr>
+        </p:nvSpPr>
+        <p:spPr/>
+        <p:txBody>
+          <a:bodyPr/>
+          <a:lstStyle/>
+          <a:p>
+            <a:fld id="{9B02D930-DB44-4942-904E-E6F11B0F3050}" type="slidenum">
+              <a:rPr lang="en-GB" smtClean="0"/>
+              <a:pPr/>
+              <a:t>11</a:t>
             </a:fld>
             <a:endParaRPr lang="en-GB" dirty="0"/>
           </a:p>
@@ -8774,7 +9293,7 @@
 </p:sld>
 </file>
 
-<file path=ppt/slides/slide11.xml><?xml version="1.0" encoding="utf-8"?>
+<file path=ppt/slides/slide12.xml><?xml version="1.0" encoding="utf-8"?>
 <p:sld xmlns:a="http://schemas.openxmlformats.org/drawingml/2006/main" xmlns:r="http://schemas.openxmlformats.org/officeDocument/2006/relationships" xmlns:p="http://schemas.openxmlformats.org/presentationml/2006/main">
   <p:cSld>
     <p:spTree>
@@ -8867,7 +9386,7 @@
             <a:fld id="{9B02D930-DB44-4942-904E-E6F11B0F3050}" type="slidenum">
               <a:rPr lang="en-GB" smtClean="0"/>
               <a:pPr/>
-              <a:t>11</a:t>
+              <a:t>12</a:t>
             </a:fld>
             <a:endParaRPr lang="en-GB" dirty="0"/>
           </a:p>
@@ -9181,7 +9700,7 @@
 </p:sld>
 </file>
 
-<file path=ppt/slides/slide12.xml><?xml version="1.0" encoding="utf-8"?>
+<file path=ppt/slides/slide13.xml><?xml version="1.0" encoding="utf-8"?>
 <p:sld xmlns:a="http://schemas.openxmlformats.org/drawingml/2006/main" xmlns:r="http://schemas.openxmlformats.org/officeDocument/2006/relationships" xmlns:p="http://schemas.openxmlformats.org/presentationml/2006/main">
   <p:cSld>
     <p:spTree>
@@ -9273,7 +9792,7 @@
             <a:fld id="{9B02D930-DB44-4942-904E-E6F11B0F3050}" type="slidenum">
               <a:rPr lang="en-GB" smtClean="0"/>
               <a:pPr/>
-              <a:t>12</a:t>
+              <a:t>13</a:t>
             </a:fld>
             <a:endParaRPr lang="en-GB" dirty="0"/>
           </a:p>
@@ -9587,7 +10106,7 @@
 </p:sld>
 </file>
 
-<file path=ppt/slides/slide13.xml><?xml version="1.0" encoding="utf-8"?>
+<file path=ppt/slides/slide14.xml><?xml version="1.0" encoding="utf-8"?>
 <p:sld xmlns:a="http://schemas.openxmlformats.org/drawingml/2006/main" xmlns:r="http://schemas.openxmlformats.org/officeDocument/2006/relationships" xmlns:p="http://schemas.openxmlformats.org/presentationml/2006/main">
   <p:cSld>
     <p:spTree>
@@ -9702,7 +10221,7 @@
             <a:fld id="{9B02D930-DB44-4942-904E-E6F11B0F3050}" type="slidenum">
               <a:rPr lang="en-GB" smtClean="0"/>
               <a:pPr/>
-              <a:t>13</a:t>
+              <a:t>14</a:t>
             </a:fld>
             <a:endParaRPr lang="en-GB" dirty="0"/>
           </a:p>
@@ -10084,7 +10603,7 @@
 </p:sld>
 </file>
 
-<file path=ppt/slides/slide14.xml><?xml version="1.0" encoding="utf-8"?>
+<file path=ppt/slides/slide15.xml><?xml version="1.0" encoding="utf-8"?>
 <p:sld xmlns:a="http://schemas.openxmlformats.org/drawingml/2006/main" xmlns:r="http://schemas.openxmlformats.org/officeDocument/2006/relationships" xmlns:p="http://schemas.openxmlformats.org/presentationml/2006/main">
   <p:cSld>
     <p:spTree>
@@ -10184,7 +10703,7 @@
             <a:fld id="{9B02D930-DB44-4942-904E-E6F11B0F3050}" type="slidenum">
               <a:rPr lang="en-GB" smtClean="0"/>
               <a:pPr/>
-              <a:t>14</a:t>
+              <a:t>15</a:t>
             </a:fld>
             <a:endParaRPr lang="en-GB" dirty="0"/>
           </a:p>
@@ -11035,7 +11554,7 @@
 </p:sld>
 </file>
 
-<file path=ppt/slides/slide15.xml><?xml version="1.0" encoding="utf-8"?>
+<file path=ppt/slides/slide16.xml><?xml version="1.0" encoding="utf-8"?>
 <p:sld xmlns:a="http://schemas.openxmlformats.org/drawingml/2006/main" xmlns:r="http://schemas.openxmlformats.org/officeDocument/2006/relationships" xmlns:p="http://schemas.openxmlformats.org/presentationml/2006/main">
   <p:cSld>
     <p:spTree>
@@ -11123,7 +11642,7 @@
             <a:fld id="{9B02D930-DB44-4942-904E-E6F11B0F3050}" type="slidenum">
               <a:rPr lang="en-GB" smtClean="0"/>
               <a:pPr/>
-              <a:t>15</a:t>
+              <a:t>16</a:t>
             </a:fld>
             <a:endParaRPr lang="en-GB" dirty="0"/>
           </a:p>
@@ -11725,7 +12244,7 @@
 </p:sld>
 </file>
 
-<file path=ppt/slides/slide16.xml><?xml version="1.0" encoding="utf-8"?>
+<file path=ppt/slides/slide17.xml><?xml version="1.0" encoding="utf-8"?>
 <p:sld xmlns:a="http://schemas.openxmlformats.org/drawingml/2006/main" xmlns:r="http://schemas.openxmlformats.org/officeDocument/2006/relationships" xmlns:p="http://schemas.openxmlformats.org/presentationml/2006/main">
   <p:cSld>
     <p:spTree>
@@ -11813,7 +12332,7 @@
             <a:fld id="{9B02D930-DB44-4942-904E-E6F11B0F3050}" type="slidenum">
               <a:rPr lang="en-GB" smtClean="0"/>
               <a:pPr/>
-              <a:t>16</a:t>
+              <a:t>17</a:t>
             </a:fld>
             <a:endParaRPr lang="en-GB" dirty="0"/>
           </a:p>
@@ -12612,7 +13131,7 @@
 </p:sld>
 </file>
 
-<file path=ppt/slides/slide17.xml><?xml version="1.0" encoding="utf-8"?>
+<file path=ppt/slides/slide18.xml><?xml version="1.0" encoding="utf-8"?>
 <p:sld xmlns:a="http://schemas.openxmlformats.org/drawingml/2006/main" xmlns:r="http://schemas.openxmlformats.org/officeDocument/2006/relationships" xmlns:p="http://schemas.openxmlformats.org/presentationml/2006/main">
   <p:cSld>
     <p:spTree>
@@ -12712,7 +13231,7 @@
             <a:fld id="{9B02D930-DB44-4942-904E-E6F11B0F3050}" type="slidenum">
               <a:rPr lang="en-GB" smtClean="0"/>
               <a:pPr/>
-              <a:t>17</a:t>
+              <a:t>18</a:t>
             </a:fld>
             <a:endParaRPr lang="en-GB" dirty="0"/>
           </a:p>
@@ -13079,7 +13598,7 @@
 </p:sld>
 </file>
 
-<file path=ppt/slides/slide18.xml><?xml version="1.0" encoding="utf-8"?>
+<file path=ppt/slides/slide19.xml><?xml version="1.0" encoding="utf-8"?>
 <p:sld xmlns:a="http://schemas.openxmlformats.org/drawingml/2006/main" xmlns:r="http://schemas.openxmlformats.org/officeDocument/2006/relationships" xmlns:p="http://schemas.openxmlformats.org/presentationml/2006/main">
   <p:cSld>
     <p:spTree>
@@ -13120,7 +13639,7 @@
             <a:fld id="{9B02D930-DB44-4942-904E-E6F11B0F3050}" type="slidenum">
               <a:rPr lang="en-GB" smtClean="0"/>
               <a:pPr/>
-              <a:t>18</a:t>
+              <a:t>19</a:t>
             </a:fld>
             <a:endParaRPr lang="en-GB" dirty="0"/>
           </a:p>
@@ -14609,7 +15128,283 @@
 </p:sld>
 </file>
 
-<file path=ppt/slides/slide19.xml><?xml version="1.0" encoding="utf-8"?>
+<file path=ppt/slides/slide2.xml><?xml version="1.0" encoding="utf-8"?>
+<p:sld xmlns:a="http://schemas.openxmlformats.org/drawingml/2006/main" xmlns:r="http://schemas.openxmlformats.org/officeDocument/2006/relationships" xmlns:p="http://schemas.openxmlformats.org/presentationml/2006/main">
+  <p:cSld>
+    <p:spTree>
+      <p:nvGrpSpPr>
+        <p:cNvPr id="1" name=""/>
+        <p:cNvGrpSpPr/>
+        <p:nvPr/>
+      </p:nvGrpSpPr>
+      <p:grpSpPr>
+        <a:xfrm>
+          <a:off x="0" y="0"/>
+          <a:ext cx="0" cy="0"/>
+          <a:chOff x="0" y="0"/>
+          <a:chExt cx="0" cy="0"/>
+        </a:xfrm>
+      </p:grpSpPr>
+      <p:sp>
+        <p:nvSpPr>
+          <p:cNvPr id="7" name="Platshållare för innehåll 6">
+            <a:extLst>
+              <a:ext uri="{FF2B5EF4-FFF2-40B4-BE49-F238E27FC236}">
+                <a16:creationId xmlns:a16="http://schemas.microsoft.com/office/drawing/2014/main" id="{70C63E1D-970F-4A56-8DC8-29C0FFCE4B32}"/>
+              </a:ext>
+            </a:extLst>
+          </p:cNvPr>
+          <p:cNvSpPr>
+            <a:spLocks noGrp="1"/>
+          </p:cNvSpPr>
+          <p:nvPr>
+            <p:ph idx="1"/>
+          </p:nvPr>
+        </p:nvSpPr>
+        <p:spPr>
+          <a:xfrm>
+            <a:off x="369888" y="1404000"/>
+            <a:ext cx="9969866" cy="5148000"/>
+          </a:xfrm>
+        </p:spPr>
+        <p:txBody>
+          <a:bodyPr/>
+          <a:lstStyle/>
+          <a:p>
+            <a:r>
+              <a:rPr lang="en-US" sz="2800"/>
+              <a:t>GitHub Repo</a:t>
+            </a:r>
+            <a:br>
+              <a:rPr lang="en-US" sz="2800"/>
+            </a:br>
+            <a:endParaRPr lang="en-US" sz="2800" dirty="0"/>
+          </a:p>
+          <a:p>
+            <a:r>
+              <a:rPr lang="en-US" sz="2800" dirty="0">
+                <a:hlinkClick r:id="rId2"/>
+              </a:rPr>
+              <a:t>https://github.com/ToolTech/Distributed_Domain_Demo</a:t>
+            </a:r>
+            <a:endParaRPr lang="en-US" sz="2800" dirty="0"/>
+          </a:p>
+          <a:p>
+            <a:endParaRPr lang="en-US" dirty="0"/>
+          </a:p>
+          <a:p>
+            <a:endParaRPr lang="en-US" dirty="0"/>
+          </a:p>
+        </p:txBody>
+      </p:sp>
+      <p:sp>
+        <p:nvSpPr>
+          <p:cNvPr id="5" name="Platshållare för bildnummer 4">
+            <a:extLst>
+              <a:ext uri="{FF2B5EF4-FFF2-40B4-BE49-F238E27FC236}">
+                <a16:creationId xmlns:a16="http://schemas.microsoft.com/office/drawing/2014/main" id="{A38D3D32-A6D4-4A54-B035-415C6738F63B}"/>
+              </a:ext>
+            </a:extLst>
+          </p:cNvPr>
+          <p:cNvSpPr>
+            <a:spLocks noGrp="1"/>
+          </p:cNvSpPr>
+          <p:nvPr>
+            <p:ph type="sldNum" sz="quarter" idx="4"/>
+          </p:nvPr>
+        </p:nvSpPr>
+        <p:spPr/>
+        <p:txBody>
+          <a:bodyPr/>
+          <a:lstStyle/>
+          <a:p>
+            <a:fld id="{9B02D930-DB44-4942-904E-E6F11B0F3050}" type="slidenum">
+              <a:rPr lang="en-GB" smtClean="0"/>
+              <a:pPr/>
+              <a:t>2</a:t>
+            </a:fld>
+            <a:endParaRPr lang="en-GB" dirty="0"/>
+          </a:p>
+        </p:txBody>
+      </p:sp>
+      <p:sp>
+        <p:nvSpPr>
+          <p:cNvPr id="6" name="Rubrik 5">
+            <a:extLst>
+              <a:ext uri="{FF2B5EF4-FFF2-40B4-BE49-F238E27FC236}">
+                <a16:creationId xmlns:a16="http://schemas.microsoft.com/office/drawing/2014/main" id="{956DB316-F455-4DE9-8D4D-E8E30BF76BA1}"/>
+              </a:ext>
+            </a:extLst>
+          </p:cNvPr>
+          <p:cNvSpPr>
+            <a:spLocks noGrp="1"/>
+          </p:cNvSpPr>
+          <p:nvPr>
+            <p:ph type="title"/>
+          </p:nvPr>
+        </p:nvSpPr>
+        <p:spPr/>
+        <p:txBody>
+          <a:bodyPr/>
+          <a:lstStyle/>
+          <a:p>
+            <a:r>
+              <a:rPr lang="en-US" dirty="0"/>
+              <a:t>Saab Distribution C# library</a:t>
+            </a:r>
+          </a:p>
+        </p:txBody>
+      </p:sp>
+    </p:spTree>
+    <p:extLst>
+      <p:ext uri="{BB962C8B-B14F-4D97-AF65-F5344CB8AC3E}">
+        <p14:creationId xmlns:p14="http://schemas.microsoft.com/office/powerpoint/2010/main" val="318091579"/>
+      </p:ext>
+    </p:extLst>
+  </p:cSld>
+  <p:clrMapOvr>
+    <a:masterClrMapping/>
+  </p:clrMapOvr>
+  <mc:AlternateContent xmlns:mc="http://schemas.openxmlformats.org/markup-compatibility/2006" xmlns:p14="http://schemas.microsoft.com/office/powerpoint/2010/main">
+    <mc:Choice Requires="p14">
+      <p:transition spd="slow" p14:dur="6750" advClick="0"/>
+    </mc:Choice>
+    <mc:Fallback xmlns="">
+      <p:transition spd="slow" advClick="0"/>
+    </mc:Fallback>
+  </mc:AlternateContent>
+  <p:timing>
+    <p:tnLst>
+      <p:par>
+        <p:cTn id="1" dur="indefinite" restart="never" nodeType="tmRoot">
+          <p:childTnLst>
+            <p:seq concurrent="1" nextAc="seek">
+              <p:cTn id="2" dur="indefinite" nodeType="mainSeq">
+                <p:childTnLst>
+                  <p:par>
+                    <p:cTn id="3" fill="hold">
+                      <p:stCondLst>
+                        <p:cond delay="indefinite"/>
+                      </p:stCondLst>
+                      <p:childTnLst>
+                        <p:par>
+                          <p:cTn id="4" fill="hold">
+                            <p:stCondLst>
+                              <p:cond delay="0"/>
+                            </p:stCondLst>
+                            <p:childTnLst>
+                              <p:par>
+                                <p:cTn id="5" presetID="1" presetClass="entr" presetSubtype="0" fill="hold" nodeType="clickEffect">
+                                  <p:stCondLst>
+                                    <p:cond delay="0"/>
+                                  </p:stCondLst>
+                                  <p:childTnLst>
+                                    <p:set>
+                                      <p:cBhvr>
+                                        <p:cTn id="6" dur="1" fill="hold">
+                                          <p:stCondLst>
+                                            <p:cond delay="0"/>
+                                          </p:stCondLst>
+                                        </p:cTn>
+                                        <p:tgtEl>
+                                          <p:spTgt spid="7">
+                                            <p:txEl>
+                                              <p:pRg st="0" end="0"/>
+                                            </p:txEl>
+                                          </p:spTgt>
+                                        </p:tgtEl>
+                                        <p:attrNameLst>
+                                          <p:attrName>style.visibility</p:attrName>
+                                        </p:attrNameLst>
+                                      </p:cBhvr>
+                                      <p:to>
+                                        <p:strVal val="visible"/>
+                                      </p:to>
+                                    </p:set>
+                                  </p:childTnLst>
+                                </p:cTn>
+                              </p:par>
+                            </p:childTnLst>
+                          </p:cTn>
+                        </p:par>
+                      </p:childTnLst>
+                    </p:cTn>
+                  </p:par>
+                  <p:par>
+                    <p:cTn id="7" fill="hold">
+                      <p:stCondLst>
+                        <p:cond delay="indefinite"/>
+                      </p:stCondLst>
+                      <p:childTnLst>
+                        <p:par>
+                          <p:cTn id="8" fill="hold">
+                            <p:stCondLst>
+                              <p:cond delay="0"/>
+                            </p:stCondLst>
+                            <p:childTnLst>
+                              <p:par>
+                                <p:cTn id="9" presetID="1" presetClass="entr" presetSubtype="0" fill="hold" nodeType="clickEffect">
+                                  <p:stCondLst>
+                                    <p:cond delay="0"/>
+                                  </p:stCondLst>
+                                  <p:childTnLst>
+                                    <p:set>
+                                      <p:cBhvr>
+                                        <p:cTn id="10" dur="1" fill="hold">
+                                          <p:stCondLst>
+                                            <p:cond delay="0"/>
+                                          </p:stCondLst>
+                                        </p:cTn>
+                                        <p:tgtEl>
+                                          <p:spTgt spid="7">
+                                            <p:txEl>
+                                              <p:pRg st="1" end="1"/>
+                                            </p:txEl>
+                                          </p:spTgt>
+                                        </p:tgtEl>
+                                        <p:attrNameLst>
+                                          <p:attrName>style.visibility</p:attrName>
+                                        </p:attrNameLst>
+                                      </p:cBhvr>
+                                      <p:to>
+                                        <p:strVal val="visible"/>
+                                      </p:to>
+                                    </p:set>
+                                  </p:childTnLst>
+                                </p:cTn>
+                              </p:par>
+                            </p:childTnLst>
+                          </p:cTn>
+                        </p:par>
+                      </p:childTnLst>
+                    </p:cTn>
+                  </p:par>
+                </p:childTnLst>
+              </p:cTn>
+              <p:prevCondLst>
+                <p:cond evt="onPrev" delay="0">
+                  <p:tgtEl>
+                    <p:sldTgt/>
+                  </p:tgtEl>
+                </p:cond>
+              </p:prevCondLst>
+              <p:nextCondLst>
+                <p:cond evt="onNext" delay="0">
+                  <p:tgtEl>
+                    <p:sldTgt/>
+                  </p:tgtEl>
+                </p:cond>
+              </p:nextCondLst>
+            </p:seq>
+          </p:childTnLst>
+        </p:cTn>
+      </p:par>
+    </p:tnLst>
+  </p:timing>
+</p:sld>
+</file>
+
+<file path=ppt/slides/slide20.xml><?xml version="1.0" encoding="utf-8"?>
 <p:sld xmlns:a="http://schemas.openxmlformats.org/drawingml/2006/main" xmlns:r="http://schemas.openxmlformats.org/officeDocument/2006/relationships" xmlns:p="http://schemas.openxmlformats.org/presentationml/2006/main">
   <p:cSld>
     <p:spTree>
@@ -14696,7 +15491,7 @@
             <a:fld id="{9B02D930-DB44-4942-904E-E6F11B0F3050}" type="slidenum">
               <a:rPr lang="en-GB" smtClean="0"/>
               <a:pPr/>
-              <a:t>19</a:t>
+              <a:t>20</a:t>
             </a:fld>
             <a:endParaRPr lang="en-GB" dirty="0"/>
           </a:p>
@@ -15828,7 +16623,557 @@
 </p:sld>
 </file>
 
-<file path=ppt/slides/slide2.xml><?xml version="1.0" encoding="utf-8"?>
+<file path=ppt/slides/slide21.xml><?xml version="1.0" encoding="utf-8"?>
+<p:sld xmlns:a="http://schemas.openxmlformats.org/drawingml/2006/main" xmlns:r="http://schemas.openxmlformats.org/officeDocument/2006/relationships" xmlns:p="http://schemas.openxmlformats.org/presentationml/2006/main">
+  <p:cSld>
+    <p:spTree>
+      <p:nvGrpSpPr>
+        <p:cNvPr id="1" name=""/>
+        <p:cNvGrpSpPr/>
+        <p:nvPr/>
+      </p:nvGrpSpPr>
+      <p:grpSpPr>
+        <a:xfrm>
+          <a:off x="0" y="0"/>
+          <a:ext cx="0" cy="0"/>
+          <a:chOff x="0" y="0"/>
+          <a:chExt cx="0" cy="0"/>
+        </a:xfrm>
+      </p:grpSpPr>
+      <p:sp>
+        <p:nvSpPr>
+          <p:cNvPr id="2" name="Platshållare för innehåll 1">
+            <a:extLst>
+              <a:ext uri="{FF2B5EF4-FFF2-40B4-BE49-F238E27FC236}">
+                <a16:creationId xmlns:a16="http://schemas.microsoft.com/office/drawing/2014/main" id="{D2565F7D-88F3-4571-90DF-9102CA095CC2}"/>
+              </a:ext>
+            </a:extLst>
+          </p:cNvPr>
+          <p:cNvSpPr>
+            <a:spLocks noGrp="1"/>
+          </p:cNvSpPr>
+          <p:nvPr>
+            <p:ph idx="1"/>
+          </p:nvPr>
+        </p:nvSpPr>
+        <p:spPr/>
+        <p:txBody>
+          <a:bodyPr/>
+          <a:lstStyle/>
+          <a:p>
+            <a:r>
+              <a:rPr lang="en-US" dirty="0"/>
+              <a:t>We need a good way to debug objects and events</a:t>
+            </a:r>
+          </a:p>
+          <a:p>
+            <a:r>
+              <a:rPr lang="en-US" dirty="0"/>
+              <a:t>Inspect Subscriptions</a:t>
+            </a:r>
+          </a:p>
+          <a:p>
+            <a:r>
+              <a:rPr lang="en-US" dirty="0"/>
+              <a:t>Inspect Objects</a:t>
+            </a:r>
+          </a:p>
+          <a:p>
+            <a:r>
+              <a:rPr lang="en-US" dirty="0"/>
+              <a:t>Inspect Attributes</a:t>
+            </a:r>
+          </a:p>
+          <a:p>
+            <a:r>
+              <a:rPr lang="en-US" dirty="0"/>
+              <a:t>Follow Events</a:t>
+            </a:r>
+          </a:p>
+          <a:p>
+            <a:pPr marL="3600" indent="0">
+              <a:buNone/>
+            </a:pPr>
+            <a:endParaRPr lang="en-US" dirty="0"/>
+          </a:p>
+        </p:txBody>
+      </p:sp>
+      <p:sp>
+        <p:nvSpPr>
+          <p:cNvPr id="5" name="Platshållare för bildnummer 4">
+            <a:extLst>
+              <a:ext uri="{FF2B5EF4-FFF2-40B4-BE49-F238E27FC236}">
+                <a16:creationId xmlns:a16="http://schemas.microsoft.com/office/drawing/2014/main" id="{A38D3D32-A6D4-4A54-B035-415C6738F63B}"/>
+              </a:ext>
+            </a:extLst>
+          </p:cNvPr>
+          <p:cNvSpPr>
+            <a:spLocks noGrp="1"/>
+          </p:cNvSpPr>
+          <p:nvPr>
+            <p:ph type="sldNum" sz="quarter" idx="4"/>
+          </p:nvPr>
+        </p:nvSpPr>
+        <p:spPr/>
+        <p:txBody>
+          <a:bodyPr/>
+          <a:lstStyle/>
+          <a:p>
+            <a:fld id="{9B02D930-DB44-4942-904E-E6F11B0F3050}" type="slidenum">
+              <a:rPr lang="en-GB" smtClean="0"/>
+              <a:pPr/>
+              <a:t>21</a:t>
+            </a:fld>
+            <a:endParaRPr lang="en-GB" dirty="0"/>
+          </a:p>
+        </p:txBody>
+      </p:sp>
+      <p:sp>
+        <p:nvSpPr>
+          <p:cNvPr id="6" name="Rubrik 5">
+            <a:extLst>
+              <a:ext uri="{FF2B5EF4-FFF2-40B4-BE49-F238E27FC236}">
+                <a16:creationId xmlns:a16="http://schemas.microsoft.com/office/drawing/2014/main" id="{956DB316-F455-4DE9-8D4D-E8E30BF76BA1}"/>
+              </a:ext>
+            </a:extLst>
+          </p:cNvPr>
+          <p:cNvSpPr>
+            <a:spLocks noGrp="1"/>
+          </p:cNvSpPr>
+          <p:nvPr>
+            <p:ph type="title"/>
+          </p:nvPr>
+        </p:nvSpPr>
+        <p:spPr/>
+        <p:txBody>
+          <a:bodyPr/>
+          <a:lstStyle/>
+          <a:p>
+            <a:r>
+              <a:rPr lang="en-US" dirty="0"/>
+              <a:t>Tools - Debugging</a:t>
+            </a:r>
+          </a:p>
+        </p:txBody>
+      </p:sp>
+      <p:pic>
+        <p:nvPicPr>
+          <p:cNvPr id="3" name="Bildobjekt 2">
+            <a:extLst>
+              <a:ext uri="{FF2B5EF4-FFF2-40B4-BE49-F238E27FC236}">
+                <a16:creationId xmlns:a16="http://schemas.microsoft.com/office/drawing/2014/main" id="{3722CC08-D7CD-4A11-8BD7-AA28C531BDB7}"/>
+              </a:ext>
+            </a:extLst>
+          </p:cNvPr>
+          <p:cNvPicPr>
+            <a:picLocks noChangeAspect="1"/>
+          </p:cNvPicPr>
+          <p:nvPr/>
+        </p:nvPicPr>
+        <p:blipFill>
+          <a:blip r:embed="rId2"/>
+          <a:stretch>
+            <a:fillRect/>
+          </a:stretch>
+        </p:blipFill>
+        <p:spPr>
+          <a:xfrm>
+            <a:off x="6541979" y="2050075"/>
+            <a:ext cx="5280133" cy="4555925"/>
+          </a:xfrm>
+          <a:prstGeom prst="rect">
+            <a:avLst/>
+          </a:prstGeom>
+        </p:spPr>
+      </p:pic>
+    </p:spTree>
+    <p:extLst>
+      <p:ext uri="{BB962C8B-B14F-4D97-AF65-F5344CB8AC3E}">
+        <p14:creationId xmlns:p14="http://schemas.microsoft.com/office/powerpoint/2010/main" val="1527603095"/>
+      </p:ext>
+    </p:extLst>
+  </p:cSld>
+  <p:clrMapOvr>
+    <a:masterClrMapping/>
+  </p:clrMapOvr>
+  <mc:AlternateContent xmlns:mc="http://schemas.openxmlformats.org/markup-compatibility/2006" xmlns:p14="http://schemas.microsoft.com/office/powerpoint/2010/main">
+    <mc:Choice Requires="p14">
+      <p:transition spd="slow" p14:dur="6750" advClick="0"/>
+    </mc:Choice>
+    <mc:Fallback xmlns="">
+      <p:transition spd="slow" advClick="0"/>
+    </mc:Fallback>
+  </mc:AlternateContent>
+  <p:timing>
+    <p:tnLst>
+      <p:par>
+        <p:cTn id="1" dur="indefinite" restart="never" nodeType="tmRoot">
+          <p:childTnLst>
+            <p:seq concurrent="1" nextAc="seek">
+              <p:cTn id="2" dur="indefinite" nodeType="mainSeq">
+                <p:childTnLst>
+                  <p:par>
+                    <p:cTn id="3" fill="hold">
+                      <p:stCondLst>
+                        <p:cond delay="indefinite"/>
+                      </p:stCondLst>
+                      <p:childTnLst>
+                        <p:par>
+                          <p:cTn id="4" fill="hold">
+                            <p:stCondLst>
+                              <p:cond delay="0"/>
+                            </p:stCondLst>
+                            <p:childTnLst>
+                              <p:par>
+                                <p:cTn id="5" presetID="1" presetClass="entr" presetSubtype="0" fill="hold" grpId="0" nodeType="clickEffect">
+                                  <p:stCondLst>
+                                    <p:cond delay="0"/>
+                                  </p:stCondLst>
+                                  <p:childTnLst>
+                                    <p:set>
+                                      <p:cBhvr>
+                                        <p:cTn id="6" dur="1" fill="hold">
+                                          <p:stCondLst>
+                                            <p:cond delay="0"/>
+                                          </p:stCondLst>
+                                        </p:cTn>
+                                        <p:tgtEl>
+                                          <p:spTgt spid="2">
+                                            <p:txEl>
+                                              <p:pRg st="0" end="0"/>
+                                            </p:txEl>
+                                          </p:spTgt>
+                                        </p:tgtEl>
+                                        <p:attrNameLst>
+                                          <p:attrName>style.visibility</p:attrName>
+                                        </p:attrNameLst>
+                                      </p:cBhvr>
+                                      <p:to>
+                                        <p:strVal val="visible"/>
+                                      </p:to>
+                                    </p:set>
+                                  </p:childTnLst>
+                                </p:cTn>
+                              </p:par>
+                            </p:childTnLst>
+                          </p:cTn>
+                        </p:par>
+                      </p:childTnLst>
+                    </p:cTn>
+                  </p:par>
+                  <p:par>
+                    <p:cTn id="7" fill="hold">
+                      <p:stCondLst>
+                        <p:cond delay="indefinite"/>
+                      </p:stCondLst>
+                      <p:childTnLst>
+                        <p:par>
+                          <p:cTn id="8" fill="hold">
+                            <p:stCondLst>
+                              <p:cond delay="0"/>
+                            </p:stCondLst>
+                            <p:childTnLst>
+                              <p:par>
+                                <p:cTn id="9" presetID="1" presetClass="entr" presetSubtype="0" fill="hold" grpId="0" nodeType="clickEffect">
+                                  <p:stCondLst>
+                                    <p:cond delay="0"/>
+                                  </p:stCondLst>
+                                  <p:childTnLst>
+                                    <p:set>
+                                      <p:cBhvr>
+                                        <p:cTn id="10" dur="1" fill="hold">
+                                          <p:stCondLst>
+                                            <p:cond delay="0"/>
+                                          </p:stCondLst>
+                                        </p:cTn>
+                                        <p:tgtEl>
+                                          <p:spTgt spid="2">
+                                            <p:txEl>
+                                              <p:pRg st="1" end="1"/>
+                                            </p:txEl>
+                                          </p:spTgt>
+                                        </p:tgtEl>
+                                        <p:attrNameLst>
+                                          <p:attrName>style.visibility</p:attrName>
+                                        </p:attrNameLst>
+                                      </p:cBhvr>
+                                      <p:to>
+                                        <p:strVal val="visible"/>
+                                      </p:to>
+                                    </p:set>
+                                  </p:childTnLst>
+                                </p:cTn>
+                              </p:par>
+                            </p:childTnLst>
+                          </p:cTn>
+                        </p:par>
+                      </p:childTnLst>
+                    </p:cTn>
+                  </p:par>
+                  <p:par>
+                    <p:cTn id="11" fill="hold">
+                      <p:stCondLst>
+                        <p:cond delay="indefinite"/>
+                      </p:stCondLst>
+                      <p:childTnLst>
+                        <p:par>
+                          <p:cTn id="12" fill="hold">
+                            <p:stCondLst>
+                              <p:cond delay="0"/>
+                            </p:stCondLst>
+                            <p:childTnLst>
+                              <p:par>
+                                <p:cTn id="13" presetID="1" presetClass="entr" presetSubtype="0" fill="hold" grpId="0" nodeType="clickEffect">
+                                  <p:stCondLst>
+                                    <p:cond delay="0"/>
+                                  </p:stCondLst>
+                                  <p:childTnLst>
+                                    <p:set>
+                                      <p:cBhvr>
+                                        <p:cTn id="14" dur="1" fill="hold">
+                                          <p:stCondLst>
+                                            <p:cond delay="0"/>
+                                          </p:stCondLst>
+                                        </p:cTn>
+                                        <p:tgtEl>
+                                          <p:spTgt spid="2">
+                                            <p:txEl>
+                                              <p:pRg st="2" end="2"/>
+                                            </p:txEl>
+                                          </p:spTgt>
+                                        </p:tgtEl>
+                                        <p:attrNameLst>
+                                          <p:attrName>style.visibility</p:attrName>
+                                        </p:attrNameLst>
+                                      </p:cBhvr>
+                                      <p:to>
+                                        <p:strVal val="visible"/>
+                                      </p:to>
+                                    </p:set>
+                                  </p:childTnLst>
+                                </p:cTn>
+                              </p:par>
+                            </p:childTnLst>
+                          </p:cTn>
+                        </p:par>
+                      </p:childTnLst>
+                    </p:cTn>
+                  </p:par>
+                  <p:par>
+                    <p:cTn id="15" fill="hold">
+                      <p:stCondLst>
+                        <p:cond delay="indefinite"/>
+                      </p:stCondLst>
+                      <p:childTnLst>
+                        <p:par>
+                          <p:cTn id="16" fill="hold">
+                            <p:stCondLst>
+                              <p:cond delay="0"/>
+                            </p:stCondLst>
+                            <p:childTnLst>
+                              <p:par>
+                                <p:cTn id="17" presetID="1" presetClass="entr" presetSubtype="0" fill="hold" grpId="0" nodeType="clickEffect">
+                                  <p:stCondLst>
+                                    <p:cond delay="0"/>
+                                  </p:stCondLst>
+                                  <p:childTnLst>
+                                    <p:set>
+                                      <p:cBhvr>
+                                        <p:cTn id="18" dur="1" fill="hold">
+                                          <p:stCondLst>
+                                            <p:cond delay="0"/>
+                                          </p:stCondLst>
+                                        </p:cTn>
+                                        <p:tgtEl>
+                                          <p:spTgt spid="2">
+                                            <p:txEl>
+                                              <p:pRg st="3" end="3"/>
+                                            </p:txEl>
+                                          </p:spTgt>
+                                        </p:tgtEl>
+                                        <p:attrNameLst>
+                                          <p:attrName>style.visibility</p:attrName>
+                                        </p:attrNameLst>
+                                      </p:cBhvr>
+                                      <p:to>
+                                        <p:strVal val="visible"/>
+                                      </p:to>
+                                    </p:set>
+                                  </p:childTnLst>
+                                </p:cTn>
+                              </p:par>
+                            </p:childTnLst>
+                          </p:cTn>
+                        </p:par>
+                      </p:childTnLst>
+                    </p:cTn>
+                  </p:par>
+                  <p:par>
+                    <p:cTn id="19" fill="hold">
+                      <p:stCondLst>
+                        <p:cond delay="indefinite"/>
+                      </p:stCondLst>
+                      <p:childTnLst>
+                        <p:par>
+                          <p:cTn id="20" fill="hold">
+                            <p:stCondLst>
+                              <p:cond delay="0"/>
+                            </p:stCondLst>
+                            <p:childTnLst>
+                              <p:par>
+                                <p:cTn id="21" presetID="1" presetClass="entr" presetSubtype="0" fill="hold" grpId="0" nodeType="clickEffect">
+                                  <p:stCondLst>
+                                    <p:cond delay="0"/>
+                                  </p:stCondLst>
+                                  <p:childTnLst>
+                                    <p:set>
+                                      <p:cBhvr>
+                                        <p:cTn id="22" dur="1" fill="hold">
+                                          <p:stCondLst>
+                                            <p:cond delay="0"/>
+                                          </p:stCondLst>
+                                        </p:cTn>
+                                        <p:tgtEl>
+                                          <p:spTgt spid="2">
+                                            <p:txEl>
+                                              <p:pRg st="4" end="4"/>
+                                            </p:txEl>
+                                          </p:spTgt>
+                                        </p:tgtEl>
+                                        <p:attrNameLst>
+                                          <p:attrName>style.visibility</p:attrName>
+                                        </p:attrNameLst>
+                                      </p:cBhvr>
+                                      <p:to>
+                                        <p:strVal val="visible"/>
+                                      </p:to>
+                                    </p:set>
+                                  </p:childTnLst>
+                                </p:cTn>
+                              </p:par>
+                            </p:childTnLst>
+                          </p:cTn>
+                        </p:par>
+                      </p:childTnLst>
+                    </p:cTn>
+                  </p:par>
+                </p:childTnLst>
+              </p:cTn>
+              <p:prevCondLst>
+                <p:cond evt="onPrev" delay="0">
+                  <p:tgtEl>
+                    <p:sldTgt/>
+                  </p:tgtEl>
+                </p:cond>
+              </p:prevCondLst>
+              <p:nextCondLst>
+                <p:cond evt="onNext" delay="0">
+                  <p:tgtEl>
+                    <p:sldTgt/>
+                  </p:tgtEl>
+                </p:cond>
+              </p:nextCondLst>
+            </p:seq>
+          </p:childTnLst>
+        </p:cTn>
+      </p:par>
+    </p:tnLst>
+    <p:bldLst>
+      <p:bldP spid="2" grpId="0" build="p"/>
+    </p:bldLst>
+  </p:timing>
+</p:sld>
+</file>
+
+<file path=ppt/slides/slide22.xml><?xml version="1.0" encoding="utf-8"?>
+<p:sld xmlns:a="http://schemas.openxmlformats.org/drawingml/2006/main" xmlns:r="http://schemas.openxmlformats.org/officeDocument/2006/relationships" xmlns:p="http://schemas.openxmlformats.org/presentationml/2006/main">
+  <p:cSld>
+    <p:spTree>
+      <p:nvGrpSpPr>
+        <p:cNvPr id="1" name=""/>
+        <p:cNvGrpSpPr/>
+        <p:nvPr/>
+      </p:nvGrpSpPr>
+      <p:grpSpPr>
+        <a:xfrm>
+          <a:off x="0" y="0"/>
+          <a:ext cx="0" cy="0"/>
+          <a:chOff x="0" y="0"/>
+          <a:chExt cx="0" cy="0"/>
+        </a:xfrm>
+      </p:grpSpPr>
+      <p:sp>
+        <p:nvSpPr>
+          <p:cNvPr id="6" name="Platshållare för text 5">
+            <a:extLst>
+              <a:ext uri="{FF2B5EF4-FFF2-40B4-BE49-F238E27FC236}">
+                <a16:creationId xmlns:a16="http://schemas.microsoft.com/office/drawing/2014/main" id="{35DC8D7F-1DFF-4787-A8FA-D07FE6B6FC69}"/>
+              </a:ext>
+            </a:extLst>
+          </p:cNvPr>
+          <p:cNvSpPr>
+            <a:spLocks noGrp="1"/>
+          </p:cNvSpPr>
+          <p:nvPr>
+            <p:ph type="body" sz="quarter" idx="14"/>
+          </p:nvPr>
+        </p:nvSpPr>
+        <p:spPr/>
+        <p:txBody>
+          <a:bodyPr/>
+          <a:lstStyle/>
+          <a:p>
+            <a:r>
+              <a:rPr lang="en-US" dirty="0"/>
+              <a:t>anders.moden@saabgroup.com</a:t>
+            </a:r>
+          </a:p>
+        </p:txBody>
+      </p:sp>
+      <p:sp>
+        <p:nvSpPr>
+          <p:cNvPr id="3" name="Platshållare för bildnummer 2">
+            <a:extLst>
+              <a:ext uri="{FF2B5EF4-FFF2-40B4-BE49-F238E27FC236}">
+                <a16:creationId xmlns:a16="http://schemas.microsoft.com/office/drawing/2014/main" id="{A6D496AF-3BEE-4BF1-9300-2BCA720DECFB}"/>
+              </a:ext>
+            </a:extLst>
+          </p:cNvPr>
+          <p:cNvSpPr>
+            <a:spLocks noGrp="1"/>
+          </p:cNvSpPr>
+          <p:nvPr>
+            <p:ph type="sldNum" sz="quarter" idx="4"/>
+          </p:nvPr>
+        </p:nvSpPr>
+        <p:spPr/>
+        <p:txBody>
+          <a:bodyPr/>
+          <a:lstStyle/>
+          <a:p>
+            <a:fld id="{9B02D930-DB44-4942-904E-E6F11B0F3050}" type="slidenum">
+              <a:rPr lang="en-GB" smtClean="0"/>
+              <a:pPr/>
+              <a:t>22</a:t>
+            </a:fld>
+            <a:endParaRPr lang="en-GB" dirty="0"/>
+          </a:p>
+        </p:txBody>
+      </p:sp>
+    </p:spTree>
+    <p:extLst>
+      <p:ext uri="{BB962C8B-B14F-4D97-AF65-F5344CB8AC3E}">
+        <p14:creationId xmlns:p14="http://schemas.microsoft.com/office/powerpoint/2010/main" val="2332896843"/>
+      </p:ext>
+    </p:extLst>
+  </p:cSld>
+  <p:clrMapOvr>
+    <a:masterClrMapping/>
+  </p:clrMapOvr>
+</p:sld>
+</file>
+
+<file path=ppt/slides/slide3.xml><?xml version="1.0" encoding="utf-8"?>
 <p:sld xmlns:a="http://schemas.openxmlformats.org/drawingml/2006/main" xmlns:r="http://schemas.openxmlformats.org/officeDocument/2006/relationships" xmlns:p="http://schemas.openxmlformats.org/presentationml/2006/main">
   <p:cSld>
     <p:spTree>
@@ -15906,6 +17251,12 @@
               <a:t>Management model</a:t>
             </a:r>
           </a:p>
+          <a:p>
+            <a:r>
+              <a:rPr lang="en-US" dirty="0"/>
+              <a:t>Runtime license for commercial use</a:t>
+            </a:r>
+          </a:p>
         </p:txBody>
       </p:sp>
       <p:sp>
@@ -15932,7 +17283,7 @@
             <a:fld id="{9B02D930-DB44-4942-904E-E6F11B0F3050}" type="slidenum">
               <a:rPr lang="en-GB" smtClean="0"/>
               <a:pPr/>
-              <a:t>2</a:t>
+              <a:t>3</a:t>
             </a:fld>
             <a:endParaRPr lang="en-GB" dirty="0"/>
           </a:p>
@@ -15999,7 +17350,7 @@
     </p:spTree>
     <p:extLst>
       <p:ext uri="{BB962C8B-B14F-4D97-AF65-F5344CB8AC3E}">
-        <p14:creationId xmlns:p14="http://schemas.microsoft.com/office/powerpoint/2010/main" val="318091579"/>
+        <p14:creationId xmlns:p14="http://schemas.microsoft.com/office/powerpoint/2010/main" val="4085941515"/>
       </p:ext>
     </p:extLst>
   </p:cSld>
@@ -16415,445 +17766,35 @@
                       </p:childTnLst>
                     </p:cTn>
                   </p:par>
-                </p:childTnLst>
-              </p:cTn>
-              <p:prevCondLst>
-                <p:cond evt="onPrev" delay="0">
-                  <p:tgtEl>
-                    <p:sldTgt/>
-                  </p:tgtEl>
-                </p:cond>
-              </p:prevCondLst>
-              <p:nextCondLst>
-                <p:cond evt="onNext" delay="0">
-                  <p:tgtEl>
-                    <p:sldTgt/>
-                  </p:tgtEl>
-                </p:cond>
-              </p:nextCondLst>
-            </p:seq>
-          </p:childTnLst>
-        </p:cTn>
-      </p:par>
-    </p:tnLst>
-  </p:timing>
-</p:sld>
-</file>
-
-<file path=ppt/slides/slide20.xml><?xml version="1.0" encoding="utf-8"?>
-<p:sld xmlns:a="http://schemas.openxmlformats.org/drawingml/2006/main" xmlns:r="http://schemas.openxmlformats.org/officeDocument/2006/relationships" xmlns:p="http://schemas.openxmlformats.org/presentationml/2006/main">
-  <p:cSld>
-    <p:spTree>
-      <p:nvGrpSpPr>
-        <p:cNvPr id="1" name=""/>
-        <p:cNvGrpSpPr/>
-        <p:nvPr/>
-      </p:nvGrpSpPr>
-      <p:grpSpPr>
-        <a:xfrm>
-          <a:off x="0" y="0"/>
-          <a:ext cx="0" cy="0"/>
-          <a:chOff x="0" y="0"/>
-          <a:chExt cx="0" cy="0"/>
-        </a:xfrm>
-      </p:grpSpPr>
-      <p:sp>
-        <p:nvSpPr>
-          <p:cNvPr id="2" name="Platshållare för innehåll 1">
-            <a:extLst>
-              <a:ext uri="{FF2B5EF4-FFF2-40B4-BE49-F238E27FC236}">
-                <a16:creationId xmlns:a16="http://schemas.microsoft.com/office/drawing/2014/main" id="{D2565F7D-88F3-4571-90DF-9102CA095CC2}"/>
-              </a:ext>
-            </a:extLst>
-          </p:cNvPr>
-          <p:cNvSpPr>
-            <a:spLocks noGrp="1"/>
-          </p:cNvSpPr>
-          <p:nvPr>
-            <p:ph idx="1"/>
-          </p:nvPr>
-        </p:nvSpPr>
-        <p:spPr/>
-        <p:txBody>
-          <a:bodyPr/>
-          <a:lstStyle/>
-          <a:p>
-            <a:r>
-              <a:rPr lang="en-US" dirty="0"/>
-              <a:t>We need a good way to debug objects and events</a:t>
-            </a:r>
-          </a:p>
-          <a:p>
-            <a:r>
-              <a:rPr lang="en-US" dirty="0"/>
-              <a:t>Inspect Subscriptions</a:t>
-            </a:r>
-          </a:p>
-          <a:p>
-            <a:r>
-              <a:rPr lang="en-US" dirty="0"/>
-              <a:t>Inspect Objects</a:t>
-            </a:r>
-          </a:p>
-          <a:p>
-            <a:r>
-              <a:rPr lang="en-US" dirty="0"/>
-              <a:t>Inspect Attributes</a:t>
-            </a:r>
-          </a:p>
-          <a:p>
-            <a:r>
-              <a:rPr lang="en-US" dirty="0"/>
-              <a:t>Follow Events</a:t>
-            </a:r>
-          </a:p>
-          <a:p>
-            <a:pPr marL="3600" indent="0">
-              <a:buNone/>
-            </a:pPr>
-            <a:endParaRPr lang="en-US" dirty="0"/>
-          </a:p>
-        </p:txBody>
-      </p:sp>
-      <p:sp>
-        <p:nvSpPr>
-          <p:cNvPr id="5" name="Platshållare för bildnummer 4">
-            <a:extLst>
-              <a:ext uri="{FF2B5EF4-FFF2-40B4-BE49-F238E27FC236}">
-                <a16:creationId xmlns:a16="http://schemas.microsoft.com/office/drawing/2014/main" id="{A38D3D32-A6D4-4A54-B035-415C6738F63B}"/>
-              </a:ext>
-            </a:extLst>
-          </p:cNvPr>
-          <p:cNvSpPr>
-            <a:spLocks noGrp="1"/>
-          </p:cNvSpPr>
-          <p:nvPr>
-            <p:ph type="sldNum" sz="quarter" idx="4"/>
-          </p:nvPr>
-        </p:nvSpPr>
-        <p:spPr/>
-        <p:txBody>
-          <a:bodyPr/>
-          <a:lstStyle/>
-          <a:p>
-            <a:fld id="{9B02D930-DB44-4942-904E-E6F11B0F3050}" type="slidenum">
-              <a:rPr lang="en-GB" smtClean="0"/>
-              <a:pPr/>
-              <a:t>20</a:t>
-            </a:fld>
-            <a:endParaRPr lang="en-GB" dirty="0"/>
-          </a:p>
-        </p:txBody>
-      </p:sp>
-      <p:sp>
-        <p:nvSpPr>
-          <p:cNvPr id="6" name="Rubrik 5">
-            <a:extLst>
-              <a:ext uri="{FF2B5EF4-FFF2-40B4-BE49-F238E27FC236}">
-                <a16:creationId xmlns:a16="http://schemas.microsoft.com/office/drawing/2014/main" id="{956DB316-F455-4DE9-8D4D-E8E30BF76BA1}"/>
-              </a:ext>
-            </a:extLst>
-          </p:cNvPr>
-          <p:cNvSpPr>
-            <a:spLocks noGrp="1"/>
-          </p:cNvSpPr>
-          <p:nvPr>
-            <p:ph type="title"/>
-          </p:nvPr>
-        </p:nvSpPr>
-        <p:spPr/>
-        <p:txBody>
-          <a:bodyPr/>
-          <a:lstStyle/>
-          <a:p>
-            <a:r>
-              <a:rPr lang="en-US" dirty="0"/>
-              <a:t>Tools - Debugging</a:t>
-            </a:r>
-          </a:p>
-        </p:txBody>
-      </p:sp>
-      <p:pic>
-        <p:nvPicPr>
-          <p:cNvPr id="3" name="Bildobjekt 2">
-            <a:extLst>
-              <a:ext uri="{FF2B5EF4-FFF2-40B4-BE49-F238E27FC236}">
-                <a16:creationId xmlns:a16="http://schemas.microsoft.com/office/drawing/2014/main" id="{3722CC08-D7CD-4A11-8BD7-AA28C531BDB7}"/>
-              </a:ext>
-            </a:extLst>
-          </p:cNvPr>
-          <p:cNvPicPr>
-            <a:picLocks noChangeAspect="1"/>
-          </p:cNvPicPr>
-          <p:nvPr/>
-        </p:nvPicPr>
-        <p:blipFill>
-          <a:blip r:embed="rId2"/>
-          <a:stretch>
-            <a:fillRect/>
-          </a:stretch>
-        </p:blipFill>
-        <p:spPr>
-          <a:xfrm>
-            <a:off x="6541979" y="2050075"/>
-            <a:ext cx="5280133" cy="4555925"/>
-          </a:xfrm>
-          <a:prstGeom prst="rect">
-            <a:avLst/>
-          </a:prstGeom>
-        </p:spPr>
-      </p:pic>
-    </p:spTree>
-    <p:extLst>
-      <p:ext uri="{BB962C8B-B14F-4D97-AF65-F5344CB8AC3E}">
-        <p14:creationId xmlns:p14="http://schemas.microsoft.com/office/powerpoint/2010/main" val="1527603095"/>
-      </p:ext>
-    </p:extLst>
-  </p:cSld>
-  <p:clrMapOvr>
-    <a:masterClrMapping/>
-  </p:clrMapOvr>
-  <mc:AlternateContent xmlns:mc="http://schemas.openxmlformats.org/markup-compatibility/2006" xmlns:p14="http://schemas.microsoft.com/office/powerpoint/2010/main">
-    <mc:Choice Requires="p14">
-      <p:transition spd="slow" p14:dur="6750" advClick="0"/>
-    </mc:Choice>
-    <mc:Fallback xmlns="">
-      <p:transition spd="slow" advClick="0"/>
-    </mc:Fallback>
-  </mc:AlternateContent>
-  <p:timing>
-    <p:tnLst>
-      <p:par>
-        <p:cTn id="1" dur="indefinite" restart="never" nodeType="tmRoot">
-          <p:childTnLst>
-            <p:seq concurrent="1" nextAc="seek">
-              <p:cTn id="2" dur="indefinite" nodeType="mainSeq">
-                <p:childTnLst>
                   <p:par>
-                    <p:cTn id="3" fill="hold">
+                    <p:cTn id="34" fill="hold">
                       <p:stCondLst>
                         <p:cond delay="indefinite"/>
                       </p:stCondLst>
                       <p:childTnLst>
                         <p:par>
-                          <p:cTn id="4" fill="hold">
+                          <p:cTn id="35" fill="hold">
                             <p:stCondLst>
                               <p:cond delay="0"/>
                             </p:stCondLst>
                             <p:childTnLst>
                               <p:par>
-                                <p:cTn id="5" presetID="1" presetClass="entr" presetSubtype="0" fill="hold" grpId="0" nodeType="clickEffect">
+                                <p:cTn id="36" presetID="1" presetClass="entr" presetSubtype="0" fill="hold" nodeType="clickEffect">
                                   <p:stCondLst>
                                     <p:cond delay="0"/>
                                   </p:stCondLst>
                                   <p:childTnLst>
                                     <p:set>
                                       <p:cBhvr>
-                                        <p:cTn id="6" dur="1" fill="hold">
+                                        <p:cTn id="37" dur="1" fill="hold">
                                           <p:stCondLst>
                                             <p:cond delay="0"/>
                                           </p:stCondLst>
                                         </p:cTn>
                                         <p:tgtEl>
-                                          <p:spTgt spid="2">
+                                          <p:spTgt spid="7">
                                             <p:txEl>
-                                              <p:pRg st="0" end="0"/>
-                                            </p:txEl>
-                                          </p:spTgt>
-                                        </p:tgtEl>
-                                        <p:attrNameLst>
-                                          <p:attrName>style.visibility</p:attrName>
-                                        </p:attrNameLst>
-                                      </p:cBhvr>
-                                      <p:to>
-                                        <p:strVal val="visible"/>
-                                      </p:to>
-                                    </p:set>
-                                  </p:childTnLst>
-                                </p:cTn>
-                              </p:par>
-                            </p:childTnLst>
-                          </p:cTn>
-                        </p:par>
-                      </p:childTnLst>
-                    </p:cTn>
-                  </p:par>
-                  <p:par>
-                    <p:cTn id="7" fill="hold">
-                      <p:stCondLst>
-                        <p:cond delay="indefinite"/>
-                      </p:stCondLst>
-                      <p:childTnLst>
-                        <p:par>
-                          <p:cTn id="8" fill="hold">
-                            <p:stCondLst>
-                              <p:cond delay="0"/>
-                            </p:stCondLst>
-                            <p:childTnLst>
-                              <p:par>
-                                <p:cTn id="9" presetID="1" presetClass="entr" presetSubtype="0" fill="hold" grpId="0" nodeType="clickEffect">
-                                  <p:stCondLst>
-                                    <p:cond delay="0"/>
-                                  </p:stCondLst>
-                                  <p:childTnLst>
-                                    <p:set>
-                                      <p:cBhvr>
-                                        <p:cTn id="10" dur="1" fill="hold">
-                                          <p:stCondLst>
-                                            <p:cond delay="0"/>
-                                          </p:stCondLst>
-                                        </p:cTn>
-                                        <p:tgtEl>
-                                          <p:spTgt spid="2">
-                                            <p:txEl>
-                                              <p:pRg st="1" end="1"/>
-                                            </p:txEl>
-                                          </p:spTgt>
-                                        </p:tgtEl>
-                                        <p:attrNameLst>
-                                          <p:attrName>style.visibility</p:attrName>
-                                        </p:attrNameLst>
-                                      </p:cBhvr>
-                                      <p:to>
-                                        <p:strVal val="visible"/>
-                                      </p:to>
-                                    </p:set>
-                                  </p:childTnLst>
-                                </p:cTn>
-                              </p:par>
-                            </p:childTnLst>
-                          </p:cTn>
-                        </p:par>
-                      </p:childTnLst>
-                    </p:cTn>
-                  </p:par>
-                  <p:par>
-                    <p:cTn id="11" fill="hold">
-                      <p:stCondLst>
-                        <p:cond delay="indefinite"/>
-                      </p:stCondLst>
-                      <p:childTnLst>
-                        <p:par>
-                          <p:cTn id="12" fill="hold">
-                            <p:stCondLst>
-                              <p:cond delay="0"/>
-                            </p:stCondLst>
-                            <p:childTnLst>
-                              <p:par>
-                                <p:cTn id="13" presetID="1" presetClass="entr" presetSubtype="0" fill="hold" grpId="0" nodeType="clickEffect">
-                                  <p:stCondLst>
-                                    <p:cond delay="0"/>
-                                  </p:stCondLst>
-                                  <p:childTnLst>
-                                    <p:set>
-                                      <p:cBhvr>
-                                        <p:cTn id="14" dur="1" fill="hold">
-                                          <p:stCondLst>
-                                            <p:cond delay="0"/>
-                                          </p:stCondLst>
-                                        </p:cTn>
-                                        <p:tgtEl>
-                                          <p:spTgt spid="2">
-                                            <p:txEl>
-                                              <p:pRg st="2" end="2"/>
-                                            </p:txEl>
-                                          </p:spTgt>
-                                        </p:tgtEl>
-                                        <p:attrNameLst>
-                                          <p:attrName>style.visibility</p:attrName>
-                                        </p:attrNameLst>
-                                      </p:cBhvr>
-                                      <p:to>
-                                        <p:strVal val="visible"/>
-                                      </p:to>
-                                    </p:set>
-                                  </p:childTnLst>
-                                </p:cTn>
-                              </p:par>
-                            </p:childTnLst>
-                          </p:cTn>
-                        </p:par>
-                      </p:childTnLst>
-                    </p:cTn>
-                  </p:par>
-                  <p:par>
-                    <p:cTn id="15" fill="hold">
-                      <p:stCondLst>
-                        <p:cond delay="indefinite"/>
-                      </p:stCondLst>
-                      <p:childTnLst>
-                        <p:par>
-                          <p:cTn id="16" fill="hold">
-                            <p:stCondLst>
-                              <p:cond delay="0"/>
-                            </p:stCondLst>
-                            <p:childTnLst>
-                              <p:par>
-                                <p:cTn id="17" presetID="1" presetClass="entr" presetSubtype="0" fill="hold" grpId="0" nodeType="clickEffect">
-                                  <p:stCondLst>
-                                    <p:cond delay="0"/>
-                                  </p:stCondLst>
-                                  <p:childTnLst>
-                                    <p:set>
-                                      <p:cBhvr>
-                                        <p:cTn id="18" dur="1" fill="hold">
-                                          <p:stCondLst>
-                                            <p:cond delay="0"/>
-                                          </p:stCondLst>
-                                        </p:cTn>
-                                        <p:tgtEl>
-                                          <p:spTgt spid="2">
-                                            <p:txEl>
-                                              <p:pRg st="3" end="3"/>
-                                            </p:txEl>
-                                          </p:spTgt>
-                                        </p:tgtEl>
-                                        <p:attrNameLst>
-                                          <p:attrName>style.visibility</p:attrName>
-                                        </p:attrNameLst>
-                                      </p:cBhvr>
-                                      <p:to>
-                                        <p:strVal val="visible"/>
-                                      </p:to>
-                                    </p:set>
-                                  </p:childTnLst>
-                                </p:cTn>
-                              </p:par>
-                            </p:childTnLst>
-                          </p:cTn>
-                        </p:par>
-                      </p:childTnLst>
-                    </p:cTn>
-                  </p:par>
-                  <p:par>
-                    <p:cTn id="19" fill="hold">
-                      <p:stCondLst>
-                        <p:cond delay="indefinite"/>
-                      </p:stCondLst>
-                      <p:childTnLst>
-                        <p:par>
-                          <p:cTn id="20" fill="hold">
-                            <p:stCondLst>
-                              <p:cond delay="0"/>
-                            </p:stCondLst>
-                            <p:childTnLst>
-                              <p:par>
-                                <p:cTn id="21" presetID="1" presetClass="entr" presetSubtype="0" fill="hold" grpId="0" nodeType="clickEffect">
-                                  <p:stCondLst>
-                                    <p:cond delay="0"/>
-                                  </p:stCondLst>
-                                  <p:childTnLst>
-                                    <p:set>
-                                      <p:cBhvr>
-                                        <p:cTn id="22" dur="1" fill="hold">
-                                          <p:stCondLst>
-                                            <p:cond delay="0"/>
-                                          </p:stCondLst>
-                                        </p:cTn>
-                                        <p:tgtEl>
-                                          <p:spTgt spid="2">
-                                            <p:txEl>
-                                              <p:pRg st="4" end="4"/>
+                                              <p:pRg st="6" end="6"/>
                                             </p:txEl>
                                           </p:spTgt>
                                         </p:tgtEl>
@@ -16895,102 +17836,11 @@
         </p:cTn>
       </p:par>
     </p:tnLst>
-    <p:bldLst>
-      <p:bldP spid="2" grpId="0" build="p"/>
-    </p:bldLst>
   </p:timing>
 </p:sld>
 </file>
 
-<file path=ppt/slides/slide21.xml><?xml version="1.0" encoding="utf-8"?>
-<p:sld xmlns:a="http://schemas.openxmlformats.org/drawingml/2006/main" xmlns:r="http://schemas.openxmlformats.org/officeDocument/2006/relationships" xmlns:p="http://schemas.openxmlformats.org/presentationml/2006/main">
-  <p:cSld>
-    <p:spTree>
-      <p:nvGrpSpPr>
-        <p:cNvPr id="1" name=""/>
-        <p:cNvGrpSpPr/>
-        <p:nvPr/>
-      </p:nvGrpSpPr>
-      <p:grpSpPr>
-        <a:xfrm>
-          <a:off x="0" y="0"/>
-          <a:ext cx="0" cy="0"/>
-          <a:chOff x="0" y="0"/>
-          <a:chExt cx="0" cy="0"/>
-        </a:xfrm>
-      </p:grpSpPr>
-      <p:sp>
-        <p:nvSpPr>
-          <p:cNvPr id="6" name="Platshållare för text 5">
-            <a:extLst>
-              <a:ext uri="{FF2B5EF4-FFF2-40B4-BE49-F238E27FC236}">
-                <a16:creationId xmlns:a16="http://schemas.microsoft.com/office/drawing/2014/main" id="{35DC8D7F-1DFF-4787-A8FA-D07FE6B6FC69}"/>
-              </a:ext>
-            </a:extLst>
-          </p:cNvPr>
-          <p:cNvSpPr>
-            <a:spLocks noGrp="1"/>
-          </p:cNvSpPr>
-          <p:nvPr>
-            <p:ph type="body" sz="quarter" idx="14"/>
-          </p:nvPr>
-        </p:nvSpPr>
-        <p:spPr/>
-        <p:txBody>
-          <a:bodyPr/>
-          <a:lstStyle/>
-          <a:p>
-            <a:r>
-              <a:rPr lang="en-US" dirty="0"/>
-              <a:t>anders.moden@saabgroup.com</a:t>
-            </a:r>
-          </a:p>
-        </p:txBody>
-      </p:sp>
-      <p:sp>
-        <p:nvSpPr>
-          <p:cNvPr id="3" name="Platshållare för bildnummer 2">
-            <a:extLst>
-              <a:ext uri="{FF2B5EF4-FFF2-40B4-BE49-F238E27FC236}">
-                <a16:creationId xmlns:a16="http://schemas.microsoft.com/office/drawing/2014/main" id="{A6D496AF-3BEE-4BF1-9300-2BCA720DECFB}"/>
-              </a:ext>
-            </a:extLst>
-          </p:cNvPr>
-          <p:cNvSpPr>
-            <a:spLocks noGrp="1"/>
-          </p:cNvSpPr>
-          <p:nvPr>
-            <p:ph type="sldNum" sz="quarter" idx="4"/>
-          </p:nvPr>
-        </p:nvSpPr>
-        <p:spPr/>
-        <p:txBody>
-          <a:bodyPr/>
-          <a:lstStyle/>
-          <a:p>
-            <a:fld id="{9B02D930-DB44-4942-904E-E6F11B0F3050}" type="slidenum">
-              <a:rPr lang="en-GB" smtClean="0"/>
-              <a:pPr/>
-              <a:t>21</a:t>
-            </a:fld>
-            <a:endParaRPr lang="en-GB" dirty="0"/>
-          </a:p>
-        </p:txBody>
-      </p:sp>
-    </p:spTree>
-    <p:extLst>
-      <p:ext uri="{BB962C8B-B14F-4D97-AF65-F5344CB8AC3E}">
-        <p14:creationId xmlns:p14="http://schemas.microsoft.com/office/powerpoint/2010/main" val="2332896843"/>
-      </p:ext>
-    </p:extLst>
-  </p:cSld>
-  <p:clrMapOvr>
-    <a:masterClrMapping/>
-  </p:clrMapOvr>
-</p:sld>
-</file>
-
-<file path=ppt/slides/slide3.xml><?xml version="1.0" encoding="utf-8"?>
+<file path=ppt/slides/slide4.xml><?xml version="1.0" encoding="utf-8"?>
 <p:sld xmlns:a="http://schemas.openxmlformats.org/drawingml/2006/main" xmlns:r="http://schemas.openxmlformats.org/officeDocument/2006/relationships" xmlns:p="http://schemas.openxmlformats.org/presentationml/2006/main">
   <p:cSld>
     <p:spTree>
@@ -17088,7 +17938,7 @@
             <a:fld id="{9B02D930-DB44-4942-904E-E6F11B0F3050}" type="slidenum">
               <a:rPr lang="en-GB" smtClean="0"/>
               <a:pPr/>
-              <a:t>3</a:t>
+              <a:t>4</a:t>
             </a:fld>
             <a:endParaRPr lang="en-GB" dirty="0"/>
           </a:p>
@@ -17550,7 +18400,7 @@
 </p:sld>
 </file>
 
-<file path=ppt/slides/slide4.xml><?xml version="1.0" encoding="utf-8"?>
+<file path=ppt/slides/slide5.xml><?xml version="1.0" encoding="utf-8"?>
 <p:sld xmlns:a="http://schemas.openxmlformats.org/drawingml/2006/main" xmlns:r="http://schemas.openxmlformats.org/officeDocument/2006/relationships" xmlns:p="http://schemas.openxmlformats.org/presentationml/2006/main">
   <p:cSld>
     <p:spTree>
@@ -17640,7 +18490,7 @@
             <a:fld id="{9B02D930-DB44-4942-904E-E6F11B0F3050}" type="slidenum">
               <a:rPr lang="en-GB" smtClean="0"/>
               <a:pPr/>
-              <a:t>4</a:t>
+              <a:t>5</a:t>
             </a:fld>
             <a:endParaRPr lang="en-GB" dirty="0"/>
           </a:p>
@@ -18053,7 +18903,7 @@
 </p:sld>
 </file>
 
-<file path=ppt/slides/slide5.xml><?xml version="1.0" encoding="utf-8"?>
+<file path=ppt/slides/slide6.xml><?xml version="1.0" encoding="utf-8"?>
 <p:sld xmlns:a="http://schemas.openxmlformats.org/drawingml/2006/main" xmlns:r="http://schemas.openxmlformats.org/officeDocument/2006/relationships" xmlns:p="http://schemas.openxmlformats.org/presentationml/2006/main">
   <p:cSld>
     <p:spTree>
@@ -18174,7 +19024,7 @@
             <a:fld id="{9B02D930-DB44-4942-904E-E6F11B0F3050}" type="slidenum">
               <a:rPr lang="en-GB" smtClean="0"/>
               <a:pPr/>
-              <a:t>5</a:t>
+              <a:t>6</a:t>
             </a:fld>
             <a:endParaRPr lang="en-GB" dirty="0"/>
           </a:p>
@@ -18734,7 +19584,7 @@
 </p:sld>
 </file>
 
-<file path=ppt/slides/slide6.xml><?xml version="1.0" encoding="utf-8"?>
+<file path=ppt/slides/slide7.xml><?xml version="1.0" encoding="utf-8"?>
 <p:sld xmlns:a="http://schemas.openxmlformats.org/drawingml/2006/main" xmlns:r="http://schemas.openxmlformats.org/officeDocument/2006/relationships" xmlns:p="http://schemas.openxmlformats.org/presentationml/2006/main">
   <p:cSld>
     <p:spTree>
@@ -18821,7 +19671,7 @@
             <a:fld id="{9B02D930-DB44-4942-904E-E6F11B0F3050}" type="slidenum">
               <a:rPr lang="en-GB" smtClean="0"/>
               <a:pPr/>
-              <a:t>6</a:t>
+              <a:t>7</a:t>
             </a:fld>
             <a:endParaRPr lang="en-GB" dirty="0"/>
           </a:p>
@@ -19135,7 +19985,7 @@
 </p:sld>
 </file>
 
-<file path=ppt/slides/slide7.xml><?xml version="1.0" encoding="utf-8"?>
+<file path=ppt/slides/slide8.xml><?xml version="1.0" encoding="utf-8"?>
 <p:sld xmlns:a="http://schemas.openxmlformats.org/drawingml/2006/main" xmlns:r="http://schemas.openxmlformats.org/officeDocument/2006/relationships" xmlns:p="http://schemas.openxmlformats.org/presentationml/2006/main">
   <p:cSld>
     <p:spTree>
@@ -19245,7 +20095,7 @@
             <a:fld id="{9B02D930-DB44-4942-904E-E6F11B0F3050}" type="slidenum">
               <a:rPr lang="en-GB" smtClean="0"/>
               <a:pPr/>
-              <a:t>7</a:t>
+              <a:t>8</a:t>
             </a:fld>
             <a:endParaRPr lang="en-GB" dirty="0"/>
           </a:p>
@@ -19559,7 +20409,7 @@
 </p:sld>
 </file>
 
-<file path=ppt/slides/slide8.xml><?xml version="1.0" encoding="utf-8"?>
+<file path=ppt/slides/slide9.xml><?xml version="1.0" encoding="utf-8"?>
 <p:sld xmlns:a="http://schemas.openxmlformats.org/drawingml/2006/main" xmlns:r="http://schemas.openxmlformats.org/officeDocument/2006/relationships" xmlns:p="http://schemas.openxmlformats.org/presentationml/2006/main">
   <p:cSld>
     <p:spTree>
@@ -19666,7 +20516,7 @@
             <a:fld id="{9B02D930-DB44-4942-904E-E6F11B0F3050}" type="slidenum">
               <a:rPr lang="en-GB" smtClean="0"/>
               <a:pPr/>
-              <a:t>8</a:t>
+              <a:t>9</a:t>
             </a:fld>
             <a:endParaRPr lang="en-GB" dirty="0"/>
           </a:p>
@@ -20182,524 +21032,6 @@
     </p:tnLst>
     <p:bldLst>
       <p:bldP spid="7" grpId="0" build="p"/>
-    </p:bldLst>
-  </p:timing>
-</p:sld>
-</file>
-
-<file path=ppt/slides/slide9.xml><?xml version="1.0" encoding="utf-8"?>
-<p:sld xmlns:a="http://schemas.openxmlformats.org/drawingml/2006/main" xmlns:r="http://schemas.openxmlformats.org/officeDocument/2006/relationships" xmlns:p="http://schemas.openxmlformats.org/presentationml/2006/main">
-  <p:cSld>
-    <p:spTree>
-      <p:nvGrpSpPr>
-        <p:cNvPr id="1" name=""/>
-        <p:cNvGrpSpPr/>
-        <p:nvPr/>
-      </p:nvGrpSpPr>
-      <p:grpSpPr>
-        <a:xfrm>
-          <a:off x="0" y="0"/>
-          <a:ext cx="0" cy="0"/>
-          <a:chOff x="0" y="0"/>
-          <a:chExt cx="0" cy="0"/>
-        </a:xfrm>
-      </p:grpSpPr>
-      <p:sp>
-        <p:nvSpPr>
-          <p:cNvPr id="7" name="Platshållare för innehåll 6">
-            <a:extLst>
-              <a:ext uri="{FF2B5EF4-FFF2-40B4-BE49-F238E27FC236}">
-                <a16:creationId xmlns:a16="http://schemas.microsoft.com/office/drawing/2014/main" id="{70C63E1D-970F-4A56-8DC8-29C0FFCE4B32}"/>
-              </a:ext>
-            </a:extLst>
-          </p:cNvPr>
-          <p:cNvSpPr>
-            <a:spLocks noGrp="1"/>
-          </p:cNvSpPr>
-          <p:nvPr>
-            <p:ph idx="1"/>
-          </p:nvPr>
-        </p:nvSpPr>
-        <p:spPr/>
-        <p:txBody>
-          <a:bodyPr>
-            <a:normAutofit/>
-          </a:bodyPr>
-          <a:lstStyle/>
-          <a:p>
-            <a:r>
-              <a:rPr lang="en-US" dirty="0"/>
-              <a:t>An object is a durable instance </a:t>
-            </a:r>
-          </a:p>
-          <a:p>
-            <a:r>
-              <a:rPr lang="en-US" dirty="0"/>
-              <a:t>It can contain attributes and values</a:t>
-            </a:r>
-          </a:p>
-          <a:p>
-            <a:r>
-              <a:rPr lang="en-US" dirty="0"/>
-              <a:t>It can be of a certain type</a:t>
-            </a:r>
-          </a:p>
-          <a:p>
-            <a:r>
-              <a:rPr lang="en-US" dirty="0"/>
-              <a:t>An object has a life span from creation until destruction</a:t>
-            </a:r>
-          </a:p>
-          <a:p>
-            <a:r>
-              <a:rPr lang="en-US" dirty="0"/>
-              <a:t>Only subscribed object types are notified</a:t>
-            </a:r>
-          </a:p>
-        </p:txBody>
-      </p:sp>
-      <p:sp>
-        <p:nvSpPr>
-          <p:cNvPr id="5" name="Platshållare för bildnummer 4">
-            <a:extLst>
-              <a:ext uri="{FF2B5EF4-FFF2-40B4-BE49-F238E27FC236}">
-                <a16:creationId xmlns:a16="http://schemas.microsoft.com/office/drawing/2014/main" id="{A38D3D32-A6D4-4A54-B035-415C6738F63B}"/>
-              </a:ext>
-            </a:extLst>
-          </p:cNvPr>
-          <p:cNvSpPr>
-            <a:spLocks noGrp="1"/>
-          </p:cNvSpPr>
-          <p:nvPr>
-            <p:ph type="sldNum" sz="quarter" idx="4"/>
-          </p:nvPr>
-        </p:nvSpPr>
-        <p:spPr/>
-        <p:txBody>
-          <a:bodyPr/>
-          <a:lstStyle/>
-          <a:p>
-            <a:fld id="{9B02D930-DB44-4942-904E-E6F11B0F3050}" type="slidenum">
-              <a:rPr lang="en-GB" smtClean="0"/>
-              <a:pPr/>
-              <a:t>9</a:t>
-            </a:fld>
-            <a:endParaRPr lang="en-GB" dirty="0"/>
-          </a:p>
-        </p:txBody>
-      </p:sp>
-      <p:sp>
-        <p:nvSpPr>
-          <p:cNvPr id="6" name="Rubrik 5">
-            <a:extLst>
-              <a:ext uri="{FF2B5EF4-FFF2-40B4-BE49-F238E27FC236}">
-                <a16:creationId xmlns:a16="http://schemas.microsoft.com/office/drawing/2014/main" id="{956DB316-F455-4DE9-8D4D-E8E30BF76BA1}"/>
-              </a:ext>
-            </a:extLst>
-          </p:cNvPr>
-          <p:cNvSpPr>
-            <a:spLocks noGrp="1"/>
-          </p:cNvSpPr>
-          <p:nvPr>
-            <p:ph type="title"/>
-          </p:nvPr>
-        </p:nvSpPr>
-        <p:spPr/>
-        <p:txBody>
-          <a:bodyPr/>
-          <a:lstStyle/>
-          <a:p>
-            <a:r>
-              <a:rPr lang="en-US" dirty="0"/>
-              <a:t>Objects</a:t>
-            </a:r>
-          </a:p>
-        </p:txBody>
-      </p:sp>
-      <p:pic>
-        <p:nvPicPr>
-          <p:cNvPr id="4" name="Bildobjekt 3">
-            <a:extLst>
-              <a:ext uri="{FF2B5EF4-FFF2-40B4-BE49-F238E27FC236}">
-                <a16:creationId xmlns:a16="http://schemas.microsoft.com/office/drawing/2014/main" id="{AA1B0C1B-979E-4CBB-9A92-38A12167C74B}"/>
-              </a:ext>
-            </a:extLst>
-          </p:cNvPr>
-          <p:cNvPicPr>
-            <a:picLocks noChangeAspect="1"/>
-          </p:cNvPicPr>
-          <p:nvPr/>
-        </p:nvPicPr>
-        <p:blipFill>
-          <a:blip r:embed="rId2"/>
-          <a:stretch>
-            <a:fillRect/>
-          </a:stretch>
-        </p:blipFill>
-        <p:spPr>
-          <a:xfrm>
-            <a:off x="8423879" y="3410540"/>
-            <a:ext cx="2398988" cy="738720"/>
-          </a:xfrm>
-          <a:prstGeom prst="rect">
-            <a:avLst/>
-          </a:prstGeom>
-        </p:spPr>
-      </p:pic>
-      <p:pic>
-        <p:nvPicPr>
-          <p:cNvPr id="8" name="Bildobjekt 7">
-            <a:extLst>
-              <a:ext uri="{FF2B5EF4-FFF2-40B4-BE49-F238E27FC236}">
-                <a16:creationId xmlns:a16="http://schemas.microsoft.com/office/drawing/2014/main" id="{F75C1610-2CA8-4FE9-B0B4-2B7EA0B81679}"/>
-              </a:ext>
-            </a:extLst>
-          </p:cNvPr>
-          <p:cNvPicPr>
-            <a:picLocks noChangeAspect="1"/>
-          </p:cNvPicPr>
-          <p:nvPr/>
-        </p:nvPicPr>
-        <p:blipFill>
-          <a:blip r:embed="rId3"/>
-          <a:stretch>
-            <a:fillRect/>
-          </a:stretch>
-        </p:blipFill>
-        <p:spPr>
-          <a:xfrm>
-            <a:off x="8423879" y="4149260"/>
-            <a:ext cx="2398988" cy="738720"/>
-          </a:xfrm>
-          <a:prstGeom prst="rect">
-            <a:avLst/>
-          </a:prstGeom>
-        </p:spPr>
-      </p:pic>
-      <p:pic>
-        <p:nvPicPr>
-          <p:cNvPr id="3" name="Bildobjekt 2">
-            <a:extLst>
-              <a:ext uri="{FF2B5EF4-FFF2-40B4-BE49-F238E27FC236}">
-                <a16:creationId xmlns:a16="http://schemas.microsoft.com/office/drawing/2014/main" id="{DCDEC1DE-B740-469C-B11B-1126BA9A9570}"/>
-              </a:ext>
-            </a:extLst>
-          </p:cNvPr>
-          <p:cNvPicPr>
-            <a:picLocks noChangeAspect="1"/>
-          </p:cNvPicPr>
-          <p:nvPr/>
-        </p:nvPicPr>
-        <p:blipFill>
-          <a:blip r:embed="rId4"/>
-          <a:stretch>
-            <a:fillRect/>
-          </a:stretch>
-        </p:blipFill>
-        <p:spPr>
-          <a:xfrm>
-            <a:off x="8791135" y="1745589"/>
-            <a:ext cx="1664475" cy="1295591"/>
-          </a:xfrm>
-          <a:prstGeom prst="rect">
-            <a:avLst/>
-          </a:prstGeom>
-        </p:spPr>
-      </p:pic>
-    </p:spTree>
-    <p:extLst>
-      <p:ext uri="{BB962C8B-B14F-4D97-AF65-F5344CB8AC3E}">
-        <p14:creationId xmlns:p14="http://schemas.microsoft.com/office/powerpoint/2010/main" val="1469742789"/>
-      </p:ext>
-    </p:extLst>
-  </p:cSld>
-  <p:clrMapOvr>
-    <a:masterClrMapping/>
-  </p:clrMapOvr>
-  <mc:AlternateContent xmlns:mc="http://schemas.openxmlformats.org/markup-compatibility/2006" xmlns:p14="http://schemas.microsoft.com/office/powerpoint/2010/main">
-    <mc:Choice Requires="p14">
-      <p:transition spd="slow" p14:dur="6750" advClick="0"/>
-    </mc:Choice>
-    <mc:Fallback xmlns="">
-      <p:transition spd="slow" advClick="0"/>
-    </mc:Fallback>
-  </mc:AlternateContent>
-  <p:timing>
-    <p:tnLst>
-      <p:par>
-        <p:cTn id="1" dur="indefinite" restart="never" nodeType="tmRoot">
-          <p:childTnLst>
-            <p:seq concurrent="1" nextAc="seek">
-              <p:cTn id="2" dur="indefinite" nodeType="mainSeq">
-                <p:childTnLst>
-                  <p:par>
-                    <p:cTn id="3" fill="hold">
-                      <p:stCondLst>
-                        <p:cond delay="indefinite"/>
-                      </p:stCondLst>
-                      <p:childTnLst>
-                        <p:par>
-                          <p:cTn id="4" fill="hold">
-                            <p:stCondLst>
-                              <p:cond delay="0"/>
-                            </p:stCondLst>
-                            <p:childTnLst>
-                              <p:par>
-                                <p:cTn id="5" presetID="1" presetClass="entr" presetSubtype="0" fill="hold" grpId="0" nodeType="clickEffect">
-                                  <p:stCondLst>
-                                    <p:cond delay="0"/>
-                                  </p:stCondLst>
-                                  <p:childTnLst>
-                                    <p:set>
-                                      <p:cBhvr>
-                                        <p:cTn id="6" dur="1" fill="hold">
-                                          <p:stCondLst>
-                                            <p:cond delay="0"/>
-                                          </p:stCondLst>
-                                        </p:cTn>
-                                        <p:tgtEl>
-                                          <p:spTgt spid="7">
-                                            <p:txEl>
-                                              <p:pRg st="0" end="0"/>
-                                            </p:txEl>
-                                          </p:spTgt>
-                                        </p:tgtEl>
-                                        <p:attrNameLst>
-                                          <p:attrName>style.visibility</p:attrName>
-                                        </p:attrNameLst>
-                                      </p:cBhvr>
-                                      <p:to>
-                                        <p:strVal val="visible"/>
-                                      </p:to>
-                                    </p:set>
-                                  </p:childTnLst>
-                                </p:cTn>
-                              </p:par>
-                            </p:childTnLst>
-                          </p:cTn>
-                        </p:par>
-                      </p:childTnLst>
-                    </p:cTn>
-                  </p:par>
-                  <p:par>
-                    <p:cTn id="7" fill="hold">
-                      <p:stCondLst>
-                        <p:cond delay="indefinite"/>
-                      </p:stCondLst>
-                      <p:childTnLst>
-                        <p:par>
-                          <p:cTn id="8" fill="hold">
-                            <p:stCondLst>
-                              <p:cond delay="0"/>
-                            </p:stCondLst>
-                            <p:childTnLst>
-                              <p:par>
-                                <p:cTn id="9" presetID="1" presetClass="entr" presetSubtype="0" fill="hold" grpId="0" nodeType="clickEffect">
-                                  <p:stCondLst>
-                                    <p:cond delay="0"/>
-                                  </p:stCondLst>
-                                  <p:childTnLst>
-                                    <p:set>
-                                      <p:cBhvr>
-                                        <p:cTn id="10" dur="1" fill="hold">
-                                          <p:stCondLst>
-                                            <p:cond delay="0"/>
-                                          </p:stCondLst>
-                                        </p:cTn>
-                                        <p:tgtEl>
-                                          <p:spTgt spid="7">
-                                            <p:txEl>
-                                              <p:pRg st="1" end="1"/>
-                                            </p:txEl>
-                                          </p:spTgt>
-                                        </p:tgtEl>
-                                        <p:attrNameLst>
-                                          <p:attrName>style.visibility</p:attrName>
-                                        </p:attrNameLst>
-                                      </p:cBhvr>
-                                      <p:to>
-                                        <p:strVal val="visible"/>
-                                      </p:to>
-                                    </p:set>
-                                  </p:childTnLst>
-                                </p:cTn>
-                              </p:par>
-                            </p:childTnLst>
-                          </p:cTn>
-                        </p:par>
-                      </p:childTnLst>
-                    </p:cTn>
-                  </p:par>
-                  <p:par>
-                    <p:cTn id="11" fill="hold">
-                      <p:stCondLst>
-                        <p:cond delay="indefinite"/>
-                      </p:stCondLst>
-                      <p:childTnLst>
-                        <p:par>
-                          <p:cTn id="12" fill="hold">
-                            <p:stCondLst>
-                              <p:cond delay="0"/>
-                            </p:stCondLst>
-                            <p:childTnLst>
-                              <p:par>
-                                <p:cTn id="13" presetID="1" presetClass="entr" presetSubtype="0" fill="hold" grpId="0" nodeType="clickEffect">
-                                  <p:stCondLst>
-                                    <p:cond delay="0"/>
-                                  </p:stCondLst>
-                                  <p:childTnLst>
-                                    <p:set>
-                                      <p:cBhvr>
-                                        <p:cTn id="14" dur="1" fill="hold">
-                                          <p:stCondLst>
-                                            <p:cond delay="0"/>
-                                          </p:stCondLst>
-                                        </p:cTn>
-                                        <p:tgtEl>
-                                          <p:spTgt spid="7">
-                                            <p:txEl>
-                                              <p:pRg st="2" end="2"/>
-                                            </p:txEl>
-                                          </p:spTgt>
-                                        </p:tgtEl>
-                                        <p:attrNameLst>
-                                          <p:attrName>style.visibility</p:attrName>
-                                        </p:attrNameLst>
-                                      </p:cBhvr>
-                                      <p:to>
-                                        <p:strVal val="visible"/>
-                                      </p:to>
-                                    </p:set>
-                                  </p:childTnLst>
-                                </p:cTn>
-                              </p:par>
-                            </p:childTnLst>
-                          </p:cTn>
-                        </p:par>
-                      </p:childTnLst>
-                    </p:cTn>
-                  </p:par>
-                  <p:par>
-                    <p:cTn id="15" fill="hold">
-                      <p:stCondLst>
-                        <p:cond delay="indefinite"/>
-                      </p:stCondLst>
-                      <p:childTnLst>
-                        <p:par>
-                          <p:cTn id="16" fill="hold">
-                            <p:stCondLst>
-                              <p:cond delay="0"/>
-                            </p:stCondLst>
-                            <p:childTnLst>
-                              <p:par>
-                                <p:cTn id="17" presetID="1" presetClass="entr" presetSubtype="0" fill="hold" grpId="0" nodeType="clickEffect">
-                                  <p:stCondLst>
-                                    <p:cond delay="0"/>
-                                  </p:stCondLst>
-                                  <p:childTnLst>
-                                    <p:set>
-                                      <p:cBhvr>
-                                        <p:cTn id="18" dur="1" fill="hold">
-                                          <p:stCondLst>
-                                            <p:cond delay="0"/>
-                                          </p:stCondLst>
-                                        </p:cTn>
-                                        <p:tgtEl>
-                                          <p:spTgt spid="7">
-                                            <p:txEl>
-                                              <p:pRg st="3" end="3"/>
-                                            </p:txEl>
-                                          </p:spTgt>
-                                        </p:tgtEl>
-                                        <p:attrNameLst>
-                                          <p:attrName>style.visibility</p:attrName>
-                                        </p:attrNameLst>
-                                      </p:cBhvr>
-                                      <p:to>
-                                        <p:strVal val="visible"/>
-                                      </p:to>
-                                    </p:set>
-                                  </p:childTnLst>
-                                </p:cTn>
-                              </p:par>
-                            </p:childTnLst>
-                          </p:cTn>
-                        </p:par>
-                      </p:childTnLst>
-                    </p:cTn>
-                  </p:par>
-                  <p:par>
-                    <p:cTn id="19" fill="hold">
-                      <p:stCondLst>
-                        <p:cond delay="indefinite"/>
-                      </p:stCondLst>
-                      <p:childTnLst>
-                        <p:par>
-                          <p:cTn id="20" fill="hold">
-                            <p:stCondLst>
-                              <p:cond delay="0"/>
-                            </p:stCondLst>
-                            <p:childTnLst>
-                              <p:par>
-                                <p:cTn id="21" presetID="1" presetClass="entr" presetSubtype="0" fill="hold" grpId="0" nodeType="clickEffect">
-                                  <p:stCondLst>
-                                    <p:cond delay="0"/>
-                                  </p:stCondLst>
-                                  <p:childTnLst>
-                                    <p:set>
-                                      <p:cBhvr>
-                                        <p:cTn id="22" dur="1" fill="hold">
-                                          <p:stCondLst>
-                                            <p:cond delay="0"/>
-                                          </p:stCondLst>
-                                        </p:cTn>
-                                        <p:tgtEl>
-                                          <p:spTgt spid="7">
-                                            <p:txEl>
-                                              <p:pRg st="4" end="4"/>
-                                            </p:txEl>
-                                          </p:spTgt>
-                                        </p:tgtEl>
-                                        <p:attrNameLst>
-                                          <p:attrName>style.visibility</p:attrName>
-                                        </p:attrNameLst>
-                                      </p:cBhvr>
-                                      <p:to>
-                                        <p:strVal val="visible"/>
-                                      </p:to>
-                                    </p:set>
-                                  </p:childTnLst>
-                                </p:cTn>
-                              </p:par>
-                            </p:childTnLst>
-                          </p:cTn>
-                        </p:par>
-                      </p:childTnLst>
-                    </p:cTn>
-                  </p:par>
-                </p:childTnLst>
-              </p:cTn>
-              <p:prevCondLst>
-                <p:cond evt="onPrev" delay="0">
-                  <p:tgtEl>
-                    <p:sldTgt/>
-                  </p:tgtEl>
-                </p:cond>
-              </p:prevCondLst>
-              <p:nextCondLst>
-                <p:cond evt="onNext" delay="0">
-                  <p:tgtEl>
-                    <p:sldTgt/>
-                  </p:tgtEl>
-                </p:cond>
-              </p:nextCondLst>
-            </p:seq>
-          </p:childTnLst>
-        </p:cTn>
-      </p:par>
-    </p:tnLst>
-    <p:bldLst>
-      <p:bldP spid="7" grpId="0" uiExpand="1" build="p"/>
     </p:bldLst>
   </p:timing>
 </p:sld>

--- a/Tutorial/Distribution Tutorial.pptx
+++ b/Tutorial/Distribution Tutorial.pptx
@@ -15172,11 +15172,21 @@
           <a:lstStyle/>
           <a:p>
             <a:r>
-              <a:rPr lang="en-US" sz="2800"/>
+              <a:rPr lang="en-US" sz="2800" dirty="0"/>
               <a:t>GitHub Repo</a:t>
             </a:r>
             <a:br>
-              <a:rPr lang="en-US" sz="2800"/>
+              <a:rPr lang="en-US" sz="2800" dirty="0"/>
+            </a:br>
+            <a:endParaRPr lang="en-US" sz="2800" dirty="0"/>
+          </a:p>
+          <a:p>
+            <a:r>
+              <a:rPr lang="en-US" sz="2800" dirty="0"/>
+              <a:t>Download or fork from…</a:t>
+            </a:r>
+            <a:br>
+              <a:rPr lang="en-US" sz="2800" dirty="0"/>
             </a:br>
             <a:endParaRPr lang="en-US" sz="2800" dirty="0"/>
           </a:p>
@@ -15359,6 +15369,55 @@
                                           <p:spTgt spid="7">
                                             <p:txEl>
                                               <p:pRg st="1" end="1"/>
+                                            </p:txEl>
+                                          </p:spTgt>
+                                        </p:tgtEl>
+                                        <p:attrNameLst>
+                                          <p:attrName>style.visibility</p:attrName>
+                                        </p:attrNameLst>
+                                      </p:cBhvr>
+                                      <p:to>
+                                        <p:strVal val="visible"/>
+                                      </p:to>
+                                    </p:set>
+                                  </p:childTnLst>
+                                </p:cTn>
+                              </p:par>
+                            </p:childTnLst>
+                          </p:cTn>
+                        </p:par>
+                      </p:childTnLst>
+                    </p:cTn>
+                  </p:par>
+                  <p:par>
+                    <p:cTn id="11" fill="hold">
+                      <p:stCondLst>
+                        <p:cond delay="indefinite"/>
+                      </p:stCondLst>
+                      <p:childTnLst>
+                        <p:par>
+                          <p:cTn id="12" fill="hold">
+                            <p:stCondLst>
+                              <p:cond delay="0"/>
+                            </p:stCondLst>
+                            <p:childTnLst>
+                              <p:par>
+                                <p:cTn id="13" presetID="1" presetClass="entr" presetSubtype="0" fill="hold" nodeType="clickEffect">
+                                  <p:stCondLst>
+                                    <p:cond delay="0"/>
+                                  </p:stCondLst>
+                                  <p:childTnLst>
+                                    <p:set>
+                                      <p:cBhvr>
+                                        <p:cTn id="14" dur="1" fill="hold">
+                                          <p:stCondLst>
+                                            <p:cond delay="0"/>
+                                          </p:stCondLst>
+                                        </p:cTn>
+                                        <p:tgtEl>
+                                          <p:spTgt spid="7">
+                                            <p:txEl>
+                                              <p:pRg st="2" end="2"/>
                                             </p:txEl>
                                           </p:spTgt>
                                         </p:tgtEl>
